--- a/Equipo 10 - Prototype Day.pptx
+++ b/Equipo 10 - Prototype Day.pptx
@@ -5,37 +5,50 @@
     <p:sldMasterId id="2147483659" r:id="rId1"/>
   </p:sldMasterIdLst>
   <p:notesMasterIdLst>
-    <p:notesMasterId r:id="rId6"/>
+    <p:notesMasterId r:id="rId19"/>
   </p:notesMasterIdLst>
   <p:sldIdLst>
     <p:sldId id="257" r:id="rId2"/>
     <p:sldId id="258" r:id="rId3"/>
-    <p:sldId id="271" r:id="rId4"/>
-    <p:sldId id="260" r:id="rId5"/>
+    <p:sldId id="268" r:id="rId4"/>
+    <p:sldId id="273" r:id="rId5"/>
+    <p:sldId id="274" r:id="rId6"/>
+    <p:sldId id="271" r:id="rId7"/>
+    <p:sldId id="261" r:id="rId8"/>
+    <p:sldId id="262" r:id="rId9"/>
+    <p:sldId id="263" r:id="rId10"/>
+    <p:sldId id="270" r:id="rId11"/>
+    <p:sldId id="264" r:id="rId12"/>
+    <p:sldId id="275" r:id="rId13"/>
+    <p:sldId id="276" r:id="rId14"/>
+    <p:sldId id="265" r:id="rId15"/>
+    <p:sldId id="277" r:id="rId16"/>
+    <p:sldId id="267" r:id="rId17"/>
+    <p:sldId id="260" r:id="rId18"/>
   </p:sldIdLst>
   <p:sldSz cx="15122525" cy="7921625"/>
   <p:notesSz cx="6858000" cy="9144000"/>
   <p:embeddedFontLst>
     <p:embeddedFont>
       <p:font typeface="Calibri" panose="020F0502020204030204" pitchFamily="34" charset="0"/>
-      <p:regular r:id="rId7"/>
-      <p:bold r:id="rId8"/>
-      <p:italic r:id="rId9"/>
-      <p:boldItalic r:id="rId10"/>
+      <p:regular r:id="rId20"/>
+      <p:bold r:id="rId21"/>
+      <p:italic r:id="rId22"/>
+      <p:boldItalic r:id="rId23"/>
     </p:embeddedFont>
     <p:embeddedFont>
       <p:font typeface="Montserrat" panose="020B0604020202020204" charset="0"/>
-      <p:regular r:id="rId11"/>
-      <p:bold r:id="rId12"/>
-      <p:italic r:id="rId13"/>
-      <p:boldItalic r:id="rId14"/>
+      <p:regular r:id="rId24"/>
+      <p:bold r:id="rId25"/>
+      <p:italic r:id="rId26"/>
+      <p:boldItalic r:id="rId27"/>
     </p:embeddedFont>
     <p:embeddedFont>
       <p:font typeface="Montserrat SemiBold" panose="020B0604020202020204" charset="0"/>
-      <p:regular r:id="rId15"/>
-      <p:bold r:id="rId16"/>
-      <p:italic r:id="rId17"/>
-      <p:boldItalic r:id="rId18"/>
+      <p:regular r:id="rId28"/>
+      <p:bold r:id="rId29"/>
+      <p:italic r:id="rId30"/>
+      <p:boldItalic r:id="rId31"/>
     </p:embeddedFont>
   </p:embeddedFontLst>
   <p:defaultTextStyle>
@@ -1861,12 +1874,12 @@
 </p:notes>
 </file>
 
-<file path=ppt/notesSlides/notesSlide2.xml><?xml version="1.0" encoding="utf-8"?>
+<file path=ppt/notesSlides/notesSlide10.xml><?xml version="1.0" encoding="utf-8"?>
 <p:notes xmlns:a="http://schemas.openxmlformats.org/drawingml/2006/main" xmlns:r="http://schemas.openxmlformats.org/officeDocument/2006/relationships" xmlns:p="http://schemas.openxmlformats.org/presentationml/2006/main" showMasterSp="0" showMasterPhAnim="0">
   <p:cSld>
     <p:spTree>
       <p:nvGrpSpPr>
-        <p:cNvPr id="1" name="Shape 76"/>
+        <p:cNvPr id="1" name="Shape 218"/>
         <p:cNvGrpSpPr/>
         <p:nvPr/>
       </p:nvGrpSpPr>
@@ -1880,7 +1893,7 @@
       </p:grpSpPr>
       <p:sp>
         <p:nvSpPr>
-          <p:cNvPr id="77" name="Google Shape;77;p1:notes"/>
+          <p:cNvPr id="219" name="Google Shape;219;g7ed7eb645d_0_695:notes"/>
           <p:cNvSpPr>
             <a:spLocks noGrp="1" noRot="1" noChangeAspect="1"/>
           </p:cNvSpPr>
@@ -1931,7 +1944,7 @@
       </p:sp>
       <p:sp>
         <p:nvSpPr>
-          <p:cNvPr id="78" name="Google Shape;78;p1:notes"/>
+          <p:cNvPr id="220" name="Google Shape;220;g7ed7eb645d_0_695:notes"/>
           <p:cNvSpPr txBox="1">
             <a:spLocks noGrp="1"/>
           </p:cNvSpPr>
@@ -1971,7 +1984,78 @@
               <a:buSzPts val="1400"/>
               <a:buNone/>
             </a:pPr>
-            <a:endParaRPr/>
+            <a:r>
+              <a:rPr lang="es-MX" sz="1200" b="1">
+                <a:solidFill>
+                  <a:schemeClr val="dk1"/>
+                </a:solidFill>
+                <a:latin typeface="Montserrat"/>
+                <a:ea typeface="Montserrat"/>
+                <a:cs typeface="Montserrat"/>
+                <a:sym typeface="Montserrat"/>
+              </a:rPr>
+              <a:t>Separador #1 con ícono</a:t>
+            </a:r>
+            <a:br>
+              <a:rPr lang="es-MX" sz="1200" b="1">
+                <a:solidFill>
+                  <a:schemeClr val="dk1"/>
+                </a:solidFill>
+                <a:latin typeface="Montserrat"/>
+                <a:ea typeface="Montserrat"/>
+                <a:cs typeface="Montserrat"/>
+                <a:sym typeface="Montserrat"/>
+              </a:rPr>
+            </a:br>
+            <a:r>
+              <a:rPr lang="es-MX" sz="1200" b="1">
+                <a:solidFill>
+                  <a:schemeClr val="dk1"/>
+                </a:solidFill>
+                <a:latin typeface="Montserrat"/>
+                <a:ea typeface="Montserrat"/>
+                <a:cs typeface="Montserrat"/>
+                <a:sym typeface="Montserrat"/>
+              </a:rPr>
+              <a:t>(colocar ícono a la altura de la separación de las líneas)</a:t>
+            </a:r>
+            <a:endParaRPr sz="1200">
+              <a:solidFill>
+                <a:schemeClr val="dk1"/>
+              </a:solidFill>
+              <a:latin typeface="Montserrat"/>
+              <a:ea typeface="Montserrat"/>
+              <a:cs typeface="Montserrat"/>
+              <a:sym typeface="Montserrat"/>
+            </a:endParaRPr>
+          </a:p>
+          <a:p>
+            <a:pPr marL="0" lvl="0" indent="0" algn="l" rtl="0">
+              <a:lnSpc>
+                <a:spcPct val="100000"/>
+              </a:lnSpc>
+              <a:spcBef>
+                <a:spcPts val="0"/>
+              </a:spcBef>
+              <a:spcAft>
+                <a:spcPts val="0"/>
+              </a:spcAft>
+              <a:buClr>
+                <a:schemeClr val="dk1"/>
+              </a:buClr>
+              <a:buSzPts val="1100"/>
+              <a:buFont typeface="Arial"/>
+              <a:buNone/>
+            </a:pPr>
+            <a:endParaRPr sz="1200" b="1">
+              <a:solidFill>
+                <a:schemeClr val="dk1"/>
+              </a:solidFill>
+              <a:latin typeface="Montserrat"/>
+              <a:ea typeface="Montserrat"/>
+              <a:cs typeface="Montserrat"/>
+              <a:sym typeface="Montserrat"/>
+            </a:endParaRPr>
           </a:p>
         </p:txBody>
       </p:sp>
@@ -1983,12 +2067,12 @@
 </p:notes>
 </file>
 
-<file path=ppt/notesSlides/notesSlide3.xml><?xml version="1.0" encoding="utf-8"?>
+<file path=ppt/notesSlides/notesSlide11.xml><?xml version="1.0" encoding="utf-8"?>
 <p:notes xmlns:a="http://schemas.openxmlformats.org/drawingml/2006/main" xmlns:r="http://schemas.openxmlformats.org/officeDocument/2006/relationships" xmlns:p="http://schemas.openxmlformats.org/presentationml/2006/main" showMasterSp="0" showMasterPhAnim="0">
   <p:cSld>
     <p:spTree>
       <p:nvGrpSpPr>
-        <p:cNvPr id="1" name="Shape 229"/>
+        <p:cNvPr id="1" name="Shape 150"/>
         <p:cNvGrpSpPr/>
         <p:nvPr/>
       </p:nvGrpSpPr>
@@ -2002,7 +2086,7 @@
       </p:grpSpPr>
       <p:sp>
         <p:nvSpPr>
-          <p:cNvPr id="230" name="Google Shape;230;p2:notes"/>
+          <p:cNvPr id="151" name="Google Shape;151;g98072d2428_1_46:notes"/>
           <p:cNvSpPr>
             <a:spLocks noGrp="1" noRot="1" noChangeAspect="1"/>
           </p:cNvSpPr>
@@ -2053,7 +2137,7 @@
       </p:sp>
       <p:sp>
         <p:nvSpPr>
-          <p:cNvPr id="231" name="Google Shape;231;p2:notes"/>
+          <p:cNvPr id="152" name="Google Shape;152;g98072d2428_1_46:notes"/>
           <p:cNvSpPr txBox="1">
             <a:spLocks noGrp="1"/>
           </p:cNvSpPr>
@@ -2093,78 +2177,7 @@
               <a:buSzPts val="1400"/>
               <a:buNone/>
             </a:pPr>
-            <a:r>
-              <a:rPr lang="es-MX" sz="1200" b="1">
-                <a:solidFill>
-                  <a:schemeClr val="dk1"/>
-                </a:solidFill>
-                <a:latin typeface="Montserrat"/>
-                <a:ea typeface="Montserrat"/>
-                <a:cs typeface="Montserrat"/>
-                <a:sym typeface="Montserrat"/>
-              </a:rPr>
-              <a:t>Separador #2 con fotografía</a:t>
-            </a:r>
-            <a:br>
-              <a:rPr lang="es-MX" sz="1200" b="1">
-                <a:solidFill>
-                  <a:schemeClr val="dk1"/>
-                </a:solidFill>
-                <a:latin typeface="Montserrat"/>
-                <a:ea typeface="Montserrat"/>
-                <a:cs typeface="Montserrat"/>
-                <a:sym typeface="Montserrat"/>
-              </a:rPr>
-            </a:br>
-            <a:r>
-              <a:rPr lang="es-MX" sz="1200" b="1">
-                <a:solidFill>
-                  <a:schemeClr val="dk1"/>
-                </a:solidFill>
-                <a:latin typeface="Montserrat"/>
-                <a:ea typeface="Montserrat"/>
-                <a:cs typeface="Montserrat"/>
-                <a:sym typeface="Montserrat"/>
-              </a:rPr>
-              <a:t>(colocar imagen a la altura de la separación de las líneas)</a:t>
-            </a:r>
-            <a:endParaRPr sz="1200">
-              <a:solidFill>
-                <a:schemeClr val="dk1"/>
-              </a:solidFill>
-              <a:latin typeface="Montserrat"/>
-              <a:ea typeface="Montserrat"/>
-              <a:cs typeface="Montserrat"/>
-              <a:sym typeface="Montserrat"/>
-            </a:endParaRPr>
-          </a:p>
-          <a:p>
-            <a:pPr marL="0" lvl="0" indent="0" algn="l" rtl="0">
-              <a:lnSpc>
-                <a:spcPct val="100000"/>
-              </a:lnSpc>
-              <a:spcBef>
-                <a:spcPts val="0"/>
-              </a:spcBef>
-              <a:spcAft>
-                <a:spcPts val="0"/>
-              </a:spcAft>
-              <a:buClr>
-                <a:schemeClr val="dk1"/>
-              </a:buClr>
-              <a:buSzPts val="1100"/>
-              <a:buFont typeface="Arial"/>
-              <a:buNone/>
-            </a:pPr>
-            <a:endParaRPr sz="1200" b="1">
-              <a:solidFill>
-                <a:schemeClr val="dk1"/>
-              </a:solidFill>
-              <a:latin typeface="Montserrat"/>
-              <a:ea typeface="Montserrat"/>
-              <a:cs typeface="Montserrat"/>
-              <a:sym typeface="Montserrat"/>
-            </a:endParaRPr>
+            <a:endParaRPr/>
           </a:p>
         </p:txBody>
       </p:sp>
@@ -2176,12 +2189,12 @@
 </p:notes>
 </file>
 
-<file path=ppt/notesSlides/notesSlide4.xml><?xml version="1.0" encoding="utf-8"?>
+<file path=ppt/notesSlides/notesSlide12.xml><?xml version="1.0" encoding="utf-8"?>
 <p:notes xmlns:a="http://schemas.openxmlformats.org/drawingml/2006/main" xmlns:r="http://schemas.openxmlformats.org/officeDocument/2006/relationships" xmlns:p="http://schemas.openxmlformats.org/presentationml/2006/main" showMasterSp="0" showMasterPhAnim="0">
   <p:cSld>
     <p:spTree>
       <p:nvGrpSpPr>
-        <p:cNvPr id="1" name="Shape 99"/>
+        <p:cNvPr id="1" name="Shape 188"/>
         <p:cNvGrpSpPr/>
         <p:nvPr/>
       </p:nvGrpSpPr>
@@ -2195,7 +2208,7 @@
       </p:grpSpPr>
       <p:sp>
         <p:nvSpPr>
-          <p:cNvPr id="100" name="Google Shape;100;g98072d2428_1_0:notes"/>
+          <p:cNvPr id="189" name="Google Shape;189;g8148f40e0d_1_0:notes"/>
           <p:cNvSpPr>
             <a:spLocks noGrp="1" noRot="1" noChangeAspect="1"/>
           </p:cNvSpPr>
@@ -2246,7 +2259,134 @@
       </p:sp>
       <p:sp>
         <p:nvSpPr>
-          <p:cNvPr id="101" name="Google Shape;101;g98072d2428_1_0:notes"/>
+          <p:cNvPr id="190" name="Google Shape;190;g8148f40e0d_1_0:notes"/>
+          <p:cNvSpPr txBox="1">
+            <a:spLocks noGrp="1"/>
+          </p:cNvSpPr>
+          <p:nvPr>
+            <p:ph type="body" idx="1"/>
+          </p:nvPr>
+        </p:nvSpPr>
+        <p:spPr>
+          <a:xfrm>
+            <a:off x="685800" y="4343400"/>
+            <a:ext cx="5486400" cy="4114800"/>
+          </a:xfrm>
+          <a:prstGeom prst="rect">
+            <a:avLst/>
+          </a:prstGeom>
+          <a:noFill/>
+          <a:ln>
+            <a:noFill/>
+          </a:ln>
+        </p:spPr>
+        <p:txBody>
+          <a:bodyPr spcFirstLastPara="1" wrap="square" lIns="91425" tIns="45700" rIns="91425" bIns="45700" anchor="t" anchorCtr="0">
+            <a:noAutofit/>
+          </a:bodyPr>
+          <a:lstStyle/>
+          <a:p>
+            <a:pPr marL="0" lvl="0" indent="0" algn="l" rtl="0">
+              <a:lnSpc>
+                <a:spcPct val="100000"/>
+              </a:lnSpc>
+              <a:spcBef>
+                <a:spcPts val="0"/>
+              </a:spcBef>
+              <a:spcAft>
+                <a:spcPts val="0"/>
+              </a:spcAft>
+              <a:buSzPts val="1400"/>
+              <a:buNone/>
+            </a:pPr>
+            <a:endParaRPr/>
+          </a:p>
+        </p:txBody>
+      </p:sp>
+    </p:spTree>
+    <p:extLst>
+      <p:ext uri="{BB962C8B-B14F-4D97-AF65-F5344CB8AC3E}">
+        <p14:creationId xmlns:p14="http://schemas.microsoft.com/office/powerpoint/2010/main" val="2453190376"/>
+      </p:ext>
+    </p:extLst>
+  </p:cSld>
+  <p:clrMapOvr>
+    <a:masterClrMapping/>
+  </p:clrMapOvr>
+</p:notes>
+</file>
+
+<file path=ppt/notesSlides/notesSlide13.xml><?xml version="1.0" encoding="utf-8"?>
+<p:notes xmlns:a="http://schemas.openxmlformats.org/drawingml/2006/main" xmlns:r="http://schemas.openxmlformats.org/officeDocument/2006/relationships" xmlns:p="http://schemas.openxmlformats.org/presentationml/2006/main" showMasterSp="0" showMasterPhAnim="0">
+  <p:cSld>
+    <p:spTree>
+      <p:nvGrpSpPr>
+        <p:cNvPr id="1" name="Shape 218"/>
+        <p:cNvGrpSpPr/>
+        <p:nvPr/>
+      </p:nvGrpSpPr>
+      <p:grpSpPr>
+        <a:xfrm>
+          <a:off x="0" y="0"/>
+          <a:ext cx="0" cy="0"/>
+          <a:chOff x="0" y="0"/>
+          <a:chExt cx="0" cy="0"/>
+        </a:xfrm>
+      </p:grpSpPr>
+      <p:sp>
+        <p:nvSpPr>
+          <p:cNvPr id="219" name="Google Shape;219;g7ed7eb645d_0_695:notes"/>
+          <p:cNvSpPr>
+            <a:spLocks noGrp="1" noRot="1" noChangeAspect="1"/>
+          </p:cNvSpPr>
+          <p:nvPr>
+            <p:ph type="sldImg" idx="2"/>
+          </p:nvPr>
+        </p:nvSpPr>
+        <p:spPr>
+          <a:xfrm>
+            <a:off x="155575" y="685800"/>
+            <a:ext cx="6546850" cy="3429000"/>
+          </a:xfrm>
+          <a:custGeom>
+            <a:avLst/>
+            <a:gdLst/>
+            <a:ahLst/>
+            <a:cxnLst/>
+            <a:rect l="l" t="t" r="r" b="b"/>
+            <a:pathLst>
+              <a:path w="120000" h="120000" extrusionOk="0">
+                <a:moveTo>
+                  <a:pt x="0" y="0"/>
+                </a:moveTo>
+                <a:lnTo>
+                  <a:pt x="120000" y="0"/>
+                </a:lnTo>
+                <a:lnTo>
+                  <a:pt x="120000" y="120000"/>
+                </a:lnTo>
+                <a:lnTo>
+                  <a:pt x="0" y="120000"/>
+                </a:lnTo>
+                <a:close/>
+              </a:path>
+            </a:pathLst>
+          </a:custGeom>
+          <a:noFill/>
+          <a:ln w="12700" cap="flat" cmpd="sng">
+            <a:solidFill>
+              <a:srgbClr val="000000"/>
+            </a:solidFill>
+            <a:prstDash val="solid"/>
+            <a:round/>
+            <a:headEnd type="none" w="sm" len="sm"/>
+            <a:tailEnd type="none" w="sm" len="sm"/>
+          </a:ln>
+        </p:spPr>
+      </p:sp>
+      <p:sp>
+        <p:nvSpPr>
+          <p:cNvPr id="220" name="Google Shape;220;g7ed7eb645d_0_695:notes"/>
           <p:cNvSpPr txBox="1">
             <a:spLocks noGrp="1"/>
           </p:cNvSpPr>
@@ -2358,6 +2498,1647 @@
               <a:cs typeface="Montserrat"/>
               <a:sym typeface="Montserrat"/>
             </a:endParaRPr>
+          </a:p>
+        </p:txBody>
+      </p:sp>
+    </p:spTree>
+    <p:extLst>
+      <p:ext uri="{BB962C8B-B14F-4D97-AF65-F5344CB8AC3E}">
+        <p14:creationId xmlns:p14="http://schemas.microsoft.com/office/powerpoint/2010/main" val="4037419904"/>
+      </p:ext>
+    </p:extLst>
+  </p:cSld>
+  <p:clrMapOvr>
+    <a:masterClrMapping/>
+  </p:clrMapOvr>
+</p:notes>
+</file>
+
+<file path=ppt/notesSlides/notesSlide14.xml><?xml version="1.0" encoding="utf-8"?>
+<p:notes xmlns:a="http://schemas.openxmlformats.org/drawingml/2006/main" xmlns:r="http://schemas.openxmlformats.org/officeDocument/2006/relationships" xmlns:p="http://schemas.openxmlformats.org/presentationml/2006/main" showMasterSp="0" showMasterPhAnim="0">
+  <p:cSld>
+    <p:spTree>
+      <p:nvGrpSpPr>
+        <p:cNvPr id="1" name="Shape 163"/>
+        <p:cNvGrpSpPr/>
+        <p:nvPr/>
+      </p:nvGrpSpPr>
+      <p:grpSpPr>
+        <a:xfrm>
+          <a:off x="0" y="0"/>
+          <a:ext cx="0" cy="0"/>
+          <a:chOff x="0" y="0"/>
+          <a:chExt cx="0" cy="0"/>
+        </a:xfrm>
+      </p:grpSpPr>
+      <p:sp>
+        <p:nvSpPr>
+          <p:cNvPr id="164" name="Google Shape;164;g98072d2428_1_58:notes"/>
+          <p:cNvSpPr>
+            <a:spLocks noGrp="1" noRot="1" noChangeAspect="1"/>
+          </p:cNvSpPr>
+          <p:nvPr>
+            <p:ph type="sldImg" idx="2"/>
+          </p:nvPr>
+        </p:nvSpPr>
+        <p:spPr>
+          <a:xfrm>
+            <a:off x="155575" y="685800"/>
+            <a:ext cx="6546850" cy="3429000"/>
+          </a:xfrm>
+          <a:custGeom>
+            <a:avLst/>
+            <a:gdLst/>
+            <a:ahLst/>
+            <a:cxnLst/>
+            <a:rect l="l" t="t" r="r" b="b"/>
+            <a:pathLst>
+              <a:path w="120000" h="120000" extrusionOk="0">
+                <a:moveTo>
+                  <a:pt x="0" y="0"/>
+                </a:moveTo>
+                <a:lnTo>
+                  <a:pt x="120000" y="0"/>
+                </a:lnTo>
+                <a:lnTo>
+                  <a:pt x="120000" y="120000"/>
+                </a:lnTo>
+                <a:lnTo>
+                  <a:pt x="0" y="120000"/>
+                </a:lnTo>
+                <a:close/>
+              </a:path>
+            </a:pathLst>
+          </a:custGeom>
+          <a:noFill/>
+          <a:ln w="12700" cap="flat" cmpd="sng">
+            <a:solidFill>
+              <a:srgbClr val="000000"/>
+            </a:solidFill>
+            <a:prstDash val="solid"/>
+            <a:round/>
+            <a:headEnd type="none" w="sm" len="sm"/>
+            <a:tailEnd type="none" w="sm" len="sm"/>
+          </a:ln>
+        </p:spPr>
+      </p:sp>
+      <p:sp>
+        <p:nvSpPr>
+          <p:cNvPr id="165" name="Google Shape;165;g98072d2428_1_58:notes"/>
+          <p:cNvSpPr txBox="1">
+            <a:spLocks noGrp="1"/>
+          </p:cNvSpPr>
+          <p:nvPr>
+            <p:ph type="body" idx="1"/>
+          </p:nvPr>
+        </p:nvSpPr>
+        <p:spPr>
+          <a:xfrm>
+            <a:off x="685800" y="4343400"/>
+            <a:ext cx="5486400" cy="4114800"/>
+          </a:xfrm>
+          <a:prstGeom prst="rect">
+            <a:avLst/>
+          </a:prstGeom>
+          <a:noFill/>
+          <a:ln>
+            <a:noFill/>
+          </a:ln>
+        </p:spPr>
+        <p:txBody>
+          <a:bodyPr spcFirstLastPara="1" wrap="square" lIns="91425" tIns="45700" rIns="91425" bIns="45700" anchor="t" anchorCtr="0">
+            <a:noAutofit/>
+          </a:bodyPr>
+          <a:lstStyle/>
+          <a:p>
+            <a:pPr marL="0" lvl="0" indent="0" algn="l" rtl="0">
+              <a:lnSpc>
+                <a:spcPct val="100000"/>
+              </a:lnSpc>
+              <a:spcBef>
+                <a:spcPts val="0"/>
+              </a:spcBef>
+              <a:spcAft>
+                <a:spcPts val="0"/>
+              </a:spcAft>
+              <a:buSzPts val="1400"/>
+              <a:buNone/>
+            </a:pPr>
+            <a:endParaRPr/>
+          </a:p>
+        </p:txBody>
+      </p:sp>
+    </p:spTree>
+  </p:cSld>
+  <p:clrMapOvr>
+    <a:masterClrMapping/>
+  </p:clrMapOvr>
+</p:notes>
+</file>
+
+<file path=ppt/notesSlides/notesSlide15.xml><?xml version="1.0" encoding="utf-8"?>
+<p:notes xmlns:a="http://schemas.openxmlformats.org/drawingml/2006/main" xmlns:r="http://schemas.openxmlformats.org/officeDocument/2006/relationships" xmlns:p="http://schemas.openxmlformats.org/presentationml/2006/main" showMasterSp="0" showMasterPhAnim="0">
+  <p:cSld>
+    <p:spTree>
+      <p:nvGrpSpPr>
+        <p:cNvPr id="1" name="Shape 163"/>
+        <p:cNvGrpSpPr/>
+        <p:nvPr/>
+      </p:nvGrpSpPr>
+      <p:grpSpPr>
+        <a:xfrm>
+          <a:off x="0" y="0"/>
+          <a:ext cx="0" cy="0"/>
+          <a:chOff x="0" y="0"/>
+          <a:chExt cx="0" cy="0"/>
+        </a:xfrm>
+      </p:grpSpPr>
+      <p:sp>
+        <p:nvSpPr>
+          <p:cNvPr id="164" name="Google Shape;164;g98072d2428_1_58:notes"/>
+          <p:cNvSpPr>
+            <a:spLocks noGrp="1" noRot="1" noChangeAspect="1"/>
+          </p:cNvSpPr>
+          <p:nvPr>
+            <p:ph type="sldImg" idx="2"/>
+          </p:nvPr>
+        </p:nvSpPr>
+        <p:spPr>
+          <a:xfrm>
+            <a:off x="155575" y="685800"/>
+            <a:ext cx="6546850" cy="3429000"/>
+          </a:xfrm>
+          <a:custGeom>
+            <a:avLst/>
+            <a:gdLst/>
+            <a:ahLst/>
+            <a:cxnLst/>
+            <a:rect l="l" t="t" r="r" b="b"/>
+            <a:pathLst>
+              <a:path w="120000" h="120000" extrusionOk="0">
+                <a:moveTo>
+                  <a:pt x="0" y="0"/>
+                </a:moveTo>
+                <a:lnTo>
+                  <a:pt x="120000" y="0"/>
+                </a:lnTo>
+                <a:lnTo>
+                  <a:pt x="120000" y="120000"/>
+                </a:lnTo>
+                <a:lnTo>
+                  <a:pt x="0" y="120000"/>
+                </a:lnTo>
+                <a:close/>
+              </a:path>
+            </a:pathLst>
+          </a:custGeom>
+          <a:noFill/>
+          <a:ln w="12700" cap="flat" cmpd="sng">
+            <a:solidFill>
+              <a:srgbClr val="000000"/>
+            </a:solidFill>
+            <a:prstDash val="solid"/>
+            <a:round/>
+            <a:headEnd type="none" w="sm" len="sm"/>
+            <a:tailEnd type="none" w="sm" len="sm"/>
+          </a:ln>
+        </p:spPr>
+      </p:sp>
+      <p:sp>
+        <p:nvSpPr>
+          <p:cNvPr id="165" name="Google Shape;165;g98072d2428_1_58:notes"/>
+          <p:cNvSpPr txBox="1">
+            <a:spLocks noGrp="1"/>
+          </p:cNvSpPr>
+          <p:nvPr>
+            <p:ph type="body" idx="1"/>
+          </p:nvPr>
+        </p:nvSpPr>
+        <p:spPr>
+          <a:xfrm>
+            <a:off x="685800" y="4343400"/>
+            <a:ext cx="5486400" cy="4114800"/>
+          </a:xfrm>
+          <a:prstGeom prst="rect">
+            <a:avLst/>
+          </a:prstGeom>
+          <a:noFill/>
+          <a:ln>
+            <a:noFill/>
+          </a:ln>
+        </p:spPr>
+        <p:txBody>
+          <a:bodyPr spcFirstLastPara="1" wrap="square" lIns="91425" tIns="45700" rIns="91425" bIns="45700" anchor="t" anchorCtr="0">
+            <a:noAutofit/>
+          </a:bodyPr>
+          <a:lstStyle/>
+          <a:p>
+            <a:pPr marL="0" lvl="0" indent="0" algn="l" rtl="0">
+              <a:lnSpc>
+                <a:spcPct val="100000"/>
+              </a:lnSpc>
+              <a:spcBef>
+                <a:spcPts val="0"/>
+              </a:spcBef>
+              <a:spcAft>
+                <a:spcPts val="0"/>
+              </a:spcAft>
+              <a:buSzPts val="1400"/>
+              <a:buNone/>
+            </a:pPr>
+            <a:endParaRPr/>
+          </a:p>
+        </p:txBody>
+      </p:sp>
+    </p:spTree>
+    <p:extLst>
+      <p:ext uri="{BB962C8B-B14F-4D97-AF65-F5344CB8AC3E}">
+        <p14:creationId xmlns:p14="http://schemas.microsoft.com/office/powerpoint/2010/main" val="964423422"/>
+      </p:ext>
+    </p:extLst>
+  </p:cSld>
+  <p:clrMapOvr>
+    <a:masterClrMapping/>
+  </p:clrMapOvr>
+</p:notes>
+</file>
+
+<file path=ppt/notesSlides/notesSlide16.xml><?xml version="1.0" encoding="utf-8"?>
+<p:notes xmlns:a="http://schemas.openxmlformats.org/drawingml/2006/main" xmlns:r="http://schemas.openxmlformats.org/officeDocument/2006/relationships" xmlns:p="http://schemas.openxmlformats.org/presentationml/2006/main" showMasterSp="0" showMasterPhAnim="0">
+  <p:cSld>
+    <p:spTree>
+      <p:nvGrpSpPr>
+        <p:cNvPr id="1" name="Shape 188"/>
+        <p:cNvGrpSpPr/>
+        <p:nvPr/>
+      </p:nvGrpSpPr>
+      <p:grpSpPr>
+        <a:xfrm>
+          <a:off x="0" y="0"/>
+          <a:ext cx="0" cy="0"/>
+          <a:chOff x="0" y="0"/>
+          <a:chExt cx="0" cy="0"/>
+        </a:xfrm>
+      </p:grpSpPr>
+      <p:sp>
+        <p:nvSpPr>
+          <p:cNvPr id="189" name="Google Shape;189;g8148f40e0d_1_0:notes"/>
+          <p:cNvSpPr>
+            <a:spLocks noGrp="1" noRot="1" noChangeAspect="1"/>
+          </p:cNvSpPr>
+          <p:nvPr>
+            <p:ph type="sldImg" idx="2"/>
+          </p:nvPr>
+        </p:nvSpPr>
+        <p:spPr>
+          <a:xfrm>
+            <a:off x="155575" y="685800"/>
+            <a:ext cx="6546850" cy="3429000"/>
+          </a:xfrm>
+          <a:custGeom>
+            <a:avLst/>
+            <a:gdLst/>
+            <a:ahLst/>
+            <a:cxnLst/>
+            <a:rect l="l" t="t" r="r" b="b"/>
+            <a:pathLst>
+              <a:path w="120000" h="120000" extrusionOk="0">
+                <a:moveTo>
+                  <a:pt x="0" y="0"/>
+                </a:moveTo>
+                <a:lnTo>
+                  <a:pt x="120000" y="0"/>
+                </a:lnTo>
+                <a:lnTo>
+                  <a:pt x="120000" y="120000"/>
+                </a:lnTo>
+                <a:lnTo>
+                  <a:pt x="0" y="120000"/>
+                </a:lnTo>
+                <a:close/>
+              </a:path>
+            </a:pathLst>
+          </a:custGeom>
+          <a:noFill/>
+          <a:ln w="12700" cap="flat" cmpd="sng">
+            <a:solidFill>
+              <a:srgbClr val="000000"/>
+            </a:solidFill>
+            <a:prstDash val="solid"/>
+            <a:round/>
+            <a:headEnd type="none" w="sm" len="sm"/>
+            <a:tailEnd type="none" w="sm" len="sm"/>
+          </a:ln>
+        </p:spPr>
+      </p:sp>
+      <p:sp>
+        <p:nvSpPr>
+          <p:cNvPr id="190" name="Google Shape;190;g8148f40e0d_1_0:notes"/>
+          <p:cNvSpPr txBox="1">
+            <a:spLocks noGrp="1"/>
+          </p:cNvSpPr>
+          <p:nvPr>
+            <p:ph type="body" idx="1"/>
+          </p:nvPr>
+        </p:nvSpPr>
+        <p:spPr>
+          <a:xfrm>
+            <a:off x="685800" y="4343400"/>
+            <a:ext cx="5486400" cy="4114800"/>
+          </a:xfrm>
+          <a:prstGeom prst="rect">
+            <a:avLst/>
+          </a:prstGeom>
+          <a:noFill/>
+          <a:ln>
+            <a:noFill/>
+          </a:ln>
+        </p:spPr>
+        <p:txBody>
+          <a:bodyPr spcFirstLastPara="1" wrap="square" lIns="91425" tIns="45700" rIns="91425" bIns="45700" anchor="t" anchorCtr="0">
+            <a:noAutofit/>
+          </a:bodyPr>
+          <a:lstStyle/>
+          <a:p>
+            <a:pPr marL="0" lvl="0" indent="0" algn="l" rtl="0">
+              <a:lnSpc>
+                <a:spcPct val="100000"/>
+              </a:lnSpc>
+              <a:spcBef>
+                <a:spcPts val="0"/>
+              </a:spcBef>
+              <a:spcAft>
+                <a:spcPts val="0"/>
+              </a:spcAft>
+              <a:buSzPts val="1400"/>
+              <a:buNone/>
+            </a:pPr>
+            <a:endParaRPr/>
+          </a:p>
+        </p:txBody>
+      </p:sp>
+    </p:spTree>
+  </p:cSld>
+  <p:clrMapOvr>
+    <a:masterClrMapping/>
+  </p:clrMapOvr>
+</p:notes>
+</file>
+
+<file path=ppt/notesSlides/notesSlide17.xml><?xml version="1.0" encoding="utf-8"?>
+<p:notes xmlns:a="http://schemas.openxmlformats.org/drawingml/2006/main" xmlns:r="http://schemas.openxmlformats.org/officeDocument/2006/relationships" xmlns:p="http://schemas.openxmlformats.org/presentationml/2006/main" showMasterSp="0" showMasterPhAnim="0">
+  <p:cSld>
+    <p:spTree>
+      <p:nvGrpSpPr>
+        <p:cNvPr id="1" name="Shape 99"/>
+        <p:cNvGrpSpPr/>
+        <p:nvPr/>
+      </p:nvGrpSpPr>
+      <p:grpSpPr>
+        <a:xfrm>
+          <a:off x="0" y="0"/>
+          <a:ext cx="0" cy="0"/>
+          <a:chOff x="0" y="0"/>
+          <a:chExt cx="0" cy="0"/>
+        </a:xfrm>
+      </p:grpSpPr>
+      <p:sp>
+        <p:nvSpPr>
+          <p:cNvPr id="100" name="Google Shape;100;g98072d2428_1_0:notes"/>
+          <p:cNvSpPr>
+            <a:spLocks noGrp="1" noRot="1" noChangeAspect="1"/>
+          </p:cNvSpPr>
+          <p:nvPr>
+            <p:ph type="sldImg" idx="2"/>
+          </p:nvPr>
+        </p:nvSpPr>
+        <p:spPr>
+          <a:xfrm>
+            <a:off x="155575" y="685800"/>
+            <a:ext cx="6546850" cy="3429000"/>
+          </a:xfrm>
+          <a:custGeom>
+            <a:avLst/>
+            <a:gdLst/>
+            <a:ahLst/>
+            <a:cxnLst/>
+            <a:rect l="l" t="t" r="r" b="b"/>
+            <a:pathLst>
+              <a:path w="120000" h="120000" extrusionOk="0">
+                <a:moveTo>
+                  <a:pt x="0" y="0"/>
+                </a:moveTo>
+                <a:lnTo>
+                  <a:pt x="120000" y="0"/>
+                </a:lnTo>
+                <a:lnTo>
+                  <a:pt x="120000" y="120000"/>
+                </a:lnTo>
+                <a:lnTo>
+                  <a:pt x="0" y="120000"/>
+                </a:lnTo>
+                <a:close/>
+              </a:path>
+            </a:pathLst>
+          </a:custGeom>
+          <a:noFill/>
+          <a:ln w="12700" cap="flat" cmpd="sng">
+            <a:solidFill>
+              <a:srgbClr val="000000"/>
+            </a:solidFill>
+            <a:prstDash val="solid"/>
+            <a:round/>
+            <a:headEnd type="none" w="sm" len="sm"/>
+            <a:tailEnd type="none" w="sm" len="sm"/>
+          </a:ln>
+        </p:spPr>
+      </p:sp>
+      <p:sp>
+        <p:nvSpPr>
+          <p:cNvPr id="101" name="Google Shape;101;g98072d2428_1_0:notes"/>
+          <p:cNvSpPr txBox="1">
+            <a:spLocks noGrp="1"/>
+          </p:cNvSpPr>
+          <p:nvPr>
+            <p:ph type="body" idx="1"/>
+          </p:nvPr>
+        </p:nvSpPr>
+        <p:spPr>
+          <a:xfrm>
+            <a:off x="685800" y="4343400"/>
+            <a:ext cx="5486400" cy="4114800"/>
+          </a:xfrm>
+          <a:prstGeom prst="rect">
+            <a:avLst/>
+          </a:prstGeom>
+          <a:noFill/>
+          <a:ln>
+            <a:noFill/>
+          </a:ln>
+        </p:spPr>
+        <p:txBody>
+          <a:bodyPr spcFirstLastPara="1" wrap="square" lIns="91425" tIns="45700" rIns="91425" bIns="45700" anchor="t" anchorCtr="0">
+            <a:noAutofit/>
+          </a:bodyPr>
+          <a:lstStyle/>
+          <a:p>
+            <a:pPr marL="0" lvl="0" indent="0" algn="l" rtl="0">
+              <a:lnSpc>
+                <a:spcPct val="100000"/>
+              </a:lnSpc>
+              <a:spcBef>
+                <a:spcPts val="0"/>
+              </a:spcBef>
+              <a:spcAft>
+                <a:spcPts val="0"/>
+              </a:spcAft>
+              <a:buSzPts val="1400"/>
+              <a:buNone/>
+            </a:pPr>
+            <a:r>
+              <a:rPr lang="es-MX" sz="1200" b="1">
+                <a:solidFill>
+                  <a:schemeClr val="dk1"/>
+                </a:solidFill>
+                <a:latin typeface="Montserrat"/>
+                <a:ea typeface="Montserrat"/>
+                <a:cs typeface="Montserrat"/>
+                <a:sym typeface="Montserrat"/>
+              </a:rPr>
+              <a:t>Separador #1 con ícono</a:t>
+            </a:r>
+            <a:br>
+              <a:rPr lang="es-MX" sz="1200" b="1">
+                <a:solidFill>
+                  <a:schemeClr val="dk1"/>
+                </a:solidFill>
+                <a:latin typeface="Montserrat"/>
+                <a:ea typeface="Montserrat"/>
+                <a:cs typeface="Montserrat"/>
+                <a:sym typeface="Montserrat"/>
+              </a:rPr>
+            </a:br>
+            <a:r>
+              <a:rPr lang="es-MX" sz="1200" b="1">
+                <a:solidFill>
+                  <a:schemeClr val="dk1"/>
+                </a:solidFill>
+                <a:latin typeface="Montserrat"/>
+                <a:ea typeface="Montserrat"/>
+                <a:cs typeface="Montserrat"/>
+                <a:sym typeface="Montserrat"/>
+              </a:rPr>
+              <a:t>(colocar ícono a la altura de la separación de las líneas)</a:t>
+            </a:r>
+            <a:endParaRPr sz="1200">
+              <a:solidFill>
+                <a:schemeClr val="dk1"/>
+              </a:solidFill>
+              <a:latin typeface="Montserrat"/>
+              <a:ea typeface="Montserrat"/>
+              <a:cs typeface="Montserrat"/>
+              <a:sym typeface="Montserrat"/>
+            </a:endParaRPr>
+          </a:p>
+          <a:p>
+            <a:pPr marL="0" lvl="0" indent="0" algn="l" rtl="0">
+              <a:lnSpc>
+                <a:spcPct val="100000"/>
+              </a:lnSpc>
+              <a:spcBef>
+                <a:spcPts val="0"/>
+              </a:spcBef>
+              <a:spcAft>
+                <a:spcPts val="0"/>
+              </a:spcAft>
+              <a:buClr>
+                <a:schemeClr val="dk1"/>
+              </a:buClr>
+              <a:buSzPts val="1100"/>
+              <a:buFont typeface="Arial"/>
+              <a:buNone/>
+            </a:pPr>
+            <a:endParaRPr sz="1200" b="1">
+              <a:solidFill>
+                <a:schemeClr val="dk1"/>
+              </a:solidFill>
+              <a:latin typeface="Montserrat"/>
+              <a:ea typeface="Montserrat"/>
+              <a:cs typeface="Montserrat"/>
+              <a:sym typeface="Montserrat"/>
+            </a:endParaRPr>
+          </a:p>
+        </p:txBody>
+      </p:sp>
+    </p:spTree>
+  </p:cSld>
+  <p:clrMapOvr>
+    <a:masterClrMapping/>
+  </p:clrMapOvr>
+</p:notes>
+</file>
+
+<file path=ppt/notesSlides/notesSlide2.xml><?xml version="1.0" encoding="utf-8"?>
+<p:notes xmlns:a="http://schemas.openxmlformats.org/drawingml/2006/main" xmlns:r="http://schemas.openxmlformats.org/officeDocument/2006/relationships" xmlns:p="http://schemas.openxmlformats.org/presentationml/2006/main" showMasterSp="0" showMasterPhAnim="0">
+  <p:cSld>
+    <p:spTree>
+      <p:nvGrpSpPr>
+        <p:cNvPr id="1" name="Shape 76"/>
+        <p:cNvGrpSpPr/>
+        <p:nvPr/>
+      </p:nvGrpSpPr>
+      <p:grpSpPr>
+        <a:xfrm>
+          <a:off x="0" y="0"/>
+          <a:ext cx="0" cy="0"/>
+          <a:chOff x="0" y="0"/>
+          <a:chExt cx="0" cy="0"/>
+        </a:xfrm>
+      </p:grpSpPr>
+      <p:sp>
+        <p:nvSpPr>
+          <p:cNvPr id="77" name="Google Shape;77;p1:notes"/>
+          <p:cNvSpPr>
+            <a:spLocks noGrp="1" noRot="1" noChangeAspect="1"/>
+          </p:cNvSpPr>
+          <p:nvPr>
+            <p:ph type="sldImg" idx="2"/>
+          </p:nvPr>
+        </p:nvSpPr>
+        <p:spPr>
+          <a:xfrm>
+            <a:off x="155575" y="685800"/>
+            <a:ext cx="6546850" cy="3429000"/>
+          </a:xfrm>
+          <a:custGeom>
+            <a:avLst/>
+            <a:gdLst/>
+            <a:ahLst/>
+            <a:cxnLst/>
+            <a:rect l="l" t="t" r="r" b="b"/>
+            <a:pathLst>
+              <a:path w="120000" h="120000" extrusionOk="0">
+                <a:moveTo>
+                  <a:pt x="0" y="0"/>
+                </a:moveTo>
+                <a:lnTo>
+                  <a:pt x="120000" y="0"/>
+                </a:lnTo>
+                <a:lnTo>
+                  <a:pt x="120000" y="120000"/>
+                </a:lnTo>
+                <a:lnTo>
+                  <a:pt x="0" y="120000"/>
+                </a:lnTo>
+                <a:close/>
+              </a:path>
+            </a:pathLst>
+          </a:custGeom>
+          <a:noFill/>
+          <a:ln w="12700" cap="flat" cmpd="sng">
+            <a:solidFill>
+              <a:srgbClr val="000000"/>
+            </a:solidFill>
+            <a:prstDash val="solid"/>
+            <a:round/>
+            <a:headEnd type="none" w="sm" len="sm"/>
+            <a:tailEnd type="none" w="sm" len="sm"/>
+          </a:ln>
+        </p:spPr>
+      </p:sp>
+      <p:sp>
+        <p:nvSpPr>
+          <p:cNvPr id="78" name="Google Shape;78;p1:notes"/>
+          <p:cNvSpPr txBox="1">
+            <a:spLocks noGrp="1"/>
+          </p:cNvSpPr>
+          <p:nvPr>
+            <p:ph type="body" idx="1"/>
+          </p:nvPr>
+        </p:nvSpPr>
+        <p:spPr>
+          <a:xfrm>
+            <a:off x="685800" y="4343400"/>
+            <a:ext cx="5486400" cy="4114800"/>
+          </a:xfrm>
+          <a:prstGeom prst="rect">
+            <a:avLst/>
+          </a:prstGeom>
+          <a:noFill/>
+          <a:ln>
+            <a:noFill/>
+          </a:ln>
+        </p:spPr>
+        <p:txBody>
+          <a:bodyPr spcFirstLastPara="1" wrap="square" lIns="91425" tIns="45700" rIns="91425" bIns="45700" anchor="t" anchorCtr="0">
+            <a:noAutofit/>
+          </a:bodyPr>
+          <a:lstStyle/>
+          <a:p>
+            <a:pPr marL="0" lvl="0" indent="0" algn="l" rtl="0">
+              <a:lnSpc>
+                <a:spcPct val="100000"/>
+              </a:lnSpc>
+              <a:spcBef>
+                <a:spcPts val="0"/>
+              </a:spcBef>
+              <a:spcAft>
+                <a:spcPts val="0"/>
+              </a:spcAft>
+              <a:buSzPts val="1400"/>
+              <a:buNone/>
+            </a:pPr>
+            <a:endParaRPr/>
+          </a:p>
+        </p:txBody>
+      </p:sp>
+    </p:spTree>
+  </p:cSld>
+  <p:clrMapOvr>
+    <a:masterClrMapping/>
+  </p:clrMapOvr>
+</p:notes>
+</file>
+
+<file path=ppt/notesSlides/notesSlide3.xml><?xml version="1.0" encoding="utf-8"?>
+<p:notes xmlns:a="http://schemas.openxmlformats.org/drawingml/2006/main" xmlns:r="http://schemas.openxmlformats.org/officeDocument/2006/relationships" xmlns:p="http://schemas.openxmlformats.org/presentationml/2006/main" showMasterSp="0" showMasterPhAnim="0">
+  <p:cSld>
+    <p:spTree>
+      <p:nvGrpSpPr>
+        <p:cNvPr id="1" name="Shape 197"/>
+        <p:cNvGrpSpPr/>
+        <p:nvPr/>
+      </p:nvGrpSpPr>
+      <p:grpSpPr>
+        <a:xfrm>
+          <a:off x="0" y="0"/>
+          <a:ext cx="0" cy="0"/>
+          <a:chOff x="0" y="0"/>
+          <a:chExt cx="0" cy="0"/>
+        </a:xfrm>
+      </p:grpSpPr>
+      <p:sp>
+        <p:nvSpPr>
+          <p:cNvPr id="198" name="Google Shape;198;g7ed7eb645d_0_749:notes"/>
+          <p:cNvSpPr>
+            <a:spLocks noGrp="1" noRot="1" noChangeAspect="1"/>
+          </p:cNvSpPr>
+          <p:nvPr>
+            <p:ph type="sldImg" idx="2"/>
+          </p:nvPr>
+        </p:nvSpPr>
+        <p:spPr>
+          <a:xfrm>
+            <a:off x="155575" y="685800"/>
+            <a:ext cx="6546850" cy="3429000"/>
+          </a:xfrm>
+          <a:custGeom>
+            <a:avLst/>
+            <a:gdLst/>
+            <a:ahLst/>
+            <a:cxnLst/>
+            <a:rect l="l" t="t" r="r" b="b"/>
+            <a:pathLst>
+              <a:path w="120000" h="120000" extrusionOk="0">
+                <a:moveTo>
+                  <a:pt x="0" y="0"/>
+                </a:moveTo>
+                <a:lnTo>
+                  <a:pt x="120000" y="0"/>
+                </a:lnTo>
+                <a:lnTo>
+                  <a:pt x="120000" y="120000"/>
+                </a:lnTo>
+                <a:lnTo>
+                  <a:pt x="0" y="120000"/>
+                </a:lnTo>
+                <a:close/>
+              </a:path>
+            </a:pathLst>
+          </a:custGeom>
+          <a:noFill/>
+          <a:ln w="12700" cap="flat" cmpd="sng">
+            <a:solidFill>
+              <a:srgbClr val="000000"/>
+            </a:solidFill>
+            <a:prstDash val="solid"/>
+            <a:round/>
+            <a:headEnd type="none" w="sm" len="sm"/>
+            <a:tailEnd type="none" w="sm" len="sm"/>
+          </a:ln>
+        </p:spPr>
+      </p:sp>
+      <p:sp>
+        <p:nvSpPr>
+          <p:cNvPr id="199" name="Google Shape;199;g7ed7eb645d_0_749:notes"/>
+          <p:cNvSpPr txBox="1">
+            <a:spLocks noGrp="1"/>
+          </p:cNvSpPr>
+          <p:nvPr>
+            <p:ph type="body" idx="1"/>
+          </p:nvPr>
+        </p:nvSpPr>
+        <p:spPr>
+          <a:xfrm>
+            <a:off x="685800" y="4343400"/>
+            <a:ext cx="5486400" cy="4114800"/>
+          </a:xfrm>
+          <a:prstGeom prst="rect">
+            <a:avLst/>
+          </a:prstGeom>
+          <a:noFill/>
+          <a:ln>
+            <a:noFill/>
+          </a:ln>
+        </p:spPr>
+        <p:txBody>
+          <a:bodyPr spcFirstLastPara="1" wrap="square" lIns="91425" tIns="45700" rIns="91425" bIns="45700" anchor="t" anchorCtr="0">
+            <a:noAutofit/>
+          </a:bodyPr>
+          <a:lstStyle/>
+          <a:p>
+            <a:pPr marL="0" lvl="0" indent="0" algn="l" rtl="0">
+              <a:lnSpc>
+                <a:spcPct val="100000"/>
+              </a:lnSpc>
+              <a:spcBef>
+                <a:spcPts val="0"/>
+              </a:spcBef>
+              <a:spcAft>
+                <a:spcPts val="0"/>
+              </a:spcAft>
+              <a:buSzPts val="1400"/>
+              <a:buNone/>
+            </a:pPr>
+            <a:r>
+              <a:rPr lang="es-MX"/>
+              <a:t>Frase</a:t>
+            </a:r>
+            <a:endParaRPr/>
+          </a:p>
+          <a:p>
+            <a:pPr marL="0" lvl="0" indent="0" algn="l" rtl="0">
+              <a:lnSpc>
+                <a:spcPct val="100000"/>
+              </a:lnSpc>
+              <a:spcBef>
+                <a:spcPts val="0"/>
+              </a:spcBef>
+              <a:spcAft>
+                <a:spcPts val="0"/>
+              </a:spcAft>
+              <a:buSzPts val="1400"/>
+              <a:buNone/>
+            </a:pPr>
+            <a:endParaRPr/>
+          </a:p>
+        </p:txBody>
+      </p:sp>
+    </p:spTree>
+  </p:cSld>
+  <p:clrMapOvr>
+    <a:masterClrMapping/>
+  </p:clrMapOvr>
+</p:notes>
+</file>
+
+<file path=ppt/notesSlides/notesSlide4.xml><?xml version="1.0" encoding="utf-8"?>
+<p:notes xmlns:a="http://schemas.openxmlformats.org/drawingml/2006/main" xmlns:r="http://schemas.openxmlformats.org/officeDocument/2006/relationships" xmlns:p="http://schemas.openxmlformats.org/presentationml/2006/main" showMasterSp="0" showMasterPhAnim="0">
+  <p:cSld>
+    <p:spTree>
+      <p:nvGrpSpPr>
+        <p:cNvPr id="1" name="Shape 254"/>
+        <p:cNvGrpSpPr/>
+        <p:nvPr/>
+      </p:nvGrpSpPr>
+      <p:grpSpPr>
+        <a:xfrm>
+          <a:off x="0" y="0"/>
+          <a:ext cx="0" cy="0"/>
+          <a:chOff x="0" y="0"/>
+          <a:chExt cx="0" cy="0"/>
+        </a:xfrm>
+      </p:grpSpPr>
+      <p:sp>
+        <p:nvSpPr>
+          <p:cNvPr id="255" name="Google Shape;255;g7ed7eb645d_0_804:notes"/>
+          <p:cNvSpPr>
+            <a:spLocks noGrp="1" noRot="1" noChangeAspect="1"/>
+          </p:cNvSpPr>
+          <p:nvPr>
+            <p:ph type="sldImg" idx="2"/>
+          </p:nvPr>
+        </p:nvSpPr>
+        <p:spPr>
+          <a:xfrm>
+            <a:off x="155575" y="685800"/>
+            <a:ext cx="6546850" cy="3429000"/>
+          </a:xfrm>
+          <a:custGeom>
+            <a:avLst/>
+            <a:gdLst/>
+            <a:ahLst/>
+            <a:cxnLst/>
+            <a:rect l="l" t="t" r="r" b="b"/>
+            <a:pathLst>
+              <a:path w="120000" h="120000" extrusionOk="0">
+                <a:moveTo>
+                  <a:pt x="0" y="0"/>
+                </a:moveTo>
+                <a:lnTo>
+                  <a:pt x="120000" y="0"/>
+                </a:lnTo>
+                <a:lnTo>
+                  <a:pt x="120000" y="120000"/>
+                </a:lnTo>
+                <a:lnTo>
+                  <a:pt x="0" y="120000"/>
+                </a:lnTo>
+                <a:close/>
+              </a:path>
+            </a:pathLst>
+          </a:custGeom>
+          <a:noFill/>
+          <a:ln w="12700" cap="flat" cmpd="sng">
+            <a:solidFill>
+              <a:srgbClr val="000000"/>
+            </a:solidFill>
+            <a:prstDash val="solid"/>
+            <a:round/>
+            <a:headEnd type="none" w="sm" len="sm"/>
+            <a:tailEnd type="none" w="sm" len="sm"/>
+          </a:ln>
+        </p:spPr>
+      </p:sp>
+      <p:sp>
+        <p:nvSpPr>
+          <p:cNvPr id="256" name="Google Shape;256;g7ed7eb645d_0_804:notes"/>
+          <p:cNvSpPr txBox="1">
+            <a:spLocks noGrp="1"/>
+          </p:cNvSpPr>
+          <p:nvPr>
+            <p:ph type="body" idx="1"/>
+          </p:nvPr>
+        </p:nvSpPr>
+        <p:spPr>
+          <a:xfrm>
+            <a:off x="685800" y="4343400"/>
+            <a:ext cx="5486400" cy="4114800"/>
+          </a:xfrm>
+          <a:prstGeom prst="rect">
+            <a:avLst/>
+          </a:prstGeom>
+          <a:noFill/>
+          <a:ln>
+            <a:noFill/>
+          </a:ln>
+        </p:spPr>
+        <p:txBody>
+          <a:bodyPr spcFirstLastPara="1" wrap="square" lIns="91425" tIns="45700" rIns="91425" bIns="45700" anchor="t" anchorCtr="0">
+            <a:noAutofit/>
+          </a:bodyPr>
+          <a:lstStyle/>
+          <a:p>
+            <a:pPr marL="0" lvl="0" indent="0" algn="l" rtl="0">
+              <a:lnSpc>
+                <a:spcPct val="100000"/>
+              </a:lnSpc>
+              <a:spcBef>
+                <a:spcPts val="0"/>
+              </a:spcBef>
+              <a:spcAft>
+                <a:spcPts val="0"/>
+              </a:spcAft>
+              <a:buSzPts val="1400"/>
+              <a:buNone/>
+            </a:pPr>
+            <a:endParaRPr/>
+          </a:p>
+        </p:txBody>
+      </p:sp>
+    </p:spTree>
+  </p:cSld>
+  <p:clrMapOvr>
+    <a:masterClrMapping/>
+  </p:clrMapOvr>
+</p:notes>
+</file>
+
+<file path=ppt/notesSlides/notesSlide5.xml><?xml version="1.0" encoding="utf-8"?>
+<p:notes xmlns:a="http://schemas.openxmlformats.org/drawingml/2006/main" xmlns:r="http://schemas.openxmlformats.org/officeDocument/2006/relationships" xmlns:p="http://schemas.openxmlformats.org/presentationml/2006/main" showMasterSp="0" showMasterPhAnim="0">
+  <p:cSld>
+    <p:spTree>
+      <p:nvGrpSpPr>
+        <p:cNvPr id="1" name="Shape 111"/>
+        <p:cNvGrpSpPr/>
+        <p:nvPr/>
+      </p:nvGrpSpPr>
+      <p:grpSpPr>
+        <a:xfrm>
+          <a:off x="0" y="0"/>
+          <a:ext cx="0" cy="0"/>
+          <a:chOff x="0" y="0"/>
+          <a:chExt cx="0" cy="0"/>
+        </a:xfrm>
+      </p:grpSpPr>
+      <p:sp>
+        <p:nvSpPr>
+          <p:cNvPr id="112" name="Google Shape;112;g98072d2428_1_10:notes"/>
+          <p:cNvSpPr>
+            <a:spLocks noGrp="1" noRot="1" noChangeAspect="1"/>
+          </p:cNvSpPr>
+          <p:nvPr>
+            <p:ph type="sldImg" idx="2"/>
+          </p:nvPr>
+        </p:nvSpPr>
+        <p:spPr>
+          <a:xfrm>
+            <a:off x="155575" y="685800"/>
+            <a:ext cx="6546850" cy="3429000"/>
+          </a:xfrm>
+          <a:custGeom>
+            <a:avLst/>
+            <a:gdLst/>
+            <a:ahLst/>
+            <a:cxnLst/>
+            <a:rect l="l" t="t" r="r" b="b"/>
+            <a:pathLst>
+              <a:path w="120000" h="120000" extrusionOk="0">
+                <a:moveTo>
+                  <a:pt x="0" y="0"/>
+                </a:moveTo>
+                <a:lnTo>
+                  <a:pt x="120000" y="0"/>
+                </a:lnTo>
+                <a:lnTo>
+                  <a:pt x="120000" y="120000"/>
+                </a:lnTo>
+                <a:lnTo>
+                  <a:pt x="0" y="120000"/>
+                </a:lnTo>
+                <a:close/>
+              </a:path>
+            </a:pathLst>
+          </a:custGeom>
+          <a:noFill/>
+          <a:ln w="12700" cap="flat" cmpd="sng">
+            <a:solidFill>
+              <a:srgbClr val="000000"/>
+            </a:solidFill>
+            <a:prstDash val="solid"/>
+            <a:round/>
+            <a:headEnd type="none" w="sm" len="sm"/>
+            <a:tailEnd type="none" w="sm" len="sm"/>
+          </a:ln>
+        </p:spPr>
+      </p:sp>
+      <p:sp>
+        <p:nvSpPr>
+          <p:cNvPr id="113" name="Google Shape;113;g98072d2428_1_10:notes"/>
+          <p:cNvSpPr txBox="1">
+            <a:spLocks noGrp="1"/>
+          </p:cNvSpPr>
+          <p:nvPr>
+            <p:ph type="body" idx="1"/>
+          </p:nvPr>
+        </p:nvSpPr>
+        <p:spPr>
+          <a:xfrm>
+            <a:off x="685800" y="4343400"/>
+            <a:ext cx="5486400" cy="4114800"/>
+          </a:xfrm>
+          <a:prstGeom prst="rect">
+            <a:avLst/>
+          </a:prstGeom>
+          <a:noFill/>
+          <a:ln>
+            <a:noFill/>
+          </a:ln>
+        </p:spPr>
+        <p:txBody>
+          <a:bodyPr spcFirstLastPara="1" wrap="square" lIns="91425" tIns="45700" rIns="91425" bIns="45700" anchor="t" anchorCtr="0">
+            <a:noAutofit/>
+          </a:bodyPr>
+          <a:lstStyle/>
+          <a:p>
+            <a:pPr marL="0" lvl="0" indent="0" algn="l" rtl="0">
+              <a:lnSpc>
+                <a:spcPct val="100000"/>
+              </a:lnSpc>
+              <a:spcBef>
+                <a:spcPts val="0"/>
+              </a:spcBef>
+              <a:spcAft>
+                <a:spcPts val="0"/>
+              </a:spcAft>
+              <a:buSzPts val="1400"/>
+              <a:buNone/>
+            </a:pPr>
+            <a:endParaRPr/>
+          </a:p>
+        </p:txBody>
+      </p:sp>
+    </p:spTree>
+    <p:extLst>
+      <p:ext uri="{BB962C8B-B14F-4D97-AF65-F5344CB8AC3E}">
+        <p14:creationId xmlns:p14="http://schemas.microsoft.com/office/powerpoint/2010/main" val="800913179"/>
+      </p:ext>
+    </p:extLst>
+  </p:cSld>
+  <p:clrMapOvr>
+    <a:masterClrMapping/>
+  </p:clrMapOvr>
+</p:notes>
+</file>
+
+<file path=ppt/notesSlides/notesSlide6.xml><?xml version="1.0" encoding="utf-8"?>
+<p:notes xmlns:a="http://schemas.openxmlformats.org/drawingml/2006/main" xmlns:r="http://schemas.openxmlformats.org/officeDocument/2006/relationships" xmlns:p="http://schemas.openxmlformats.org/presentationml/2006/main" showMasterSp="0" showMasterPhAnim="0">
+  <p:cSld>
+    <p:spTree>
+      <p:nvGrpSpPr>
+        <p:cNvPr id="1" name="Shape 229"/>
+        <p:cNvGrpSpPr/>
+        <p:nvPr/>
+      </p:nvGrpSpPr>
+      <p:grpSpPr>
+        <a:xfrm>
+          <a:off x="0" y="0"/>
+          <a:ext cx="0" cy="0"/>
+          <a:chOff x="0" y="0"/>
+          <a:chExt cx="0" cy="0"/>
+        </a:xfrm>
+      </p:grpSpPr>
+      <p:sp>
+        <p:nvSpPr>
+          <p:cNvPr id="230" name="Google Shape;230;p2:notes"/>
+          <p:cNvSpPr>
+            <a:spLocks noGrp="1" noRot="1" noChangeAspect="1"/>
+          </p:cNvSpPr>
+          <p:nvPr>
+            <p:ph type="sldImg" idx="2"/>
+          </p:nvPr>
+        </p:nvSpPr>
+        <p:spPr>
+          <a:xfrm>
+            <a:off x="155575" y="685800"/>
+            <a:ext cx="6546850" cy="3429000"/>
+          </a:xfrm>
+          <a:custGeom>
+            <a:avLst/>
+            <a:gdLst/>
+            <a:ahLst/>
+            <a:cxnLst/>
+            <a:rect l="l" t="t" r="r" b="b"/>
+            <a:pathLst>
+              <a:path w="120000" h="120000" extrusionOk="0">
+                <a:moveTo>
+                  <a:pt x="0" y="0"/>
+                </a:moveTo>
+                <a:lnTo>
+                  <a:pt x="120000" y="0"/>
+                </a:lnTo>
+                <a:lnTo>
+                  <a:pt x="120000" y="120000"/>
+                </a:lnTo>
+                <a:lnTo>
+                  <a:pt x="0" y="120000"/>
+                </a:lnTo>
+                <a:close/>
+              </a:path>
+            </a:pathLst>
+          </a:custGeom>
+          <a:noFill/>
+          <a:ln w="12700" cap="flat" cmpd="sng">
+            <a:solidFill>
+              <a:srgbClr val="000000"/>
+            </a:solidFill>
+            <a:prstDash val="solid"/>
+            <a:round/>
+            <a:headEnd type="none" w="sm" len="sm"/>
+            <a:tailEnd type="none" w="sm" len="sm"/>
+          </a:ln>
+        </p:spPr>
+      </p:sp>
+      <p:sp>
+        <p:nvSpPr>
+          <p:cNvPr id="231" name="Google Shape;231;p2:notes"/>
+          <p:cNvSpPr txBox="1">
+            <a:spLocks noGrp="1"/>
+          </p:cNvSpPr>
+          <p:nvPr>
+            <p:ph type="body" idx="1"/>
+          </p:nvPr>
+        </p:nvSpPr>
+        <p:spPr>
+          <a:xfrm>
+            <a:off x="685800" y="4343400"/>
+            <a:ext cx="5486400" cy="4114800"/>
+          </a:xfrm>
+          <a:prstGeom prst="rect">
+            <a:avLst/>
+          </a:prstGeom>
+          <a:noFill/>
+          <a:ln>
+            <a:noFill/>
+          </a:ln>
+        </p:spPr>
+        <p:txBody>
+          <a:bodyPr spcFirstLastPara="1" wrap="square" lIns="91425" tIns="45700" rIns="91425" bIns="45700" anchor="t" anchorCtr="0">
+            <a:noAutofit/>
+          </a:bodyPr>
+          <a:lstStyle/>
+          <a:p>
+            <a:pPr marL="0" lvl="0" indent="0" algn="l" rtl="0">
+              <a:lnSpc>
+                <a:spcPct val="100000"/>
+              </a:lnSpc>
+              <a:spcBef>
+                <a:spcPts val="0"/>
+              </a:spcBef>
+              <a:spcAft>
+                <a:spcPts val="0"/>
+              </a:spcAft>
+              <a:buSzPts val="1400"/>
+              <a:buNone/>
+            </a:pPr>
+            <a:r>
+              <a:rPr lang="es-MX" sz="1200" b="1">
+                <a:solidFill>
+                  <a:schemeClr val="dk1"/>
+                </a:solidFill>
+                <a:latin typeface="Montserrat"/>
+                <a:ea typeface="Montserrat"/>
+                <a:cs typeface="Montserrat"/>
+                <a:sym typeface="Montserrat"/>
+              </a:rPr>
+              <a:t>Separador #2 con fotografía</a:t>
+            </a:r>
+            <a:br>
+              <a:rPr lang="es-MX" sz="1200" b="1">
+                <a:solidFill>
+                  <a:schemeClr val="dk1"/>
+                </a:solidFill>
+                <a:latin typeface="Montserrat"/>
+                <a:ea typeface="Montserrat"/>
+                <a:cs typeface="Montserrat"/>
+                <a:sym typeface="Montserrat"/>
+              </a:rPr>
+            </a:br>
+            <a:r>
+              <a:rPr lang="es-MX" sz="1200" b="1">
+                <a:solidFill>
+                  <a:schemeClr val="dk1"/>
+                </a:solidFill>
+                <a:latin typeface="Montserrat"/>
+                <a:ea typeface="Montserrat"/>
+                <a:cs typeface="Montserrat"/>
+                <a:sym typeface="Montserrat"/>
+              </a:rPr>
+              <a:t>(colocar imagen a la altura de la separación de las líneas)</a:t>
+            </a:r>
+            <a:endParaRPr sz="1200">
+              <a:solidFill>
+                <a:schemeClr val="dk1"/>
+              </a:solidFill>
+              <a:latin typeface="Montserrat"/>
+              <a:ea typeface="Montserrat"/>
+              <a:cs typeface="Montserrat"/>
+              <a:sym typeface="Montserrat"/>
+            </a:endParaRPr>
+          </a:p>
+          <a:p>
+            <a:pPr marL="0" lvl="0" indent="0" algn="l" rtl="0">
+              <a:lnSpc>
+                <a:spcPct val="100000"/>
+              </a:lnSpc>
+              <a:spcBef>
+                <a:spcPts val="0"/>
+              </a:spcBef>
+              <a:spcAft>
+                <a:spcPts val="0"/>
+              </a:spcAft>
+              <a:buClr>
+                <a:schemeClr val="dk1"/>
+              </a:buClr>
+              <a:buSzPts val="1100"/>
+              <a:buFont typeface="Arial"/>
+              <a:buNone/>
+            </a:pPr>
+            <a:endParaRPr sz="1200" b="1">
+              <a:solidFill>
+                <a:schemeClr val="dk1"/>
+              </a:solidFill>
+              <a:latin typeface="Montserrat"/>
+              <a:ea typeface="Montserrat"/>
+              <a:cs typeface="Montserrat"/>
+              <a:sym typeface="Montserrat"/>
+            </a:endParaRPr>
+          </a:p>
+        </p:txBody>
+      </p:sp>
+    </p:spTree>
+  </p:cSld>
+  <p:clrMapOvr>
+    <a:masterClrMapping/>
+  </p:clrMapOvr>
+</p:notes>
+</file>
+
+<file path=ppt/notesSlides/notesSlide7.xml><?xml version="1.0" encoding="utf-8"?>
+<p:notes xmlns:a="http://schemas.openxmlformats.org/drawingml/2006/main" xmlns:r="http://schemas.openxmlformats.org/officeDocument/2006/relationships" xmlns:p="http://schemas.openxmlformats.org/presentationml/2006/main" showMasterSp="0" showMasterPhAnim="0">
+  <p:cSld>
+    <p:spTree>
+      <p:nvGrpSpPr>
+        <p:cNvPr id="1" name="Shape 111"/>
+        <p:cNvGrpSpPr/>
+        <p:nvPr/>
+      </p:nvGrpSpPr>
+      <p:grpSpPr>
+        <a:xfrm>
+          <a:off x="0" y="0"/>
+          <a:ext cx="0" cy="0"/>
+          <a:chOff x="0" y="0"/>
+          <a:chExt cx="0" cy="0"/>
+        </a:xfrm>
+      </p:grpSpPr>
+      <p:sp>
+        <p:nvSpPr>
+          <p:cNvPr id="112" name="Google Shape;112;g98072d2428_1_10:notes"/>
+          <p:cNvSpPr>
+            <a:spLocks noGrp="1" noRot="1" noChangeAspect="1"/>
+          </p:cNvSpPr>
+          <p:nvPr>
+            <p:ph type="sldImg" idx="2"/>
+          </p:nvPr>
+        </p:nvSpPr>
+        <p:spPr>
+          <a:xfrm>
+            <a:off x="155575" y="685800"/>
+            <a:ext cx="6546850" cy="3429000"/>
+          </a:xfrm>
+          <a:custGeom>
+            <a:avLst/>
+            <a:gdLst/>
+            <a:ahLst/>
+            <a:cxnLst/>
+            <a:rect l="l" t="t" r="r" b="b"/>
+            <a:pathLst>
+              <a:path w="120000" h="120000" extrusionOk="0">
+                <a:moveTo>
+                  <a:pt x="0" y="0"/>
+                </a:moveTo>
+                <a:lnTo>
+                  <a:pt x="120000" y="0"/>
+                </a:lnTo>
+                <a:lnTo>
+                  <a:pt x="120000" y="120000"/>
+                </a:lnTo>
+                <a:lnTo>
+                  <a:pt x="0" y="120000"/>
+                </a:lnTo>
+                <a:close/>
+              </a:path>
+            </a:pathLst>
+          </a:custGeom>
+          <a:noFill/>
+          <a:ln w="12700" cap="flat" cmpd="sng">
+            <a:solidFill>
+              <a:srgbClr val="000000"/>
+            </a:solidFill>
+            <a:prstDash val="solid"/>
+            <a:round/>
+            <a:headEnd type="none" w="sm" len="sm"/>
+            <a:tailEnd type="none" w="sm" len="sm"/>
+          </a:ln>
+        </p:spPr>
+      </p:sp>
+      <p:sp>
+        <p:nvSpPr>
+          <p:cNvPr id="113" name="Google Shape;113;g98072d2428_1_10:notes"/>
+          <p:cNvSpPr txBox="1">
+            <a:spLocks noGrp="1"/>
+          </p:cNvSpPr>
+          <p:nvPr>
+            <p:ph type="body" idx="1"/>
+          </p:nvPr>
+        </p:nvSpPr>
+        <p:spPr>
+          <a:xfrm>
+            <a:off x="685800" y="4343400"/>
+            <a:ext cx="5486400" cy="4114800"/>
+          </a:xfrm>
+          <a:prstGeom prst="rect">
+            <a:avLst/>
+          </a:prstGeom>
+          <a:noFill/>
+          <a:ln>
+            <a:noFill/>
+          </a:ln>
+        </p:spPr>
+        <p:txBody>
+          <a:bodyPr spcFirstLastPara="1" wrap="square" lIns="91425" tIns="45700" rIns="91425" bIns="45700" anchor="t" anchorCtr="0">
+            <a:noAutofit/>
+          </a:bodyPr>
+          <a:lstStyle/>
+          <a:p>
+            <a:pPr marL="0" lvl="0" indent="0" algn="l" rtl="0">
+              <a:lnSpc>
+                <a:spcPct val="100000"/>
+              </a:lnSpc>
+              <a:spcBef>
+                <a:spcPts val="0"/>
+              </a:spcBef>
+              <a:spcAft>
+                <a:spcPts val="0"/>
+              </a:spcAft>
+              <a:buSzPts val="1400"/>
+              <a:buNone/>
+            </a:pPr>
+            <a:endParaRPr/>
+          </a:p>
+        </p:txBody>
+      </p:sp>
+    </p:spTree>
+  </p:cSld>
+  <p:clrMapOvr>
+    <a:masterClrMapping/>
+  </p:clrMapOvr>
+</p:notes>
+</file>
+
+<file path=ppt/notesSlides/notesSlide8.xml><?xml version="1.0" encoding="utf-8"?>
+<p:notes xmlns:a="http://schemas.openxmlformats.org/drawingml/2006/main" xmlns:r="http://schemas.openxmlformats.org/officeDocument/2006/relationships" xmlns:p="http://schemas.openxmlformats.org/presentationml/2006/main" showMasterSp="0" showMasterPhAnim="0">
+  <p:cSld>
+    <p:spTree>
+      <p:nvGrpSpPr>
+        <p:cNvPr id="1" name="Shape 124"/>
+        <p:cNvGrpSpPr/>
+        <p:nvPr/>
+      </p:nvGrpSpPr>
+      <p:grpSpPr>
+        <a:xfrm>
+          <a:off x="0" y="0"/>
+          <a:ext cx="0" cy="0"/>
+          <a:chOff x="0" y="0"/>
+          <a:chExt cx="0" cy="0"/>
+        </a:xfrm>
+      </p:grpSpPr>
+      <p:sp>
+        <p:nvSpPr>
+          <p:cNvPr id="125" name="Google Shape;125;g98072d2428_1_22:notes"/>
+          <p:cNvSpPr>
+            <a:spLocks noGrp="1" noRot="1" noChangeAspect="1"/>
+          </p:cNvSpPr>
+          <p:nvPr>
+            <p:ph type="sldImg" idx="2"/>
+          </p:nvPr>
+        </p:nvSpPr>
+        <p:spPr>
+          <a:xfrm>
+            <a:off x="155575" y="685800"/>
+            <a:ext cx="6546850" cy="3429000"/>
+          </a:xfrm>
+          <a:custGeom>
+            <a:avLst/>
+            <a:gdLst/>
+            <a:ahLst/>
+            <a:cxnLst/>
+            <a:rect l="l" t="t" r="r" b="b"/>
+            <a:pathLst>
+              <a:path w="120000" h="120000" extrusionOk="0">
+                <a:moveTo>
+                  <a:pt x="0" y="0"/>
+                </a:moveTo>
+                <a:lnTo>
+                  <a:pt x="120000" y="0"/>
+                </a:lnTo>
+                <a:lnTo>
+                  <a:pt x="120000" y="120000"/>
+                </a:lnTo>
+                <a:lnTo>
+                  <a:pt x="0" y="120000"/>
+                </a:lnTo>
+                <a:close/>
+              </a:path>
+            </a:pathLst>
+          </a:custGeom>
+          <a:noFill/>
+          <a:ln w="12700" cap="flat" cmpd="sng">
+            <a:solidFill>
+              <a:srgbClr val="000000"/>
+            </a:solidFill>
+            <a:prstDash val="solid"/>
+            <a:round/>
+            <a:headEnd type="none" w="sm" len="sm"/>
+            <a:tailEnd type="none" w="sm" len="sm"/>
+          </a:ln>
+        </p:spPr>
+      </p:sp>
+      <p:sp>
+        <p:nvSpPr>
+          <p:cNvPr id="126" name="Google Shape;126;g98072d2428_1_22:notes"/>
+          <p:cNvSpPr txBox="1">
+            <a:spLocks noGrp="1"/>
+          </p:cNvSpPr>
+          <p:nvPr>
+            <p:ph type="body" idx="1"/>
+          </p:nvPr>
+        </p:nvSpPr>
+        <p:spPr>
+          <a:xfrm>
+            <a:off x="685800" y="4343400"/>
+            <a:ext cx="5486400" cy="4114800"/>
+          </a:xfrm>
+          <a:prstGeom prst="rect">
+            <a:avLst/>
+          </a:prstGeom>
+          <a:noFill/>
+          <a:ln>
+            <a:noFill/>
+          </a:ln>
+        </p:spPr>
+        <p:txBody>
+          <a:bodyPr spcFirstLastPara="1" wrap="square" lIns="91425" tIns="45700" rIns="91425" bIns="45700" anchor="t" anchorCtr="0">
+            <a:noAutofit/>
+          </a:bodyPr>
+          <a:lstStyle/>
+          <a:p>
+            <a:pPr marL="0" lvl="0" indent="0" algn="l" rtl="0">
+              <a:lnSpc>
+                <a:spcPct val="100000"/>
+              </a:lnSpc>
+              <a:spcBef>
+                <a:spcPts val="0"/>
+              </a:spcBef>
+              <a:spcAft>
+                <a:spcPts val="0"/>
+              </a:spcAft>
+              <a:buSzPts val="1400"/>
+              <a:buNone/>
+            </a:pPr>
+            <a:endParaRPr/>
+          </a:p>
+        </p:txBody>
+      </p:sp>
+    </p:spTree>
+  </p:cSld>
+  <p:clrMapOvr>
+    <a:masterClrMapping/>
+  </p:clrMapOvr>
+</p:notes>
+</file>
+
+<file path=ppt/notesSlides/notesSlide9.xml><?xml version="1.0" encoding="utf-8"?>
+<p:notes xmlns:a="http://schemas.openxmlformats.org/drawingml/2006/main" xmlns:r="http://schemas.openxmlformats.org/officeDocument/2006/relationships" xmlns:p="http://schemas.openxmlformats.org/presentationml/2006/main" showMasterSp="0" showMasterPhAnim="0">
+  <p:cSld>
+    <p:spTree>
+      <p:nvGrpSpPr>
+        <p:cNvPr id="1" name="Shape 137"/>
+        <p:cNvGrpSpPr/>
+        <p:nvPr/>
+      </p:nvGrpSpPr>
+      <p:grpSpPr>
+        <a:xfrm>
+          <a:off x="0" y="0"/>
+          <a:ext cx="0" cy="0"/>
+          <a:chOff x="0" y="0"/>
+          <a:chExt cx="0" cy="0"/>
+        </a:xfrm>
+      </p:grpSpPr>
+      <p:sp>
+        <p:nvSpPr>
+          <p:cNvPr id="138" name="Google Shape;138;g98072d2428_1_34:notes"/>
+          <p:cNvSpPr>
+            <a:spLocks noGrp="1" noRot="1" noChangeAspect="1"/>
+          </p:cNvSpPr>
+          <p:nvPr>
+            <p:ph type="sldImg" idx="2"/>
+          </p:nvPr>
+        </p:nvSpPr>
+        <p:spPr>
+          <a:xfrm>
+            <a:off x="155575" y="685800"/>
+            <a:ext cx="6546850" cy="3429000"/>
+          </a:xfrm>
+          <a:custGeom>
+            <a:avLst/>
+            <a:gdLst/>
+            <a:ahLst/>
+            <a:cxnLst/>
+            <a:rect l="l" t="t" r="r" b="b"/>
+            <a:pathLst>
+              <a:path w="120000" h="120000" extrusionOk="0">
+                <a:moveTo>
+                  <a:pt x="0" y="0"/>
+                </a:moveTo>
+                <a:lnTo>
+                  <a:pt x="120000" y="0"/>
+                </a:lnTo>
+                <a:lnTo>
+                  <a:pt x="120000" y="120000"/>
+                </a:lnTo>
+                <a:lnTo>
+                  <a:pt x="0" y="120000"/>
+                </a:lnTo>
+                <a:close/>
+              </a:path>
+            </a:pathLst>
+          </a:custGeom>
+          <a:noFill/>
+          <a:ln w="12700" cap="flat" cmpd="sng">
+            <a:solidFill>
+              <a:srgbClr val="000000"/>
+            </a:solidFill>
+            <a:prstDash val="solid"/>
+            <a:round/>
+            <a:headEnd type="none" w="sm" len="sm"/>
+            <a:tailEnd type="none" w="sm" len="sm"/>
+          </a:ln>
+        </p:spPr>
+      </p:sp>
+      <p:sp>
+        <p:nvSpPr>
+          <p:cNvPr id="139" name="Google Shape;139;g98072d2428_1_34:notes"/>
+          <p:cNvSpPr txBox="1">
+            <a:spLocks noGrp="1"/>
+          </p:cNvSpPr>
+          <p:nvPr>
+            <p:ph type="body" idx="1"/>
+          </p:nvPr>
+        </p:nvSpPr>
+        <p:spPr>
+          <a:xfrm>
+            <a:off x="685800" y="4343400"/>
+            <a:ext cx="5486400" cy="4114800"/>
+          </a:xfrm>
+          <a:prstGeom prst="rect">
+            <a:avLst/>
+          </a:prstGeom>
+          <a:noFill/>
+          <a:ln>
+            <a:noFill/>
+          </a:ln>
+        </p:spPr>
+        <p:txBody>
+          <a:bodyPr spcFirstLastPara="1" wrap="square" lIns="91425" tIns="45700" rIns="91425" bIns="45700" anchor="t" anchorCtr="0">
+            <a:noAutofit/>
+          </a:bodyPr>
+          <a:lstStyle/>
+          <a:p>
+            <a:pPr marL="0" lvl="0" indent="0" algn="l" rtl="0">
+              <a:lnSpc>
+                <a:spcPct val="100000"/>
+              </a:lnSpc>
+              <a:spcBef>
+                <a:spcPts val="0"/>
+              </a:spcBef>
+              <a:spcAft>
+                <a:spcPts val="0"/>
+              </a:spcAft>
+              <a:buSzPts val="1400"/>
+              <a:buNone/>
+            </a:pPr>
+            <a:endParaRPr/>
           </a:p>
         </p:txBody>
       </p:sp>
@@ -10221,7 +12002,7 @@
                 <a:cs typeface="Montserrat"/>
                 <a:sym typeface="Montserrat"/>
               </a:rPr>
-              <a:t>COVID-19 </a:t>
+              <a:t>COVID-19 en México </a:t>
             </a:r>
             <a:endParaRPr sz="6500" b="1" i="0" u="none" strike="noStrike" cap="none" dirty="0">
               <a:solidFill>
@@ -10504,6 +12285,2850 @@
           </a:ln>
         </p:spPr>
       </p:cxnSp>
+    </p:spTree>
+  </p:cSld>
+  <p:clrMapOvr>
+    <a:masterClrMapping/>
+  </p:clrMapOvr>
+</p:sld>
+</file>
+
+<file path=ppt/slides/slide10.xml><?xml version="1.0" encoding="utf-8"?>
+<p:sld xmlns:a="http://schemas.openxmlformats.org/drawingml/2006/main" xmlns:r="http://schemas.openxmlformats.org/officeDocument/2006/relationships" xmlns:p="http://schemas.openxmlformats.org/presentationml/2006/main">
+  <p:cSld>
+    <p:bg>
+      <p:bgPr>
+        <a:solidFill>
+          <a:srgbClr val="FF6A39"/>
+        </a:solidFill>
+        <a:effectLst/>
+      </p:bgPr>
+    </p:bg>
+    <p:spTree>
+      <p:nvGrpSpPr>
+        <p:cNvPr id="1" name="Shape 221"/>
+        <p:cNvGrpSpPr/>
+        <p:nvPr/>
+      </p:nvGrpSpPr>
+      <p:grpSpPr>
+        <a:xfrm>
+          <a:off x="0" y="0"/>
+          <a:ext cx="0" cy="0"/>
+          <a:chOff x="0" y="0"/>
+          <a:chExt cx="0" cy="0"/>
+        </a:xfrm>
+      </p:grpSpPr>
+      <p:sp>
+        <p:nvSpPr>
+          <p:cNvPr id="222" name="Google Shape;222;p27"/>
+          <p:cNvSpPr/>
+          <p:nvPr/>
+        </p:nvSpPr>
+        <p:spPr>
+          <a:xfrm>
+            <a:off x="10106532" y="0"/>
+            <a:ext cx="5016000" cy="7934700"/>
+          </a:xfrm>
+          <a:prstGeom prst="rect">
+            <a:avLst/>
+          </a:prstGeom>
+          <a:solidFill>
+            <a:srgbClr val="16181C"/>
+          </a:solidFill>
+          <a:ln>
+            <a:noFill/>
+          </a:ln>
+        </p:spPr>
+        <p:txBody>
+          <a:bodyPr spcFirstLastPara="1" wrap="square" lIns="147725" tIns="147725" rIns="147725" bIns="147725" anchor="ctr" anchorCtr="0">
+            <a:noAutofit/>
+          </a:bodyPr>
+          <a:lstStyle/>
+          <a:p>
+            <a:pPr marL="0" marR="0" lvl="0" indent="0" algn="l" rtl="0">
+              <a:lnSpc>
+                <a:spcPct val="100000"/>
+              </a:lnSpc>
+              <a:spcBef>
+                <a:spcPts val="0"/>
+              </a:spcBef>
+              <a:spcAft>
+                <a:spcPts val="0"/>
+              </a:spcAft>
+              <a:buClr>
+                <a:srgbClr val="000000"/>
+              </a:buClr>
+              <a:buSzPts val="2300"/>
+              <a:buFont typeface="Arial"/>
+              <a:buNone/>
+            </a:pPr>
+            <a:endParaRPr sz="2300" b="0" i="0" u="none" strike="noStrike" cap="none">
+              <a:solidFill>
+                <a:srgbClr val="000000"/>
+              </a:solidFill>
+              <a:latin typeface="Arial"/>
+              <a:ea typeface="Arial"/>
+              <a:cs typeface="Arial"/>
+              <a:sym typeface="Arial"/>
+            </a:endParaRPr>
+          </a:p>
+        </p:txBody>
+      </p:sp>
+      <p:sp>
+        <p:nvSpPr>
+          <p:cNvPr id="223" name="Google Shape;223;p27"/>
+          <p:cNvSpPr txBox="1"/>
+          <p:nvPr/>
+        </p:nvSpPr>
+        <p:spPr>
+          <a:xfrm>
+            <a:off x="1700960" y="2389500"/>
+            <a:ext cx="7214400" cy="3526800"/>
+          </a:xfrm>
+          <a:prstGeom prst="rect">
+            <a:avLst/>
+          </a:prstGeom>
+          <a:noFill/>
+          <a:ln>
+            <a:noFill/>
+          </a:ln>
+        </p:spPr>
+        <p:txBody>
+          <a:bodyPr spcFirstLastPara="1" wrap="square" lIns="147725" tIns="147725" rIns="147725" bIns="147725" anchor="ctr" anchorCtr="0">
+            <a:noAutofit/>
+          </a:bodyPr>
+          <a:lstStyle/>
+          <a:p>
+            <a:pPr marL="0" marR="0" lvl="0" indent="0" algn="l" rtl="0">
+              <a:lnSpc>
+                <a:spcPct val="100000"/>
+              </a:lnSpc>
+              <a:spcBef>
+                <a:spcPts val="0"/>
+              </a:spcBef>
+              <a:spcAft>
+                <a:spcPts val="0"/>
+              </a:spcAft>
+              <a:buClr>
+                <a:srgbClr val="000000"/>
+              </a:buClr>
+              <a:buSzPts val="6800"/>
+              <a:buFont typeface="Arial"/>
+              <a:buNone/>
+            </a:pPr>
+            <a:r>
+              <a:rPr lang="es-MX" sz="6800" b="1" i="0" u="none" strike="noStrike" cap="none" dirty="0">
+                <a:solidFill>
+                  <a:srgbClr val="FFFFFF"/>
+                </a:solidFill>
+                <a:latin typeface="Montserrat"/>
+                <a:ea typeface="Montserrat"/>
+                <a:cs typeface="Montserrat"/>
+                <a:sym typeface="Montserrat"/>
+              </a:rPr>
+              <a:t>¿Qué sigue?</a:t>
+            </a:r>
+          </a:p>
+          <a:p>
+            <a:pPr marL="0" marR="0" lvl="0" indent="0" algn="l" rtl="0">
+              <a:lnSpc>
+                <a:spcPct val="100000"/>
+              </a:lnSpc>
+              <a:spcBef>
+                <a:spcPts val="0"/>
+              </a:spcBef>
+              <a:spcAft>
+                <a:spcPts val="0"/>
+              </a:spcAft>
+              <a:buClr>
+                <a:srgbClr val="000000"/>
+              </a:buClr>
+              <a:buSzPts val="6800"/>
+              <a:buFont typeface="Arial"/>
+              <a:buNone/>
+            </a:pPr>
+            <a:r>
+              <a:rPr lang="es-MX" sz="6800" b="1" dirty="0">
+                <a:solidFill>
+                  <a:srgbClr val="FFFFFF"/>
+                </a:solidFill>
+                <a:latin typeface="Montserrat"/>
+                <a:ea typeface="Montserrat"/>
+                <a:cs typeface="Montserrat"/>
+                <a:sym typeface="Montserrat"/>
+              </a:rPr>
+              <a:t>- </a:t>
+            </a:r>
+            <a:r>
+              <a:rPr lang="es-MX" sz="6800" b="1" i="0" u="none" strike="noStrike" cap="none" dirty="0">
+                <a:solidFill>
+                  <a:srgbClr val="FFFFFF"/>
+                </a:solidFill>
+                <a:latin typeface="Montserrat"/>
+                <a:ea typeface="Montserrat"/>
+                <a:cs typeface="Montserrat"/>
+                <a:sym typeface="Montserrat"/>
+              </a:rPr>
+              <a:t>EDA</a:t>
+            </a:r>
+            <a:endParaRPr sz="6800" b="1" i="0" u="none" strike="noStrike" cap="none" dirty="0">
+              <a:solidFill>
+                <a:srgbClr val="FFFFFF"/>
+              </a:solidFill>
+              <a:latin typeface="Montserrat"/>
+              <a:ea typeface="Montserrat"/>
+              <a:cs typeface="Montserrat"/>
+              <a:sym typeface="Montserrat"/>
+            </a:endParaRPr>
+          </a:p>
+        </p:txBody>
+      </p:sp>
+      <p:pic>
+        <p:nvPicPr>
+          <p:cNvPr id="224" name="Google Shape;224;p27"/>
+          <p:cNvPicPr preferRelativeResize="0"/>
+          <p:nvPr/>
+        </p:nvPicPr>
+        <p:blipFill rotWithShape="1">
+          <a:blip r:embed="rId3">
+            <a:alphaModFix/>
+          </a:blip>
+          <a:srcRect/>
+          <a:stretch/>
+        </p:blipFill>
+        <p:spPr>
+          <a:xfrm flipH="1">
+            <a:off x="607160" y="4411099"/>
+            <a:ext cx="182144" cy="2553202"/>
+          </a:xfrm>
+          <a:prstGeom prst="rect">
+            <a:avLst/>
+          </a:prstGeom>
+          <a:noFill/>
+          <a:ln>
+            <a:noFill/>
+          </a:ln>
+        </p:spPr>
+      </p:pic>
+      <p:cxnSp>
+        <p:nvCxnSpPr>
+          <p:cNvPr id="225" name="Google Shape;225;p27"/>
+          <p:cNvCxnSpPr/>
+          <p:nvPr/>
+        </p:nvCxnSpPr>
+        <p:spPr>
+          <a:xfrm>
+            <a:off x="14475850" y="6859925"/>
+            <a:ext cx="0" cy="1061700"/>
+          </a:xfrm>
+          <a:prstGeom prst="straightConnector1">
+            <a:avLst/>
+          </a:prstGeom>
+          <a:noFill/>
+          <a:ln w="19050" cap="flat" cmpd="sng">
+            <a:solidFill>
+              <a:schemeClr val="lt1"/>
+            </a:solidFill>
+            <a:prstDash val="solid"/>
+            <a:round/>
+            <a:headEnd type="none" w="sm" len="sm"/>
+            <a:tailEnd type="none" w="sm" len="sm"/>
+          </a:ln>
+        </p:spPr>
+      </p:cxnSp>
+      <p:pic>
+        <p:nvPicPr>
+          <p:cNvPr id="226" name="Google Shape;226;p27"/>
+          <p:cNvPicPr preferRelativeResize="0"/>
+          <p:nvPr/>
+        </p:nvPicPr>
+        <p:blipFill rotWithShape="1">
+          <a:blip r:embed="rId4">
+            <a:alphaModFix/>
+          </a:blip>
+          <a:srcRect/>
+          <a:stretch/>
+        </p:blipFill>
+        <p:spPr>
+          <a:xfrm>
+            <a:off x="10901977" y="2886617"/>
+            <a:ext cx="3017469" cy="3024898"/>
+          </a:xfrm>
+          <a:prstGeom prst="rect">
+            <a:avLst/>
+          </a:prstGeom>
+          <a:noFill/>
+          <a:ln>
+            <a:noFill/>
+          </a:ln>
+        </p:spPr>
+      </p:pic>
+      <p:pic>
+        <p:nvPicPr>
+          <p:cNvPr id="227" name="Google Shape;227;p27"/>
+          <p:cNvPicPr preferRelativeResize="0"/>
+          <p:nvPr/>
+        </p:nvPicPr>
+        <p:blipFill rotWithShape="1">
+          <a:blip r:embed="rId5">
+            <a:alphaModFix/>
+          </a:blip>
+          <a:srcRect/>
+          <a:stretch/>
+        </p:blipFill>
+        <p:spPr>
+          <a:xfrm>
+            <a:off x="8119915" y="607839"/>
+            <a:ext cx="3384330" cy="841873"/>
+          </a:xfrm>
+          <a:prstGeom prst="rect">
+            <a:avLst/>
+          </a:prstGeom>
+          <a:noFill/>
+          <a:ln>
+            <a:noFill/>
+          </a:ln>
+        </p:spPr>
+      </p:pic>
+      <p:cxnSp>
+        <p:nvCxnSpPr>
+          <p:cNvPr id="228" name="Google Shape;228;p27"/>
+          <p:cNvCxnSpPr/>
+          <p:nvPr/>
+        </p:nvCxnSpPr>
+        <p:spPr>
+          <a:xfrm>
+            <a:off x="14475844" y="-11"/>
+            <a:ext cx="0" cy="2549166"/>
+          </a:xfrm>
+          <a:prstGeom prst="straightConnector1">
+            <a:avLst/>
+          </a:prstGeom>
+          <a:noFill/>
+          <a:ln w="19050" cap="flat" cmpd="sng">
+            <a:solidFill>
+              <a:schemeClr val="lt1"/>
+            </a:solidFill>
+            <a:prstDash val="solid"/>
+            <a:round/>
+            <a:headEnd type="none" w="sm" len="sm"/>
+            <a:tailEnd type="none" w="sm" len="sm"/>
+          </a:ln>
+        </p:spPr>
+      </p:cxnSp>
+    </p:spTree>
+  </p:cSld>
+  <p:clrMapOvr>
+    <a:masterClrMapping/>
+  </p:clrMapOvr>
+</p:sld>
+</file>
+
+<file path=ppt/slides/slide11.xml><?xml version="1.0" encoding="utf-8"?>
+<p:sld xmlns:a="http://schemas.openxmlformats.org/drawingml/2006/main" xmlns:r="http://schemas.openxmlformats.org/officeDocument/2006/relationships" xmlns:p="http://schemas.openxmlformats.org/presentationml/2006/main">
+  <p:cSld>
+    <p:spTree>
+      <p:nvGrpSpPr>
+        <p:cNvPr id="1" name="Shape 153"/>
+        <p:cNvGrpSpPr/>
+        <p:nvPr/>
+      </p:nvGrpSpPr>
+      <p:grpSpPr>
+        <a:xfrm>
+          <a:off x="0" y="0"/>
+          <a:ext cx="0" cy="0"/>
+          <a:chOff x="0" y="0"/>
+          <a:chExt cx="0" cy="0"/>
+        </a:xfrm>
+      </p:grpSpPr>
+      <p:cxnSp>
+        <p:nvCxnSpPr>
+          <p:cNvPr id="154" name="Google Shape;154;p21"/>
+          <p:cNvCxnSpPr/>
+          <p:nvPr/>
+        </p:nvCxnSpPr>
+        <p:spPr>
+          <a:xfrm>
+            <a:off x="14475844" y="-11"/>
+            <a:ext cx="0" cy="3877500"/>
+          </a:xfrm>
+          <a:prstGeom prst="straightConnector1">
+            <a:avLst/>
+          </a:prstGeom>
+          <a:noFill/>
+          <a:ln w="19050" cap="flat" cmpd="sng">
+            <a:solidFill>
+              <a:srgbClr val="FF6A39"/>
+            </a:solidFill>
+            <a:prstDash val="solid"/>
+            <a:round/>
+            <a:headEnd type="none" w="sm" len="sm"/>
+            <a:tailEnd type="none" w="sm" len="sm"/>
+          </a:ln>
+        </p:spPr>
+      </p:cxnSp>
+      <p:cxnSp>
+        <p:nvCxnSpPr>
+          <p:cNvPr id="155" name="Google Shape;155;p21"/>
+          <p:cNvCxnSpPr/>
+          <p:nvPr/>
+        </p:nvCxnSpPr>
+        <p:spPr>
+          <a:xfrm>
+            <a:off x="14475850" y="6859925"/>
+            <a:ext cx="0" cy="1061700"/>
+          </a:xfrm>
+          <a:prstGeom prst="straightConnector1">
+            <a:avLst/>
+          </a:prstGeom>
+          <a:noFill/>
+          <a:ln w="19050" cap="flat" cmpd="sng">
+            <a:solidFill>
+              <a:srgbClr val="FF6A39"/>
+            </a:solidFill>
+            <a:prstDash val="solid"/>
+            <a:round/>
+            <a:headEnd type="none" w="sm" len="sm"/>
+            <a:tailEnd type="none" w="sm" len="sm"/>
+          </a:ln>
+        </p:spPr>
+      </p:cxnSp>
+      <p:pic>
+        <p:nvPicPr>
+          <p:cNvPr id="156" name="Google Shape;156;p21"/>
+          <p:cNvPicPr preferRelativeResize="0"/>
+          <p:nvPr/>
+        </p:nvPicPr>
+        <p:blipFill rotWithShape="1">
+          <a:blip r:embed="rId3">
+            <a:alphaModFix/>
+          </a:blip>
+          <a:srcRect/>
+          <a:stretch/>
+        </p:blipFill>
+        <p:spPr>
+          <a:xfrm>
+            <a:off x="498500" y="709642"/>
+            <a:ext cx="1430575" cy="126308"/>
+          </a:xfrm>
+          <a:prstGeom prst="rect">
+            <a:avLst/>
+          </a:prstGeom>
+          <a:noFill/>
+          <a:ln>
+            <a:noFill/>
+          </a:ln>
+        </p:spPr>
+      </p:pic>
+      <p:sp>
+        <p:nvSpPr>
+          <p:cNvPr id="157" name="Google Shape;157;p21"/>
+          <p:cNvSpPr txBox="1"/>
+          <p:nvPr/>
+        </p:nvSpPr>
+        <p:spPr>
+          <a:xfrm rot="-5400000">
+            <a:off x="12971200" y="5038125"/>
+            <a:ext cx="3009300" cy="657900"/>
+          </a:xfrm>
+          <a:prstGeom prst="rect">
+            <a:avLst/>
+          </a:prstGeom>
+          <a:noFill/>
+          <a:ln>
+            <a:noFill/>
+          </a:ln>
+        </p:spPr>
+        <p:txBody>
+          <a:bodyPr spcFirstLastPara="1" wrap="square" lIns="147725" tIns="147725" rIns="147725" bIns="147725" anchor="t" anchorCtr="0">
+            <a:noAutofit/>
+          </a:bodyPr>
+          <a:lstStyle/>
+          <a:p>
+            <a:pPr marL="0" marR="0" lvl="0" indent="0" algn="ctr" rtl="0">
+              <a:lnSpc>
+                <a:spcPct val="100000"/>
+              </a:lnSpc>
+              <a:spcBef>
+                <a:spcPts val="0"/>
+              </a:spcBef>
+              <a:spcAft>
+                <a:spcPts val="0"/>
+              </a:spcAft>
+              <a:buClr>
+                <a:srgbClr val="000000"/>
+              </a:buClr>
+              <a:buSzPts val="2300"/>
+              <a:buFont typeface="Arial"/>
+              <a:buNone/>
+            </a:pPr>
+            <a:r>
+              <a:rPr lang="es-MX" sz="2300" dirty="0">
+                <a:solidFill>
+                  <a:srgbClr val="D8D8D8"/>
+                </a:solidFill>
+                <a:latin typeface="Montserrat"/>
+                <a:ea typeface="Montserrat"/>
+                <a:cs typeface="Montserrat"/>
+                <a:sym typeface="Montserrat"/>
+              </a:rPr>
+              <a:t>EDA</a:t>
+            </a:r>
+            <a:endParaRPr sz="2300" b="0" i="0" u="none" strike="noStrike" cap="none" dirty="0">
+              <a:solidFill>
+                <a:srgbClr val="D8D8D8"/>
+              </a:solidFill>
+              <a:latin typeface="Montserrat"/>
+              <a:ea typeface="Montserrat"/>
+              <a:cs typeface="Montserrat"/>
+              <a:sym typeface="Montserrat"/>
+            </a:endParaRPr>
+          </a:p>
+        </p:txBody>
+      </p:sp>
+      <p:sp>
+        <p:nvSpPr>
+          <p:cNvPr id="158" name="Google Shape;158;p21"/>
+          <p:cNvSpPr txBox="1"/>
+          <p:nvPr/>
+        </p:nvSpPr>
+        <p:spPr>
+          <a:xfrm>
+            <a:off x="6003363" y="1938739"/>
+            <a:ext cx="6136168" cy="4665600"/>
+          </a:xfrm>
+          <a:prstGeom prst="rect">
+            <a:avLst/>
+          </a:prstGeom>
+          <a:noFill/>
+          <a:ln>
+            <a:noFill/>
+          </a:ln>
+        </p:spPr>
+        <p:txBody>
+          <a:bodyPr spcFirstLastPara="1" wrap="square" lIns="147725" tIns="147725" rIns="147725" bIns="147725" anchor="t" anchorCtr="0">
+            <a:noAutofit/>
+          </a:bodyPr>
+          <a:lstStyle/>
+          <a:p>
+            <a:pPr lvl="0">
+              <a:buSzPts val="2600"/>
+            </a:pPr>
+            <a:r>
+              <a:rPr lang="es-MX" sz="3200" dirty="0">
+                <a:solidFill>
+                  <a:srgbClr val="2B303C"/>
+                </a:solidFill>
+                <a:latin typeface="Montserrat"/>
+                <a:ea typeface="Montserrat"/>
+                <a:cs typeface="Montserrat"/>
+                <a:sym typeface="Montserrat"/>
+              </a:rPr>
+              <a:t>Por sus siglas en inglés, EDA es </a:t>
+            </a:r>
+            <a:r>
+              <a:rPr lang="es-MX" sz="3200" b="1" dirty="0" err="1">
+                <a:solidFill>
+                  <a:srgbClr val="2B303C"/>
+                </a:solidFill>
+                <a:latin typeface="Montserrat"/>
+                <a:ea typeface="Montserrat"/>
+                <a:cs typeface="Montserrat"/>
+                <a:sym typeface="Montserrat"/>
+              </a:rPr>
+              <a:t>E</a:t>
+            </a:r>
+            <a:r>
+              <a:rPr lang="es-MX" sz="3200" dirty="0" err="1">
+                <a:solidFill>
+                  <a:srgbClr val="2B303C"/>
+                </a:solidFill>
+                <a:latin typeface="Montserrat"/>
+                <a:ea typeface="Montserrat"/>
+                <a:cs typeface="Montserrat"/>
+                <a:sym typeface="Montserrat"/>
+              </a:rPr>
+              <a:t>xploratoy</a:t>
+            </a:r>
+            <a:r>
+              <a:rPr lang="es-MX" sz="3200" dirty="0">
+                <a:solidFill>
+                  <a:srgbClr val="2B303C"/>
+                </a:solidFill>
+                <a:latin typeface="Montserrat"/>
+                <a:ea typeface="Montserrat"/>
+                <a:cs typeface="Montserrat"/>
+                <a:sym typeface="Montserrat"/>
+              </a:rPr>
+              <a:t> </a:t>
+            </a:r>
+            <a:r>
+              <a:rPr lang="es-MX" sz="3200" b="1" dirty="0">
+                <a:solidFill>
+                  <a:srgbClr val="2B303C"/>
+                </a:solidFill>
+                <a:latin typeface="Montserrat"/>
+                <a:ea typeface="Montserrat"/>
+                <a:cs typeface="Montserrat"/>
+                <a:sym typeface="Montserrat"/>
+              </a:rPr>
+              <a:t>D</a:t>
+            </a:r>
+            <a:r>
+              <a:rPr lang="es-MX" sz="3200" dirty="0">
+                <a:solidFill>
+                  <a:srgbClr val="2B303C"/>
+                </a:solidFill>
+                <a:latin typeface="Montserrat"/>
+                <a:ea typeface="Montserrat"/>
+                <a:cs typeface="Montserrat"/>
+                <a:sym typeface="Montserrat"/>
+              </a:rPr>
+              <a:t>ata </a:t>
+            </a:r>
+            <a:r>
+              <a:rPr lang="es-MX" sz="3200" b="1" dirty="0" err="1">
+                <a:solidFill>
+                  <a:srgbClr val="2B303C"/>
+                </a:solidFill>
+                <a:latin typeface="Montserrat"/>
+                <a:ea typeface="Montserrat"/>
+                <a:cs typeface="Montserrat"/>
+                <a:sym typeface="Montserrat"/>
+              </a:rPr>
+              <a:t>A</a:t>
+            </a:r>
+            <a:r>
+              <a:rPr lang="es-MX" sz="3200" dirty="0" err="1">
+                <a:solidFill>
+                  <a:srgbClr val="2B303C"/>
+                </a:solidFill>
+                <a:latin typeface="Montserrat"/>
+                <a:ea typeface="Montserrat"/>
+                <a:cs typeface="Montserrat"/>
+                <a:sym typeface="Montserrat"/>
+              </a:rPr>
+              <a:t>nalisis</a:t>
+            </a:r>
+            <a:r>
+              <a:rPr lang="es-MX" sz="3200" dirty="0">
+                <a:solidFill>
+                  <a:srgbClr val="2B303C"/>
+                </a:solidFill>
+                <a:latin typeface="Montserrat"/>
+                <a:ea typeface="Montserrat"/>
+                <a:cs typeface="Montserrat"/>
+                <a:sym typeface="Montserrat"/>
+              </a:rPr>
+              <a:t> o </a:t>
+            </a:r>
+            <a:r>
+              <a:rPr lang="es-MX" sz="3200" dirty="0">
+                <a:solidFill>
+                  <a:srgbClr val="FF6A39"/>
+                </a:solidFill>
+                <a:latin typeface="Montserrat"/>
+                <a:ea typeface="Montserrat"/>
+                <a:cs typeface="Montserrat"/>
+                <a:sym typeface="Montserrat"/>
+              </a:rPr>
+              <a:t>Análisis Exploratorio de Datos,</a:t>
+            </a:r>
+            <a:r>
+              <a:rPr lang="es-MX" sz="3200" dirty="0">
+                <a:solidFill>
+                  <a:srgbClr val="2B303C"/>
+                </a:solidFill>
+                <a:latin typeface="Montserrat"/>
+                <a:ea typeface="Montserrat"/>
+                <a:cs typeface="Montserrat"/>
+                <a:sym typeface="Montserrat"/>
+              </a:rPr>
+              <a:t> aquí vislumbraremos patrones reconociendo distribuciones estadísticas que pueden ser útiles en el futuro. </a:t>
+            </a:r>
+            <a:endParaRPr sz="3200" dirty="0">
+              <a:solidFill>
+                <a:srgbClr val="FF6A39"/>
+              </a:solidFill>
+              <a:latin typeface="Montserrat"/>
+              <a:ea typeface="Montserrat"/>
+              <a:cs typeface="Montserrat"/>
+              <a:sym typeface="Montserrat"/>
+            </a:endParaRPr>
+          </a:p>
+        </p:txBody>
+      </p:sp>
+      <p:sp>
+        <p:nvSpPr>
+          <p:cNvPr id="159" name="Google Shape;159;p21"/>
+          <p:cNvSpPr txBox="1"/>
+          <p:nvPr/>
+        </p:nvSpPr>
+        <p:spPr>
+          <a:xfrm>
+            <a:off x="2295842" y="414450"/>
+            <a:ext cx="9218400" cy="716700"/>
+          </a:xfrm>
+          <a:prstGeom prst="rect">
+            <a:avLst/>
+          </a:prstGeom>
+          <a:noFill/>
+          <a:ln>
+            <a:noFill/>
+          </a:ln>
+        </p:spPr>
+        <p:txBody>
+          <a:bodyPr spcFirstLastPara="1" wrap="square" lIns="147725" tIns="147725" rIns="147725" bIns="147725" anchor="ctr" anchorCtr="0">
+            <a:noAutofit/>
+          </a:bodyPr>
+          <a:lstStyle/>
+          <a:p>
+            <a:pPr marL="0" marR="0" lvl="0" indent="0" algn="l" rtl="0">
+              <a:lnSpc>
+                <a:spcPct val="100000"/>
+              </a:lnSpc>
+              <a:spcBef>
+                <a:spcPts val="0"/>
+              </a:spcBef>
+              <a:spcAft>
+                <a:spcPts val="0"/>
+              </a:spcAft>
+              <a:buClr>
+                <a:srgbClr val="000000"/>
+              </a:buClr>
+              <a:buSzPts val="4000"/>
+              <a:buFont typeface="Arial"/>
+              <a:buNone/>
+            </a:pPr>
+            <a:r>
+              <a:rPr lang="es-MX" sz="4000" b="1" dirty="0">
+                <a:solidFill>
+                  <a:srgbClr val="16181C"/>
+                </a:solidFill>
+                <a:latin typeface="Montserrat"/>
+                <a:ea typeface="Montserrat"/>
+                <a:cs typeface="Montserrat"/>
+                <a:sym typeface="Montserrat"/>
+              </a:rPr>
+              <a:t>¿Qué es EDA?</a:t>
+            </a:r>
+            <a:endParaRPr sz="4000" b="0" i="0" u="none" strike="noStrike" cap="none" dirty="0">
+              <a:solidFill>
+                <a:srgbClr val="16181C"/>
+              </a:solidFill>
+              <a:latin typeface="Montserrat"/>
+              <a:ea typeface="Montserrat"/>
+              <a:cs typeface="Montserrat"/>
+              <a:sym typeface="Montserrat"/>
+            </a:endParaRPr>
+          </a:p>
+        </p:txBody>
+      </p:sp>
+      <p:pic>
+        <p:nvPicPr>
+          <p:cNvPr id="161" name="Google Shape;161;p21"/>
+          <p:cNvPicPr preferRelativeResize="0"/>
+          <p:nvPr/>
+        </p:nvPicPr>
+        <p:blipFill rotWithShape="1">
+          <a:blip r:embed="rId4">
+            <a:alphaModFix/>
+          </a:blip>
+          <a:srcRect/>
+          <a:stretch/>
+        </p:blipFill>
+        <p:spPr>
+          <a:xfrm>
+            <a:off x="575050" y="6725850"/>
+            <a:ext cx="3996201" cy="994075"/>
+          </a:xfrm>
+          <a:prstGeom prst="rect">
+            <a:avLst/>
+          </a:prstGeom>
+          <a:noFill/>
+          <a:ln>
+            <a:noFill/>
+          </a:ln>
+        </p:spPr>
+      </p:pic>
+      <p:pic>
+        <p:nvPicPr>
+          <p:cNvPr id="162" name="Google Shape;162;p21"/>
+          <p:cNvPicPr preferRelativeResize="0"/>
+          <p:nvPr/>
+        </p:nvPicPr>
+        <p:blipFill rotWithShape="1">
+          <a:blip r:embed="rId5">
+            <a:alphaModFix/>
+          </a:blip>
+          <a:srcRect/>
+          <a:stretch/>
+        </p:blipFill>
+        <p:spPr>
+          <a:xfrm>
+            <a:off x="10878384" y="531488"/>
+            <a:ext cx="2165348" cy="482600"/>
+          </a:xfrm>
+          <a:prstGeom prst="rect">
+            <a:avLst/>
+          </a:prstGeom>
+          <a:noFill/>
+          <a:ln>
+            <a:noFill/>
+          </a:ln>
+        </p:spPr>
+      </p:pic>
+      <p:pic>
+        <p:nvPicPr>
+          <p:cNvPr id="2" name="Imagen 1">
+            <a:extLst>
+              <a:ext uri="{FF2B5EF4-FFF2-40B4-BE49-F238E27FC236}">
+                <a16:creationId xmlns:a16="http://schemas.microsoft.com/office/drawing/2014/main" id="{555D0568-EE75-43D8-B6D7-5537A0013156}"/>
+              </a:ext>
+            </a:extLst>
+          </p:cNvPr>
+          <p:cNvPicPr>
+            <a:picLocks noChangeAspect="1"/>
+          </p:cNvPicPr>
+          <p:nvPr/>
+        </p:nvPicPr>
+        <p:blipFill>
+          <a:blip r:embed="rId6"/>
+          <a:stretch>
+            <a:fillRect/>
+          </a:stretch>
+        </p:blipFill>
+        <p:spPr>
+          <a:xfrm>
+            <a:off x="1418476" y="1866375"/>
+            <a:ext cx="3152775" cy="3829050"/>
+          </a:xfrm>
+          <a:prstGeom prst="rect">
+            <a:avLst/>
+          </a:prstGeom>
+          <a:ln>
+            <a:noFill/>
+          </a:ln>
+          <a:effectLst>
+            <a:outerShdw blurRad="292100" dist="139700" dir="2700000" algn="tl" rotWithShape="0">
+              <a:srgbClr val="333333">
+                <a:alpha val="65000"/>
+              </a:srgbClr>
+            </a:outerShdw>
+          </a:effectLst>
+        </p:spPr>
+      </p:pic>
+    </p:spTree>
+  </p:cSld>
+  <p:clrMapOvr>
+    <a:masterClrMapping/>
+  </p:clrMapOvr>
+</p:sld>
+</file>
+
+<file path=ppt/slides/slide12.xml><?xml version="1.0" encoding="utf-8"?>
+<p:sld xmlns:a="http://schemas.openxmlformats.org/drawingml/2006/main" xmlns:r="http://schemas.openxmlformats.org/officeDocument/2006/relationships" xmlns:p="http://schemas.openxmlformats.org/presentationml/2006/main">
+  <p:cSld>
+    <p:spTree>
+      <p:nvGrpSpPr>
+        <p:cNvPr id="1" name="Shape 191"/>
+        <p:cNvGrpSpPr/>
+        <p:nvPr/>
+      </p:nvGrpSpPr>
+      <p:grpSpPr>
+        <a:xfrm>
+          <a:off x="0" y="0"/>
+          <a:ext cx="0" cy="0"/>
+          <a:chOff x="0" y="0"/>
+          <a:chExt cx="0" cy="0"/>
+        </a:xfrm>
+      </p:grpSpPr>
+      <p:sp>
+        <p:nvSpPr>
+          <p:cNvPr id="192" name="Google Shape;192;p24"/>
+          <p:cNvSpPr/>
+          <p:nvPr/>
+        </p:nvSpPr>
+        <p:spPr>
+          <a:xfrm>
+            <a:off x="-25" y="7002150"/>
+            <a:ext cx="15122400" cy="932700"/>
+          </a:xfrm>
+          <a:prstGeom prst="rect">
+            <a:avLst/>
+          </a:prstGeom>
+          <a:solidFill>
+            <a:srgbClr val="FF6A39"/>
+          </a:solidFill>
+          <a:ln>
+            <a:noFill/>
+          </a:ln>
+        </p:spPr>
+        <p:txBody>
+          <a:bodyPr spcFirstLastPara="1" wrap="square" lIns="147725" tIns="147725" rIns="147725" bIns="147725" anchor="ctr" anchorCtr="0">
+            <a:noAutofit/>
+          </a:bodyPr>
+          <a:lstStyle/>
+          <a:p>
+            <a:pPr marL="0" marR="0" lvl="0" indent="0" algn="l" rtl="0">
+              <a:lnSpc>
+                <a:spcPct val="100000"/>
+              </a:lnSpc>
+              <a:spcBef>
+                <a:spcPts val="0"/>
+              </a:spcBef>
+              <a:spcAft>
+                <a:spcPts val="0"/>
+              </a:spcAft>
+              <a:buClr>
+                <a:srgbClr val="000000"/>
+              </a:buClr>
+              <a:buSzPts val="2300"/>
+              <a:buFont typeface="Arial"/>
+              <a:buNone/>
+            </a:pPr>
+            <a:endParaRPr sz="2300" b="0" i="0" u="none" strike="noStrike" cap="none">
+              <a:solidFill>
+                <a:srgbClr val="000000"/>
+              </a:solidFill>
+              <a:latin typeface="Arial"/>
+              <a:ea typeface="Arial"/>
+              <a:cs typeface="Arial"/>
+              <a:sym typeface="Arial"/>
+            </a:endParaRPr>
+          </a:p>
+        </p:txBody>
+      </p:sp>
+      <p:pic>
+        <p:nvPicPr>
+          <p:cNvPr id="193" name="Google Shape;193;p24"/>
+          <p:cNvPicPr preferRelativeResize="0"/>
+          <p:nvPr/>
+        </p:nvPicPr>
+        <p:blipFill rotWithShape="1">
+          <a:blip r:embed="rId3">
+            <a:alphaModFix/>
+          </a:blip>
+          <a:srcRect/>
+          <a:stretch/>
+        </p:blipFill>
+        <p:spPr>
+          <a:xfrm rot="-5400000" flipH="1">
+            <a:off x="1569468" y="6187608"/>
+            <a:ext cx="182144" cy="2553201"/>
+          </a:xfrm>
+          <a:prstGeom prst="rect">
+            <a:avLst/>
+          </a:prstGeom>
+          <a:noFill/>
+          <a:ln>
+            <a:noFill/>
+          </a:ln>
+        </p:spPr>
+      </p:pic>
+      <p:pic>
+        <p:nvPicPr>
+          <p:cNvPr id="194" name="Google Shape;194;p24"/>
+          <p:cNvPicPr preferRelativeResize="0"/>
+          <p:nvPr/>
+        </p:nvPicPr>
+        <p:blipFill rotWithShape="1">
+          <a:blip r:embed="rId4">
+            <a:alphaModFix/>
+          </a:blip>
+          <a:srcRect/>
+          <a:stretch/>
+        </p:blipFill>
+        <p:spPr>
+          <a:xfrm>
+            <a:off x="13599952" y="7183473"/>
+            <a:ext cx="970174" cy="516076"/>
+          </a:xfrm>
+          <a:prstGeom prst="rect">
+            <a:avLst/>
+          </a:prstGeom>
+          <a:noFill/>
+          <a:ln>
+            <a:noFill/>
+          </a:ln>
+        </p:spPr>
+      </p:pic>
+      <p:sp>
+        <p:nvSpPr>
+          <p:cNvPr id="196" name="Google Shape;196;p24"/>
+          <p:cNvSpPr txBox="1"/>
+          <p:nvPr/>
+        </p:nvSpPr>
+        <p:spPr>
+          <a:xfrm>
+            <a:off x="3238737" y="2871407"/>
+            <a:ext cx="8645100" cy="1300200"/>
+          </a:xfrm>
+          <a:prstGeom prst="rect">
+            <a:avLst/>
+          </a:prstGeom>
+          <a:noFill/>
+          <a:ln>
+            <a:noFill/>
+          </a:ln>
+        </p:spPr>
+        <p:txBody>
+          <a:bodyPr spcFirstLastPara="1" wrap="square" lIns="147725" tIns="147725" rIns="147725" bIns="147725" anchor="ctr" anchorCtr="0">
+            <a:noAutofit/>
+          </a:bodyPr>
+          <a:lstStyle/>
+          <a:p>
+            <a:pPr marL="0" marR="0" lvl="0" indent="0" algn="ctr" rtl="0">
+              <a:lnSpc>
+                <a:spcPct val="100000"/>
+              </a:lnSpc>
+              <a:spcBef>
+                <a:spcPts val="0"/>
+              </a:spcBef>
+              <a:spcAft>
+                <a:spcPts val="0"/>
+              </a:spcAft>
+              <a:buClr>
+                <a:srgbClr val="000000"/>
+              </a:buClr>
+              <a:buSzPts val="7800"/>
+              <a:buFont typeface="Arial"/>
+              <a:buNone/>
+            </a:pPr>
+            <a:r>
+              <a:rPr lang="es-MX" sz="7800" b="1" i="0" u="none" strike="noStrike" cap="none">
+                <a:solidFill>
+                  <a:schemeClr val="lt1"/>
+                </a:solidFill>
+                <a:latin typeface="Montserrat"/>
+                <a:ea typeface="Montserrat"/>
+                <a:cs typeface="Montserrat"/>
+                <a:sym typeface="Montserrat"/>
+              </a:rPr>
+              <a:t>Imagen</a:t>
+            </a:r>
+            <a:endParaRPr sz="7800" b="1" i="0" u="none" strike="noStrike" cap="none">
+              <a:solidFill>
+                <a:schemeClr val="lt1"/>
+              </a:solidFill>
+              <a:latin typeface="Montserrat"/>
+              <a:ea typeface="Montserrat"/>
+              <a:cs typeface="Montserrat"/>
+              <a:sym typeface="Montserrat"/>
+            </a:endParaRPr>
+          </a:p>
+        </p:txBody>
+      </p:sp>
+      <p:pic>
+        <p:nvPicPr>
+          <p:cNvPr id="3" name="Imagen 2">
+            <a:extLst>
+              <a:ext uri="{FF2B5EF4-FFF2-40B4-BE49-F238E27FC236}">
+                <a16:creationId xmlns:a16="http://schemas.microsoft.com/office/drawing/2014/main" id="{1CA6501F-D738-4453-89DE-16575EFF8EF2}"/>
+              </a:ext>
+            </a:extLst>
+          </p:cNvPr>
+          <p:cNvPicPr>
+            <a:picLocks noChangeAspect="1"/>
+          </p:cNvPicPr>
+          <p:nvPr/>
+        </p:nvPicPr>
+        <p:blipFill>
+          <a:blip r:embed="rId5"/>
+          <a:stretch>
+            <a:fillRect/>
+          </a:stretch>
+        </p:blipFill>
+        <p:spPr>
+          <a:xfrm>
+            <a:off x="4389165" y="349497"/>
+            <a:ext cx="6344020" cy="6344020"/>
+          </a:xfrm>
+          <a:prstGeom prst="rect">
+            <a:avLst/>
+          </a:prstGeom>
+        </p:spPr>
+      </p:pic>
+    </p:spTree>
+    <p:extLst>
+      <p:ext uri="{BB962C8B-B14F-4D97-AF65-F5344CB8AC3E}">
+        <p14:creationId xmlns:p14="http://schemas.microsoft.com/office/powerpoint/2010/main" val="4049877119"/>
+      </p:ext>
+    </p:extLst>
+  </p:cSld>
+  <p:clrMapOvr>
+    <a:masterClrMapping/>
+  </p:clrMapOvr>
+</p:sld>
+</file>
+
+<file path=ppt/slides/slide13.xml><?xml version="1.0" encoding="utf-8"?>
+<p:sld xmlns:a="http://schemas.openxmlformats.org/drawingml/2006/main" xmlns:r="http://schemas.openxmlformats.org/officeDocument/2006/relationships" xmlns:p="http://schemas.openxmlformats.org/presentationml/2006/main">
+  <p:cSld>
+    <p:bg>
+      <p:bgPr>
+        <a:solidFill>
+          <a:srgbClr val="FF6A39"/>
+        </a:solidFill>
+        <a:effectLst/>
+      </p:bgPr>
+    </p:bg>
+    <p:spTree>
+      <p:nvGrpSpPr>
+        <p:cNvPr id="1" name="Shape 221"/>
+        <p:cNvGrpSpPr/>
+        <p:nvPr/>
+      </p:nvGrpSpPr>
+      <p:grpSpPr>
+        <a:xfrm>
+          <a:off x="0" y="0"/>
+          <a:ext cx="0" cy="0"/>
+          <a:chOff x="0" y="0"/>
+          <a:chExt cx="0" cy="0"/>
+        </a:xfrm>
+      </p:grpSpPr>
+      <p:sp>
+        <p:nvSpPr>
+          <p:cNvPr id="222" name="Google Shape;222;p27"/>
+          <p:cNvSpPr/>
+          <p:nvPr/>
+        </p:nvSpPr>
+        <p:spPr>
+          <a:xfrm>
+            <a:off x="10106532" y="0"/>
+            <a:ext cx="5016000" cy="7934700"/>
+          </a:xfrm>
+          <a:prstGeom prst="rect">
+            <a:avLst/>
+          </a:prstGeom>
+          <a:solidFill>
+            <a:srgbClr val="16181C"/>
+          </a:solidFill>
+          <a:ln>
+            <a:noFill/>
+          </a:ln>
+        </p:spPr>
+        <p:txBody>
+          <a:bodyPr spcFirstLastPara="1" wrap="square" lIns="147725" tIns="147725" rIns="147725" bIns="147725" anchor="ctr" anchorCtr="0">
+            <a:noAutofit/>
+          </a:bodyPr>
+          <a:lstStyle/>
+          <a:p>
+            <a:pPr marL="0" marR="0" lvl="0" indent="0" algn="l" rtl="0">
+              <a:lnSpc>
+                <a:spcPct val="100000"/>
+              </a:lnSpc>
+              <a:spcBef>
+                <a:spcPts val="0"/>
+              </a:spcBef>
+              <a:spcAft>
+                <a:spcPts val="0"/>
+              </a:spcAft>
+              <a:buClr>
+                <a:srgbClr val="000000"/>
+              </a:buClr>
+              <a:buSzPts val="2300"/>
+              <a:buFont typeface="Arial"/>
+              <a:buNone/>
+            </a:pPr>
+            <a:endParaRPr sz="2300" b="0" i="0" u="none" strike="noStrike" cap="none">
+              <a:solidFill>
+                <a:srgbClr val="000000"/>
+              </a:solidFill>
+              <a:latin typeface="Arial"/>
+              <a:ea typeface="Arial"/>
+              <a:cs typeface="Arial"/>
+              <a:sym typeface="Arial"/>
+            </a:endParaRPr>
+          </a:p>
+        </p:txBody>
+      </p:sp>
+      <p:sp>
+        <p:nvSpPr>
+          <p:cNvPr id="223" name="Google Shape;223;p27"/>
+          <p:cNvSpPr txBox="1"/>
+          <p:nvPr/>
+        </p:nvSpPr>
+        <p:spPr>
+          <a:xfrm>
+            <a:off x="1700960" y="2389500"/>
+            <a:ext cx="7214400" cy="3526800"/>
+          </a:xfrm>
+          <a:prstGeom prst="rect">
+            <a:avLst/>
+          </a:prstGeom>
+          <a:noFill/>
+          <a:ln>
+            <a:noFill/>
+          </a:ln>
+        </p:spPr>
+        <p:txBody>
+          <a:bodyPr spcFirstLastPara="1" wrap="square" lIns="147725" tIns="147725" rIns="147725" bIns="147725" anchor="ctr" anchorCtr="0">
+            <a:noAutofit/>
+          </a:bodyPr>
+          <a:lstStyle/>
+          <a:p>
+            <a:pPr marL="0" marR="0" lvl="0" indent="0" algn="l" rtl="0">
+              <a:lnSpc>
+                <a:spcPct val="100000"/>
+              </a:lnSpc>
+              <a:spcBef>
+                <a:spcPts val="0"/>
+              </a:spcBef>
+              <a:spcAft>
+                <a:spcPts val="0"/>
+              </a:spcAft>
+              <a:buClr>
+                <a:srgbClr val="000000"/>
+              </a:buClr>
+              <a:buSzPts val="6800"/>
+              <a:buFont typeface="Arial"/>
+              <a:buNone/>
+            </a:pPr>
+            <a:r>
+              <a:rPr lang="es-MX" sz="6800" b="1" i="0" u="none" strike="noStrike" cap="none" dirty="0">
+                <a:solidFill>
+                  <a:srgbClr val="FFFFFF"/>
+                </a:solidFill>
+                <a:latin typeface="Montserrat"/>
+                <a:ea typeface="Montserrat"/>
+                <a:cs typeface="Montserrat"/>
+                <a:sym typeface="Montserrat"/>
+              </a:rPr>
+              <a:t>Métodos predictivos</a:t>
+            </a:r>
+            <a:endParaRPr sz="6800" b="1" i="0" u="none" strike="noStrike" cap="none" dirty="0">
+              <a:solidFill>
+                <a:srgbClr val="FFFFFF"/>
+              </a:solidFill>
+              <a:latin typeface="Montserrat"/>
+              <a:ea typeface="Montserrat"/>
+              <a:cs typeface="Montserrat"/>
+              <a:sym typeface="Montserrat"/>
+            </a:endParaRPr>
+          </a:p>
+        </p:txBody>
+      </p:sp>
+      <p:pic>
+        <p:nvPicPr>
+          <p:cNvPr id="224" name="Google Shape;224;p27"/>
+          <p:cNvPicPr preferRelativeResize="0"/>
+          <p:nvPr/>
+        </p:nvPicPr>
+        <p:blipFill rotWithShape="1">
+          <a:blip r:embed="rId3">
+            <a:alphaModFix/>
+          </a:blip>
+          <a:srcRect/>
+          <a:stretch/>
+        </p:blipFill>
+        <p:spPr>
+          <a:xfrm flipH="1">
+            <a:off x="607160" y="4411099"/>
+            <a:ext cx="182144" cy="2553202"/>
+          </a:xfrm>
+          <a:prstGeom prst="rect">
+            <a:avLst/>
+          </a:prstGeom>
+          <a:noFill/>
+          <a:ln>
+            <a:noFill/>
+          </a:ln>
+        </p:spPr>
+      </p:pic>
+      <p:cxnSp>
+        <p:nvCxnSpPr>
+          <p:cNvPr id="225" name="Google Shape;225;p27"/>
+          <p:cNvCxnSpPr/>
+          <p:nvPr/>
+        </p:nvCxnSpPr>
+        <p:spPr>
+          <a:xfrm>
+            <a:off x="14475850" y="6859925"/>
+            <a:ext cx="0" cy="1061700"/>
+          </a:xfrm>
+          <a:prstGeom prst="straightConnector1">
+            <a:avLst/>
+          </a:prstGeom>
+          <a:noFill/>
+          <a:ln w="19050" cap="flat" cmpd="sng">
+            <a:solidFill>
+              <a:schemeClr val="lt1"/>
+            </a:solidFill>
+            <a:prstDash val="solid"/>
+            <a:round/>
+            <a:headEnd type="none" w="sm" len="sm"/>
+            <a:tailEnd type="none" w="sm" len="sm"/>
+          </a:ln>
+        </p:spPr>
+      </p:cxnSp>
+      <p:pic>
+        <p:nvPicPr>
+          <p:cNvPr id="226" name="Google Shape;226;p27"/>
+          <p:cNvPicPr preferRelativeResize="0"/>
+          <p:nvPr/>
+        </p:nvPicPr>
+        <p:blipFill rotWithShape="1">
+          <a:blip r:embed="rId4">
+            <a:alphaModFix/>
+          </a:blip>
+          <a:srcRect/>
+          <a:stretch/>
+        </p:blipFill>
+        <p:spPr>
+          <a:xfrm>
+            <a:off x="10901977" y="2886617"/>
+            <a:ext cx="3017469" cy="3024898"/>
+          </a:xfrm>
+          <a:prstGeom prst="rect">
+            <a:avLst/>
+          </a:prstGeom>
+          <a:noFill/>
+          <a:ln>
+            <a:noFill/>
+          </a:ln>
+        </p:spPr>
+      </p:pic>
+      <p:pic>
+        <p:nvPicPr>
+          <p:cNvPr id="227" name="Google Shape;227;p27"/>
+          <p:cNvPicPr preferRelativeResize="0"/>
+          <p:nvPr/>
+        </p:nvPicPr>
+        <p:blipFill rotWithShape="1">
+          <a:blip r:embed="rId5">
+            <a:alphaModFix/>
+          </a:blip>
+          <a:srcRect/>
+          <a:stretch/>
+        </p:blipFill>
+        <p:spPr>
+          <a:xfrm>
+            <a:off x="8119915" y="607839"/>
+            <a:ext cx="3384330" cy="841873"/>
+          </a:xfrm>
+          <a:prstGeom prst="rect">
+            <a:avLst/>
+          </a:prstGeom>
+          <a:noFill/>
+          <a:ln>
+            <a:noFill/>
+          </a:ln>
+        </p:spPr>
+      </p:pic>
+      <p:cxnSp>
+        <p:nvCxnSpPr>
+          <p:cNvPr id="228" name="Google Shape;228;p27"/>
+          <p:cNvCxnSpPr/>
+          <p:nvPr/>
+        </p:nvCxnSpPr>
+        <p:spPr>
+          <a:xfrm>
+            <a:off x="14475844" y="-11"/>
+            <a:ext cx="0" cy="2549166"/>
+          </a:xfrm>
+          <a:prstGeom prst="straightConnector1">
+            <a:avLst/>
+          </a:prstGeom>
+          <a:noFill/>
+          <a:ln w="19050" cap="flat" cmpd="sng">
+            <a:solidFill>
+              <a:schemeClr val="lt1"/>
+            </a:solidFill>
+            <a:prstDash val="solid"/>
+            <a:round/>
+            <a:headEnd type="none" w="sm" len="sm"/>
+            <a:tailEnd type="none" w="sm" len="sm"/>
+          </a:ln>
+        </p:spPr>
+      </p:cxnSp>
+    </p:spTree>
+    <p:extLst>
+      <p:ext uri="{BB962C8B-B14F-4D97-AF65-F5344CB8AC3E}">
+        <p14:creationId xmlns:p14="http://schemas.microsoft.com/office/powerpoint/2010/main" val="2018513051"/>
+      </p:ext>
+    </p:extLst>
+  </p:cSld>
+  <p:clrMapOvr>
+    <a:masterClrMapping/>
+  </p:clrMapOvr>
+</p:sld>
+</file>
+
+<file path=ppt/slides/slide14.xml><?xml version="1.0" encoding="utf-8"?>
+<p:sld xmlns:a="http://schemas.openxmlformats.org/drawingml/2006/main" xmlns:r="http://schemas.openxmlformats.org/officeDocument/2006/relationships" xmlns:p="http://schemas.openxmlformats.org/presentationml/2006/main">
+  <p:cSld>
+    <p:spTree>
+      <p:nvGrpSpPr>
+        <p:cNvPr id="1" name="Shape 166"/>
+        <p:cNvGrpSpPr/>
+        <p:nvPr/>
+      </p:nvGrpSpPr>
+      <p:grpSpPr>
+        <a:xfrm>
+          <a:off x="0" y="0"/>
+          <a:ext cx="0" cy="0"/>
+          <a:chOff x="0" y="0"/>
+          <a:chExt cx="0" cy="0"/>
+        </a:xfrm>
+      </p:grpSpPr>
+      <p:cxnSp>
+        <p:nvCxnSpPr>
+          <p:cNvPr id="167" name="Google Shape;167;p22"/>
+          <p:cNvCxnSpPr/>
+          <p:nvPr/>
+        </p:nvCxnSpPr>
+        <p:spPr>
+          <a:xfrm>
+            <a:off x="14475844" y="-11"/>
+            <a:ext cx="0" cy="3877500"/>
+          </a:xfrm>
+          <a:prstGeom prst="straightConnector1">
+            <a:avLst/>
+          </a:prstGeom>
+          <a:noFill/>
+          <a:ln w="19050" cap="flat" cmpd="sng">
+            <a:solidFill>
+              <a:srgbClr val="FF6A39"/>
+            </a:solidFill>
+            <a:prstDash val="solid"/>
+            <a:round/>
+            <a:headEnd type="none" w="sm" len="sm"/>
+            <a:tailEnd type="none" w="sm" len="sm"/>
+          </a:ln>
+        </p:spPr>
+      </p:cxnSp>
+      <p:cxnSp>
+        <p:nvCxnSpPr>
+          <p:cNvPr id="168" name="Google Shape;168;p22"/>
+          <p:cNvCxnSpPr/>
+          <p:nvPr/>
+        </p:nvCxnSpPr>
+        <p:spPr>
+          <a:xfrm>
+            <a:off x="14475850" y="6859925"/>
+            <a:ext cx="0" cy="1061700"/>
+          </a:xfrm>
+          <a:prstGeom prst="straightConnector1">
+            <a:avLst/>
+          </a:prstGeom>
+          <a:noFill/>
+          <a:ln w="19050" cap="flat" cmpd="sng">
+            <a:solidFill>
+              <a:srgbClr val="FF6A39"/>
+            </a:solidFill>
+            <a:prstDash val="solid"/>
+            <a:round/>
+            <a:headEnd type="none" w="sm" len="sm"/>
+            <a:tailEnd type="none" w="sm" len="sm"/>
+          </a:ln>
+        </p:spPr>
+      </p:cxnSp>
+      <p:pic>
+        <p:nvPicPr>
+          <p:cNvPr id="169" name="Google Shape;169;p22"/>
+          <p:cNvPicPr preferRelativeResize="0"/>
+          <p:nvPr/>
+        </p:nvPicPr>
+        <p:blipFill rotWithShape="1">
+          <a:blip r:embed="rId3">
+            <a:alphaModFix/>
+          </a:blip>
+          <a:srcRect/>
+          <a:stretch/>
+        </p:blipFill>
+        <p:spPr>
+          <a:xfrm>
+            <a:off x="498500" y="709642"/>
+            <a:ext cx="1430575" cy="126308"/>
+          </a:xfrm>
+          <a:prstGeom prst="rect">
+            <a:avLst/>
+          </a:prstGeom>
+          <a:noFill/>
+          <a:ln>
+            <a:noFill/>
+          </a:ln>
+        </p:spPr>
+      </p:pic>
+      <p:sp>
+        <p:nvSpPr>
+          <p:cNvPr id="170" name="Google Shape;170;p22"/>
+          <p:cNvSpPr txBox="1"/>
+          <p:nvPr/>
+        </p:nvSpPr>
+        <p:spPr>
+          <a:xfrm rot="-5400000">
+            <a:off x="12971200" y="5038125"/>
+            <a:ext cx="3009300" cy="657900"/>
+          </a:xfrm>
+          <a:prstGeom prst="rect">
+            <a:avLst/>
+          </a:prstGeom>
+          <a:noFill/>
+          <a:ln>
+            <a:noFill/>
+          </a:ln>
+        </p:spPr>
+        <p:txBody>
+          <a:bodyPr spcFirstLastPara="1" wrap="square" lIns="147725" tIns="147725" rIns="147725" bIns="147725" anchor="t" anchorCtr="0">
+            <a:noAutofit/>
+          </a:bodyPr>
+          <a:lstStyle/>
+          <a:p>
+            <a:pPr marL="0" marR="0" lvl="0" indent="0" algn="ctr" rtl="0">
+              <a:lnSpc>
+                <a:spcPct val="100000"/>
+              </a:lnSpc>
+              <a:spcBef>
+                <a:spcPts val="0"/>
+              </a:spcBef>
+              <a:spcAft>
+                <a:spcPts val="0"/>
+              </a:spcAft>
+              <a:buClr>
+                <a:srgbClr val="000000"/>
+              </a:buClr>
+              <a:buSzPts val="2300"/>
+              <a:buFont typeface="Arial"/>
+              <a:buNone/>
+            </a:pPr>
+            <a:r>
+              <a:rPr lang="es-MX" sz="2300" dirty="0">
+                <a:solidFill>
+                  <a:srgbClr val="D8D8D8"/>
+                </a:solidFill>
+                <a:latin typeface="Montserrat"/>
+                <a:ea typeface="Montserrat"/>
+                <a:cs typeface="Montserrat"/>
+                <a:sym typeface="Montserrat"/>
+              </a:rPr>
+              <a:t>Métodos predictivos</a:t>
+            </a:r>
+            <a:endParaRPr sz="2300" b="0" i="0" u="none" strike="noStrike" cap="none" dirty="0">
+              <a:solidFill>
+                <a:srgbClr val="D8D8D8"/>
+              </a:solidFill>
+              <a:latin typeface="Montserrat"/>
+              <a:ea typeface="Montserrat"/>
+              <a:cs typeface="Montserrat"/>
+              <a:sym typeface="Montserrat"/>
+            </a:endParaRPr>
+          </a:p>
+        </p:txBody>
+      </p:sp>
+      <p:sp>
+        <p:nvSpPr>
+          <p:cNvPr id="171" name="Google Shape;171;p22"/>
+          <p:cNvSpPr txBox="1"/>
+          <p:nvPr/>
+        </p:nvSpPr>
+        <p:spPr>
+          <a:xfrm>
+            <a:off x="5115762" y="2278390"/>
+            <a:ext cx="7366857" cy="4665600"/>
+          </a:xfrm>
+          <a:prstGeom prst="rect">
+            <a:avLst/>
+          </a:prstGeom>
+          <a:noFill/>
+          <a:ln>
+            <a:noFill/>
+          </a:ln>
+        </p:spPr>
+        <p:txBody>
+          <a:bodyPr spcFirstLastPara="1" wrap="square" lIns="147725" tIns="147725" rIns="147725" bIns="147725" anchor="t" anchorCtr="0">
+            <a:noAutofit/>
+          </a:bodyPr>
+          <a:lstStyle/>
+          <a:p>
+            <a:pPr marL="0" marR="0" lvl="0" indent="0" algn="l" rtl="0">
+              <a:lnSpc>
+                <a:spcPct val="100000"/>
+              </a:lnSpc>
+              <a:spcBef>
+                <a:spcPts val="0"/>
+              </a:spcBef>
+              <a:spcAft>
+                <a:spcPts val="0"/>
+              </a:spcAft>
+              <a:buClr>
+                <a:srgbClr val="000000"/>
+              </a:buClr>
+              <a:buSzPts val="2600"/>
+              <a:buFont typeface="Arial"/>
+              <a:buNone/>
+            </a:pPr>
+            <a:r>
+              <a:rPr lang="es-MX" sz="3200" b="0" i="0" u="none" strike="noStrike" cap="none" dirty="0">
+                <a:solidFill>
+                  <a:srgbClr val="2B303C"/>
+                </a:solidFill>
+                <a:latin typeface="Montserrat"/>
+                <a:ea typeface="Montserrat"/>
+                <a:cs typeface="Montserrat"/>
+                <a:sym typeface="Montserrat"/>
+              </a:rPr>
+              <a:t>Aplicamos los métodos predictivos de </a:t>
+            </a:r>
+            <a:r>
+              <a:rPr lang="es-MX" sz="3200" b="1" i="0" u="none" strike="noStrike" cap="none" dirty="0" err="1">
+                <a:solidFill>
+                  <a:srgbClr val="FF6A39"/>
+                </a:solidFill>
+                <a:latin typeface="Montserrat"/>
+                <a:ea typeface="Montserrat"/>
+                <a:cs typeface="Montserrat"/>
+                <a:sym typeface="Montserrat"/>
+              </a:rPr>
+              <a:t>Knn</a:t>
+            </a:r>
+            <a:r>
+              <a:rPr lang="es-MX" sz="3200" b="1" i="0" u="none" strike="noStrike" cap="none" dirty="0">
+                <a:solidFill>
+                  <a:srgbClr val="FF6A39"/>
+                </a:solidFill>
+                <a:latin typeface="Montserrat"/>
+                <a:ea typeface="Montserrat"/>
+                <a:cs typeface="Montserrat"/>
+                <a:sym typeface="Montserrat"/>
+              </a:rPr>
+              <a:t>, </a:t>
+            </a:r>
+            <a:r>
+              <a:rPr lang="es-MX" sz="3200" b="1" i="0" u="none" strike="noStrike" cap="none" dirty="0" err="1">
+                <a:solidFill>
+                  <a:srgbClr val="FF6A39"/>
+                </a:solidFill>
+                <a:latin typeface="Montserrat"/>
+                <a:ea typeface="Montserrat"/>
+                <a:cs typeface="Montserrat"/>
+                <a:sym typeface="Montserrat"/>
+              </a:rPr>
+              <a:t>Random</a:t>
+            </a:r>
+            <a:r>
+              <a:rPr lang="es-MX" sz="3200" b="1" i="0" u="none" strike="noStrike" cap="none" dirty="0">
+                <a:solidFill>
+                  <a:srgbClr val="FF6A39"/>
+                </a:solidFill>
+                <a:latin typeface="Montserrat"/>
+                <a:ea typeface="Montserrat"/>
+                <a:cs typeface="Montserrat"/>
+                <a:sym typeface="Montserrat"/>
+              </a:rPr>
+              <a:t> Forest y Regresión logística</a:t>
+            </a:r>
+            <a:r>
+              <a:rPr lang="es-MX" sz="3200" b="0" i="0" u="none" strike="noStrike" cap="none" dirty="0">
+                <a:solidFill>
+                  <a:srgbClr val="2B303C"/>
+                </a:solidFill>
+                <a:latin typeface="Montserrat"/>
+                <a:ea typeface="Montserrat"/>
+                <a:cs typeface="Montserrat"/>
+                <a:sym typeface="Montserrat"/>
+              </a:rPr>
+              <a:t>, para así </a:t>
+            </a:r>
+            <a:r>
+              <a:rPr lang="es-MX" sz="3200" b="1" i="0" u="none" strike="noStrike" cap="none" dirty="0">
+                <a:solidFill>
+                  <a:srgbClr val="2B303C"/>
+                </a:solidFill>
+                <a:latin typeface="Montserrat"/>
+                <a:ea typeface="Montserrat"/>
+                <a:cs typeface="Montserrat"/>
+                <a:sym typeface="Montserrat"/>
+              </a:rPr>
+              <a:t>comparar</a:t>
+            </a:r>
+            <a:r>
+              <a:rPr lang="es-MX" sz="3200" b="0" i="0" u="none" strike="noStrike" cap="none" dirty="0">
+                <a:solidFill>
+                  <a:srgbClr val="2B303C"/>
+                </a:solidFill>
+                <a:latin typeface="Montserrat"/>
+                <a:ea typeface="Montserrat"/>
+                <a:cs typeface="Montserrat"/>
+                <a:sym typeface="Montserrat"/>
+              </a:rPr>
+              <a:t> sus resultados y conocer cuál es el que nos ofrece una mejor </a:t>
+            </a:r>
+            <a:r>
+              <a:rPr lang="es-MX" sz="3200" b="1" i="0" u="none" strike="noStrike" cap="none" dirty="0">
+                <a:solidFill>
+                  <a:srgbClr val="2B303C"/>
+                </a:solidFill>
+                <a:latin typeface="Montserrat"/>
+                <a:ea typeface="Montserrat"/>
+                <a:cs typeface="Montserrat"/>
+                <a:sym typeface="Montserrat"/>
+              </a:rPr>
+              <a:t>predicción</a:t>
+            </a:r>
+            <a:r>
+              <a:rPr lang="es-MX" sz="3200" dirty="0">
+                <a:solidFill>
+                  <a:srgbClr val="2B303C"/>
+                </a:solidFill>
+                <a:latin typeface="Montserrat"/>
+                <a:ea typeface="Montserrat"/>
+                <a:cs typeface="Montserrat"/>
+                <a:sym typeface="Montserrat"/>
+              </a:rPr>
+              <a:t>.</a:t>
+            </a:r>
+            <a:endParaRPr sz="3200" b="0" i="0" u="none" strike="noStrike" cap="none" dirty="0">
+              <a:solidFill>
+                <a:srgbClr val="2B303C"/>
+              </a:solidFill>
+              <a:latin typeface="Montserrat"/>
+              <a:ea typeface="Montserrat"/>
+              <a:cs typeface="Montserrat"/>
+              <a:sym typeface="Montserrat"/>
+            </a:endParaRPr>
+          </a:p>
+        </p:txBody>
+      </p:sp>
+      <p:sp>
+        <p:nvSpPr>
+          <p:cNvPr id="172" name="Google Shape;172;p22"/>
+          <p:cNvSpPr txBox="1"/>
+          <p:nvPr/>
+        </p:nvSpPr>
+        <p:spPr>
+          <a:xfrm>
+            <a:off x="2295842" y="414450"/>
+            <a:ext cx="9218400" cy="716700"/>
+          </a:xfrm>
+          <a:prstGeom prst="rect">
+            <a:avLst/>
+          </a:prstGeom>
+          <a:noFill/>
+          <a:ln>
+            <a:noFill/>
+          </a:ln>
+        </p:spPr>
+        <p:txBody>
+          <a:bodyPr spcFirstLastPara="1" wrap="square" lIns="147725" tIns="147725" rIns="147725" bIns="147725" anchor="ctr" anchorCtr="0">
+            <a:noAutofit/>
+          </a:bodyPr>
+          <a:lstStyle/>
+          <a:p>
+            <a:pPr marL="0" marR="0" lvl="0" indent="0" algn="l" rtl="0">
+              <a:lnSpc>
+                <a:spcPct val="100000"/>
+              </a:lnSpc>
+              <a:spcBef>
+                <a:spcPts val="0"/>
+              </a:spcBef>
+              <a:spcAft>
+                <a:spcPts val="0"/>
+              </a:spcAft>
+              <a:buClr>
+                <a:srgbClr val="000000"/>
+              </a:buClr>
+              <a:buSzPts val="4000"/>
+              <a:buFont typeface="Arial"/>
+              <a:buNone/>
+            </a:pPr>
+            <a:r>
+              <a:rPr lang="es-MX" sz="4000" b="1" dirty="0">
+                <a:solidFill>
+                  <a:srgbClr val="16181C"/>
+                </a:solidFill>
+                <a:latin typeface="Montserrat"/>
+                <a:ea typeface="Montserrat"/>
+                <a:cs typeface="Montserrat"/>
+                <a:sym typeface="Montserrat"/>
+              </a:rPr>
+              <a:t>Comparación de métodos</a:t>
+            </a:r>
+            <a:endParaRPr sz="4000" b="0" i="0" u="none" strike="noStrike" cap="none" dirty="0">
+              <a:solidFill>
+                <a:srgbClr val="16181C"/>
+              </a:solidFill>
+              <a:latin typeface="Montserrat"/>
+              <a:ea typeface="Montserrat"/>
+              <a:cs typeface="Montserrat"/>
+              <a:sym typeface="Montserrat"/>
+            </a:endParaRPr>
+          </a:p>
+        </p:txBody>
+      </p:sp>
+      <p:pic>
+        <p:nvPicPr>
+          <p:cNvPr id="174" name="Google Shape;174;p22"/>
+          <p:cNvPicPr preferRelativeResize="0"/>
+          <p:nvPr/>
+        </p:nvPicPr>
+        <p:blipFill rotWithShape="1">
+          <a:blip r:embed="rId4">
+            <a:alphaModFix/>
+          </a:blip>
+          <a:srcRect/>
+          <a:stretch/>
+        </p:blipFill>
+        <p:spPr>
+          <a:xfrm>
+            <a:off x="575050" y="6725850"/>
+            <a:ext cx="3996201" cy="994075"/>
+          </a:xfrm>
+          <a:prstGeom prst="rect">
+            <a:avLst/>
+          </a:prstGeom>
+          <a:noFill/>
+          <a:ln>
+            <a:noFill/>
+          </a:ln>
+        </p:spPr>
+      </p:pic>
+      <p:pic>
+        <p:nvPicPr>
+          <p:cNvPr id="175" name="Google Shape;175;p22"/>
+          <p:cNvPicPr preferRelativeResize="0"/>
+          <p:nvPr/>
+        </p:nvPicPr>
+        <p:blipFill rotWithShape="1">
+          <a:blip r:embed="rId5">
+            <a:alphaModFix/>
+          </a:blip>
+          <a:srcRect/>
+          <a:stretch/>
+        </p:blipFill>
+        <p:spPr>
+          <a:xfrm>
+            <a:off x="10878384" y="531488"/>
+            <a:ext cx="2165348" cy="482600"/>
+          </a:xfrm>
+          <a:prstGeom prst="rect">
+            <a:avLst/>
+          </a:prstGeom>
+          <a:noFill/>
+          <a:ln>
+            <a:noFill/>
+          </a:ln>
+        </p:spPr>
+      </p:pic>
+      <p:pic>
+        <p:nvPicPr>
+          <p:cNvPr id="11" name="Google Shape;460;p42">
+            <a:extLst>
+              <a:ext uri="{FF2B5EF4-FFF2-40B4-BE49-F238E27FC236}">
+                <a16:creationId xmlns:a16="http://schemas.microsoft.com/office/drawing/2014/main" id="{478AE2DE-A436-4CBE-8FAE-C1AB3E995710}"/>
+              </a:ext>
+            </a:extLst>
+          </p:cNvPr>
+          <p:cNvPicPr preferRelativeResize="0"/>
+          <p:nvPr/>
+        </p:nvPicPr>
+        <p:blipFill>
+          <a:blip r:embed="rId6">
+            <a:alphaModFix/>
+          </a:blip>
+          <a:stretch>
+            <a:fillRect/>
+          </a:stretch>
+        </p:blipFill>
+        <p:spPr>
+          <a:xfrm>
+            <a:off x="1450880" y="2278390"/>
+            <a:ext cx="2387473" cy="2387473"/>
+          </a:xfrm>
+          <a:prstGeom prst="rect">
+            <a:avLst/>
+          </a:prstGeom>
+          <a:noFill/>
+          <a:ln>
+            <a:noFill/>
+          </a:ln>
+        </p:spPr>
+      </p:pic>
+    </p:spTree>
+  </p:cSld>
+  <p:clrMapOvr>
+    <a:masterClrMapping/>
+  </p:clrMapOvr>
+</p:sld>
+</file>
+
+<file path=ppt/slides/slide15.xml><?xml version="1.0" encoding="utf-8"?>
+<p:sld xmlns:a="http://schemas.openxmlformats.org/drawingml/2006/main" xmlns:r="http://schemas.openxmlformats.org/officeDocument/2006/relationships" xmlns:p="http://schemas.openxmlformats.org/presentationml/2006/main">
+  <p:cSld>
+    <p:spTree>
+      <p:nvGrpSpPr>
+        <p:cNvPr id="1" name="Shape 166"/>
+        <p:cNvGrpSpPr/>
+        <p:nvPr/>
+      </p:nvGrpSpPr>
+      <p:grpSpPr>
+        <a:xfrm>
+          <a:off x="0" y="0"/>
+          <a:ext cx="0" cy="0"/>
+          <a:chOff x="0" y="0"/>
+          <a:chExt cx="0" cy="0"/>
+        </a:xfrm>
+      </p:grpSpPr>
+      <p:cxnSp>
+        <p:nvCxnSpPr>
+          <p:cNvPr id="167" name="Google Shape;167;p22"/>
+          <p:cNvCxnSpPr/>
+          <p:nvPr/>
+        </p:nvCxnSpPr>
+        <p:spPr>
+          <a:xfrm>
+            <a:off x="14475844" y="-11"/>
+            <a:ext cx="0" cy="3877500"/>
+          </a:xfrm>
+          <a:prstGeom prst="straightConnector1">
+            <a:avLst/>
+          </a:prstGeom>
+          <a:noFill/>
+          <a:ln w="19050" cap="flat" cmpd="sng">
+            <a:solidFill>
+              <a:srgbClr val="FF6A39"/>
+            </a:solidFill>
+            <a:prstDash val="solid"/>
+            <a:round/>
+            <a:headEnd type="none" w="sm" len="sm"/>
+            <a:tailEnd type="none" w="sm" len="sm"/>
+          </a:ln>
+        </p:spPr>
+      </p:cxnSp>
+      <p:cxnSp>
+        <p:nvCxnSpPr>
+          <p:cNvPr id="168" name="Google Shape;168;p22"/>
+          <p:cNvCxnSpPr/>
+          <p:nvPr/>
+        </p:nvCxnSpPr>
+        <p:spPr>
+          <a:xfrm>
+            <a:off x="14475850" y="6859925"/>
+            <a:ext cx="0" cy="1061700"/>
+          </a:xfrm>
+          <a:prstGeom prst="straightConnector1">
+            <a:avLst/>
+          </a:prstGeom>
+          <a:noFill/>
+          <a:ln w="19050" cap="flat" cmpd="sng">
+            <a:solidFill>
+              <a:srgbClr val="FF6A39"/>
+            </a:solidFill>
+            <a:prstDash val="solid"/>
+            <a:round/>
+            <a:headEnd type="none" w="sm" len="sm"/>
+            <a:tailEnd type="none" w="sm" len="sm"/>
+          </a:ln>
+        </p:spPr>
+      </p:cxnSp>
+      <p:pic>
+        <p:nvPicPr>
+          <p:cNvPr id="169" name="Google Shape;169;p22"/>
+          <p:cNvPicPr preferRelativeResize="0"/>
+          <p:nvPr/>
+        </p:nvPicPr>
+        <p:blipFill rotWithShape="1">
+          <a:blip r:embed="rId3">
+            <a:alphaModFix/>
+          </a:blip>
+          <a:srcRect/>
+          <a:stretch/>
+        </p:blipFill>
+        <p:spPr>
+          <a:xfrm>
+            <a:off x="498500" y="709642"/>
+            <a:ext cx="1430575" cy="126308"/>
+          </a:xfrm>
+          <a:prstGeom prst="rect">
+            <a:avLst/>
+          </a:prstGeom>
+          <a:noFill/>
+          <a:ln>
+            <a:noFill/>
+          </a:ln>
+        </p:spPr>
+      </p:pic>
+      <p:sp>
+        <p:nvSpPr>
+          <p:cNvPr id="170" name="Google Shape;170;p22"/>
+          <p:cNvSpPr txBox="1"/>
+          <p:nvPr/>
+        </p:nvSpPr>
+        <p:spPr>
+          <a:xfrm rot="-5400000">
+            <a:off x="12971200" y="5038125"/>
+            <a:ext cx="3009300" cy="657900"/>
+          </a:xfrm>
+          <a:prstGeom prst="rect">
+            <a:avLst/>
+          </a:prstGeom>
+          <a:noFill/>
+          <a:ln>
+            <a:noFill/>
+          </a:ln>
+        </p:spPr>
+        <p:txBody>
+          <a:bodyPr spcFirstLastPara="1" wrap="square" lIns="147725" tIns="147725" rIns="147725" bIns="147725" anchor="t" anchorCtr="0">
+            <a:noAutofit/>
+          </a:bodyPr>
+          <a:lstStyle/>
+          <a:p>
+            <a:pPr marL="0" marR="0" lvl="0" indent="0" algn="ctr" rtl="0">
+              <a:lnSpc>
+                <a:spcPct val="100000"/>
+              </a:lnSpc>
+              <a:spcBef>
+                <a:spcPts val="0"/>
+              </a:spcBef>
+              <a:spcAft>
+                <a:spcPts val="0"/>
+              </a:spcAft>
+              <a:buClr>
+                <a:srgbClr val="000000"/>
+              </a:buClr>
+              <a:buSzPts val="2300"/>
+              <a:buFont typeface="Arial"/>
+              <a:buNone/>
+            </a:pPr>
+            <a:r>
+              <a:rPr lang="es-MX" sz="2300" dirty="0">
+                <a:solidFill>
+                  <a:srgbClr val="D8D8D8"/>
+                </a:solidFill>
+                <a:latin typeface="Montserrat"/>
+                <a:ea typeface="Montserrat"/>
+                <a:cs typeface="Montserrat"/>
+                <a:sym typeface="Montserrat"/>
+              </a:rPr>
+              <a:t>Métodos predictivos</a:t>
+            </a:r>
+            <a:endParaRPr sz="2300" b="0" i="0" u="none" strike="noStrike" cap="none" dirty="0">
+              <a:solidFill>
+                <a:srgbClr val="D8D8D8"/>
+              </a:solidFill>
+              <a:latin typeface="Montserrat"/>
+              <a:ea typeface="Montserrat"/>
+              <a:cs typeface="Montserrat"/>
+              <a:sym typeface="Montserrat"/>
+            </a:endParaRPr>
+          </a:p>
+        </p:txBody>
+      </p:sp>
+      <p:sp>
+        <p:nvSpPr>
+          <p:cNvPr id="171" name="Google Shape;171;p22"/>
+          <p:cNvSpPr txBox="1"/>
+          <p:nvPr/>
+        </p:nvSpPr>
+        <p:spPr>
+          <a:xfrm>
+            <a:off x="5115762" y="2278390"/>
+            <a:ext cx="7366857" cy="4665600"/>
+          </a:xfrm>
+          <a:prstGeom prst="rect">
+            <a:avLst/>
+          </a:prstGeom>
+          <a:noFill/>
+          <a:ln>
+            <a:noFill/>
+          </a:ln>
+        </p:spPr>
+        <p:txBody>
+          <a:bodyPr spcFirstLastPara="1" wrap="square" lIns="147725" tIns="147725" rIns="147725" bIns="147725" anchor="t" anchorCtr="0">
+            <a:noAutofit/>
+          </a:bodyPr>
+          <a:lstStyle/>
+          <a:p>
+            <a:pPr marL="0" marR="0" lvl="0" indent="0" algn="l" rtl="0">
+              <a:lnSpc>
+                <a:spcPct val="100000"/>
+              </a:lnSpc>
+              <a:spcBef>
+                <a:spcPts val="0"/>
+              </a:spcBef>
+              <a:spcAft>
+                <a:spcPts val="0"/>
+              </a:spcAft>
+              <a:buClr>
+                <a:srgbClr val="000000"/>
+              </a:buClr>
+              <a:buSzPts val="2600"/>
+              <a:buFont typeface="Arial"/>
+              <a:buNone/>
+            </a:pPr>
+            <a:r>
+              <a:rPr lang="es-MX" sz="3200" dirty="0">
+                <a:solidFill>
+                  <a:srgbClr val="2B303C"/>
+                </a:solidFill>
+                <a:latin typeface="Montserrat"/>
+                <a:ea typeface="Montserrat"/>
+                <a:cs typeface="Montserrat"/>
+                <a:sym typeface="Montserrat"/>
+              </a:rPr>
+              <a:t>Derivado de la comparación obtuvimos que: </a:t>
+            </a:r>
+            <a:endParaRPr sz="3200" b="0" i="0" u="none" strike="noStrike" cap="none" dirty="0">
+              <a:solidFill>
+                <a:srgbClr val="2B303C"/>
+              </a:solidFill>
+              <a:latin typeface="Montserrat"/>
+              <a:ea typeface="Montserrat"/>
+              <a:cs typeface="Montserrat"/>
+              <a:sym typeface="Montserrat"/>
+            </a:endParaRPr>
+          </a:p>
+        </p:txBody>
+      </p:sp>
+      <p:sp>
+        <p:nvSpPr>
+          <p:cNvPr id="172" name="Google Shape;172;p22"/>
+          <p:cNvSpPr txBox="1"/>
+          <p:nvPr/>
+        </p:nvSpPr>
+        <p:spPr>
+          <a:xfrm>
+            <a:off x="2295842" y="414450"/>
+            <a:ext cx="9218400" cy="716700"/>
+          </a:xfrm>
+          <a:prstGeom prst="rect">
+            <a:avLst/>
+          </a:prstGeom>
+          <a:noFill/>
+          <a:ln>
+            <a:noFill/>
+          </a:ln>
+        </p:spPr>
+        <p:txBody>
+          <a:bodyPr spcFirstLastPara="1" wrap="square" lIns="147725" tIns="147725" rIns="147725" bIns="147725" anchor="ctr" anchorCtr="0">
+            <a:noAutofit/>
+          </a:bodyPr>
+          <a:lstStyle/>
+          <a:p>
+            <a:pPr marL="0" marR="0" lvl="0" indent="0" algn="l" rtl="0">
+              <a:lnSpc>
+                <a:spcPct val="100000"/>
+              </a:lnSpc>
+              <a:spcBef>
+                <a:spcPts val="0"/>
+              </a:spcBef>
+              <a:spcAft>
+                <a:spcPts val="0"/>
+              </a:spcAft>
+              <a:buClr>
+                <a:srgbClr val="000000"/>
+              </a:buClr>
+              <a:buSzPts val="4000"/>
+              <a:buFont typeface="Arial"/>
+              <a:buNone/>
+            </a:pPr>
+            <a:r>
+              <a:rPr lang="es-MX" sz="4000" b="1" dirty="0">
+                <a:solidFill>
+                  <a:srgbClr val="16181C"/>
+                </a:solidFill>
+                <a:latin typeface="Montserrat"/>
+                <a:ea typeface="Montserrat"/>
+                <a:cs typeface="Montserrat"/>
+                <a:sym typeface="Montserrat"/>
+              </a:rPr>
+              <a:t>Comparación de métodos</a:t>
+            </a:r>
+            <a:endParaRPr sz="4000" b="0" i="0" u="none" strike="noStrike" cap="none" dirty="0">
+              <a:solidFill>
+                <a:srgbClr val="16181C"/>
+              </a:solidFill>
+              <a:latin typeface="Montserrat"/>
+              <a:ea typeface="Montserrat"/>
+              <a:cs typeface="Montserrat"/>
+              <a:sym typeface="Montserrat"/>
+            </a:endParaRPr>
+          </a:p>
+        </p:txBody>
+      </p:sp>
+      <p:pic>
+        <p:nvPicPr>
+          <p:cNvPr id="174" name="Google Shape;174;p22"/>
+          <p:cNvPicPr preferRelativeResize="0"/>
+          <p:nvPr/>
+        </p:nvPicPr>
+        <p:blipFill rotWithShape="1">
+          <a:blip r:embed="rId4">
+            <a:alphaModFix/>
+          </a:blip>
+          <a:srcRect/>
+          <a:stretch/>
+        </p:blipFill>
+        <p:spPr>
+          <a:xfrm>
+            <a:off x="575050" y="6725850"/>
+            <a:ext cx="3996201" cy="994075"/>
+          </a:xfrm>
+          <a:prstGeom prst="rect">
+            <a:avLst/>
+          </a:prstGeom>
+          <a:noFill/>
+          <a:ln>
+            <a:noFill/>
+          </a:ln>
+        </p:spPr>
+      </p:pic>
+      <p:pic>
+        <p:nvPicPr>
+          <p:cNvPr id="175" name="Google Shape;175;p22"/>
+          <p:cNvPicPr preferRelativeResize="0"/>
+          <p:nvPr/>
+        </p:nvPicPr>
+        <p:blipFill rotWithShape="1">
+          <a:blip r:embed="rId5">
+            <a:alphaModFix/>
+          </a:blip>
+          <a:srcRect/>
+          <a:stretch/>
+        </p:blipFill>
+        <p:spPr>
+          <a:xfrm>
+            <a:off x="10878384" y="531488"/>
+            <a:ext cx="2165348" cy="482600"/>
+          </a:xfrm>
+          <a:prstGeom prst="rect">
+            <a:avLst/>
+          </a:prstGeom>
+          <a:noFill/>
+          <a:ln>
+            <a:noFill/>
+          </a:ln>
+        </p:spPr>
+      </p:pic>
+      <p:pic>
+        <p:nvPicPr>
+          <p:cNvPr id="12" name="Google Shape;474;p42">
+            <a:extLst>
+              <a:ext uri="{FF2B5EF4-FFF2-40B4-BE49-F238E27FC236}">
+                <a16:creationId xmlns:a16="http://schemas.microsoft.com/office/drawing/2014/main" id="{F0203541-4061-4659-A9AD-4C0DDD9034C9}"/>
+              </a:ext>
+            </a:extLst>
+          </p:cNvPr>
+          <p:cNvPicPr preferRelativeResize="0"/>
+          <p:nvPr/>
+        </p:nvPicPr>
+        <p:blipFill>
+          <a:blip r:embed="rId6">
+            <a:alphaModFix/>
+          </a:blip>
+          <a:stretch>
+            <a:fillRect/>
+          </a:stretch>
+        </p:blipFill>
+        <p:spPr>
+          <a:xfrm>
+            <a:off x="1167774" y="2364150"/>
+            <a:ext cx="2944264" cy="2425240"/>
+          </a:xfrm>
+          <a:prstGeom prst="rect">
+            <a:avLst/>
+          </a:prstGeom>
+          <a:noFill/>
+          <a:ln>
+            <a:noFill/>
+          </a:ln>
+        </p:spPr>
+      </p:pic>
+    </p:spTree>
+    <p:extLst>
+      <p:ext uri="{BB962C8B-B14F-4D97-AF65-F5344CB8AC3E}">
+        <p14:creationId xmlns:p14="http://schemas.microsoft.com/office/powerpoint/2010/main" val="469295777"/>
+      </p:ext>
+    </p:extLst>
+  </p:cSld>
+  <p:clrMapOvr>
+    <a:masterClrMapping/>
+  </p:clrMapOvr>
+</p:sld>
+</file>
+
+<file path=ppt/slides/slide16.xml><?xml version="1.0" encoding="utf-8"?>
+<p:sld xmlns:a="http://schemas.openxmlformats.org/drawingml/2006/main" xmlns:r="http://schemas.openxmlformats.org/officeDocument/2006/relationships" xmlns:p="http://schemas.openxmlformats.org/presentationml/2006/main">
+  <p:cSld>
+    <p:spTree>
+      <p:nvGrpSpPr>
+        <p:cNvPr id="1" name="Shape 191"/>
+        <p:cNvGrpSpPr/>
+        <p:nvPr/>
+      </p:nvGrpSpPr>
+      <p:grpSpPr>
+        <a:xfrm>
+          <a:off x="0" y="0"/>
+          <a:ext cx="0" cy="0"/>
+          <a:chOff x="0" y="0"/>
+          <a:chExt cx="0" cy="0"/>
+        </a:xfrm>
+      </p:grpSpPr>
+      <p:sp>
+        <p:nvSpPr>
+          <p:cNvPr id="192" name="Google Shape;192;p24"/>
+          <p:cNvSpPr/>
+          <p:nvPr/>
+        </p:nvSpPr>
+        <p:spPr>
+          <a:xfrm>
+            <a:off x="-25" y="7002150"/>
+            <a:ext cx="15122400" cy="932700"/>
+          </a:xfrm>
+          <a:prstGeom prst="rect">
+            <a:avLst/>
+          </a:prstGeom>
+          <a:solidFill>
+            <a:srgbClr val="FF6A39"/>
+          </a:solidFill>
+          <a:ln>
+            <a:noFill/>
+          </a:ln>
+        </p:spPr>
+        <p:txBody>
+          <a:bodyPr spcFirstLastPara="1" wrap="square" lIns="147725" tIns="147725" rIns="147725" bIns="147725" anchor="ctr" anchorCtr="0">
+            <a:noAutofit/>
+          </a:bodyPr>
+          <a:lstStyle/>
+          <a:p>
+            <a:pPr marL="0" marR="0" lvl="0" indent="0" algn="l" rtl="0">
+              <a:lnSpc>
+                <a:spcPct val="100000"/>
+              </a:lnSpc>
+              <a:spcBef>
+                <a:spcPts val="0"/>
+              </a:spcBef>
+              <a:spcAft>
+                <a:spcPts val="0"/>
+              </a:spcAft>
+              <a:buClr>
+                <a:srgbClr val="000000"/>
+              </a:buClr>
+              <a:buSzPts val="2300"/>
+              <a:buFont typeface="Arial"/>
+              <a:buNone/>
+            </a:pPr>
+            <a:endParaRPr sz="2300" b="0" i="0" u="none" strike="noStrike" cap="none">
+              <a:solidFill>
+                <a:srgbClr val="000000"/>
+              </a:solidFill>
+              <a:latin typeface="Arial"/>
+              <a:ea typeface="Arial"/>
+              <a:cs typeface="Arial"/>
+              <a:sym typeface="Arial"/>
+            </a:endParaRPr>
+          </a:p>
+        </p:txBody>
+      </p:sp>
+      <p:pic>
+        <p:nvPicPr>
+          <p:cNvPr id="193" name="Google Shape;193;p24"/>
+          <p:cNvPicPr preferRelativeResize="0"/>
+          <p:nvPr/>
+        </p:nvPicPr>
+        <p:blipFill rotWithShape="1">
+          <a:blip r:embed="rId3">
+            <a:alphaModFix/>
+          </a:blip>
+          <a:srcRect/>
+          <a:stretch/>
+        </p:blipFill>
+        <p:spPr>
+          <a:xfrm rot="-5400000" flipH="1">
+            <a:off x="1569468" y="6187608"/>
+            <a:ext cx="182144" cy="2553201"/>
+          </a:xfrm>
+          <a:prstGeom prst="rect">
+            <a:avLst/>
+          </a:prstGeom>
+          <a:noFill/>
+          <a:ln>
+            <a:noFill/>
+          </a:ln>
+        </p:spPr>
+      </p:pic>
+      <p:pic>
+        <p:nvPicPr>
+          <p:cNvPr id="194" name="Google Shape;194;p24"/>
+          <p:cNvPicPr preferRelativeResize="0"/>
+          <p:nvPr/>
+        </p:nvPicPr>
+        <p:blipFill rotWithShape="1">
+          <a:blip r:embed="rId4">
+            <a:alphaModFix/>
+          </a:blip>
+          <a:srcRect/>
+          <a:stretch/>
+        </p:blipFill>
+        <p:spPr>
+          <a:xfrm>
+            <a:off x="13599952" y="7183473"/>
+            <a:ext cx="970174" cy="516076"/>
+          </a:xfrm>
+          <a:prstGeom prst="rect">
+            <a:avLst/>
+          </a:prstGeom>
+          <a:noFill/>
+          <a:ln>
+            <a:noFill/>
+          </a:ln>
+        </p:spPr>
+      </p:pic>
+      <p:sp>
+        <p:nvSpPr>
+          <p:cNvPr id="196" name="Google Shape;196;p24"/>
+          <p:cNvSpPr txBox="1"/>
+          <p:nvPr/>
+        </p:nvSpPr>
+        <p:spPr>
+          <a:xfrm>
+            <a:off x="3238737" y="2871407"/>
+            <a:ext cx="8645100" cy="1300200"/>
+          </a:xfrm>
+          <a:prstGeom prst="rect">
+            <a:avLst/>
+          </a:prstGeom>
+          <a:noFill/>
+          <a:ln>
+            <a:noFill/>
+          </a:ln>
+        </p:spPr>
+        <p:txBody>
+          <a:bodyPr spcFirstLastPara="1" wrap="square" lIns="147725" tIns="147725" rIns="147725" bIns="147725" anchor="ctr" anchorCtr="0">
+            <a:noAutofit/>
+          </a:bodyPr>
+          <a:lstStyle/>
+          <a:p>
+            <a:pPr marL="0" marR="0" lvl="0" indent="0" algn="ctr" rtl="0">
+              <a:lnSpc>
+                <a:spcPct val="100000"/>
+              </a:lnSpc>
+              <a:spcBef>
+                <a:spcPts val="0"/>
+              </a:spcBef>
+              <a:spcAft>
+                <a:spcPts val="0"/>
+              </a:spcAft>
+              <a:buClr>
+                <a:srgbClr val="000000"/>
+              </a:buClr>
+              <a:buSzPts val="7800"/>
+              <a:buFont typeface="Arial"/>
+              <a:buNone/>
+            </a:pPr>
+            <a:r>
+              <a:rPr lang="es-MX" sz="7800" b="1" i="0" u="none" strike="noStrike" cap="none">
+                <a:solidFill>
+                  <a:schemeClr val="lt1"/>
+                </a:solidFill>
+                <a:latin typeface="Montserrat"/>
+                <a:ea typeface="Montserrat"/>
+                <a:cs typeface="Montserrat"/>
+                <a:sym typeface="Montserrat"/>
+              </a:rPr>
+              <a:t>Imagen</a:t>
+            </a:r>
+            <a:endParaRPr sz="7800" b="1" i="0" u="none" strike="noStrike" cap="none">
+              <a:solidFill>
+                <a:schemeClr val="lt1"/>
+              </a:solidFill>
+              <a:latin typeface="Montserrat"/>
+              <a:ea typeface="Montserrat"/>
+              <a:cs typeface="Montserrat"/>
+              <a:sym typeface="Montserrat"/>
+            </a:endParaRPr>
+          </a:p>
+        </p:txBody>
+      </p:sp>
+      <p:pic>
+        <p:nvPicPr>
+          <p:cNvPr id="2050" name="Picture 2" descr="Electronic Design Automation data science model">
+            <a:extLst>
+              <a:ext uri="{FF2B5EF4-FFF2-40B4-BE49-F238E27FC236}">
+                <a16:creationId xmlns:a16="http://schemas.microsoft.com/office/drawing/2014/main" id="{C638A394-E7BD-4EE7-8408-776F61A90D56}"/>
+              </a:ext>
+            </a:extLst>
+          </p:cNvPr>
+          <p:cNvPicPr>
+            <a:picLocks noChangeAspect="1" noChangeArrowheads="1"/>
+          </p:cNvPicPr>
+          <p:nvPr/>
+        </p:nvPicPr>
+        <p:blipFill>
+          <a:blip r:embed="rId5">
+            <a:extLst>
+              <a:ext uri="{28A0092B-C50C-407E-A947-70E740481C1C}">
+                <a14:useLocalDpi xmlns:a14="http://schemas.microsoft.com/office/drawing/2010/main" val="0"/>
+              </a:ext>
+            </a:extLst>
+          </a:blip>
+          <a:srcRect/>
+          <a:stretch>
+            <a:fillRect/>
+          </a:stretch>
+        </p:blipFill>
+        <p:spPr bwMode="auto">
+          <a:xfrm>
+            <a:off x="1115013" y="153387"/>
+            <a:ext cx="12892324" cy="6736239"/>
+          </a:xfrm>
+          <a:prstGeom prst="rect">
+            <a:avLst/>
+          </a:prstGeom>
+          <a:noFill/>
+          <a:extLst>
+            <a:ext uri="{909E8E84-426E-40DD-AFC4-6F175D3DCCD1}">
+              <a14:hiddenFill xmlns:a14="http://schemas.microsoft.com/office/drawing/2010/main">
+                <a:solidFill>
+                  <a:srgbClr val="FFFFFF"/>
+                </a:solidFill>
+              </a14:hiddenFill>
+            </a:ext>
+          </a:extLst>
+        </p:spPr>
+      </p:pic>
+    </p:spTree>
+  </p:cSld>
+  <p:clrMapOvr>
+    <a:masterClrMapping/>
+  </p:clrMapOvr>
+</p:sld>
+</file>
+
+<file path=ppt/slides/slide17.xml><?xml version="1.0" encoding="utf-8"?>
+<p:sld xmlns:a="http://schemas.openxmlformats.org/drawingml/2006/main" xmlns:r="http://schemas.openxmlformats.org/officeDocument/2006/relationships" xmlns:p="http://schemas.openxmlformats.org/presentationml/2006/main">
+  <p:cSld>
+    <p:bg>
+      <p:bgPr>
+        <a:solidFill>
+          <a:srgbClr val="FF6A39"/>
+        </a:solidFill>
+        <a:effectLst/>
+      </p:bgPr>
+    </p:bg>
+    <p:spTree>
+      <p:nvGrpSpPr>
+        <p:cNvPr id="1" name="Shape 102"/>
+        <p:cNvGrpSpPr/>
+        <p:nvPr/>
+      </p:nvGrpSpPr>
+      <p:grpSpPr>
+        <a:xfrm>
+          <a:off x="0" y="0"/>
+          <a:ext cx="0" cy="0"/>
+          <a:chOff x="0" y="0"/>
+          <a:chExt cx="0" cy="0"/>
+        </a:xfrm>
+      </p:grpSpPr>
+      <p:sp>
+        <p:nvSpPr>
+          <p:cNvPr id="103" name="Google Shape;103;p17"/>
+          <p:cNvSpPr/>
+          <p:nvPr/>
+        </p:nvSpPr>
+        <p:spPr>
+          <a:xfrm>
+            <a:off x="10106532" y="0"/>
+            <a:ext cx="5016000" cy="7934700"/>
+          </a:xfrm>
+          <a:prstGeom prst="rect">
+            <a:avLst/>
+          </a:prstGeom>
+          <a:solidFill>
+            <a:srgbClr val="16181C"/>
+          </a:solidFill>
+          <a:ln>
+            <a:noFill/>
+          </a:ln>
+        </p:spPr>
+        <p:txBody>
+          <a:bodyPr spcFirstLastPara="1" wrap="square" lIns="147725" tIns="147725" rIns="147725" bIns="147725" anchor="ctr" anchorCtr="0">
+            <a:noAutofit/>
+          </a:bodyPr>
+          <a:lstStyle/>
+          <a:p>
+            <a:pPr marL="0" marR="0" lvl="0" indent="0" algn="l" rtl="0">
+              <a:lnSpc>
+                <a:spcPct val="100000"/>
+              </a:lnSpc>
+              <a:spcBef>
+                <a:spcPts val="0"/>
+              </a:spcBef>
+              <a:spcAft>
+                <a:spcPts val="0"/>
+              </a:spcAft>
+              <a:buClr>
+                <a:srgbClr val="000000"/>
+              </a:buClr>
+              <a:buSzPts val="2300"/>
+              <a:buFont typeface="Arial"/>
+              <a:buNone/>
+            </a:pPr>
+            <a:endParaRPr sz="2300" b="0" i="0" u="none" strike="noStrike" cap="none">
+              <a:solidFill>
+                <a:srgbClr val="000000"/>
+              </a:solidFill>
+              <a:latin typeface="Arial"/>
+              <a:ea typeface="Arial"/>
+              <a:cs typeface="Arial"/>
+              <a:sym typeface="Arial"/>
+            </a:endParaRPr>
+          </a:p>
+        </p:txBody>
+      </p:sp>
+      <p:sp>
+        <p:nvSpPr>
+          <p:cNvPr id="104" name="Google Shape;104;p17"/>
+          <p:cNvSpPr txBox="1"/>
+          <p:nvPr/>
+        </p:nvSpPr>
+        <p:spPr>
+          <a:xfrm>
+            <a:off x="1700960" y="1175608"/>
+            <a:ext cx="7214400" cy="3526800"/>
+          </a:xfrm>
+          <a:prstGeom prst="rect">
+            <a:avLst/>
+          </a:prstGeom>
+          <a:noFill/>
+          <a:ln>
+            <a:noFill/>
+          </a:ln>
+        </p:spPr>
+        <p:txBody>
+          <a:bodyPr spcFirstLastPara="1" wrap="square" lIns="147725" tIns="147725" rIns="147725" bIns="147725" anchor="ctr" anchorCtr="0">
+            <a:noAutofit/>
+          </a:bodyPr>
+          <a:lstStyle/>
+          <a:p>
+            <a:pPr marL="0" marR="0" lvl="0" indent="0" algn="l" rtl="0">
+              <a:lnSpc>
+                <a:spcPct val="100000"/>
+              </a:lnSpc>
+              <a:spcBef>
+                <a:spcPts val="0"/>
+              </a:spcBef>
+              <a:spcAft>
+                <a:spcPts val="0"/>
+              </a:spcAft>
+              <a:buClr>
+                <a:srgbClr val="000000"/>
+              </a:buClr>
+              <a:buSzPts val="6800"/>
+              <a:buFont typeface="Arial"/>
+              <a:buNone/>
+            </a:pPr>
+            <a:r>
+              <a:rPr lang="es-MX" sz="6800" b="1" dirty="0">
+                <a:solidFill>
+                  <a:srgbClr val="FFFFFF"/>
+                </a:solidFill>
+                <a:latin typeface="Montserrat"/>
+                <a:ea typeface="Montserrat"/>
+                <a:cs typeface="Montserrat"/>
+                <a:sym typeface="Montserrat"/>
+              </a:rPr>
+              <a:t>¡GRACIAS POR SU ATENCIÓN!</a:t>
+            </a:r>
+            <a:endParaRPr sz="6800" b="1" i="0" u="none" strike="noStrike" cap="none" dirty="0">
+              <a:solidFill>
+                <a:srgbClr val="FFFFFF"/>
+              </a:solidFill>
+              <a:latin typeface="Montserrat"/>
+              <a:ea typeface="Montserrat"/>
+              <a:cs typeface="Montserrat"/>
+              <a:sym typeface="Montserrat"/>
+            </a:endParaRPr>
+          </a:p>
+        </p:txBody>
+      </p:sp>
+      <p:pic>
+        <p:nvPicPr>
+          <p:cNvPr id="105" name="Google Shape;105;p17"/>
+          <p:cNvPicPr preferRelativeResize="0"/>
+          <p:nvPr/>
+        </p:nvPicPr>
+        <p:blipFill rotWithShape="1">
+          <a:blip r:embed="rId3">
+            <a:alphaModFix/>
+          </a:blip>
+          <a:srcRect/>
+          <a:stretch/>
+        </p:blipFill>
+        <p:spPr>
+          <a:xfrm flipH="1">
+            <a:off x="607160" y="4411099"/>
+            <a:ext cx="182144" cy="2553200"/>
+          </a:xfrm>
+          <a:prstGeom prst="rect">
+            <a:avLst/>
+          </a:prstGeom>
+          <a:noFill/>
+          <a:ln>
+            <a:noFill/>
+          </a:ln>
+        </p:spPr>
+      </p:pic>
+      <p:cxnSp>
+        <p:nvCxnSpPr>
+          <p:cNvPr id="106" name="Google Shape;106;p17"/>
+          <p:cNvCxnSpPr/>
+          <p:nvPr/>
+        </p:nvCxnSpPr>
+        <p:spPr>
+          <a:xfrm>
+            <a:off x="14475850" y="6859925"/>
+            <a:ext cx="0" cy="1061700"/>
+          </a:xfrm>
+          <a:prstGeom prst="straightConnector1">
+            <a:avLst/>
+          </a:prstGeom>
+          <a:noFill/>
+          <a:ln w="19050" cap="flat" cmpd="sng">
+            <a:solidFill>
+              <a:schemeClr val="lt1"/>
+            </a:solidFill>
+            <a:prstDash val="solid"/>
+            <a:round/>
+            <a:headEnd type="none" w="sm" len="sm"/>
+            <a:tailEnd type="none" w="sm" len="sm"/>
+          </a:ln>
+        </p:spPr>
+      </p:cxnSp>
+      <p:pic>
+        <p:nvPicPr>
+          <p:cNvPr id="108" name="Google Shape;108;p17"/>
+          <p:cNvPicPr preferRelativeResize="0"/>
+          <p:nvPr/>
+        </p:nvPicPr>
+        <p:blipFill rotWithShape="1">
+          <a:blip r:embed="rId4">
+            <a:alphaModFix/>
+          </a:blip>
+          <a:srcRect/>
+          <a:stretch/>
+        </p:blipFill>
+        <p:spPr>
+          <a:xfrm>
+            <a:off x="8119915" y="607839"/>
+            <a:ext cx="3384330" cy="841873"/>
+          </a:xfrm>
+          <a:prstGeom prst="rect">
+            <a:avLst/>
+          </a:prstGeom>
+          <a:noFill/>
+          <a:ln>
+            <a:noFill/>
+          </a:ln>
+        </p:spPr>
+      </p:pic>
+      <p:cxnSp>
+        <p:nvCxnSpPr>
+          <p:cNvPr id="109" name="Google Shape;109;p17"/>
+          <p:cNvCxnSpPr/>
+          <p:nvPr/>
+        </p:nvCxnSpPr>
+        <p:spPr>
+          <a:xfrm>
+            <a:off x="14475844" y="-11"/>
+            <a:ext cx="0" cy="2549100"/>
+          </a:xfrm>
+          <a:prstGeom prst="straightConnector1">
+            <a:avLst/>
+          </a:prstGeom>
+          <a:noFill/>
+          <a:ln w="19050" cap="flat" cmpd="sng">
+            <a:solidFill>
+              <a:schemeClr val="lt1"/>
+            </a:solidFill>
+            <a:prstDash val="solid"/>
+            <a:round/>
+            <a:headEnd type="none" w="sm" len="sm"/>
+            <a:tailEnd type="none" w="sm" len="sm"/>
+          </a:ln>
+        </p:spPr>
+      </p:cxnSp>
+      <p:pic>
+        <p:nvPicPr>
+          <p:cNvPr id="14" name="Google Shape;226;p27">
+            <a:extLst>
+              <a:ext uri="{FF2B5EF4-FFF2-40B4-BE49-F238E27FC236}">
+                <a16:creationId xmlns:a16="http://schemas.microsoft.com/office/drawing/2014/main" id="{14C1BF39-E1A8-4B61-9E8F-7DC600041DD8}"/>
+              </a:ext>
+            </a:extLst>
+          </p:cNvPr>
+          <p:cNvPicPr preferRelativeResize="0"/>
+          <p:nvPr/>
+        </p:nvPicPr>
+        <p:blipFill rotWithShape="1">
+          <a:blip r:embed="rId5">
+            <a:alphaModFix/>
+          </a:blip>
+          <a:srcRect/>
+          <a:stretch/>
+        </p:blipFill>
+        <p:spPr>
+          <a:xfrm>
+            <a:off x="10899728" y="1855533"/>
+            <a:ext cx="3017469" cy="3024898"/>
+          </a:xfrm>
+          <a:prstGeom prst="rect">
+            <a:avLst/>
+          </a:prstGeom>
+          <a:noFill/>
+          <a:ln>
+            <a:noFill/>
+          </a:ln>
+        </p:spPr>
+      </p:pic>
+      <p:pic>
+        <p:nvPicPr>
+          <p:cNvPr id="6146" name="Picture 2" descr="https://media-exp1.licdn.com/dms/image/C4D12AQFX_1CbrPMR0A/article-cover_image-shrink_423_752/0/1520775025942?e=1642032000&amp;v=beta&amp;t=2W94SH2tY7dIGc20PI2b4xxVjx_xlZV9F1zboPAI4Fs">
+            <a:extLst>
+              <a:ext uri="{FF2B5EF4-FFF2-40B4-BE49-F238E27FC236}">
+                <a16:creationId xmlns:a16="http://schemas.microsoft.com/office/drawing/2014/main" id="{6994FAB5-0195-497F-ACBC-53B74E11BF45}"/>
+              </a:ext>
+            </a:extLst>
+          </p:cNvPr>
+          <p:cNvPicPr>
+            <a:picLocks noChangeAspect="1" noChangeArrowheads="1"/>
+          </p:cNvPicPr>
+          <p:nvPr/>
+        </p:nvPicPr>
+        <p:blipFill>
+          <a:blip r:embed="rId6">
+            <a:extLst>
+              <a:ext uri="{28A0092B-C50C-407E-A947-70E740481C1C}">
+                <a14:useLocalDpi xmlns:a14="http://schemas.microsoft.com/office/drawing/2010/main" val="0"/>
+              </a:ext>
+            </a:extLst>
+          </a:blip>
+          <a:srcRect/>
+          <a:stretch>
+            <a:fillRect/>
+          </a:stretch>
+        </p:blipFill>
+        <p:spPr bwMode="auto">
+          <a:xfrm>
+            <a:off x="2274887" y="4487527"/>
+            <a:ext cx="5286375" cy="2847975"/>
+          </a:xfrm>
+          <a:prstGeom prst="rect">
+            <a:avLst/>
+          </a:prstGeom>
+          <a:noFill/>
+          <a:extLst>
+            <a:ext uri="{909E8E84-426E-40DD-AFC4-6F175D3DCCD1}">
+              <a14:hiddenFill xmlns:a14="http://schemas.microsoft.com/office/drawing/2010/main">
+                <a:solidFill>
+                  <a:srgbClr val="FFFFFF"/>
+                </a:solidFill>
+              </a14:hiddenFill>
+            </a:ext>
+          </a:extLst>
+        </p:spPr>
+      </p:pic>
     </p:spTree>
   </p:cSld>
   <p:clrMapOvr>
@@ -10863,6 +15488,1221 @@
     </p:bg>
     <p:spTree>
       <p:nvGrpSpPr>
+        <p:cNvPr id="1" name="Shape 200"/>
+        <p:cNvGrpSpPr/>
+        <p:nvPr/>
+      </p:nvGrpSpPr>
+      <p:grpSpPr>
+        <a:xfrm>
+          <a:off x="0" y="0"/>
+          <a:ext cx="0" cy="0"/>
+          <a:chOff x="0" y="0"/>
+          <a:chExt cx="0" cy="0"/>
+        </a:xfrm>
+      </p:grpSpPr>
+      <p:pic>
+        <p:nvPicPr>
+          <p:cNvPr id="201" name="Google Shape;201;p25"/>
+          <p:cNvPicPr preferRelativeResize="0"/>
+          <p:nvPr/>
+        </p:nvPicPr>
+        <p:blipFill rotWithShape="1">
+          <a:blip r:embed="rId3">
+            <a:alphaModFix amt="50000"/>
+          </a:blip>
+          <a:srcRect t="199" b="208"/>
+          <a:stretch/>
+        </p:blipFill>
+        <p:spPr>
+          <a:xfrm>
+            <a:off x="4194263" y="798681"/>
+            <a:ext cx="6734005" cy="6324258"/>
+          </a:xfrm>
+          <a:prstGeom prst="rect">
+            <a:avLst/>
+          </a:prstGeom>
+          <a:noFill/>
+          <a:ln>
+            <a:noFill/>
+          </a:ln>
+        </p:spPr>
+      </p:pic>
+      <p:sp>
+        <p:nvSpPr>
+          <p:cNvPr id="202" name="Google Shape;202;p25"/>
+          <p:cNvSpPr txBox="1"/>
+          <p:nvPr/>
+        </p:nvSpPr>
+        <p:spPr>
+          <a:xfrm>
+            <a:off x="2911275" y="2064663"/>
+            <a:ext cx="9300000" cy="3792300"/>
+          </a:xfrm>
+          <a:prstGeom prst="rect">
+            <a:avLst/>
+          </a:prstGeom>
+          <a:noFill/>
+          <a:ln>
+            <a:noFill/>
+          </a:ln>
+        </p:spPr>
+        <p:txBody>
+          <a:bodyPr spcFirstLastPara="1" wrap="square" lIns="147725" tIns="147725" rIns="147725" bIns="147725" anchor="ctr" anchorCtr="0">
+            <a:noAutofit/>
+          </a:bodyPr>
+          <a:lstStyle/>
+          <a:p>
+            <a:pPr marL="0" marR="0" lvl="0" indent="0" algn="ctr" rtl="0">
+              <a:lnSpc>
+                <a:spcPct val="100000"/>
+              </a:lnSpc>
+              <a:spcBef>
+                <a:spcPts val="0"/>
+              </a:spcBef>
+              <a:spcAft>
+                <a:spcPts val="0"/>
+              </a:spcAft>
+              <a:buClr>
+                <a:srgbClr val="000000"/>
+              </a:buClr>
+              <a:buSzPts val="4500"/>
+              <a:buFont typeface="Arial"/>
+              <a:buNone/>
+            </a:pPr>
+            <a:r>
+              <a:rPr lang="es-MX" sz="4500" b="0" i="1" u="none" strike="noStrike" cap="none" dirty="0">
+                <a:solidFill>
+                  <a:srgbClr val="FFFFFF"/>
+                </a:solidFill>
+                <a:latin typeface="Montserrat SemiBold"/>
+                <a:ea typeface="Montserrat SemiBold"/>
+                <a:cs typeface="Montserrat SemiBold"/>
+                <a:sym typeface="Montserrat SemiBold"/>
+              </a:rPr>
+              <a:t>“Tortura a los datos y confesarán cualquier cosa”</a:t>
+            </a:r>
+            <a:endParaRPr sz="4500" b="0" i="1" u="none" strike="noStrike" cap="none" dirty="0">
+              <a:solidFill>
+                <a:srgbClr val="FFFFFF"/>
+              </a:solidFill>
+              <a:latin typeface="Montserrat SemiBold"/>
+              <a:ea typeface="Montserrat SemiBold"/>
+              <a:cs typeface="Montserrat SemiBold"/>
+              <a:sym typeface="Montserrat SemiBold"/>
+            </a:endParaRPr>
+          </a:p>
+        </p:txBody>
+      </p:sp>
+      <p:sp>
+        <p:nvSpPr>
+          <p:cNvPr id="203" name="Google Shape;203;p25"/>
+          <p:cNvSpPr txBox="1"/>
+          <p:nvPr/>
+        </p:nvSpPr>
+        <p:spPr>
+          <a:xfrm>
+            <a:off x="7561275" y="5255825"/>
+            <a:ext cx="4789500" cy="1282800"/>
+          </a:xfrm>
+          <a:prstGeom prst="rect">
+            <a:avLst/>
+          </a:prstGeom>
+          <a:noFill/>
+          <a:ln>
+            <a:noFill/>
+          </a:ln>
+        </p:spPr>
+        <p:txBody>
+          <a:bodyPr spcFirstLastPara="1" wrap="square" lIns="147725" tIns="147725" rIns="147725" bIns="147725" anchor="ctr" anchorCtr="0">
+            <a:noAutofit/>
+          </a:bodyPr>
+          <a:lstStyle/>
+          <a:p>
+            <a:pPr marL="0" marR="0" lvl="0" indent="0" algn="ctr" rtl="0">
+              <a:lnSpc>
+                <a:spcPct val="100000"/>
+              </a:lnSpc>
+              <a:spcBef>
+                <a:spcPts val="0"/>
+              </a:spcBef>
+              <a:spcAft>
+                <a:spcPts val="0"/>
+              </a:spcAft>
+              <a:buClr>
+                <a:srgbClr val="000000"/>
+              </a:buClr>
+              <a:buSzPts val="3000"/>
+              <a:buFont typeface="Arial"/>
+              <a:buNone/>
+            </a:pPr>
+            <a:endParaRPr sz="3000" b="0" i="1" u="none" strike="noStrike" cap="none" dirty="0">
+              <a:solidFill>
+                <a:srgbClr val="FFFFFF"/>
+              </a:solidFill>
+              <a:latin typeface="Montserrat"/>
+              <a:ea typeface="Montserrat"/>
+              <a:cs typeface="Montserrat"/>
+              <a:sym typeface="Montserrat"/>
+            </a:endParaRPr>
+          </a:p>
+        </p:txBody>
+      </p:sp>
+      <p:pic>
+        <p:nvPicPr>
+          <p:cNvPr id="204" name="Google Shape;204;p25"/>
+          <p:cNvPicPr preferRelativeResize="0"/>
+          <p:nvPr/>
+        </p:nvPicPr>
+        <p:blipFill rotWithShape="1">
+          <a:blip r:embed="rId4">
+            <a:alphaModFix/>
+          </a:blip>
+          <a:srcRect/>
+          <a:stretch/>
+        </p:blipFill>
+        <p:spPr>
+          <a:xfrm>
+            <a:off x="1480700" y="6904567"/>
+            <a:ext cx="1430575" cy="126308"/>
+          </a:xfrm>
+          <a:prstGeom prst="rect">
+            <a:avLst/>
+          </a:prstGeom>
+          <a:noFill/>
+          <a:ln>
+            <a:noFill/>
+          </a:ln>
+        </p:spPr>
+      </p:pic>
+      <p:pic>
+        <p:nvPicPr>
+          <p:cNvPr id="205" name="Google Shape;205;p25"/>
+          <p:cNvPicPr preferRelativeResize="0"/>
+          <p:nvPr/>
+        </p:nvPicPr>
+        <p:blipFill rotWithShape="1">
+          <a:blip r:embed="rId5">
+            <a:alphaModFix/>
+          </a:blip>
+          <a:srcRect/>
+          <a:stretch/>
+        </p:blipFill>
+        <p:spPr>
+          <a:xfrm>
+            <a:off x="12350777" y="615238"/>
+            <a:ext cx="1620000" cy="644175"/>
+          </a:xfrm>
+          <a:prstGeom prst="rect">
+            <a:avLst/>
+          </a:prstGeom>
+          <a:noFill/>
+          <a:ln>
+            <a:noFill/>
+          </a:ln>
+        </p:spPr>
+      </p:pic>
+      <p:pic>
+        <p:nvPicPr>
+          <p:cNvPr id="8" name="Google Shape;449;p41">
+            <a:extLst>
+              <a:ext uri="{FF2B5EF4-FFF2-40B4-BE49-F238E27FC236}">
+                <a16:creationId xmlns:a16="http://schemas.microsoft.com/office/drawing/2014/main" id="{BB0895DD-A08E-4D65-A50C-D5B44CDF6BBC}"/>
+              </a:ext>
+            </a:extLst>
+          </p:cNvPr>
+          <p:cNvPicPr preferRelativeResize="0"/>
+          <p:nvPr/>
+        </p:nvPicPr>
+        <p:blipFill>
+          <a:blip r:embed="rId6">
+            <a:alphaModFix/>
+          </a:blip>
+          <a:stretch>
+            <a:fillRect/>
+          </a:stretch>
+        </p:blipFill>
+        <p:spPr>
+          <a:xfrm>
+            <a:off x="11440040" y="4468342"/>
+            <a:ext cx="2530737" cy="2658336"/>
+          </a:xfrm>
+          <a:prstGeom prst="rect">
+            <a:avLst/>
+          </a:prstGeom>
+          <a:noFill/>
+          <a:ln>
+            <a:noFill/>
+          </a:ln>
+        </p:spPr>
+      </p:pic>
+    </p:spTree>
+  </p:cSld>
+  <p:clrMapOvr>
+    <a:masterClrMapping/>
+  </p:clrMapOvr>
+</p:sld>
+</file>
+
+<file path=ppt/slides/slide4.xml><?xml version="1.0" encoding="utf-8"?>
+<p:sld xmlns:a="http://schemas.openxmlformats.org/drawingml/2006/main" xmlns:r="http://schemas.openxmlformats.org/officeDocument/2006/relationships" xmlns:p="http://schemas.openxmlformats.org/presentationml/2006/main">
+  <p:cSld>
+    <p:spTree>
+      <p:nvGrpSpPr>
+        <p:cNvPr id="1" name="Shape 257"/>
+        <p:cNvGrpSpPr/>
+        <p:nvPr/>
+      </p:nvGrpSpPr>
+      <p:grpSpPr>
+        <a:xfrm>
+          <a:off x="0" y="0"/>
+          <a:ext cx="0" cy="0"/>
+          <a:chOff x="0" y="0"/>
+          <a:chExt cx="0" cy="0"/>
+        </a:xfrm>
+      </p:grpSpPr>
+      <p:sp>
+        <p:nvSpPr>
+          <p:cNvPr id="258" name="Google Shape;258;p30"/>
+          <p:cNvSpPr/>
+          <p:nvPr/>
+        </p:nvSpPr>
+        <p:spPr>
+          <a:xfrm>
+            <a:off x="5967662" y="1366676"/>
+            <a:ext cx="8616749" cy="4875861"/>
+          </a:xfrm>
+          <a:prstGeom prst="rect">
+            <a:avLst/>
+          </a:prstGeom>
+          <a:solidFill>
+            <a:srgbClr val="D8D8D8"/>
+          </a:solidFill>
+          <a:ln>
+            <a:noFill/>
+          </a:ln>
+        </p:spPr>
+        <p:txBody>
+          <a:bodyPr spcFirstLastPara="1" wrap="square" lIns="147725" tIns="147725" rIns="147725" bIns="147725" anchor="ctr" anchorCtr="0">
+            <a:noAutofit/>
+          </a:bodyPr>
+          <a:lstStyle/>
+          <a:p>
+            <a:pPr marL="0" marR="0" lvl="0" indent="0" algn="l" rtl="0">
+              <a:lnSpc>
+                <a:spcPct val="100000"/>
+              </a:lnSpc>
+              <a:spcBef>
+                <a:spcPts val="0"/>
+              </a:spcBef>
+              <a:spcAft>
+                <a:spcPts val="0"/>
+              </a:spcAft>
+              <a:buClr>
+                <a:srgbClr val="000000"/>
+              </a:buClr>
+              <a:buSzPts val="1400"/>
+              <a:buFont typeface="Arial"/>
+              <a:buNone/>
+            </a:pPr>
+            <a:endParaRPr sz="1400" b="0" i="0" u="none" strike="noStrike" cap="none">
+              <a:solidFill>
+                <a:srgbClr val="000000"/>
+              </a:solidFill>
+              <a:latin typeface="Arial"/>
+              <a:ea typeface="Arial"/>
+              <a:cs typeface="Arial"/>
+              <a:sym typeface="Arial"/>
+            </a:endParaRPr>
+          </a:p>
+        </p:txBody>
+      </p:sp>
+      <p:sp>
+        <p:nvSpPr>
+          <p:cNvPr id="259" name="Google Shape;259;p30"/>
+          <p:cNvSpPr txBox="1"/>
+          <p:nvPr/>
+        </p:nvSpPr>
+        <p:spPr>
+          <a:xfrm>
+            <a:off x="5967662" y="3734257"/>
+            <a:ext cx="8645200" cy="1300200"/>
+          </a:xfrm>
+          <a:prstGeom prst="rect">
+            <a:avLst/>
+          </a:prstGeom>
+          <a:noFill/>
+          <a:ln>
+            <a:noFill/>
+          </a:ln>
+        </p:spPr>
+        <p:txBody>
+          <a:bodyPr spcFirstLastPara="1" wrap="square" lIns="147725" tIns="147725" rIns="147725" bIns="147725" anchor="ctr" anchorCtr="0">
+            <a:noAutofit/>
+          </a:bodyPr>
+          <a:lstStyle/>
+          <a:p>
+            <a:pPr marL="0" marR="0" lvl="0" indent="0" algn="ctr" rtl="0">
+              <a:lnSpc>
+                <a:spcPct val="100000"/>
+              </a:lnSpc>
+              <a:spcBef>
+                <a:spcPts val="0"/>
+              </a:spcBef>
+              <a:spcAft>
+                <a:spcPts val="0"/>
+              </a:spcAft>
+              <a:buClr>
+                <a:srgbClr val="000000"/>
+              </a:buClr>
+              <a:buSzPts val="7800"/>
+              <a:buFont typeface="Arial"/>
+              <a:buNone/>
+            </a:pPr>
+            <a:r>
+              <a:rPr lang="es-MX" sz="7800" b="1" i="0" u="none" strike="noStrike" cap="none" dirty="0">
+                <a:solidFill>
+                  <a:schemeClr val="lt1"/>
+                </a:solidFill>
+                <a:latin typeface="Montserrat"/>
+                <a:ea typeface="Montserrat"/>
+                <a:cs typeface="Montserrat"/>
+                <a:sym typeface="Montserrat"/>
+              </a:rPr>
+              <a:t>Imagen</a:t>
+            </a:r>
+            <a:endParaRPr sz="7800" b="1" i="0" u="none" strike="noStrike" cap="none" dirty="0">
+              <a:solidFill>
+                <a:schemeClr val="lt1"/>
+              </a:solidFill>
+              <a:latin typeface="Montserrat"/>
+              <a:ea typeface="Montserrat"/>
+              <a:cs typeface="Montserrat"/>
+              <a:sym typeface="Montserrat"/>
+            </a:endParaRPr>
+          </a:p>
+        </p:txBody>
+      </p:sp>
+      <p:sp>
+        <p:nvSpPr>
+          <p:cNvPr id="260" name="Google Shape;260;p30"/>
+          <p:cNvSpPr txBox="1"/>
+          <p:nvPr/>
+        </p:nvSpPr>
+        <p:spPr>
+          <a:xfrm>
+            <a:off x="509026" y="414450"/>
+            <a:ext cx="9218400" cy="716700"/>
+          </a:xfrm>
+          <a:prstGeom prst="rect">
+            <a:avLst/>
+          </a:prstGeom>
+          <a:noFill/>
+          <a:ln>
+            <a:noFill/>
+          </a:ln>
+        </p:spPr>
+        <p:txBody>
+          <a:bodyPr spcFirstLastPara="1" wrap="square" lIns="147725" tIns="147725" rIns="147725" bIns="147725" anchor="ctr" anchorCtr="0">
+            <a:noAutofit/>
+          </a:bodyPr>
+          <a:lstStyle/>
+          <a:p>
+            <a:pPr marL="0" marR="0" lvl="0" indent="0" algn="l" rtl="0">
+              <a:lnSpc>
+                <a:spcPct val="100000"/>
+              </a:lnSpc>
+              <a:spcBef>
+                <a:spcPts val="0"/>
+              </a:spcBef>
+              <a:spcAft>
+                <a:spcPts val="0"/>
+              </a:spcAft>
+              <a:buClr>
+                <a:srgbClr val="000000"/>
+              </a:buClr>
+              <a:buSzPts val="4000"/>
+              <a:buFont typeface="Arial"/>
+              <a:buNone/>
+            </a:pPr>
+            <a:r>
+              <a:rPr lang="es-MX" sz="4000" b="1" i="0" u="none" strike="noStrike" cap="none" dirty="0">
+                <a:solidFill>
+                  <a:srgbClr val="16181C"/>
+                </a:solidFill>
+                <a:latin typeface="Montserrat"/>
+                <a:ea typeface="Montserrat"/>
+                <a:cs typeface="Montserrat"/>
+                <a:sym typeface="Montserrat"/>
+              </a:rPr>
+              <a:t>COVID – 19 en México</a:t>
+            </a:r>
+            <a:endParaRPr sz="4000" b="0" i="0" u="none" strike="noStrike" cap="none" dirty="0">
+              <a:solidFill>
+                <a:srgbClr val="16181C"/>
+              </a:solidFill>
+              <a:latin typeface="Montserrat"/>
+              <a:ea typeface="Montserrat"/>
+              <a:cs typeface="Montserrat"/>
+              <a:sym typeface="Montserrat"/>
+            </a:endParaRPr>
+          </a:p>
+        </p:txBody>
+      </p:sp>
+      <p:sp>
+        <p:nvSpPr>
+          <p:cNvPr id="261" name="Google Shape;261;p30"/>
+          <p:cNvSpPr txBox="1"/>
+          <p:nvPr/>
+        </p:nvSpPr>
+        <p:spPr>
+          <a:xfrm>
+            <a:off x="509026" y="2194175"/>
+            <a:ext cx="4977374" cy="5236800"/>
+          </a:xfrm>
+          <a:prstGeom prst="rect">
+            <a:avLst/>
+          </a:prstGeom>
+          <a:noFill/>
+          <a:ln>
+            <a:noFill/>
+          </a:ln>
+        </p:spPr>
+        <p:txBody>
+          <a:bodyPr spcFirstLastPara="1" wrap="square" lIns="147725" tIns="147725" rIns="147725" bIns="147725" anchor="t" anchorCtr="0">
+            <a:noAutofit/>
+          </a:bodyPr>
+          <a:lstStyle/>
+          <a:p>
+            <a:pPr lvl="0" algn="just">
+              <a:buSzPts val="2600"/>
+            </a:pPr>
+            <a:r>
+              <a:rPr lang="es-MX" sz="2600" b="1" dirty="0">
+                <a:solidFill>
+                  <a:srgbClr val="2B303C"/>
+                </a:solidFill>
+                <a:latin typeface="Montserrat"/>
+                <a:ea typeface="Montserrat"/>
+                <a:cs typeface="Montserrat"/>
+                <a:sym typeface="Montserrat"/>
+              </a:rPr>
+              <a:t>México tiene las peores cifras de mortalidad de la OCDE a raíz del Covid-19</a:t>
+            </a:r>
+          </a:p>
+          <a:p>
+            <a:pPr lvl="0" algn="just">
+              <a:buSzPts val="2600"/>
+            </a:pPr>
+            <a:endParaRPr lang="es-MX" sz="2600" dirty="0">
+              <a:solidFill>
+                <a:srgbClr val="2B303C"/>
+              </a:solidFill>
+              <a:latin typeface="Montserrat"/>
+              <a:ea typeface="Montserrat"/>
+              <a:cs typeface="Montserrat"/>
+              <a:sym typeface="Montserrat"/>
+            </a:endParaRPr>
+          </a:p>
+          <a:p>
+            <a:pPr lvl="0" algn="just">
+              <a:buSzPts val="2600"/>
+            </a:pPr>
+            <a:r>
+              <a:rPr lang="es-MX" sz="2600" dirty="0">
+                <a:solidFill>
+                  <a:srgbClr val="2B303C"/>
+                </a:solidFill>
+                <a:latin typeface="Montserrat"/>
+                <a:ea typeface="Montserrat"/>
+                <a:cs typeface="Montserrat"/>
+                <a:sym typeface="Montserrat"/>
+              </a:rPr>
+              <a:t>México también destaca por ser el tercer país a fecha del 1 de noviembre con la tercera tasa de vacunación más baja de la OCDE.</a:t>
+            </a:r>
+          </a:p>
+          <a:p>
+            <a:pPr lvl="0" algn="just">
+              <a:buSzPts val="2600"/>
+            </a:pPr>
+            <a:endParaRPr lang="es-MX" sz="2600" b="0" i="0" u="none" strike="noStrike" cap="none" dirty="0">
+              <a:solidFill>
+                <a:srgbClr val="2B303C"/>
+              </a:solidFill>
+              <a:latin typeface="Montserrat"/>
+              <a:ea typeface="Montserrat"/>
+              <a:cs typeface="Montserrat"/>
+              <a:sym typeface="Montserrat"/>
+            </a:endParaRPr>
+          </a:p>
+          <a:p>
+            <a:pPr lvl="0" algn="just">
+              <a:buSzPts val="2600"/>
+            </a:pPr>
+            <a:r>
+              <a:rPr lang="es-MX" sz="1800" dirty="0">
+                <a:solidFill>
+                  <a:srgbClr val="2B303C"/>
+                </a:solidFill>
+                <a:latin typeface="Montserrat"/>
+                <a:ea typeface="Montserrat"/>
+                <a:cs typeface="Montserrat"/>
+                <a:sym typeface="Montserrat"/>
+              </a:rPr>
+              <a:t>Forbes.com.mx</a:t>
+            </a:r>
+            <a:endParaRPr sz="1800" b="0" i="0" u="none" strike="noStrike" cap="none" dirty="0">
+              <a:solidFill>
+                <a:srgbClr val="2B303C"/>
+              </a:solidFill>
+              <a:latin typeface="Montserrat"/>
+              <a:ea typeface="Montserrat"/>
+              <a:cs typeface="Montserrat"/>
+              <a:sym typeface="Montserrat"/>
+            </a:endParaRPr>
+          </a:p>
+        </p:txBody>
+      </p:sp>
+      <p:cxnSp>
+        <p:nvCxnSpPr>
+          <p:cNvPr id="262" name="Google Shape;262;p30"/>
+          <p:cNvCxnSpPr/>
+          <p:nvPr/>
+        </p:nvCxnSpPr>
+        <p:spPr>
+          <a:xfrm>
+            <a:off x="14001733" y="0"/>
+            <a:ext cx="0" cy="3469942"/>
+          </a:xfrm>
+          <a:prstGeom prst="straightConnector1">
+            <a:avLst/>
+          </a:prstGeom>
+          <a:noFill/>
+          <a:ln w="9525" cap="flat" cmpd="sng">
+            <a:solidFill>
+              <a:srgbClr val="FF6A39"/>
+            </a:solidFill>
+            <a:prstDash val="solid"/>
+            <a:round/>
+            <a:headEnd type="none" w="sm" len="sm"/>
+            <a:tailEnd type="triangle" w="med" len="med"/>
+          </a:ln>
+        </p:spPr>
+      </p:cxnSp>
+      <p:pic>
+        <p:nvPicPr>
+          <p:cNvPr id="263" name="Google Shape;263;p30"/>
+          <p:cNvPicPr preferRelativeResize="0"/>
+          <p:nvPr/>
+        </p:nvPicPr>
+        <p:blipFill rotWithShape="1">
+          <a:blip r:embed="rId3">
+            <a:alphaModFix/>
+          </a:blip>
+          <a:srcRect l="189" r="199"/>
+          <a:stretch/>
+        </p:blipFill>
+        <p:spPr>
+          <a:xfrm>
+            <a:off x="2877127" y="6078229"/>
+            <a:ext cx="3829048" cy="953440"/>
+          </a:xfrm>
+          <a:prstGeom prst="rect">
+            <a:avLst/>
+          </a:prstGeom>
+          <a:noFill/>
+          <a:ln>
+            <a:noFill/>
+          </a:ln>
+        </p:spPr>
+      </p:pic>
+      <p:pic>
+        <p:nvPicPr>
+          <p:cNvPr id="1028" name="Picture 4" descr="https://cdn.forbes.com.mx/2021/08/a8c348b083e98a09d345b69a322e8a544eb88169-scaled-e1629151488525-640x360.jpg">
+            <a:extLst>
+              <a:ext uri="{FF2B5EF4-FFF2-40B4-BE49-F238E27FC236}">
+                <a16:creationId xmlns:a16="http://schemas.microsoft.com/office/drawing/2014/main" id="{1D40E212-9649-4BAD-89C8-1B5557EE37A0}"/>
+              </a:ext>
+            </a:extLst>
+          </p:cNvPr>
+          <p:cNvPicPr>
+            <a:picLocks noChangeAspect="1" noChangeArrowheads="1"/>
+          </p:cNvPicPr>
+          <p:nvPr/>
+        </p:nvPicPr>
+        <p:blipFill>
+          <a:blip r:embed="rId4">
+            <a:extLst>
+              <a:ext uri="{28A0092B-C50C-407E-A947-70E740481C1C}">
+                <a14:useLocalDpi xmlns:a14="http://schemas.microsoft.com/office/drawing/2010/main" val="0"/>
+              </a:ext>
+            </a:extLst>
+          </a:blip>
+          <a:srcRect/>
+          <a:stretch>
+            <a:fillRect/>
+          </a:stretch>
+        </p:blipFill>
+        <p:spPr bwMode="auto">
+          <a:xfrm>
+            <a:off x="5967392" y="1395464"/>
+            <a:ext cx="8617019" cy="4847073"/>
+          </a:xfrm>
+          <a:prstGeom prst="rect">
+            <a:avLst/>
+          </a:prstGeom>
+          <a:noFill/>
+          <a:extLst>
+            <a:ext uri="{909E8E84-426E-40DD-AFC4-6F175D3DCCD1}">
+              <a14:hiddenFill xmlns:a14="http://schemas.microsoft.com/office/drawing/2010/main">
+                <a:solidFill>
+                  <a:srgbClr val="FFFFFF"/>
+                </a:solidFill>
+              </a14:hiddenFill>
+            </a:ext>
+          </a:extLst>
+        </p:spPr>
+      </p:pic>
+    </p:spTree>
+  </p:cSld>
+  <p:clrMapOvr>
+    <a:masterClrMapping/>
+  </p:clrMapOvr>
+</p:sld>
+</file>
+
+<file path=ppt/slides/slide5.xml><?xml version="1.0" encoding="utf-8"?>
+<p:sld xmlns:a="http://schemas.openxmlformats.org/drawingml/2006/main" xmlns:r="http://schemas.openxmlformats.org/officeDocument/2006/relationships" xmlns:p="http://schemas.openxmlformats.org/presentationml/2006/main">
+  <p:cSld>
+    <p:spTree>
+      <p:nvGrpSpPr>
+        <p:cNvPr id="1" name="Shape 114"/>
+        <p:cNvGrpSpPr/>
+        <p:nvPr/>
+      </p:nvGrpSpPr>
+      <p:grpSpPr>
+        <a:xfrm>
+          <a:off x="0" y="0"/>
+          <a:ext cx="0" cy="0"/>
+          <a:chOff x="0" y="0"/>
+          <a:chExt cx="0" cy="0"/>
+        </a:xfrm>
+      </p:grpSpPr>
+      <p:cxnSp>
+        <p:nvCxnSpPr>
+          <p:cNvPr id="115" name="Google Shape;115;p18"/>
+          <p:cNvCxnSpPr/>
+          <p:nvPr/>
+        </p:nvCxnSpPr>
+        <p:spPr>
+          <a:xfrm>
+            <a:off x="14475844" y="-11"/>
+            <a:ext cx="0" cy="3877500"/>
+          </a:xfrm>
+          <a:prstGeom prst="straightConnector1">
+            <a:avLst/>
+          </a:prstGeom>
+          <a:noFill/>
+          <a:ln w="19050" cap="flat" cmpd="sng">
+            <a:solidFill>
+              <a:srgbClr val="FF6A39"/>
+            </a:solidFill>
+            <a:prstDash val="solid"/>
+            <a:round/>
+            <a:headEnd type="none" w="sm" len="sm"/>
+            <a:tailEnd type="none" w="sm" len="sm"/>
+          </a:ln>
+        </p:spPr>
+      </p:cxnSp>
+      <p:cxnSp>
+        <p:nvCxnSpPr>
+          <p:cNvPr id="116" name="Google Shape;116;p18"/>
+          <p:cNvCxnSpPr/>
+          <p:nvPr/>
+        </p:nvCxnSpPr>
+        <p:spPr>
+          <a:xfrm>
+            <a:off x="14475850" y="6859925"/>
+            <a:ext cx="0" cy="1061700"/>
+          </a:xfrm>
+          <a:prstGeom prst="straightConnector1">
+            <a:avLst/>
+          </a:prstGeom>
+          <a:noFill/>
+          <a:ln w="19050" cap="flat" cmpd="sng">
+            <a:solidFill>
+              <a:srgbClr val="FF6A39"/>
+            </a:solidFill>
+            <a:prstDash val="solid"/>
+            <a:round/>
+            <a:headEnd type="none" w="sm" len="sm"/>
+            <a:tailEnd type="none" w="sm" len="sm"/>
+          </a:ln>
+        </p:spPr>
+      </p:cxnSp>
+      <p:pic>
+        <p:nvPicPr>
+          <p:cNvPr id="117" name="Google Shape;117;p18"/>
+          <p:cNvPicPr preferRelativeResize="0"/>
+          <p:nvPr/>
+        </p:nvPicPr>
+        <p:blipFill rotWithShape="1">
+          <a:blip r:embed="rId3">
+            <a:alphaModFix/>
+          </a:blip>
+          <a:srcRect/>
+          <a:stretch/>
+        </p:blipFill>
+        <p:spPr>
+          <a:xfrm>
+            <a:off x="498500" y="709642"/>
+            <a:ext cx="1430575" cy="126308"/>
+          </a:xfrm>
+          <a:prstGeom prst="rect">
+            <a:avLst/>
+          </a:prstGeom>
+          <a:noFill/>
+          <a:ln>
+            <a:noFill/>
+          </a:ln>
+        </p:spPr>
+      </p:pic>
+      <p:sp>
+        <p:nvSpPr>
+          <p:cNvPr id="118" name="Google Shape;118;p18"/>
+          <p:cNvSpPr txBox="1"/>
+          <p:nvPr/>
+        </p:nvSpPr>
+        <p:spPr>
+          <a:xfrm rot="-5400000">
+            <a:off x="12971200" y="5038125"/>
+            <a:ext cx="3009300" cy="657900"/>
+          </a:xfrm>
+          <a:prstGeom prst="rect">
+            <a:avLst/>
+          </a:prstGeom>
+          <a:noFill/>
+          <a:ln>
+            <a:noFill/>
+          </a:ln>
+        </p:spPr>
+        <p:txBody>
+          <a:bodyPr spcFirstLastPara="1" wrap="square" lIns="147725" tIns="147725" rIns="147725" bIns="147725" anchor="t" anchorCtr="0">
+            <a:noAutofit/>
+          </a:bodyPr>
+          <a:lstStyle/>
+          <a:p>
+            <a:pPr marL="0" marR="0" lvl="0" indent="0" algn="ctr" rtl="0">
+              <a:lnSpc>
+                <a:spcPct val="100000"/>
+              </a:lnSpc>
+              <a:spcBef>
+                <a:spcPts val="0"/>
+              </a:spcBef>
+              <a:spcAft>
+                <a:spcPts val="0"/>
+              </a:spcAft>
+              <a:buClr>
+                <a:srgbClr val="000000"/>
+              </a:buClr>
+              <a:buSzPts val="2300"/>
+              <a:buFont typeface="Arial"/>
+              <a:buNone/>
+            </a:pPr>
+            <a:r>
+              <a:rPr lang="es-MX" sz="2300" b="0" i="0" u="none" strike="noStrike" cap="none" dirty="0">
+                <a:solidFill>
+                  <a:srgbClr val="D8D8D8"/>
+                </a:solidFill>
+                <a:latin typeface="Montserrat"/>
+                <a:ea typeface="Montserrat"/>
+                <a:cs typeface="Montserrat"/>
+                <a:sym typeface="Montserrat"/>
+              </a:rPr>
+              <a:t>Introducción</a:t>
+            </a:r>
+            <a:endParaRPr sz="2300" b="0" i="0" u="none" strike="noStrike" cap="none" dirty="0">
+              <a:solidFill>
+                <a:srgbClr val="D8D8D8"/>
+              </a:solidFill>
+              <a:latin typeface="Montserrat"/>
+              <a:ea typeface="Montserrat"/>
+              <a:cs typeface="Montserrat"/>
+              <a:sym typeface="Montserrat"/>
+            </a:endParaRPr>
+          </a:p>
+        </p:txBody>
+      </p:sp>
+      <p:sp>
+        <p:nvSpPr>
+          <p:cNvPr id="119" name="Google Shape;119;p18"/>
+          <p:cNvSpPr txBox="1"/>
+          <p:nvPr/>
+        </p:nvSpPr>
+        <p:spPr>
+          <a:xfrm>
+            <a:off x="4183205" y="2306269"/>
+            <a:ext cx="8224985" cy="3244461"/>
+          </a:xfrm>
+          <a:prstGeom prst="rect">
+            <a:avLst/>
+          </a:prstGeom>
+          <a:noFill/>
+          <a:ln>
+            <a:noFill/>
+          </a:ln>
+        </p:spPr>
+        <p:txBody>
+          <a:bodyPr spcFirstLastPara="1" wrap="square" lIns="147725" tIns="147725" rIns="147725" bIns="147725" anchor="t" anchorCtr="0">
+            <a:noAutofit/>
+          </a:bodyPr>
+          <a:lstStyle/>
+          <a:p>
+            <a:pPr marL="457200" marR="0" lvl="0" indent="-457200" algn="l" rtl="0">
+              <a:lnSpc>
+                <a:spcPct val="100000"/>
+              </a:lnSpc>
+              <a:spcBef>
+                <a:spcPts val="0"/>
+              </a:spcBef>
+              <a:spcAft>
+                <a:spcPts val="0"/>
+              </a:spcAft>
+              <a:buClr>
+                <a:srgbClr val="000000"/>
+              </a:buClr>
+              <a:buSzPts val="2600"/>
+              <a:buFont typeface="Wingdings" panose="05000000000000000000" pitchFamily="2" charset="2"/>
+              <a:buChar char="q"/>
+            </a:pPr>
+            <a:r>
+              <a:rPr lang="es-MX" sz="3200" dirty="0">
+                <a:solidFill>
+                  <a:srgbClr val="2B303C"/>
+                </a:solidFill>
+                <a:latin typeface="Montserrat"/>
+                <a:ea typeface="Montserrat"/>
+                <a:cs typeface="Montserrat"/>
+                <a:sym typeface="Montserrat"/>
+              </a:rPr>
+              <a:t>¿Cuántos hospitales se necesitarán?</a:t>
+            </a:r>
+          </a:p>
+          <a:p>
+            <a:pPr marL="457200" marR="0" lvl="0" indent="-457200" algn="l" rtl="0">
+              <a:lnSpc>
+                <a:spcPct val="100000"/>
+              </a:lnSpc>
+              <a:spcBef>
+                <a:spcPts val="0"/>
+              </a:spcBef>
+              <a:spcAft>
+                <a:spcPts val="0"/>
+              </a:spcAft>
+              <a:buClr>
+                <a:srgbClr val="000000"/>
+              </a:buClr>
+              <a:buSzPts val="2600"/>
+              <a:buFont typeface="Wingdings" panose="05000000000000000000" pitchFamily="2" charset="2"/>
+              <a:buChar char="q"/>
+            </a:pPr>
+            <a:r>
+              <a:rPr lang="es-MX" sz="3200" dirty="0">
+                <a:solidFill>
+                  <a:srgbClr val="2B303C"/>
+                </a:solidFill>
+                <a:latin typeface="Montserrat"/>
+                <a:ea typeface="Montserrat"/>
+                <a:cs typeface="Montserrat"/>
+                <a:sym typeface="Montserrat"/>
+              </a:rPr>
+              <a:t>¿Se cuenta con las suficientes camas?</a:t>
+            </a:r>
+          </a:p>
+          <a:p>
+            <a:pPr marL="457200" marR="0" lvl="0" indent="-457200" algn="l" rtl="0">
+              <a:lnSpc>
+                <a:spcPct val="100000"/>
+              </a:lnSpc>
+              <a:spcBef>
+                <a:spcPts val="0"/>
+              </a:spcBef>
+              <a:spcAft>
+                <a:spcPts val="0"/>
+              </a:spcAft>
+              <a:buClr>
+                <a:srgbClr val="000000"/>
+              </a:buClr>
+              <a:buSzPts val="2600"/>
+              <a:buFont typeface="Wingdings" panose="05000000000000000000" pitchFamily="2" charset="2"/>
+              <a:buChar char="q"/>
+            </a:pPr>
+            <a:r>
+              <a:rPr lang="es-MX" sz="3200" dirty="0">
+                <a:solidFill>
+                  <a:srgbClr val="2B303C"/>
+                </a:solidFill>
+                <a:latin typeface="Montserrat"/>
+                <a:ea typeface="Montserrat"/>
+                <a:cs typeface="Montserrat"/>
+                <a:sym typeface="Montserrat"/>
+              </a:rPr>
+              <a:t>¿Cuál es el mayor factor de riesgo?</a:t>
+            </a:r>
+          </a:p>
+          <a:p>
+            <a:pPr marL="457200" marR="0" lvl="0" indent="-457200" algn="l" rtl="0">
+              <a:lnSpc>
+                <a:spcPct val="100000"/>
+              </a:lnSpc>
+              <a:spcBef>
+                <a:spcPts val="0"/>
+              </a:spcBef>
+              <a:spcAft>
+                <a:spcPts val="0"/>
+              </a:spcAft>
+              <a:buClr>
+                <a:srgbClr val="000000"/>
+              </a:buClr>
+              <a:buSzPts val="2600"/>
+              <a:buFont typeface="Wingdings" panose="05000000000000000000" pitchFamily="2" charset="2"/>
+              <a:buChar char="q"/>
+            </a:pPr>
+            <a:r>
+              <a:rPr lang="es-MX" sz="3200" dirty="0">
+                <a:solidFill>
+                  <a:srgbClr val="2B303C"/>
+                </a:solidFill>
+                <a:latin typeface="Montserrat"/>
+                <a:ea typeface="Montserrat"/>
+                <a:cs typeface="Montserrat"/>
+                <a:sym typeface="Montserrat"/>
+              </a:rPr>
+              <a:t>¿Cómo predecir el total de presupuesto requerido?</a:t>
+            </a:r>
+          </a:p>
+          <a:p>
+            <a:pPr marL="0" marR="0" lvl="0" indent="0" algn="l" rtl="0">
+              <a:lnSpc>
+                <a:spcPct val="100000"/>
+              </a:lnSpc>
+              <a:spcBef>
+                <a:spcPts val="0"/>
+              </a:spcBef>
+              <a:spcAft>
+                <a:spcPts val="0"/>
+              </a:spcAft>
+              <a:buClr>
+                <a:srgbClr val="000000"/>
+              </a:buClr>
+              <a:buSzPts val="2600"/>
+              <a:buFont typeface="Arial"/>
+              <a:buNone/>
+            </a:pPr>
+            <a:endParaRPr sz="3200" dirty="0">
+              <a:solidFill>
+                <a:srgbClr val="2B303C"/>
+              </a:solidFill>
+              <a:latin typeface="Montserrat"/>
+              <a:ea typeface="Montserrat"/>
+              <a:cs typeface="Montserrat"/>
+              <a:sym typeface="Montserrat"/>
+            </a:endParaRPr>
+          </a:p>
+        </p:txBody>
+      </p:sp>
+      <p:sp>
+        <p:nvSpPr>
+          <p:cNvPr id="120" name="Google Shape;120;p18"/>
+          <p:cNvSpPr txBox="1"/>
+          <p:nvPr/>
+        </p:nvSpPr>
+        <p:spPr>
+          <a:xfrm>
+            <a:off x="2295842" y="414450"/>
+            <a:ext cx="9218400" cy="716700"/>
+          </a:xfrm>
+          <a:prstGeom prst="rect">
+            <a:avLst/>
+          </a:prstGeom>
+          <a:noFill/>
+          <a:ln>
+            <a:noFill/>
+          </a:ln>
+        </p:spPr>
+        <p:txBody>
+          <a:bodyPr spcFirstLastPara="1" wrap="square" lIns="147725" tIns="147725" rIns="147725" bIns="147725" anchor="ctr" anchorCtr="0">
+            <a:noAutofit/>
+          </a:bodyPr>
+          <a:lstStyle/>
+          <a:p>
+            <a:pPr marL="0" marR="0" lvl="0" indent="0" algn="ctr" rtl="0">
+              <a:lnSpc>
+                <a:spcPct val="100000"/>
+              </a:lnSpc>
+              <a:spcBef>
+                <a:spcPts val="0"/>
+              </a:spcBef>
+              <a:spcAft>
+                <a:spcPts val="0"/>
+              </a:spcAft>
+              <a:buClr>
+                <a:srgbClr val="000000"/>
+              </a:buClr>
+              <a:buSzPts val="4000"/>
+              <a:buFont typeface="Arial"/>
+              <a:buNone/>
+            </a:pPr>
+            <a:r>
+              <a:rPr lang="es-MX" sz="4000" b="1" i="0" u="none" strike="noStrike" cap="none" dirty="0">
+                <a:solidFill>
+                  <a:srgbClr val="16181C"/>
+                </a:solidFill>
+                <a:latin typeface="Montserrat"/>
+                <a:ea typeface="Montserrat"/>
+                <a:cs typeface="Montserrat"/>
+                <a:sym typeface="Montserrat"/>
+              </a:rPr>
+              <a:t>¿Qué hacer?</a:t>
+            </a:r>
+            <a:endParaRPr sz="4000" b="0" i="0" u="none" strike="noStrike" cap="none" dirty="0">
+              <a:solidFill>
+                <a:srgbClr val="16181C"/>
+              </a:solidFill>
+              <a:latin typeface="Montserrat"/>
+              <a:ea typeface="Montserrat"/>
+              <a:cs typeface="Montserrat"/>
+              <a:sym typeface="Montserrat"/>
+            </a:endParaRPr>
+          </a:p>
+        </p:txBody>
+      </p:sp>
+      <p:pic>
+        <p:nvPicPr>
+          <p:cNvPr id="122" name="Google Shape;122;p18"/>
+          <p:cNvPicPr preferRelativeResize="0"/>
+          <p:nvPr/>
+        </p:nvPicPr>
+        <p:blipFill rotWithShape="1">
+          <a:blip r:embed="rId4">
+            <a:alphaModFix/>
+          </a:blip>
+          <a:srcRect/>
+          <a:stretch/>
+        </p:blipFill>
+        <p:spPr>
+          <a:xfrm>
+            <a:off x="575050" y="6725850"/>
+            <a:ext cx="3996201" cy="994075"/>
+          </a:xfrm>
+          <a:prstGeom prst="rect">
+            <a:avLst/>
+          </a:prstGeom>
+          <a:noFill/>
+          <a:ln>
+            <a:noFill/>
+          </a:ln>
+        </p:spPr>
+      </p:pic>
+      <p:pic>
+        <p:nvPicPr>
+          <p:cNvPr id="123" name="Google Shape;123;p18"/>
+          <p:cNvPicPr preferRelativeResize="0"/>
+          <p:nvPr/>
+        </p:nvPicPr>
+        <p:blipFill rotWithShape="1">
+          <a:blip r:embed="rId5">
+            <a:alphaModFix/>
+          </a:blip>
+          <a:srcRect/>
+          <a:stretch/>
+        </p:blipFill>
+        <p:spPr>
+          <a:xfrm>
+            <a:off x="10878384" y="531488"/>
+            <a:ext cx="2165348" cy="482600"/>
+          </a:xfrm>
+          <a:prstGeom prst="rect">
+            <a:avLst/>
+          </a:prstGeom>
+          <a:noFill/>
+          <a:ln>
+            <a:noFill/>
+          </a:ln>
+        </p:spPr>
+      </p:pic>
+      <p:pic>
+        <p:nvPicPr>
+          <p:cNvPr id="4098" name="Picture 2" descr="Emoji sorprendido, color de la manzana etiqueta engomada de la sorpresa  emoji, emoji, smiley, enfado, emoticon png | PNGWing">
+            <a:extLst>
+              <a:ext uri="{FF2B5EF4-FFF2-40B4-BE49-F238E27FC236}">
+                <a16:creationId xmlns:a16="http://schemas.microsoft.com/office/drawing/2014/main" id="{436A22E3-E8CA-4BBE-90B6-212B95D9D41F}"/>
+              </a:ext>
+            </a:extLst>
+          </p:cNvPr>
+          <p:cNvPicPr>
+            <a:picLocks noChangeAspect="1" noChangeArrowheads="1"/>
+          </p:cNvPicPr>
+          <p:nvPr/>
+        </p:nvPicPr>
+        <p:blipFill>
+          <a:blip r:embed="rId6">
+            <a:extLst>
+              <a:ext uri="{28A0092B-C50C-407E-A947-70E740481C1C}">
+                <a14:useLocalDpi xmlns:a14="http://schemas.microsoft.com/office/drawing/2010/main" val="0"/>
+              </a:ext>
+            </a:extLst>
+          </a:blip>
+          <a:srcRect/>
+          <a:stretch>
+            <a:fillRect/>
+          </a:stretch>
+        </p:blipFill>
+        <p:spPr bwMode="auto">
+          <a:xfrm>
+            <a:off x="1292037" y="2433325"/>
+            <a:ext cx="2562225" cy="1781175"/>
+          </a:xfrm>
+          <a:prstGeom prst="rect">
+            <a:avLst/>
+          </a:prstGeom>
+          <a:noFill/>
+          <a:extLst>
+            <a:ext uri="{909E8E84-426E-40DD-AFC4-6F175D3DCCD1}">
+              <a14:hiddenFill xmlns:a14="http://schemas.microsoft.com/office/drawing/2010/main">
+                <a:solidFill>
+                  <a:srgbClr val="FFFFFF"/>
+                </a:solidFill>
+              </a14:hiddenFill>
+            </a:ext>
+          </a:extLst>
+        </p:spPr>
+      </p:pic>
+    </p:spTree>
+    <p:extLst>
+      <p:ext uri="{BB962C8B-B14F-4D97-AF65-F5344CB8AC3E}">
+        <p14:creationId xmlns:p14="http://schemas.microsoft.com/office/powerpoint/2010/main" val="1556044863"/>
+      </p:ext>
+    </p:extLst>
+  </p:cSld>
+  <p:clrMapOvr>
+    <a:masterClrMapping/>
+  </p:clrMapOvr>
+</p:sld>
+</file>
+
+<file path=ppt/slides/slide6.xml><?xml version="1.0" encoding="utf-8"?>
+<p:sld xmlns:a="http://schemas.openxmlformats.org/drawingml/2006/main" xmlns:r="http://schemas.openxmlformats.org/officeDocument/2006/relationships" xmlns:p="http://schemas.openxmlformats.org/presentationml/2006/main">
+  <p:cSld>
+    <p:bg>
+      <p:bgPr>
+        <a:solidFill>
+          <a:srgbClr val="FF6A39"/>
+        </a:solidFill>
+        <a:effectLst/>
+      </p:bgPr>
+    </p:bg>
+    <p:spTree>
+      <p:nvGrpSpPr>
         <p:cNvPr id="1" name="Shape 232"/>
         <p:cNvGrpSpPr/>
         <p:nvPr/>
@@ -11077,8 +16917,8 @@
         </p:nvSpPr>
         <p:spPr>
           <a:xfrm>
-            <a:off x="1408793" y="1368341"/>
-            <a:ext cx="7214400" cy="2170777"/>
+            <a:off x="1039509" y="741026"/>
+            <a:ext cx="9265067" cy="2170777"/>
           </a:xfrm>
           <a:prstGeom prst="rect">
             <a:avLst/>
@@ -11112,7 +16952,7 @@
               <a:buNone/>
             </a:pPr>
             <a:r>
-              <a:rPr lang="es-MX" sz="6800" b="1" i="0" u="none" strike="noStrike" cap="none" dirty="0">
+              <a:rPr lang="es-MX" sz="6800" b="1" dirty="0">
                 <a:solidFill>
                   <a:srgbClr val="FFFFFF"/>
                 </a:solidFill>
@@ -11121,44 +16961,20 @@
                 <a:cs typeface="Montserrat"/>
                 <a:sym typeface="Montserrat"/>
               </a:rPr>
-              <a:t>Integrantes</a:t>
+              <a:t>Somos el equipo 10</a:t>
             </a:r>
+            <a:endParaRPr lang="es-MX" sz="6800" b="1" i="0" u="none" strike="noStrike" cap="none" dirty="0">
+              <a:solidFill>
+                <a:srgbClr val="FFFFFF"/>
+              </a:solidFill>
+              <a:latin typeface="Montserrat"/>
+              <a:ea typeface="Montserrat"/>
+              <a:cs typeface="Montserrat"/>
+              <a:sym typeface="Montserrat"/>
+            </a:endParaRPr>
           </a:p>
         </p:txBody>
       </p:sp>
-      <p:pic>
-        <p:nvPicPr>
-          <p:cNvPr id="12" name="Google Shape;251;p29">
-            <a:extLst>
-              <a:ext uri="{FF2B5EF4-FFF2-40B4-BE49-F238E27FC236}">
-                <a16:creationId xmlns:a16="http://schemas.microsoft.com/office/drawing/2014/main" id="{4B69E48C-22CA-4D22-9571-D6932D3C54F6}"/>
-              </a:ext>
-            </a:extLst>
-          </p:cNvPr>
-          <p:cNvPicPr preferRelativeResize="0"/>
-          <p:nvPr/>
-        </p:nvPicPr>
-        <p:blipFill rotWithShape="1">
-          <a:blip r:embed="rId5">
-            <a:alphaModFix/>
-          </a:blip>
-          <a:srcRect/>
-          <a:stretch/>
-        </p:blipFill>
-        <p:spPr>
-          <a:xfrm>
-            <a:off x="10512913" y="2803450"/>
-            <a:ext cx="3454173" cy="3454215"/>
-          </a:xfrm>
-          <a:prstGeom prst="rect">
-            <a:avLst/>
-          </a:prstGeom>
-          <a:noFill/>
-          <a:ln>
-            <a:noFill/>
-          </a:ln>
-        </p:spPr>
-      </p:pic>
       <p:sp>
         <p:nvSpPr>
           <p:cNvPr id="13" name="Google Shape;249;p29">
@@ -11173,8 +16989,8 @@
         </p:nvSpPr>
         <p:spPr>
           <a:xfrm>
-            <a:off x="2751697" y="4827615"/>
-            <a:ext cx="5656200" cy="2475941"/>
+            <a:off x="2548506" y="3537072"/>
+            <a:ext cx="5656200" cy="3428072"/>
           </a:xfrm>
           <a:prstGeom prst="rect">
             <a:avLst/>
@@ -11190,11 +17006,16 @@
           </a:bodyPr>
           <a:lstStyle/>
           <a:p>
-            <a:pPr lvl="0" algn="r">
+            <a:pPr marL="457200" lvl="0" indent="-457200">
+              <a:buClr>
+                <a:schemeClr val="bg1"/>
+              </a:buClr>
               <a:buSzPts val="2600"/>
+              <a:buFont typeface="Wingdings" panose="05000000000000000000" pitchFamily="2" charset="2"/>
+              <a:buChar char="ü"/>
             </a:pPr>
             <a:r>
-              <a:rPr lang="es-MX" sz="2600" dirty="0">
+              <a:rPr lang="es-MX" sz="4000" dirty="0">
                 <a:solidFill>
                   <a:schemeClr val="bg1"/>
                 </a:solidFill>
@@ -11203,71 +17024,91 @@
                 <a:cs typeface="Montserrat SemiBold"/>
                 <a:sym typeface="Montserrat SemiBold"/>
               </a:rPr>
-              <a:t>Rafael Sebastián Carrillo Rivera</a:t>
+              <a:t>Rafa</a:t>
             </a:r>
           </a:p>
           <a:p>
-            <a:pPr lvl="0" algn="r">
+            <a:pPr marL="457200" lvl="0" indent="-457200">
+              <a:buClr>
+                <a:schemeClr val="bg1"/>
+              </a:buClr>
               <a:buSzPts val="2600"/>
+              <a:buFont typeface="Wingdings" panose="05000000000000000000" pitchFamily="2" charset="2"/>
+              <a:buChar char="ü"/>
             </a:pPr>
-            <a:endParaRPr lang="es-MX" sz="2600" dirty="0">
+            <a:endParaRPr lang="es-MX" sz="4000" b="0" i="0" u="none" strike="noStrike" cap="none" dirty="0">
               <a:solidFill>
                 <a:schemeClr val="bg1"/>
               </a:solidFill>
               <a:latin typeface="Montserrat SemiBold"/>
-              <a:ea typeface="Montserrat SemiBold"/>
-              <a:cs typeface="Montserrat SemiBold"/>
+              <a:ea typeface="Montserrat"/>
+              <a:cs typeface="Montserrat"/>
               <a:sym typeface="Montserrat SemiBold"/>
             </a:endParaRPr>
           </a:p>
           <a:p>
-            <a:pPr lvl="0" algn="r">
+            <a:pPr marL="457200" lvl="0" indent="-457200">
+              <a:buClr>
+                <a:schemeClr val="bg1"/>
+              </a:buClr>
               <a:buSzPts val="2600"/>
+              <a:buFont typeface="Wingdings" panose="05000000000000000000" pitchFamily="2" charset="2"/>
+              <a:buChar char="ü"/>
             </a:pPr>
             <a:r>
-              <a:rPr lang="es-MX" sz="2600" dirty="0">
+              <a:rPr lang="es-MX" sz="4000" dirty="0">
                 <a:solidFill>
                   <a:schemeClr val="bg1"/>
                 </a:solidFill>
                 <a:latin typeface="Montserrat SemiBold"/>
-                <a:ea typeface="Montserrat SemiBold"/>
-                <a:cs typeface="Montserrat SemiBold"/>
+                <a:ea typeface="Montserrat"/>
+                <a:cs typeface="Montserrat"/>
                 <a:sym typeface="Montserrat SemiBold"/>
               </a:rPr>
-              <a:t>Ana Yessica Espinosa Ávila</a:t>
+              <a:t>Chava</a:t>
             </a:r>
           </a:p>
           <a:p>
-            <a:pPr lvl="0" algn="r">
+            <a:pPr marL="457200" lvl="0" indent="-457200">
+              <a:buClr>
+                <a:schemeClr val="bg1"/>
+              </a:buClr>
               <a:buSzPts val="2600"/>
+              <a:buFont typeface="Wingdings" panose="05000000000000000000" pitchFamily="2" charset="2"/>
+              <a:buChar char="ü"/>
             </a:pPr>
-            <a:endParaRPr lang="es-MX" sz="2600" dirty="0">
+            <a:endParaRPr lang="es-MX" sz="4000" b="0" i="0" u="none" strike="noStrike" cap="none" dirty="0">
               <a:solidFill>
                 <a:schemeClr val="bg1"/>
               </a:solidFill>
               <a:latin typeface="Montserrat SemiBold"/>
-              <a:ea typeface="Montserrat SemiBold"/>
-              <a:cs typeface="Montserrat SemiBold"/>
+              <a:ea typeface="Montserrat"/>
+              <a:cs typeface="Montserrat"/>
               <a:sym typeface="Montserrat SemiBold"/>
             </a:endParaRPr>
           </a:p>
           <a:p>
-            <a:pPr lvl="0" algn="r">
+            <a:pPr marL="457200" lvl="0" indent="-457200">
+              <a:buClr>
+                <a:schemeClr val="bg1"/>
+              </a:buClr>
               <a:buSzPts val="2600"/>
+              <a:buFont typeface="Wingdings" panose="05000000000000000000" pitchFamily="2" charset="2"/>
+              <a:buChar char="ü"/>
             </a:pPr>
             <a:r>
-              <a:rPr lang="es-MX" sz="2600" dirty="0">
+              <a:rPr lang="es-MX" sz="4000" dirty="0">
                 <a:solidFill>
                   <a:schemeClr val="bg1"/>
                 </a:solidFill>
                 <a:latin typeface="Montserrat SemiBold"/>
-                <a:ea typeface="Montserrat SemiBold"/>
-                <a:cs typeface="Montserrat SemiBold"/>
+                <a:ea typeface="Montserrat"/>
+                <a:cs typeface="Montserrat"/>
                 <a:sym typeface="Montserrat SemiBold"/>
               </a:rPr>
-              <a:t>Salvador Velázquez Moreno</a:t>
+              <a:t>Yess</a:t>
             </a:r>
-            <a:endParaRPr sz="2600" b="0" i="0" u="none" strike="noStrike" cap="none" dirty="0">
+            <a:endParaRPr sz="4000" b="0" i="0" u="none" strike="noStrike" cap="none" dirty="0">
               <a:solidFill>
                 <a:schemeClr val="bg1"/>
               </a:solidFill>
@@ -11293,7 +17134,7 @@
         </p:nvSpPr>
         <p:spPr>
           <a:xfrm>
-            <a:off x="1395735" y="2440755"/>
+            <a:off x="1342980" y="1685842"/>
             <a:ext cx="7214400" cy="2170777"/>
           </a:xfrm>
           <a:prstGeom prst="rect">
@@ -11328,7 +17169,7 @@
               <a:buNone/>
             </a:pPr>
             <a:r>
-              <a:rPr lang="es-MX" sz="4000" dirty="0">
+              <a:rPr lang="es-MX" sz="4000" i="0" u="none" strike="noStrike" cap="none" dirty="0">
                 <a:solidFill>
                   <a:srgbClr val="FFFFFF"/>
                 </a:solidFill>
@@ -11337,42 +17178,484 @@
                 <a:cs typeface="Montserrat"/>
                 <a:sym typeface="Montserrat"/>
               </a:rPr>
-              <a:t>Equipo 10</a:t>
+              <a:t>Integrado por: </a:t>
             </a:r>
-            <a:endParaRPr lang="es-MX" sz="4000" i="0" u="none" strike="noStrike" cap="none" dirty="0">
-              <a:solidFill>
-                <a:srgbClr val="FFFFFF"/>
-              </a:solidFill>
-              <a:latin typeface="Montserrat"/>
-              <a:ea typeface="Montserrat"/>
-              <a:cs typeface="Montserrat"/>
-              <a:sym typeface="Montserrat"/>
-            </a:endParaRPr>
           </a:p>
         </p:txBody>
       </p:sp>
+      <p:pic>
+        <p:nvPicPr>
+          <p:cNvPr id="8" name="Imagen 7">
+            <a:extLst>
+              <a:ext uri="{FF2B5EF4-FFF2-40B4-BE49-F238E27FC236}">
+                <a16:creationId xmlns:a16="http://schemas.microsoft.com/office/drawing/2014/main" id="{F9213EA8-FD65-4345-A6BF-D2B02FEAF883}"/>
+              </a:ext>
+            </a:extLst>
+          </p:cNvPr>
+          <p:cNvPicPr>
+            <a:picLocks noChangeAspect="1"/>
+          </p:cNvPicPr>
+          <p:nvPr/>
+        </p:nvPicPr>
+        <p:blipFill>
+          <a:blip r:embed="rId5"/>
+          <a:stretch>
+            <a:fillRect/>
+          </a:stretch>
+        </p:blipFill>
+        <p:spPr>
+          <a:xfrm>
+            <a:off x="10198316" y="5069800"/>
+            <a:ext cx="3068482" cy="2597092"/>
+          </a:xfrm>
+          <a:prstGeom prst="rect">
+            <a:avLst/>
+          </a:prstGeom>
+          <a:solidFill>
+            <a:srgbClr val="FFFFFF">
+              <a:shade val="85000"/>
+            </a:srgbClr>
+          </a:solidFill>
+          <a:ln w="88900" cap="sq">
+            <a:solidFill>
+              <a:srgbClr val="FFFFFF"/>
+            </a:solidFill>
+            <a:miter lim="800000"/>
+          </a:ln>
+          <a:effectLst>
+            <a:outerShdw blurRad="55000" dist="18000" dir="5400000" algn="tl" rotWithShape="0">
+              <a:srgbClr val="000000">
+                <a:alpha val="40000"/>
+              </a:srgbClr>
+            </a:outerShdw>
+          </a:effectLst>
+          <a:scene3d>
+            <a:camera prst="orthographicFront"/>
+            <a:lightRig rig="twoPt" dir="t">
+              <a:rot lat="0" lon="0" rev="7200000"/>
+            </a:lightRig>
+          </a:scene3d>
+          <a:sp3d>
+            <a:bevelT w="25400" h="19050"/>
+            <a:contourClr>
+              <a:srgbClr val="FFFFFF"/>
+            </a:contourClr>
+          </a:sp3d>
+        </p:spPr>
+      </p:pic>
+      <p:pic>
+        <p:nvPicPr>
+          <p:cNvPr id="6" name="Imagen 5">
+            <a:extLst>
+              <a:ext uri="{FF2B5EF4-FFF2-40B4-BE49-F238E27FC236}">
+                <a16:creationId xmlns:a16="http://schemas.microsoft.com/office/drawing/2014/main" id="{2774CFE6-FD59-4D03-BF45-474056D51088}"/>
+              </a:ext>
+            </a:extLst>
+          </p:cNvPr>
+          <p:cNvPicPr>
+            <a:picLocks noChangeAspect="1"/>
+          </p:cNvPicPr>
+          <p:nvPr/>
+        </p:nvPicPr>
+        <p:blipFill>
+          <a:blip r:embed="rId6"/>
+          <a:stretch>
+            <a:fillRect/>
+          </a:stretch>
+        </p:blipFill>
+        <p:spPr>
+          <a:xfrm>
+            <a:off x="12360908" y="2993926"/>
+            <a:ext cx="2605364" cy="2605364"/>
+          </a:xfrm>
+          <a:prstGeom prst="rect">
+            <a:avLst/>
+          </a:prstGeom>
+          <a:solidFill>
+            <a:srgbClr val="FFFFFF">
+              <a:shade val="85000"/>
+            </a:srgbClr>
+          </a:solidFill>
+          <a:ln w="88900" cap="sq">
+            <a:solidFill>
+              <a:srgbClr val="FFFFFF"/>
+            </a:solidFill>
+            <a:miter lim="800000"/>
+          </a:ln>
+          <a:effectLst>
+            <a:outerShdw blurRad="55000" dist="18000" dir="5400000" algn="tl" rotWithShape="0">
+              <a:srgbClr val="000000">
+                <a:alpha val="40000"/>
+              </a:srgbClr>
+            </a:outerShdw>
+          </a:effectLst>
+          <a:scene3d>
+            <a:camera prst="orthographicFront"/>
+            <a:lightRig rig="twoPt" dir="t">
+              <a:rot lat="0" lon="0" rev="7200000"/>
+            </a:lightRig>
+          </a:scene3d>
+          <a:sp3d>
+            <a:bevelT w="25400" h="19050"/>
+            <a:contourClr>
+              <a:srgbClr val="FFFFFF"/>
+            </a:contourClr>
+          </a:sp3d>
+        </p:spPr>
+      </p:pic>
+      <p:pic>
+        <p:nvPicPr>
+          <p:cNvPr id="4" name="Imagen 3">
+            <a:extLst>
+              <a:ext uri="{FF2B5EF4-FFF2-40B4-BE49-F238E27FC236}">
+                <a16:creationId xmlns:a16="http://schemas.microsoft.com/office/drawing/2014/main" id="{FC882204-0EF5-4020-9893-24231BCC458D}"/>
+              </a:ext>
+            </a:extLst>
+          </p:cNvPr>
+          <p:cNvPicPr>
+            <a:picLocks noChangeAspect="1"/>
+          </p:cNvPicPr>
+          <p:nvPr/>
+        </p:nvPicPr>
+        <p:blipFill>
+          <a:blip r:embed="rId7"/>
+          <a:stretch>
+            <a:fillRect/>
+          </a:stretch>
+        </p:blipFill>
+        <p:spPr>
+          <a:xfrm>
+            <a:off x="10198316" y="1435740"/>
+            <a:ext cx="2838736" cy="2256556"/>
+          </a:xfrm>
+          <a:prstGeom prst="rect">
+            <a:avLst/>
+          </a:prstGeom>
+          <a:solidFill>
+            <a:srgbClr val="FFFFFF">
+              <a:shade val="85000"/>
+            </a:srgbClr>
+          </a:solidFill>
+          <a:ln w="88900" cap="sq">
+            <a:solidFill>
+              <a:srgbClr val="FFFFFF"/>
+            </a:solidFill>
+            <a:miter lim="800000"/>
+          </a:ln>
+          <a:effectLst>
+            <a:outerShdw blurRad="55000" dist="18000" dir="5400000" algn="tl" rotWithShape="0">
+              <a:srgbClr val="000000">
+                <a:alpha val="40000"/>
+              </a:srgbClr>
+            </a:outerShdw>
+          </a:effectLst>
+          <a:scene3d>
+            <a:camera prst="orthographicFront"/>
+            <a:lightRig rig="twoPt" dir="t">
+              <a:rot lat="0" lon="0" rev="7200000"/>
+            </a:lightRig>
+          </a:scene3d>
+          <a:sp3d>
+            <a:bevelT w="25400" h="19050"/>
+            <a:contourClr>
+              <a:srgbClr val="FFFFFF"/>
+            </a:contourClr>
+          </a:sp3d>
+        </p:spPr>
+      </p:pic>
     </p:spTree>
   </p:cSld>
   <p:clrMapOvr>
     <a:masterClrMapping/>
   </p:clrMapOvr>
+  <p:timing>
+    <p:tnLst>
+      <p:par>
+        <p:cTn id="1" dur="indefinite" restart="never" nodeType="tmRoot">
+          <p:childTnLst>
+            <p:seq concurrent="1" nextAc="seek">
+              <p:cTn id="2" dur="indefinite" nodeType="mainSeq">
+                <p:childTnLst>
+                  <p:par>
+                    <p:cTn id="3" fill="hold">
+                      <p:stCondLst>
+                        <p:cond delay="indefinite"/>
+                      </p:stCondLst>
+                      <p:childTnLst>
+                        <p:par>
+                          <p:cTn id="4" fill="hold">
+                            <p:stCondLst>
+                              <p:cond delay="0"/>
+                            </p:stCondLst>
+                            <p:childTnLst>
+                              <p:par>
+                                <p:cTn id="5" presetID="1" presetClass="entr" presetSubtype="0" fill="hold" grpId="0" nodeType="clickEffect">
+                                  <p:stCondLst>
+                                    <p:cond delay="0"/>
+                                  </p:stCondLst>
+                                  <p:childTnLst>
+                                    <p:set>
+                                      <p:cBhvr>
+                                        <p:cTn id="6" dur="1" fill="hold">
+                                          <p:stCondLst>
+                                            <p:cond delay="0"/>
+                                          </p:stCondLst>
+                                        </p:cTn>
+                                        <p:tgtEl>
+                                          <p:spTgt spid="13">
+                                            <p:txEl>
+                                              <p:pRg st="0" end="0"/>
+                                            </p:txEl>
+                                          </p:spTgt>
+                                        </p:tgtEl>
+                                        <p:attrNameLst>
+                                          <p:attrName>style.visibility</p:attrName>
+                                        </p:attrNameLst>
+                                      </p:cBhvr>
+                                      <p:to>
+                                        <p:strVal val="visible"/>
+                                      </p:to>
+                                    </p:set>
+                                  </p:childTnLst>
+                                </p:cTn>
+                              </p:par>
+                            </p:childTnLst>
+                          </p:cTn>
+                        </p:par>
+                      </p:childTnLst>
+                    </p:cTn>
+                  </p:par>
+                  <p:par>
+                    <p:cTn id="7" fill="hold">
+                      <p:stCondLst>
+                        <p:cond delay="indefinite"/>
+                      </p:stCondLst>
+                      <p:childTnLst>
+                        <p:par>
+                          <p:cTn id="8" fill="hold">
+                            <p:stCondLst>
+                              <p:cond delay="0"/>
+                            </p:stCondLst>
+                            <p:childTnLst>
+                              <p:par>
+                                <p:cTn id="9" presetID="1" presetClass="entr" presetSubtype="0" fill="hold" grpId="0" nodeType="clickEffect">
+                                  <p:stCondLst>
+                                    <p:cond delay="0"/>
+                                  </p:stCondLst>
+                                  <p:childTnLst>
+                                    <p:set>
+                                      <p:cBhvr>
+                                        <p:cTn id="10" dur="1" fill="hold">
+                                          <p:stCondLst>
+                                            <p:cond delay="0"/>
+                                          </p:stCondLst>
+                                        </p:cTn>
+                                        <p:tgtEl>
+                                          <p:spTgt spid="13">
+                                            <p:txEl>
+                                              <p:pRg st="2" end="2"/>
+                                            </p:txEl>
+                                          </p:spTgt>
+                                        </p:tgtEl>
+                                        <p:attrNameLst>
+                                          <p:attrName>style.visibility</p:attrName>
+                                        </p:attrNameLst>
+                                      </p:cBhvr>
+                                      <p:to>
+                                        <p:strVal val="visible"/>
+                                      </p:to>
+                                    </p:set>
+                                  </p:childTnLst>
+                                </p:cTn>
+                              </p:par>
+                            </p:childTnLst>
+                          </p:cTn>
+                        </p:par>
+                      </p:childTnLst>
+                    </p:cTn>
+                  </p:par>
+                  <p:par>
+                    <p:cTn id="11" fill="hold">
+                      <p:stCondLst>
+                        <p:cond delay="indefinite"/>
+                      </p:stCondLst>
+                      <p:childTnLst>
+                        <p:par>
+                          <p:cTn id="12" fill="hold">
+                            <p:stCondLst>
+                              <p:cond delay="0"/>
+                            </p:stCondLst>
+                            <p:childTnLst>
+                              <p:par>
+                                <p:cTn id="13" presetID="1" presetClass="entr" presetSubtype="0" fill="hold" grpId="0" nodeType="clickEffect">
+                                  <p:stCondLst>
+                                    <p:cond delay="0"/>
+                                  </p:stCondLst>
+                                  <p:childTnLst>
+                                    <p:set>
+                                      <p:cBhvr>
+                                        <p:cTn id="14" dur="1" fill="hold">
+                                          <p:stCondLst>
+                                            <p:cond delay="0"/>
+                                          </p:stCondLst>
+                                        </p:cTn>
+                                        <p:tgtEl>
+                                          <p:spTgt spid="13">
+                                            <p:txEl>
+                                              <p:pRg st="4" end="4"/>
+                                            </p:txEl>
+                                          </p:spTgt>
+                                        </p:tgtEl>
+                                        <p:attrNameLst>
+                                          <p:attrName>style.visibility</p:attrName>
+                                        </p:attrNameLst>
+                                      </p:cBhvr>
+                                      <p:to>
+                                        <p:strVal val="visible"/>
+                                      </p:to>
+                                    </p:set>
+                                  </p:childTnLst>
+                                </p:cTn>
+                              </p:par>
+                            </p:childTnLst>
+                          </p:cTn>
+                        </p:par>
+                      </p:childTnLst>
+                    </p:cTn>
+                  </p:par>
+                  <p:par>
+                    <p:cTn id="15" fill="hold">
+                      <p:stCondLst>
+                        <p:cond delay="indefinite"/>
+                      </p:stCondLst>
+                      <p:childTnLst>
+                        <p:par>
+                          <p:cTn id="16" fill="hold">
+                            <p:stCondLst>
+                              <p:cond delay="0"/>
+                            </p:stCondLst>
+                            <p:childTnLst>
+                              <p:par>
+                                <p:cTn id="17" presetID="1" presetClass="entr" presetSubtype="0" fill="hold" nodeType="clickEffect">
+                                  <p:stCondLst>
+                                    <p:cond delay="0"/>
+                                  </p:stCondLst>
+                                  <p:childTnLst>
+                                    <p:set>
+                                      <p:cBhvr>
+                                        <p:cTn id="18" dur="1" fill="hold">
+                                          <p:stCondLst>
+                                            <p:cond delay="0"/>
+                                          </p:stCondLst>
+                                        </p:cTn>
+                                        <p:tgtEl>
+                                          <p:spTgt spid="4"/>
+                                        </p:tgtEl>
+                                        <p:attrNameLst>
+                                          <p:attrName>style.visibility</p:attrName>
+                                        </p:attrNameLst>
+                                      </p:cBhvr>
+                                      <p:to>
+                                        <p:strVal val="visible"/>
+                                      </p:to>
+                                    </p:set>
+                                  </p:childTnLst>
+                                </p:cTn>
+                              </p:par>
+                              <p:par>
+                                <p:cTn id="19" presetID="1" presetClass="entr" presetSubtype="0" fill="hold" nodeType="withEffect">
+                                  <p:stCondLst>
+                                    <p:cond delay="0"/>
+                                  </p:stCondLst>
+                                  <p:childTnLst>
+                                    <p:set>
+                                      <p:cBhvr>
+                                        <p:cTn id="20" dur="1" fill="hold">
+                                          <p:stCondLst>
+                                            <p:cond delay="0"/>
+                                          </p:stCondLst>
+                                        </p:cTn>
+                                        <p:tgtEl>
+                                          <p:spTgt spid="6"/>
+                                        </p:tgtEl>
+                                        <p:attrNameLst>
+                                          <p:attrName>style.visibility</p:attrName>
+                                        </p:attrNameLst>
+                                      </p:cBhvr>
+                                      <p:to>
+                                        <p:strVal val="visible"/>
+                                      </p:to>
+                                    </p:set>
+                                  </p:childTnLst>
+                                </p:cTn>
+                              </p:par>
+                              <p:par>
+                                <p:cTn id="21" presetID="1" presetClass="entr" presetSubtype="0" fill="hold" nodeType="withEffect">
+                                  <p:stCondLst>
+                                    <p:cond delay="0"/>
+                                  </p:stCondLst>
+                                  <p:childTnLst>
+                                    <p:set>
+                                      <p:cBhvr>
+                                        <p:cTn id="22" dur="1" fill="hold">
+                                          <p:stCondLst>
+                                            <p:cond delay="0"/>
+                                          </p:stCondLst>
+                                        </p:cTn>
+                                        <p:tgtEl>
+                                          <p:spTgt spid="8"/>
+                                        </p:tgtEl>
+                                        <p:attrNameLst>
+                                          <p:attrName>style.visibility</p:attrName>
+                                        </p:attrNameLst>
+                                      </p:cBhvr>
+                                      <p:to>
+                                        <p:strVal val="visible"/>
+                                      </p:to>
+                                    </p:set>
+                                  </p:childTnLst>
+                                </p:cTn>
+                              </p:par>
+                            </p:childTnLst>
+                          </p:cTn>
+                        </p:par>
+                      </p:childTnLst>
+                    </p:cTn>
+                  </p:par>
+                </p:childTnLst>
+              </p:cTn>
+              <p:prevCondLst>
+                <p:cond evt="onPrev" delay="0">
+                  <p:tgtEl>
+                    <p:sldTgt/>
+                  </p:tgtEl>
+                </p:cond>
+              </p:prevCondLst>
+              <p:nextCondLst>
+                <p:cond evt="onNext" delay="0">
+                  <p:tgtEl>
+                    <p:sldTgt/>
+                  </p:tgtEl>
+                </p:cond>
+              </p:nextCondLst>
+            </p:seq>
+          </p:childTnLst>
+        </p:cTn>
+      </p:par>
+    </p:tnLst>
+    <p:bldLst>
+      <p:bldP spid="13" grpId="0" build="p"/>
+    </p:bldLst>
+  </p:timing>
 </p:sld>
 </file>
 
-<file path=ppt/slides/slide4.xml><?xml version="1.0" encoding="utf-8"?>
+<file path=ppt/slides/slide7.xml><?xml version="1.0" encoding="utf-8"?>
 <p:sld xmlns:a="http://schemas.openxmlformats.org/drawingml/2006/main" xmlns:r="http://schemas.openxmlformats.org/officeDocument/2006/relationships" xmlns:p="http://schemas.openxmlformats.org/presentationml/2006/main">
   <p:cSld>
-    <p:bg>
-      <p:bgPr>
-        <a:solidFill>
-          <a:srgbClr val="FF6A39"/>
-        </a:solidFill>
-        <a:effectLst/>
-      </p:bgPr>
-    </p:bg>
     <p:spTree>
       <p:nvGrpSpPr>
-        <p:cNvPr id="1" name="Shape 102"/>
+        <p:cNvPr id="1" name="Shape 114"/>
         <p:cNvGrpSpPr/>
         <p:nvPr/>
       </p:nvGrpSpPr>
@@ -11384,23 +17667,268 @@
           <a:chExt cx="0" cy="0"/>
         </a:xfrm>
       </p:grpSpPr>
+      <p:cxnSp>
+        <p:nvCxnSpPr>
+          <p:cNvPr id="115" name="Google Shape;115;p18"/>
+          <p:cNvCxnSpPr/>
+          <p:nvPr/>
+        </p:nvCxnSpPr>
+        <p:spPr>
+          <a:xfrm>
+            <a:off x="14475844" y="-11"/>
+            <a:ext cx="0" cy="3877500"/>
+          </a:xfrm>
+          <a:prstGeom prst="straightConnector1">
+            <a:avLst/>
+          </a:prstGeom>
+          <a:noFill/>
+          <a:ln w="19050" cap="flat" cmpd="sng">
+            <a:solidFill>
+              <a:srgbClr val="FF6A39"/>
+            </a:solidFill>
+            <a:prstDash val="solid"/>
+            <a:round/>
+            <a:headEnd type="none" w="sm" len="sm"/>
+            <a:tailEnd type="none" w="sm" len="sm"/>
+          </a:ln>
+        </p:spPr>
+      </p:cxnSp>
+      <p:cxnSp>
+        <p:nvCxnSpPr>
+          <p:cNvPr id="116" name="Google Shape;116;p18"/>
+          <p:cNvCxnSpPr/>
+          <p:nvPr/>
+        </p:nvCxnSpPr>
+        <p:spPr>
+          <a:xfrm>
+            <a:off x="14475850" y="6859925"/>
+            <a:ext cx="0" cy="1061700"/>
+          </a:xfrm>
+          <a:prstGeom prst="straightConnector1">
+            <a:avLst/>
+          </a:prstGeom>
+          <a:noFill/>
+          <a:ln w="19050" cap="flat" cmpd="sng">
+            <a:solidFill>
+              <a:srgbClr val="FF6A39"/>
+            </a:solidFill>
+            <a:prstDash val="solid"/>
+            <a:round/>
+            <a:headEnd type="none" w="sm" len="sm"/>
+            <a:tailEnd type="none" w="sm" len="sm"/>
+          </a:ln>
+        </p:spPr>
+      </p:cxnSp>
+      <p:pic>
+        <p:nvPicPr>
+          <p:cNvPr id="117" name="Google Shape;117;p18"/>
+          <p:cNvPicPr preferRelativeResize="0"/>
+          <p:nvPr/>
+        </p:nvPicPr>
+        <p:blipFill rotWithShape="1">
+          <a:blip r:embed="rId3">
+            <a:alphaModFix/>
+          </a:blip>
+          <a:srcRect/>
+          <a:stretch/>
+        </p:blipFill>
+        <p:spPr>
+          <a:xfrm>
+            <a:off x="498500" y="709642"/>
+            <a:ext cx="1430575" cy="126308"/>
+          </a:xfrm>
+          <a:prstGeom prst="rect">
+            <a:avLst/>
+          </a:prstGeom>
+          <a:noFill/>
+          <a:ln>
+            <a:noFill/>
+          </a:ln>
+        </p:spPr>
+      </p:pic>
       <p:sp>
         <p:nvSpPr>
-          <p:cNvPr id="103" name="Google Shape;103;p17"/>
-          <p:cNvSpPr/>
+          <p:cNvPr id="118" name="Google Shape;118;p18"/>
+          <p:cNvSpPr txBox="1"/>
           <p:nvPr/>
         </p:nvSpPr>
         <p:spPr>
+          <a:xfrm rot="-5400000">
+            <a:off x="12971200" y="5038125"/>
+            <a:ext cx="3009300" cy="657900"/>
+          </a:xfrm>
+          <a:prstGeom prst="rect">
+            <a:avLst/>
+          </a:prstGeom>
+          <a:noFill/>
+          <a:ln>
+            <a:noFill/>
+          </a:ln>
+        </p:spPr>
+        <p:txBody>
+          <a:bodyPr spcFirstLastPara="1" wrap="square" lIns="147725" tIns="147725" rIns="147725" bIns="147725" anchor="t" anchorCtr="0">
+            <a:noAutofit/>
+          </a:bodyPr>
+          <a:lstStyle/>
+          <a:p>
+            <a:pPr marL="0" marR="0" lvl="0" indent="0" algn="ctr" rtl="0">
+              <a:lnSpc>
+                <a:spcPct val="100000"/>
+              </a:lnSpc>
+              <a:spcBef>
+                <a:spcPts val="0"/>
+              </a:spcBef>
+              <a:spcAft>
+                <a:spcPts val="0"/>
+              </a:spcAft>
+              <a:buClr>
+                <a:srgbClr val="000000"/>
+              </a:buClr>
+              <a:buSzPts val="2300"/>
+              <a:buFont typeface="Arial"/>
+              <a:buNone/>
+            </a:pPr>
+            <a:r>
+              <a:rPr lang="es-MX" sz="2300" dirty="0">
+                <a:solidFill>
+                  <a:srgbClr val="D8D8D8"/>
+                </a:solidFill>
+                <a:latin typeface="Montserrat"/>
+                <a:ea typeface="Montserrat"/>
+                <a:cs typeface="Montserrat"/>
+                <a:sym typeface="Montserrat"/>
+              </a:rPr>
+              <a:t>Datos</a:t>
+            </a:r>
+            <a:endParaRPr sz="2300" b="0" i="0" u="none" strike="noStrike" cap="none" dirty="0">
+              <a:solidFill>
+                <a:srgbClr val="D8D8D8"/>
+              </a:solidFill>
+              <a:latin typeface="Montserrat"/>
+              <a:ea typeface="Montserrat"/>
+              <a:cs typeface="Montserrat"/>
+              <a:sym typeface="Montserrat"/>
+            </a:endParaRPr>
+          </a:p>
+        </p:txBody>
+      </p:sp>
+      <p:sp>
+        <p:nvSpPr>
+          <p:cNvPr id="119" name="Google Shape;119;p18"/>
+          <p:cNvSpPr txBox="1"/>
+          <p:nvPr/>
+        </p:nvSpPr>
+        <p:spPr>
           <a:xfrm>
-            <a:off x="10106532" y="0"/>
-            <a:ext cx="5016000" cy="7934700"/>
+            <a:off x="6944563" y="2433325"/>
+            <a:ext cx="5656200" cy="4665600"/>
           </a:xfrm>
           <a:prstGeom prst="rect">
             <a:avLst/>
           </a:prstGeom>
-          <a:solidFill>
-            <a:srgbClr val="16181C"/>
-          </a:solidFill>
+          <a:noFill/>
+          <a:ln>
+            <a:noFill/>
+          </a:ln>
+        </p:spPr>
+        <p:txBody>
+          <a:bodyPr spcFirstLastPara="1" wrap="square" lIns="147725" tIns="147725" rIns="147725" bIns="147725" anchor="t" anchorCtr="0">
+            <a:noAutofit/>
+          </a:bodyPr>
+          <a:lstStyle/>
+          <a:p>
+            <a:pPr marL="0" marR="0" lvl="0" indent="0" algn="l" rtl="0">
+              <a:lnSpc>
+                <a:spcPct val="100000"/>
+              </a:lnSpc>
+              <a:spcBef>
+                <a:spcPts val="0"/>
+              </a:spcBef>
+              <a:spcAft>
+                <a:spcPts val="0"/>
+              </a:spcAft>
+              <a:buClr>
+                <a:srgbClr val="000000"/>
+              </a:buClr>
+              <a:buSzPts val="2600"/>
+              <a:buFont typeface="Arial"/>
+              <a:buNone/>
+            </a:pPr>
+            <a:r>
+              <a:rPr lang="es-MX" sz="3200" dirty="0">
+                <a:solidFill>
+                  <a:srgbClr val="2B303C"/>
+                </a:solidFill>
+                <a:latin typeface="Montserrat SemiBold"/>
+                <a:ea typeface="Montserrat SemiBold"/>
+                <a:cs typeface="Montserrat SemiBold"/>
+                <a:sym typeface="Montserrat SemiBold"/>
+              </a:rPr>
+              <a:t>Obtuvimos los datos del sitio </a:t>
+            </a:r>
+            <a:r>
+              <a:rPr lang="es-MX" sz="3200" u="sng" dirty="0">
+                <a:solidFill>
+                  <a:srgbClr val="FF0000"/>
+                </a:solidFill>
+                <a:latin typeface="Montserrat SemiBold"/>
+                <a:ea typeface="Montserrat SemiBold"/>
+                <a:cs typeface="Montserrat SemiBold"/>
+                <a:sym typeface="Montserrat SemiBold"/>
+              </a:rPr>
+              <a:t>datos.gob.mx</a:t>
+            </a:r>
+            <a:r>
+              <a:rPr lang="es-MX" sz="3200" dirty="0">
+                <a:solidFill>
+                  <a:srgbClr val="2B303C"/>
+                </a:solidFill>
+                <a:latin typeface="Montserrat SemiBold"/>
+                <a:ea typeface="Montserrat SemiBold"/>
+                <a:cs typeface="Montserrat SemiBold"/>
+                <a:sym typeface="Montserrat SemiBold"/>
+              </a:rPr>
+              <a:t>. Contiene información del </a:t>
+            </a:r>
+            <a:r>
+              <a:rPr lang="es-MX" sz="3200" u="sng" dirty="0">
+                <a:solidFill>
+                  <a:srgbClr val="2B303C"/>
+                </a:solidFill>
+                <a:latin typeface="Montserrat SemiBold"/>
+                <a:ea typeface="Montserrat SemiBold"/>
+                <a:cs typeface="Montserrat SemiBold"/>
+                <a:sym typeface="Montserrat SemiBold"/>
+              </a:rPr>
+              <a:t>Sistema de Vigilancia Epidemiológica de Enfermedades Respiratoria Viral.</a:t>
+            </a:r>
+            <a:endParaRPr sz="3200" u="sng" dirty="0">
+              <a:solidFill>
+                <a:srgbClr val="2B303C"/>
+              </a:solidFill>
+              <a:latin typeface="Montserrat"/>
+              <a:ea typeface="Montserrat"/>
+              <a:cs typeface="Montserrat"/>
+              <a:sym typeface="Montserrat"/>
+            </a:endParaRPr>
+          </a:p>
+        </p:txBody>
+      </p:sp>
+      <p:sp>
+        <p:nvSpPr>
+          <p:cNvPr id="120" name="Google Shape;120;p18"/>
+          <p:cNvSpPr txBox="1"/>
+          <p:nvPr/>
+        </p:nvSpPr>
+        <p:spPr>
+          <a:xfrm>
+            <a:off x="2295842" y="414450"/>
+            <a:ext cx="9218400" cy="716700"/>
+          </a:xfrm>
+          <a:prstGeom prst="rect">
+            <a:avLst/>
+          </a:prstGeom>
+          <a:noFill/>
           <a:ln>
             <a:noFill/>
           </a:ln>
@@ -11424,79 +17952,25 @@
               <a:buClr>
                 <a:srgbClr val="000000"/>
               </a:buClr>
-              <a:buSzPts val="2300"/>
-              <a:buFont typeface="Arial"/>
-              <a:buNone/>
-            </a:pPr>
-            <a:endParaRPr sz="2300" b="0" i="0" u="none" strike="noStrike" cap="none">
-              <a:solidFill>
-                <a:srgbClr val="000000"/>
-              </a:solidFill>
-              <a:latin typeface="Arial"/>
-              <a:ea typeface="Arial"/>
-              <a:cs typeface="Arial"/>
-              <a:sym typeface="Arial"/>
-            </a:endParaRPr>
-          </a:p>
-        </p:txBody>
-      </p:sp>
-      <p:sp>
-        <p:nvSpPr>
-          <p:cNvPr id="104" name="Google Shape;104;p17"/>
-          <p:cNvSpPr txBox="1"/>
-          <p:nvPr/>
-        </p:nvSpPr>
-        <p:spPr>
-          <a:xfrm>
-            <a:off x="1700960" y="1398900"/>
-            <a:ext cx="7214400" cy="3526800"/>
-          </a:xfrm>
-          <a:prstGeom prst="rect">
-            <a:avLst/>
-          </a:prstGeom>
-          <a:noFill/>
-          <a:ln>
-            <a:noFill/>
-          </a:ln>
-        </p:spPr>
-        <p:txBody>
-          <a:bodyPr spcFirstLastPara="1" wrap="square" lIns="147725" tIns="147725" rIns="147725" bIns="147725" anchor="ctr" anchorCtr="0">
-            <a:noAutofit/>
-          </a:bodyPr>
-          <a:lstStyle/>
-          <a:p>
-            <a:pPr marL="0" marR="0" lvl="0" indent="0" algn="l" rtl="0">
-              <a:lnSpc>
-                <a:spcPct val="100000"/>
-              </a:lnSpc>
-              <a:spcBef>
-                <a:spcPts val="0"/>
-              </a:spcBef>
-              <a:spcAft>
-                <a:spcPts val="0"/>
-              </a:spcAft>
-              <a:buClr>
-                <a:srgbClr val="000000"/>
-              </a:buClr>
-              <a:buSzPts val="6800"/>
+              <a:buSzPts val="4000"/>
               <a:buFont typeface="Arial"/>
               <a:buNone/>
             </a:pPr>
             <a:r>
-              <a:rPr lang="es-MX" sz="6800" b="1" dirty="0">
-                <a:solidFill>
-                  <a:srgbClr val="FFFFFF"/>
+              <a:rPr lang="es-MX" sz="4000" b="1" i="0" u="none" strike="noStrike" cap="none" dirty="0">
+                <a:solidFill>
+                  <a:srgbClr val="16181C"/>
                 </a:solidFill>
                 <a:latin typeface="Montserrat"/>
                 <a:ea typeface="Montserrat"/>
                 <a:cs typeface="Montserrat"/>
                 <a:sym typeface="Montserrat"/>
               </a:rPr>
-              <a:t>GRACIAS POR SU ATENCIÓN</a:t>
+              <a:t>Necesitamos contar con datos</a:t>
             </a:r>
-            <a:endParaRPr sz="6800" b="1" i="0" u="none" strike="noStrike" cap="none" dirty="0">
+            <a:endParaRPr sz="4000" b="0" i="0" u="none" strike="noStrike" cap="none" dirty="0">
               <a:solidFill>
-                <a:srgbClr val="FFFFFF"/>
+                <a:srgbClr val="16181C"/>
               </a:solidFill>
               <a:latin typeface="Montserrat"/>
               <a:ea typeface="Montserrat"/>
@@ -11508,7 +17982,172 @@
       </p:sp>
       <p:pic>
         <p:nvPicPr>
-          <p:cNvPr id="105" name="Google Shape;105;p17"/>
+          <p:cNvPr id="122" name="Google Shape;122;p18"/>
+          <p:cNvPicPr preferRelativeResize="0"/>
+          <p:nvPr/>
+        </p:nvPicPr>
+        <p:blipFill rotWithShape="1">
+          <a:blip r:embed="rId4">
+            <a:alphaModFix/>
+          </a:blip>
+          <a:srcRect/>
+          <a:stretch/>
+        </p:blipFill>
+        <p:spPr>
+          <a:xfrm>
+            <a:off x="575050" y="6725850"/>
+            <a:ext cx="3996201" cy="994075"/>
+          </a:xfrm>
+          <a:prstGeom prst="rect">
+            <a:avLst/>
+          </a:prstGeom>
+          <a:noFill/>
+          <a:ln>
+            <a:noFill/>
+          </a:ln>
+        </p:spPr>
+      </p:pic>
+      <p:pic>
+        <p:nvPicPr>
+          <p:cNvPr id="123" name="Google Shape;123;p18"/>
+          <p:cNvPicPr preferRelativeResize="0"/>
+          <p:nvPr/>
+        </p:nvPicPr>
+        <p:blipFill rotWithShape="1">
+          <a:blip r:embed="rId5">
+            <a:alphaModFix/>
+          </a:blip>
+          <a:srcRect/>
+          <a:stretch/>
+        </p:blipFill>
+        <p:spPr>
+          <a:xfrm>
+            <a:off x="10878384" y="531488"/>
+            <a:ext cx="2165348" cy="482600"/>
+          </a:xfrm>
+          <a:prstGeom prst="rect">
+            <a:avLst/>
+          </a:prstGeom>
+          <a:noFill/>
+          <a:ln>
+            <a:noFill/>
+          </a:ln>
+        </p:spPr>
+      </p:pic>
+      <p:pic>
+        <p:nvPicPr>
+          <p:cNvPr id="12" name="Google Shape;434;p41">
+            <a:extLst>
+              <a:ext uri="{FF2B5EF4-FFF2-40B4-BE49-F238E27FC236}">
+                <a16:creationId xmlns:a16="http://schemas.microsoft.com/office/drawing/2014/main" id="{F65B1EA6-2A9D-48C1-8905-C246B411C46C}"/>
+              </a:ext>
+            </a:extLst>
+          </p:cNvPr>
+          <p:cNvPicPr preferRelativeResize="0"/>
+          <p:nvPr/>
+        </p:nvPicPr>
+        <p:blipFill>
+          <a:blip r:embed="rId6">
+            <a:alphaModFix/>
+          </a:blip>
+          <a:stretch>
+            <a:fillRect/>
+          </a:stretch>
+        </p:blipFill>
+        <p:spPr>
+          <a:xfrm>
+            <a:off x="2011044" y="1923675"/>
+            <a:ext cx="2773634" cy="3877500"/>
+          </a:xfrm>
+          <a:prstGeom prst="rect">
+            <a:avLst/>
+          </a:prstGeom>
+          <a:noFill/>
+          <a:ln>
+            <a:noFill/>
+          </a:ln>
+        </p:spPr>
+      </p:pic>
+    </p:spTree>
+  </p:cSld>
+  <p:clrMapOvr>
+    <a:masterClrMapping/>
+  </p:clrMapOvr>
+</p:sld>
+</file>
+
+<file path=ppt/slides/slide8.xml><?xml version="1.0" encoding="utf-8"?>
+<p:sld xmlns:a="http://schemas.openxmlformats.org/drawingml/2006/main" xmlns:r="http://schemas.openxmlformats.org/officeDocument/2006/relationships" xmlns:p="http://schemas.openxmlformats.org/presentationml/2006/main">
+  <p:cSld>
+    <p:spTree>
+      <p:nvGrpSpPr>
+        <p:cNvPr id="1" name="Shape 127"/>
+        <p:cNvGrpSpPr/>
+        <p:nvPr/>
+      </p:nvGrpSpPr>
+      <p:grpSpPr>
+        <a:xfrm>
+          <a:off x="0" y="0"/>
+          <a:ext cx="0" cy="0"/>
+          <a:chOff x="0" y="0"/>
+          <a:chExt cx="0" cy="0"/>
+        </a:xfrm>
+      </p:grpSpPr>
+      <p:cxnSp>
+        <p:nvCxnSpPr>
+          <p:cNvPr id="128" name="Google Shape;128;p19"/>
+          <p:cNvCxnSpPr/>
+          <p:nvPr/>
+        </p:nvCxnSpPr>
+        <p:spPr>
+          <a:xfrm>
+            <a:off x="14475844" y="-11"/>
+            <a:ext cx="0" cy="3877500"/>
+          </a:xfrm>
+          <a:prstGeom prst="straightConnector1">
+            <a:avLst/>
+          </a:prstGeom>
+          <a:noFill/>
+          <a:ln w="19050" cap="flat" cmpd="sng">
+            <a:solidFill>
+              <a:srgbClr val="FF6A39"/>
+            </a:solidFill>
+            <a:prstDash val="solid"/>
+            <a:round/>
+            <a:headEnd type="none" w="sm" len="sm"/>
+            <a:tailEnd type="none" w="sm" len="sm"/>
+          </a:ln>
+        </p:spPr>
+      </p:cxnSp>
+      <p:cxnSp>
+        <p:nvCxnSpPr>
+          <p:cNvPr id="129" name="Google Shape;129;p19"/>
+          <p:cNvCxnSpPr/>
+          <p:nvPr/>
+        </p:nvCxnSpPr>
+        <p:spPr>
+          <a:xfrm>
+            <a:off x="14475850" y="6859925"/>
+            <a:ext cx="0" cy="1061700"/>
+          </a:xfrm>
+          <a:prstGeom prst="straightConnector1">
+            <a:avLst/>
+          </a:prstGeom>
+          <a:noFill/>
+          <a:ln w="19050" cap="flat" cmpd="sng">
+            <a:solidFill>
+              <a:srgbClr val="FF6A39"/>
+            </a:solidFill>
+            <a:prstDash val="solid"/>
+            <a:round/>
+            <a:headEnd type="none" w="sm" len="sm"/>
+            <a:tailEnd type="none" w="sm" len="sm"/>
+          </a:ln>
+        </p:spPr>
+      </p:cxnSp>
+      <p:pic>
+        <p:nvPicPr>
+          <p:cNvPr id="130" name="Google Shape;130;p19"/>
           <p:cNvPicPr preferRelativeResize="0"/>
           <p:nvPr/>
         </p:nvPicPr>
@@ -11520,9 +18159,9 @@
           <a:stretch/>
         </p:blipFill>
         <p:spPr>
-          <a:xfrm flipH="1">
-            <a:off x="607160" y="4411099"/>
-            <a:ext cx="182144" cy="2553200"/>
+          <a:xfrm>
+            <a:off x="498500" y="709642"/>
+            <a:ext cx="1430575" cy="126308"/>
           </a:xfrm>
           <a:prstGeom prst="rect">
             <a:avLst/>
@@ -11533,35 +18172,229 @@
           </a:ln>
         </p:spPr>
       </p:pic>
-      <p:cxnSp>
-        <p:nvCxnSpPr>
-          <p:cNvPr id="106" name="Google Shape;106;p17"/>
-          <p:cNvCxnSpPr/>
+      <p:sp>
+        <p:nvSpPr>
+          <p:cNvPr id="131" name="Google Shape;131;p19"/>
+          <p:cNvSpPr txBox="1"/>
           <p:nvPr/>
-        </p:nvCxnSpPr>
-        <p:spPr>
-          <a:xfrm>
-            <a:off x="14475850" y="6859925"/>
-            <a:ext cx="0" cy="1061700"/>
-          </a:xfrm>
-          <a:prstGeom prst="straightConnector1">
+        </p:nvSpPr>
+        <p:spPr>
+          <a:xfrm rot="-5400000">
+            <a:off x="12971200" y="5038125"/>
+            <a:ext cx="3009300" cy="657900"/>
+          </a:xfrm>
+          <a:prstGeom prst="rect">
             <a:avLst/>
           </a:prstGeom>
           <a:noFill/>
-          <a:ln w="19050" cap="flat" cmpd="sng">
-            <a:solidFill>
-              <a:schemeClr val="lt1"/>
-            </a:solidFill>
-            <a:prstDash val="solid"/>
-            <a:round/>
-            <a:headEnd type="none" w="sm" len="sm"/>
-            <a:tailEnd type="none" w="sm" len="sm"/>
-          </a:ln>
-        </p:spPr>
-      </p:cxnSp>
+          <a:ln>
+            <a:noFill/>
+          </a:ln>
+        </p:spPr>
+        <p:txBody>
+          <a:bodyPr spcFirstLastPara="1" wrap="square" lIns="147725" tIns="147725" rIns="147725" bIns="147725" anchor="t" anchorCtr="0">
+            <a:noAutofit/>
+          </a:bodyPr>
+          <a:lstStyle/>
+          <a:p>
+            <a:pPr marL="0" marR="0" lvl="0" indent="0" algn="ctr" rtl="0">
+              <a:lnSpc>
+                <a:spcPct val="100000"/>
+              </a:lnSpc>
+              <a:spcBef>
+                <a:spcPts val="0"/>
+              </a:spcBef>
+              <a:spcAft>
+                <a:spcPts val="0"/>
+              </a:spcAft>
+              <a:buClr>
+                <a:srgbClr val="000000"/>
+              </a:buClr>
+              <a:buSzPts val="2300"/>
+              <a:buFont typeface="Arial"/>
+              <a:buNone/>
+            </a:pPr>
+            <a:r>
+              <a:rPr lang="es-MX" sz="2300" dirty="0">
+                <a:solidFill>
+                  <a:srgbClr val="D8D8D8"/>
+                </a:solidFill>
+                <a:latin typeface="Montserrat"/>
+                <a:ea typeface="Montserrat"/>
+                <a:cs typeface="Montserrat"/>
+                <a:sym typeface="Montserrat"/>
+              </a:rPr>
+              <a:t>Datos</a:t>
+            </a:r>
+            <a:endParaRPr sz="2300" b="0" i="0" u="none" strike="noStrike" cap="none" dirty="0">
+              <a:solidFill>
+                <a:srgbClr val="D8D8D8"/>
+              </a:solidFill>
+              <a:latin typeface="Montserrat"/>
+              <a:ea typeface="Montserrat"/>
+              <a:cs typeface="Montserrat"/>
+              <a:sym typeface="Montserrat"/>
+            </a:endParaRPr>
+          </a:p>
+        </p:txBody>
+      </p:sp>
+      <p:sp>
+        <p:nvSpPr>
+          <p:cNvPr id="132" name="Google Shape;132;p19"/>
+          <p:cNvSpPr txBox="1"/>
+          <p:nvPr/>
+        </p:nvSpPr>
+        <p:spPr>
+          <a:xfrm>
+            <a:off x="6944563" y="2433325"/>
+            <a:ext cx="5656200" cy="4665600"/>
+          </a:xfrm>
+          <a:prstGeom prst="rect">
+            <a:avLst/>
+          </a:prstGeom>
+          <a:noFill/>
+          <a:ln>
+            <a:noFill/>
+          </a:ln>
+        </p:spPr>
+        <p:txBody>
+          <a:bodyPr spcFirstLastPara="1" wrap="square" lIns="147725" tIns="147725" rIns="147725" bIns="147725" anchor="t" anchorCtr="0">
+            <a:noAutofit/>
+          </a:bodyPr>
+          <a:lstStyle/>
+          <a:p>
+            <a:pPr lvl="0">
+              <a:buSzPts val="2600"/>
+            </a:pPr>
+            <a:r>
+              <a:rPr lang="es-MX" sz="3200" dirty="0">
+                <a:solidFill>
+                  <a:srgbClr val="2B303C"/>
+                </a:solidFill>
+                <a:latin typeface="Montserrat SemiBold"/>
+                <a:ea typeface="Montserrat SemiBold"/>
+                <a:cs typeface="Montserrat SemiBold"/>
+                <a:sym typeface="Montserrat SemiBold"/>
+              </a:rPr>
+              <a:t>Tenemos una fuente de datos de </a:t>
+            </a:r>
+            <a:r>
+              <a:rPr lang="es-MX" sz="3200" b="1" dirty="0">
+                <a:solidFill>
+                  <a:srgbClr val="FF6A39"/>
+                </a:solidFill>
+                <a:latin typeface="Montserrat SemiBold"/>
+                <a:ea typeface="Montserrat SemiBold"/>
+                <a:cs typeface="Montserrat SemiBold"/>
+                <a:sym typeface="Montserrat SemiBold"/>
+              </a:rPr>
+              <a:t>5,943,567</a:t>
+            </a:r>
+            <a:r>
+              <a:rPr lang="es-MX" sz="3200" dirty="0">
+                <a:solidFill>
+                  <a:srgbClr val="2B303C"/>
+                </a:solidFill>
+                <a:latin typeface="Montserrat SemiBold"/>
+                <a:ea typeface="Montserrat SemiBold"/>
+                <a:cs typeface="Montserrat SemiBold"/>
+                <a:sym typeface="Montserrat SemiBold"/>
+              </a:rPr>
+              <a:t> registros </a:t>
+            </a:r>
+            <a:r>
+              <a:rPr lang="es-MX" sz="3200" b="1" dirty="0">
+                <a:solidFill>
+                  <a:srgbClr val="2B303C"/>
+                </a:solidFill>
+                <a:latin typeface="Montserrat SemiBold"/>
+                <a:ea typeface="Montserrat SemiBold"/>
+                <a:cs typeface="Montserrat SemiBold"/>
+                <a:sym typeface="Montserrat SemiBold"/>
+              </a:rPr>
+              <a:t>¿qué hacemos con ellos? ¿qué nos indican? ¿cómo sacar provecho de toda esa información? </a:t>
+            </a:r>
+            <a:endParaRPr sz="3200" b="1" dirty="0">
+              <a:solidFill>
+                <a:srgbClr val="2B303C"/>
+              </a:solidFill>
+              <a:latin typeface="Montserrat"/>
+              <a:ea typeface="Montserrat"/>
+              <a:cs typeface="Montserrat"/>
+              <a:sym typeface="Montserrat"/>
+            </a:endParaRPr>
+          </a:p>
+        </p:txBody>
+      </p:sp>
+      <p:sp>
+        <p:nvSpPr>
+          <p:cNvPr id="133" name="Google Shape;133;p19"/>
+          <p:cNvSpPr txBox="1"/>
+          <p:nvPr/>
+        </p:nvSpPr>
+        <p:spPr>
+          <a:xfrm>
+            <a:off x="2295842" y="414449"/>
+            <a:ext cx="9218400" cy="1201699"/>
+          </a:xfrm>
+          <a:prstGeom prst="rect">
+            <a:avLst/>
+          </a:prstGeom>
+          <a:noFill/>
+          <a:ln>
+            <a:noFill/>
+          </a:ln>
+        </p:spPr>
+        <p:txBody>
+          <a:bodyPr spcFirstLastPara="1" wrap="square" lIns="147725" tIns="147725" rIns="147725" bIns="147725" anchor="ctr" anchorCtr="0">
+            <a:noAutofit/>
+          </a:bodyPr>
+          <a:lstStyle/>
+          <a:p>
+            <a:pPr marL="0" marR="0" lvl="0" indent="0" algn="l" rtl="0">
+              <a:lnSpc>
+                <a:spcPct val="100000"/>
+              </a:lnSpc>
+              <a:spcBef>
+                <a:spcPts val="0"/>
+              </a:spcBef>
+              <a:spcAft>
+                <a:spcPts val="0"/>
+              </a:spcAft>
+              <a:buClr>
+                <a:srgbClr val="000000"/>
+              </a:buClr>
+              <a:buSzPts val="4000"/>
+              <a:buFont typeface="Arial"/>
+              <a:buNone/>
+            </a:pPr>
+            <a:r>
+              <a:rPr lang="es-MX" sz="4000" b="1" dirty="0">
+                <a:solidFill>
+                  <a:srgbClr val="16181C"/>
+                </a:solidFill>
+                <a:latin typeface="Montserrat"/>
+                <a:ea typeface="Montserrat"/>
+                <a:cs typeface="Montserrat"/>
+                <a:sym typeface="Montserrat"/>
+              </a:rPr>
+              <a:t>Ya tenemos los datos ¿qué sigue?</a:t>
+            </a:r>
+            <a:endParaRPr sz="4000" b="0" i="0" u="none" strike="noStrike" cap="none" dirty="0">
+              <a:solidFill>
+                <a:srgbClr val="16181C"/>
+              </a:solidFill>
+              <a:latin typeface="Montserrat"/>
+              <a:ea typeface="Montserrat"/>
+              <a:cs typeface="Montserrat"/>
+              <a:sym typeface="Montserrat"/>
+            </a:endParaRPr>
+          </a:p>
+        </p:txBody>
+      </p:sp>
       <p:pic>
         <p:nvPicPr>
-          <p:cNvPr id="108" name="Google Shape;108;p17"/>
+          <p:cNvPr id="135" name="Google Shape;135;p19"/>
           <p:cNvPicPr preferRelativeResize="0"/>
           <p:nvPr/>
         </p:nvPicPr>
@@ -11574,8 +18407,8 @@
         </p:blipFill>
         <p:spPr>
           <a:xfrm>
-            <a:off x="8119915" y="607839"/>
-            <a:ext cx="3384330" cy="841873"/>
+            <a:off x="575050" y="6725850"/>
+            <a:ext cx="3996201" cy="994075"/>
           </a:xfrm>
           <a:prstGeom prst="rect">
             <a:avLst/>
@@ -11586,41 +18419,9 @@
           </a:ln>
         </p:spPr>
       </p:pic>
-      <p:cxnSp>
-        <p:nvCxnSpPr>
-          <p:cNvPr id="109" name="Google Shape;109;p17"/>
-          <p:cNvCxnSpPr/>
-          <p:nvPr/>
-        </p:nvCxnSpPr>
-        <p:spPr>
-          <a:xfrm>
-            <a:off x="14475844" y="-11"/>
-            <a:ext cx="0" cy="2549100"/>
-          </a:xfrm>
-          <a:prstGeom prst="straightConnector1">
-            <a:avLst/>
-          </a:prstGeom>
-          <a:noFill/>
-          <a:ln w="19050" cap="flat" cmpd="sng">
-            <a:solidFill>
-              <a:schemeClr val="lt1"/>
-            </a:solidFill>
-            <a:prstDash val="solid"/>
-            <a:round/>
-            <a:headEnd type="none" w="sm" len="sm"/>
-            <a:tailEnd type="none" w="sm" len="sm"/>
-          </a:ln>
-        </p:spPr>
-      </p:cxnSp>
       <p:pic>
         <p:nvPicPr>
-          <p:cNvPr id="14" name="Google Shape;226;p27">
-            <a:extLst>
-              <a:ext uri="{FF2B5EF4-FFF2-40B4-BE49-F238E27FC236}">
-                <a16:creationId xmlns:a16="http://schemas.microsoft.com/office/drawing/2014/main" id="{14C1BF39-E1A8-4B61-9E8F-7DC600041DD8}"/>
-              </a:ext>
-            </a:extLst>
-          </p:cNvPr>
+          <p:cNvPr id="136" name="Google Shape;136;p19"/>
           <p:cNvPicPr preferRelativeResize="0"/>
           <p:nvPr/>
         </p:nvPicPr>
@@ -11633,8 +18434,8 @@
         </p:blipFill>
         <p:spPr>
           <a:xfrm>
-            <a:off x="10901977" y="2886617"/>
-            <a:ext cx="3017469" cy="3024898"/>
+            <a:off x="10878384" y="531488"/>
+            <a:ext cx="2165348" cy="482600"/>
           </a:xfrm>
           <a:prstGeom prst="rect">
             <a:avLst/>
@@ -11645,6 +18446,689 @@
           </a:ln>
         </p:spPr>
       </p:pic>
+      <p:pic>
+        <p:nvPicPr>
+          <p:cNvPr id="11" name="Google Shape;479;p42">
+            <a:extLst>
+              <a:ext uri="{FF2B5EF4-FFF2-40B4-BE49-F238E27FC236}">
+                <a16:creationId xmlns:a16="http://schemas.microsoft.com/office/drawing/2014/main" id="{5AB03050-5B20-4046-A068-2F3B45014FED}"/>
+              </a:ext>
+            </a:extLst>
+          </p:cNvPr>
+          <p:cNvPicPr preferRelativeResize="0"/>
+          <p:nvPr/>
+        </p:nvPicPr>
+        <p:blipFill>
+          <a:blip r:embed="rId6">
+            <a:alphaModFix/>
+          </a:blip>
+          <a:stretch>
+            <a:fillRect/>
+          </a:stretch>
+        </p:blipFill>
+        <p:spPr>
+          <a:xfrm>
+            <a:off x="1678714" y="2721446"/>
+            <a:ext cx="3112476" cy="2743689"/>
+          </a:xfrm>
+          <a:prstGeom prst="rect">
+            <a:avLst/>
+          </a:prstGeom>
+          <a:noFill/>
+          <a:ln>
+            <a:noFill/>
+          </a:ln>
+        </p:spPr>
+      </p:pic>
+    </p:spTree>
+  </p:cSld>
+  <p:clrMapOvr>
+    <a:masterClrMapping/>
+  </p:clrMapOvr>
+</p:sld>
+</file>
+
+<file path=ppt/slides/slide9.xml><?xml version="1.0" encoding="utf-8"?>
+<p:sld xmlns:a="http://schemas.openxmlformats.org/drawingml/2006/main" xmlns:r="http://schemas.openxmlformats.org/officeDocument/2006/relationships" xmlns:p="http://schemas.openxmlformats.org/presentationml/2006/main">
+  <p:cSld>
+    <p:spTree>
+      <p:nvGrpSpPr>
+        <p:cNvPr id="1" name="Shape 140"/>
+        <p:cNvGrpSpPr/>
+        <p:nvPr/>
+      </p:nvGrpSpPr>
+      <p:grpSpPr>
+        <a:xfrm>
+          <a:off x="0" y="0"/>
+          <a:ext cx="0" cy="0"/>
+          <a:chOff x="0" y="0"/>
+          <a:chExt cx="0" cy="0"/>
+        </a:xfrm>
+      </p:grpSpPr>
+      <p:cxnSp>
+        <p:nvCxnSpPr>
+          <p:cNvPr id="141" name="Google Shape;141;p20"/>
+          <p:cNvCxnSpPr/>
+          <p:nvPr/>
+        </p:nvCxnSpPr>
+        <p:spPr>
+          <a:xfrm>
+            <a:off x="14475844" y="-11"/>
+            <a:ext cx="0" cy="3877500"/>
+          </a:xfrm>
+          <a:prstGeom prst="straightConnector1">
+            <a:avLst/>
+          </a:prstGeom>
+          <a:noFill/>
+          <a:ln w="19050" cap="flat" cmpd="sng">
+            <a:solidFill>
+              <a:srgbClr val="FF6A39"/>
+            </a:solidFill>
+            <a:prstDash val="solid"/>
+            <a:round/>
+            <a:headEnd type="none" w="sm" len="sm"/>
+            <a:tailEnd type="none" w="sm" len="sm"/>
+          </a:ln>
+        </p:spPr>
+      </p:cxnSp>
+      <p:cxnSp>
+        <p:nvCxnSpPr>
+          <p:cNvPr id="142" name="Google Shape;142;p20"/>
+          <p:cNvCxnSpPr/>
+          <p:nvPr/>
+        </p:nvCxnSpPr>
+        <p:spPr>
+          <a:xfrm>
+            <a:off x="14475850" y="6859925"/>
+            <a:ext cx="0" cy="1061700"/>
+          </a:xfrm>
+          <a:prstGeom prst="straightConnector1">
+            <a:avLst/>
+          </a:prstGeom>
+          <a:noFill/>
+          <a:ln w="19050" cap="flat" cmpd="sng">
+            <a:solidFill>
+              <a:srgbClr val="FF6A39"/>
+            </a:solidFill>
+            <a:prstDash val="solid"/>
+            <a:round/>
+            <a:headEnd type="none" w="sm" len="sm"/>
+            <a:tailEnd type="none" w="sm" len="sm"/>
+          </a:ln>
+        </p:spPr>
+      </p:cxnSp>
+      <p:pic>
+        <p:nvPicPr>
+          <p:cNvPr id="143" name="Google Shape;143;p20"/>
+          <p:cNvPicPr preferRelativeResize="0"/>
+          <p:nvPr/>
+        </p:nvPicPr>
+        <p:blipFill rotWithShape="1">
+          <a:blip r:embed="rId3">
+            <a:alphaModFix/>
+          </a:blip>
+          <a:srcRect/>
+          <a:stretch/>
+        </p:blipFill>
+        <p:spPr>
+          <a:xfrm>
+            <a:off x="498500" y="709642"/>
+            <a:ext cx="1430575" cy="126308"/>
+          </a:xfrm>
+          <a:prstGeom prst="rect">
+            <a:avLst/>
+          </a:prstGeom>
+          <a:noFill/>
+          <a:ln>
+            <a:noFill/>
+          </a:ln>
+        </p:spPr>
+      </p:pic>
+      <p:sp>
+        <p:nvSpPr>
+          <p:cNvPr id="144" name="Google Shape;144;p20"/>
+          <p:cNvSpPr txBox="1"/>
+          <p:nvPr/>
+        </p:nvSpPr>
+        <p:spPr>
+          <a:xfrm rot="-5400000">
+            <a:off x="12971200" y="5038125"/>
+            <a:ext cx="3009300" cy="657900"/>
+          </a:xfrm>
+          <a:prstGeom prst="rect">
+            <a:avLst/>
+          </a:prstGeom>
+          <a:noFill/>
+          <a:ln>
+            <a:noFill/>
+          </a:ln>
+        </p:spPr>
+        <p:txBody>
+          <a:bodyPr spcFirstLastPara="1" wrap="square" lIns="147725" tIns="147725" rIns="147725" bIns="147725" anchor="t" anchorCtr="0">
+            <a:noAutofit/>
+          </a:bodyPr>
+          <a:lstStyle/>
+          <a:p>
+            <a:pPr marL="0" marR="0" lvl="0" indent="0" algn="ctr" rtl="0">
+              <a:lnSpc>
+                <a:spcPct val="100000"/>
+              </a:lnSpc>
+              <a:spcBef>
+                <a:spcPts val="0"/>
+              </a:spcBef>
+              <a:spcAft>
+                <a:spcPts val="0"/>
+              </a:spcAft>
+              <a:buClr>
+                <a:srgbClr val="000000"/>
+              </a:buClr>
+              <a:buSzPts val="2300"/>
+              <a:buFont typeface="Arial"/>
+              <a:buNone/>
+            </a:pPr>
+            <a:r>
+              <a:rPr lang="es-MX" sz="2300" dirty="0">
+                <a:solidFill>
+                  <a:srgbClr val="D8D8D8"/>
+                </a:solidFill>
+                <a:latin typeface="Montserrat"/>
+                <a:ea typeface="Montserrat"/>
+                <a:cs typeface="Montserrat"/>
+                <a:sym typeface="Montserrat"/>
+              </a:rPr>
+              <a:t>Diccionario de datos</a:t>
+            </a:r>
+            <a:endParaRPr sz="2300" b="0" i="0" u="none" strike="noStrike" cap="none" dirty="0">
+              <a:solidFill>
+                <a:srgbClr val="D8D8D8"/>
+              </a:solidFill>
+              <a:latin typeface="Montserrat"/>
+              <a:ea typeface="Montserrat"/>
+              <a:cs typeface="Montserrat"/>
+              <a:sym typeface="Montserrat"/>
+            </a:endParaRPr>
+          </a:p>
+        </p:txBody>
+      </p:sp>
+      <p:sp>
+        <p:nvSpPr>
+          <p:cNvPr id="145" name="Google Shape;145;p20"/>
+          <p:cNvSpPr txBox="1"/>
+          <p:nvPr/>
+        </p:nvSpPr>
+        <p:spPr>
+          <a:xfrm>
+            <a:off x="5872601" y="2311235"/>
+            <a:ext cx="6695081" cy="2228867"/>
+          </a:xfrm>
+          <a:prstGeom prst="rect">
+            <a:avLst/>
+          </a:prstGeom>
+          <a:noFill/>
+          <a:ln>
+            <a:noFill/>
+          </a:ln>
+        </p:spPr>
+        <p:txBody>
+          <a:bodyPr spcFirstLastPara="1" wrap="square" lIns="147725" tIns="147725" rIns="147725" bIns="147725" anchor="t" anchorCtr="0">
+            <a:noAutofit/>
+          </a:bodyPr>
+          <a:lstStyle/>
+          <a:p>
+            <a:pPr marL="0" marR="0" lvl="0" indent="0" algn="l" rtl="0">
+              <a:lnSpc>
+                <a:spcPct val="100000"/>
+              </a:lnSpc>
+              <a:spcBef>
+                <a:spcPts val="0"/>
+              </a:spcBef>
+              <a:spcAft>
+                <a:spcPts val="0"/>
+              </a:spcAft>
+              <a:buClr>
+                <a:srgbClr val="000000"/>
+              </a:buClr>
+              <a:buSzPts val="2600"/>
+              <a:buFont typeface="Arial"/>
+              <a:buNone/>
+            </a:pPr>
+            <a:r>
+              <a:rPr lang="es-MX" sz="2600" dirty="0">
+                <a:solidFill>
+                  <a:srgbClr val="2B303C"/>
+                </a:solidFill>
+                <a:latin typeface="Montserrat"/>
+                <a:ea typeface="Montserrat"/>
+                <a:cs typeface="Montserrat"/>
+                <a:sym typeface="Montserrat"/>
+              </a:rPr>
+              <a:t>Necesitamos primero saber si nuestra fuente de datos </a:t>
+            </a:r>
+            <a:r>
+              <a:rPr lang="es-MX" sz="2600" dirty="0">
+                <a:solidFill>
+                  <a:srgbClr val="FF6A39"/>
+                </a:solidFill>
+                <a:latin typeface="Montserrat"/>
+                <a:ea typeface="Montserrat"/>
+                <a:cs typeface="Montserrat"/>
+                <a:sym typeface="Montserrat"/>
+              </a:rPr>
+              <a:t>cumple con lo que necesitamos</a:t>
+            </a:r>
+            <a:r>
+              <a:rPr lang="es-MX" sz="2600" dirty="0">
+                <a:solidFill>
+                  <a:srgbClr val="2B303C"/>
+                </a:solidFill>
+                <a:latin typeface="Montserrat"/>
+                <a:ea typeface="Montserrat"/>
+                <a:cs typeface="Montserrat"/>
+                <a:sym typeface="Montserrat"/>
+              </a:rPr>
+              <a:t>, qué contiene y </a:t>
+            </a:r>
+            <a:r>
+              <a:rPr lang="es-MX" sz="2600" dirty="0">
+                <a:solidFill>
+                  <a:srgbClr val="FF6A39"/>
+                </a:solidFill>
+                <a:latin typeface="Montserrat"/>
+                <a:ea typeface="Montserrat"/>
+                <a:cs typeface="Montserrat"/>
+                <a:sym typeface="Montserrat"/>
+              </a:rPr>
+              <a:t>qué significa</a:t>
+            </a:r>
+            <a:r>
+              <a:rPr lang="es-MX" sz="2600" dirty="0">
+                <a:solidFill>
+                  <a:srgbClr val="2B303C"/>
+                </a:solidFill>
+                <a:latin typeface="Montserrat"/>
+                <a:ea typeface="Montserrat"/>
+                <a:cs typeface="Montserrat"/>
+                <a:sym typeface="Montserrat"/>
+              </a:rPr>
+              <a:t> cada uno de los datos que nos brinda.</a:t>
+            </a:r>
+            <a:endParaRPr sz="2600" i="0" u="none" strike="noStrike" cap="none" dirty="0">
+              <a:solidFill>
+                <a:srgbClr val="2B303C"/>
+              </a:solidFill>
+              <a:latin typeface="Montserrat SemiBold"/>
+              <a:ea typeface="Montserrat SemiBold"/>
+              <a:cs typeface="Montserrat SemiBold"/>
+              <a:sym typeface="Montserrat SemiBold"/>
+            </a:endParaRPr>
+          </a:p>
+        </p:txBody>
+      </p:sp>
+      <p:sp>
+        <p:nvSpPr>
+          <p:cNvPr id="146" name="Google Shape;146;p20"/>
+          <p:cNvSpPr txBox="1"/>
+          <p:nvPr/>
+        </p:nvSpPr>
+        <p:spPr>
+          <a:xfrm>
+            <a:off x="2295842" y="414450"/>
+            <a:ext cx="9218400" cy="716700"/>
+          </a:xfrm>
+          <a:prstGeom prst="rect">
+            <a:avLst/>
+          </a:prstGeom>
+          <a:noFill/>
+          <a:ln>
+            <a:noFill/>
+          </a:ln>
+        </p:spPr>
+        <p:txBody>
+          <a:bodyPr spcFirstLastPara="1" wrap="square" lIns="147725" tIns="147725" rIns="147725" bIns="147725" anchor="ctr" anchorCtr="0">
+            <a:noAutofit/>
+          </a:bodyPr>
+          <a:lstStyle/>
+          <a:p>
+            <a:pPr marL="0" marR="0" lvl="0" indent="0" algn="l" rtl="0">
+              <a:lnSpc>
+                <a:spcPct val="100000"/>
+              </a:lnSpc>
+              <a:spcBef>
+                <a:spcPts val="0"/>
+              </a:spcBef>
+              <a:spcAft>
+                <a:spcPts val="0"/>
+              </a:spcAft>
+              <a:buClr>
+                <a:srgbClr val="000000"/>
+              </a:buClr>
+              <a:buSzPts val="4000"/>
+              <a:buFont typeface="Arial"/>
+              <a:buNone/>
+            </a:pPr>
+            <a:r>
+              <a:rPr lang="es-MX" sz="4000" b="1" dirty="0">
+                <a:solidFill>
+                  <a:srgbClr val="16181C"/>
+                </a:solidFill>
+                <a:latin typeface="Montserrat"/>
+                <a:ea typeface="Montserrat"/>
+                <a:cs typeface="Montserrat"/>
+                <a:sym typeface="Montserrat"/>
+              </a:rPr>
+              <a:t>Diccionario de datos</a:t>
+            </a:r>
+            <a:endParaRPr sz="4000" b="0" i="0" u="none" strike="noStrike" cap="none" dirty="0">
+              <a:solidFill>
+                <a:srgbClr val="16181C"/>
+              </a:solidFill>
+              <a:latin typeface="Montserrat"/>
+              <a:ea typeface="Montserrat"/>
+              <a:cs typeface="Montserrat"/>
+              <a:sym typeface="Montserrat"/>
+            </a:endParaRPr>
+          </a:p>
+        </p:txBody>
+      </p:sp>
+      <p:pic>
+        <p:nvPicPr>
+          <p:cNvPr id="148" name="Google Shape;148;p20"/>
+          <p:cNvPicPr preferRelativeResize="0"/>
+          <p:nvPr/>
+        </p:nvPicPr>
+        <p:blipFill rotWithShape="1">
+          <a:blip r:embed="rId4">
+            <a:alphaModFix/>
+          </a:blip>
+          <a:srcRect/>
+          <a:stretch/>
+        </p:blipFill>
+        <p:spPr>
+          <a:xfrm>
+            <a:off x="575050" y="6725850"/>
+            <a:ext cx="3996201" cy="994075"/>
+          </a:xfrm>
+          <a:prstGeom prst="rect">
+            <a:avLst/>
+          </a:prstGeom>
+          <a:noFill/>
+          <a:ln>
+            <a:noFill/>
+          </a:ln>
+        </p:spPr>
+      </p:pic>
+      <p:pic>
+        <p:nvPicPr>
+          <p:cNvPr id="149" name="Google Shape;149;p20"/>
+          <p:cNvPicPr preferRelativeResize="0"/>
+          <p:nvPr/>
+        </p:nvPicPr>
+        <p:blipFill rotWithShape="1">
+          <a:blip r:embed="rId5">
+            <a:alphaModFix/>
+          </a:blip>
+          <a:srcRect/>
+          <a:stretch/>
+        </p:blipFill>
+        <p:spPr>
+          <a:xfrm>
+            <a:off x="10878384" y="531488"/>
+            <a:ext cx="2165348" cy="482600"/>
+          </a:xfrm>
+          <a:prstGeom prst="rect">
+            <a:avLst/>
+          </a:prstGeom>
+          <a:noFill/>
+          <a:ln>
+            <a:noFill/>
+          </a:ln>
+        </p:spPr>
+      </p:pic>
+      <p:graphicFrame>
+        <p:nvGraphicFramePr>
+          <p:cNvPr id="2" name="Tabla 1">
+            <a:extLst>
+              <a:ext uri="{FF2B5EF4-FFF2-40B4-BE49-F238E27FC236}">
+                <a16:creationId xmlns:a16="http://schemas.microsoft.com/office/drawing/2014/main" id="{112492C5-10EB-49EE-95E7-4A9E4FBB862A}"/>
+              </a:ext>
+            </a:extLst>
+          </p:cNvPr>
+          <p:cNvGraphicFramePr>
+            <a:graphicFrameLocks noGrp="1"/>
+          </p:cNvGraphicFramePr>
+          <p:nvPr>
+            <p:extLst>
+              <p:ext uri="{D42A27DB-BD31-4B8C-83A1-F6EECF244321}">
+                <p14:modId xmlns:p14="http://schemas.microsoft.com/office/powerpoint/2010/main" val="3840821163"/>
+              </p:ext>
+            </p:extLst>
+          </p:nvPr>
+        </p:nvGraphicFramePr>
+        <p:xfrm>
+          <a:off x="1110436" y="2218173"/>
+          <a:ext cx="4433210" cy="4309119"/>
+        </p:xfrm>
+        <a:graphic>
+          <a:graphicData uri="http://schemas.openxmlformats.org/drawingml/2006/table">
+            <a:tbl>
+              <a:tblPr firstRow="1" bandRow="1">
+                <a:tableStyleId>{5C22544A-7EE6-4342-B048-85BDC9FD1C3A}</a:tableStyleId>
+              </a:tblPr>
+              <a:tblGrid>
+                <a:gridCol w="4433210">
+                  <a:extLst>
+                    <a:ext uri="{9D8B030D-6E8A-4147-A177-3AD203B41FA5}">
+                      <a16:colId xmlns:a16="http://schemas.microsoft.com/office/drawing/2014/main" val="367317310"/>
+                    </a:ext>
+                  </a:extLst>
+                </a:gridCol>
+              </a:tblGrid>
+              <a:tr h="478791">
+                <a:tc>
+                  <a:txBody>
+                    <a:bodyPr/>
+                    <a:lstStyle/>
+                    <a:p>
+                      <a:r>
+                        <a:rPr lang="es-MX" sz="2000" dirty="0">
+                          <a:latin typeface="Montserrat" panose="020B0604020202020204" charset="0"/>
+                        </a:rPr>
+                        <a:t>Campos</a:t>
+                      </a:r>
+                    </a:p>
+                  </a:txBody>
+                  <a:tcPr>
+                    <a:solidFill>
+                      <a:srgbClr val="FF6A39"/>
+                    </a:solidFill>
+                  </a:tcPr>
+                </a:tc>
+                <a:extLst>
+                  <a:ext uri="{0D108BD9-81ED-4DB2-BD59-A6C34878D82A}">
+                    <a16:rowId xmlns:a16="http://schemas.microsoft.com/office/drawing/2014/main" val="2280715875"/>
+                  </a:ext>
+                </a:extLst>
+              </a:tr>
+              <a:tr h="478791">
+                <a:tc>
+                  <a:txBody>
+                    <a:bodyPr/>
+                    <a:lstStyle/>
+                    <a:p>
+                      <a:r>
+                        <a:rPr lang="es-MX" sz="2000" dirty="0">
+                          <a:latin typeface="Montserrat" panose="020B0604020202020204" charset="0"/>
+                        </a:rPr>
+                        <a:t>SEXO</a:t>
+                      </a:r>
+                    </a:p>
+                  </a:txBody>
+                  <a:tcPr/>
+                </a:tc>
+                <a:extLst>
+                  <a:ext uri="{0D108BD9-81ED-4DB2-BD59-A6C34878D82A}">
+                    <a16:rowId xmlns:a16="http://schemas.microsoft.com/office/drawing/2014/main" val="2144267495"/>
+                  </a:ext>
+                </a:extLst>
+              </a:tr>
+              <a:tr h="478791">
+                <a:tc>
+                  <a:txBody>
+                    <a:bodyPr/>
+                    <a:lstStyle/>
+                    <a:p>
+                      <a:r>
+                        <a:rPr lang="es-MX" sz="2000" dirty="0">
+                          <a:latin typeface="Montserrat" panose="020B0604020202020204" charset="0"/>
+                        </a:rPr>
+                        <a:t>ENTIDAD</a:t>
+                      </a:r>
+                    </a:p>
+                  </a:txBody>
+                  <a:tcPr/>
+                </a:tc>
+                <a:extLst>
+                  <a:ext uri="{0D108BD9-81ED-4DB2-BD59-A6C34878D82A}">
+                    <a16:rowId xmlns:a16="http://schemas.microsoft.com/office/drawing/2014/main" val="1269997081"/>
+                  </a:ext>
+                </a:extLst>
+              </a:tr>
+              <a:tr h="478791">
+                <a:tc>
+                  <a:txBody>
+                    <a:bodyPr/>
+                    <a:lstStyle/>
+                    <a:p>
+                      <a:r>
+                        <a:rPr lang="es-MX" sz="2000" dirty="0">
+                          <a:latin typeface="Montserrat" panose="020B0604020202020204" charset="0"/>
+                        </a:rPr>
+                        <a:t>EDAD</a:t>
+                      </a:r>
+                    </a:p>
+                  </a:txBody>
+                  <a:tcPr/>
+                </a:tc>
+                <a:extLst>
+                  <a:ext uri="{0D108BD9-81ED-4DB2-BD59-A6C34878D82A}">
+                    <a16:rowId xmlns:a16="http://schemas.microsoft.com/office/drawing/2014/main" val="494606700"/>
+                  </a:ext>
+                </a:extLst>
+              </a:tr>
+              <a:tr h="478791">
+                <a:tc>
+                  <a:txBody>
+                    <a:bodyPr/>
+                    <a:lstStyle/>
+                    <a:p>
+                      <a:r>
+                        <a:rPr lang="es-MX" sz="2000" dirty="0">
+                          <a:latin typeface="Montserrat" panose="020B0604020202020204" charset="0"/>
+                        </a:rPr>
+                        <a:t>INTUBADO</a:t>
+                      </a:r>
+                    </a:p>
+                  </a:txBody>
+                  <a:tcPr/>
+                </a:tc>
+                <a:extLst>
+                  <a:ext uri="{0D108BD9-81ED-4DB2-BD59-A6C34878D82A}">
+                    <a16:rowId xmlns:a16="http://schemas.microsoft.com/office/drawing/2014/main" val="1584789268"/>
+                  </a:ext>
+                </a:extLst>
+              </a:tr>
+              <a:tr h="478791">
+                <a:tc>
+                  <a:txBody>
+                    <a:bodyPr/>
+                    <a:lstStyle/>
+                    <a:p>
+                      <a:r>
+                        <a:rPr lang="es-MX" sz="2000" dirty="0">
+                          <a:latin typeface="Montserrat" panose="020B0604020202020204" charset="0"/>
+                        </a:rPr>
+                        <a:t>NEUMONÍA</a:t>
+                      </a:r>
+                    </a:p>
+                  </a:txBody>
+                  <a:tcPr/>
+                </a:tc>
+                <a:extLst>
+                  <a:ext uri="{0D108BD9-81ED-4DB2-BD59-A6C34878D82A}">
+                    <a16:rowId xmlns:a16="http://schemas.microsoft.com/office/drawing/2014/main" val="2892190359"/>
+                  </a:ext>
+                </a:extLst>
+              </a:tr>
+              <a:tr h="478791">
+                <a:tc>
+                  <a:txBody>
+                    <a:bodyPr/>
+                    <a:lstStyle/>
+                    <a:p>
+                      <a:r>
+                        <a:rPr lang="es-MX" sz="2000" dirty="0">
+                          <a:latin typeface="Montserrat" panose="020B0604020202020204" charset="0"/>
+                        </a:rPr>
+                        <a:t>DIABETES</a:t>
+                      </a:r>
+                    </a:p>
+                  </a:txBody>
+                  <a:tcPr/>
+                </a:tc>
+                <a:extLst>
+                  <a:ext uri="{0D108BD9-81ED-4DB2-BD59-A6C34878D82A}">
+                    <a16:rowId xmlns:a16="http://schemas.microsoft.com/office/drawing/2014/main" val="4287293136"/>
+                  </a:ext>
+                </a:extLst>
+              </a:tr>
+              <a:tr h="478791">
+                <a:tc>
+                  <a:txBody>
+                    <a:bodyPr/>
+                    <a:lstStyle/>
+                    <a:p>
+                      <a:r>
+                        <a:rPr lang="es-MX" sz="2000" dirty="0">
+                          <a:latin typeface="Montserrat" panose="020B0604020202020204" charset="0"/>
+                        </a:rPr>
+                        <a:t>HIPERTENSIÓN</a:t>
+                      </a:r>
+                    </a:p>
+                  </a:txBody>
+                  <a:tcPr/>
+                </a:tc>
+                <a:extLst>
+                  <a:ext uri="{0D108BD9-81ED-4DB2-BD59-A6C34878D82A}">
+                    <a16:rowId xmlns:a16="http://schemas.microsoft.com/office/drawing/2014/main" val="1947089366"/>
+                  </a:ext>
+                </a:extLst>
+              </a:tr>
+              <a:tr h="478791">
+                <a:tc>
+                  <a:txBody>
+                    <a:bodyPr/>
+                    <a:lstStyle/>
+                    <a:p>
+                      <a:r>
+                        <a:rPr lang="es-MX" sz="2000" dirty="0">
+                          <a:latin typeface="Montserrat" panose="020B0604020202020204" charset="0"/>
+                        </a:rPr>
+                        <a:t>…</a:t>
+                      </a:r>
+                    </a:p>
+                  </a:txBody>
+                  <a:tcPr/>
+                </a:tc>
+                <a:extLst>
+                  <a:ext uri="{0D108BD9-81ED-4DB2-BD59-A6C34878D82A}">
+                    <a16:rowId xmlns:a16="http://schemas.microsoft.com/office/drawing/2014/main" val="3008191804"/>
+                  </a:ext>
+                </a:extLst>
+              </a:tr>
+            </a:tbl>
+          </a:graphicData>
+        </a:graphic>
+      </p:graphicFrame>
     </p:spTree>
   </p:cSld>
   <p:clrMapOvr>

--- a/Equipo 10 - Prototype Day.pptx
+++ b/Equipo 10 - Prototype Day.pptx
@@ -14323,7 +14323,7 @@
         </p:nvSpPr>
         <p:spPr>
           <a:xfrm>
-            <a:off x="5115762" y="2278390"/>
+            <a:off x="5115762" y="1927511"/>
             <a:ext cx="7366857" cy="4665600"/>
           </a:xfrm>
           <a:prstGeom prst="rect">
@@ -14533,6 +14533,53 @@
           <a:ln>
             <a:noFill/>
           </a:ln>
+        </p:spPr>
+      </p:pic>
+      <p:pic>
+        <p:nvPicPr>
+          <p:cNvPr id="1026" name="Picture 2">
+            <a:extLst>
+              <a:ext uri="{FF2B5EF4-FFF2-40B4-BE49-F238E27FC236}">
+                <a16:creationId xmlns:a16="http://schemas.microsoft.com/office/drawing/2014/main" id="{57DE4C7D-3A4F-492B-AFF1-67E754C3B440}"/>
+              </a:ext>
+            </a:extLst>
+          </p:cNvPr>
+          <p:cNvPicPr>
+            <a:picLocks noChangeAspect="1" noChangeArrowheads="1"/>
+          </p:cNvPicPr>
+          <p:nvPr/>
+        </p:nvPicPr>
+        <p:blipFill>
+          <a:blip r:embed="rId7">
+            <a:extLst>
+              <a:ext uri="{28A0092B-C50C-407E-A947-70E740481C1C}">
+                <a14:useLocalDpi xmlns:a14="http://schemas.microsoft.com/office/drawing/2010/main" val="0"/>
+              </a:ext>
+            </a:extLst>
+          </a:blip>
+          <a:srcRect/>
+          <a:stretch>
+            <a:fillRect/>
+          </a:stretch>
+        </p:blipFill>
+        <p:spPr bwMode="auto">
+          <a:xfrm>
+            <a:off x="6538638" y="3080674"/>
+            <a:ext cx="5741967" cy="4672925"/>
+          </a:xfrm>
+          <a:prstGeom prst="rect">
+            <a:avLst/>
+          </a:prstGeom>
+          <a:noFill/>
+          <a:extLst>
+            <a:ext uri="{909E8E84-426E-40DD-AFC4-6F175D3DCCD1}">
+              <a14:hiddenFill xmlns:a14="http://schemas.microsoft.com/office/drawing/2010/main">
+                <a:solidFill>
+                  <a:srgbClr val="FFFFFF"/>
+                </a:solidFill>
+              </a14:hiddenFill>
+            </a:ext>
+          </a:extLst>
         </p:spPr>
       </p:pic>
     </p:spTree>

--- a/Equipo 10 - Prototype Day.pptx
+++ b/Equipo 10 - Prototype Day.pptx
@@ -14323,7 +14323,7 @@
         </p:nvSpPr>
         <p:spPr>
           <a:xfrm>
-            <a:off x="5115762" y="1927511"/>
+            <a:off x="5115762" y="1459677"/>
             <a:ext cx="7366857" cy="4665600"/>
           </a:xfrm>
           <a:prstGeom prst="rect">

--- a/Equipo 10 - Prototype Day.pptx
+++ b/Equipo 10 - Prototype Day.pptx
@@ -14,16 +14,16 @@
     <p:sldId id="273" r:id="rId5"/>
     <p:sldId id="274" r:id="rId6"/>
     <p:sldId id="271" r:id="rId7"/>
-    <p:sldId id="261" r:id="rId8"/>
-    <p:sldId id="262" r:id="rId9"/>
-    <p:sldId id="263" r:id="rId10"/>
-    <p:sldId id="270" r:id="rId11"/>
-    <p:sldId id="264" r:id="rId12"/>
-    <p:sldId id="275" r:id="rId13"/>
-    <p:sldId id="276" r:id="rId14"/>
-    <p:sldId id="265" r:id="rId15"/>
-    <p:sldId id="277" r:id="rId16"/>
-    <p:sldId id="267" r:id="rId17"/>
+    <p:sldId id="267" r:id="rId8"/>
+    <p:sldId id="261" r:id="rId9"/>
+    <p:sldId id="262" r:id="rId10"/>
+    <p:sldId id="263" r:id="rId11"/>
+    <p:sldId id="270" r:id="rId12"/>
+    <p:sldId id="264" r:id="rId13"/>
+    <p:sldId id="275" r:id="rId14"/>
+    <p:sldId id="276" r:id="rId15"/>
+    <p:sldId id="265" r:id="rId16"/>
+    <p:sldId id="277" r:id="rId17"/>
     <p:sldId id="260" r:id="rId18"/>
   </p:sldIdLst>
   <p:sldSz cx="15122525" cy="7921625"/>
@@ -1879,7 +1879,7 @@
   <p:cSld>
     <p:spTree>
       <p:nvGrpSpPr>
-        <p:cNvPr id="1" name="Shape 218"/>
+        <p:cNvPr id="1" name="Shape 137"/>
         <p:cNvGrpSpPr/>
         <p:nvPr/>
       </p:nvGrpSpPr>
@@ -1893,7 +1893,7 @@
       </p:grpSpPr>
       <p:sp>
         <p:nvSpPr>
-          <p:cNvPr id="219" name="Google Shape;219;g7ed7eb645d_0_695:notes"/>
+          <p:cNvPr id="138" name="Google Shape;138;g98072d2428_1_34:notes"/>
           <p:cNvSpPr>
             <a:spLocks noGrp="1" noRot="1" noChangeAspect="1"/>
           </p:cNvSpPr>
@@ -1944,7 +1944,7 @@
       </p:sp>
       <p:sp>
         <p:nvSpPr>
-          <p:cNvPr id="220" name="Google Shape;220;g7ed7eb645d_0_695:notes"/>
+          <p:cNvPr id="139" name="Google Shape;139;g98072d2428_1_34:notes"/>
           <p:cNvSpPr txBox="1">
             <a:spLocks noGrp="1"/>
           </p:cNvSpPr>
@@ -1984,78 +1984,7 @@
               <a:buSzPts val="1400"/>
               <a:buNone/>
             </a:pPr>
-            <a:r>
-              <a:rPr lang="es-MX" sz="1200" b="1">
-                <a:solidFill>
-                  <a:schemeClr val="dk1"/>
-                </a:solidFill>
-                <a:latin typeface="Montserrat"/>
-                <a:ea typeface="Montserrat"/>
-                <a:cs typeface="Montserrat"/>
-                <a:sym typeface="Montserrat"/>
-              </a:rPr>
-              <a:t>Separador #1 con ícono</a:t>
-            </a:r>
-            <a:br>
-              <a:rPr lang="es-MX" sz="1200" b="1">
-                <a:solidFill>
-                  <a:schemeClr val="dk1"/>
-                </a:solidFill>
-                <a:latin typeface="Montserrat"/>
-                <a:ea typeface="Montserrat"/>
-                <a:cs typeface="Montserrat"/>
-                <a:sym typeface="Montserrat"/>
-              </a:rPr>
-            </a:br>
-            <a:r>
-              <a:rPr lang="es-MX" sz="1200" b="1">
-                <a:solidFill>
-                  <a:schemeClr val="dk1"/>
-                </a:solidFill>
-                <a:latin typeface="Montserrat"/>
-                <a:ea typeface="Montserrat"/>
-                <a:cs typeface="Montserrat"/>
-                <a:sym typeface="Montserrat"/>
-              </a:rPr>
-              <a:t>(colocar ícono a la altura de la separación de las líneas)</a:t>
-            </a:r>
-            <a:endParaRPr sz="1200">
-              <a:solidFill>
-                <a:schemeClr val="dk1"/>
-              </a:solidFill>
-              <a:latin typeface="Montserrat"/>
-              <a:ea typeface="Montserrat"/>
-              <a:cs typeface="Montserrat"/>
-              <a:sym typeface="Montserrat"/>
-            </a:endParaRPr>
-          </a:p>
-          <a:p>
-            <a:pPr marL="0" lvl="0" indent="0" algn="l" rtl="0">
-              <a:lnSpc>
-                <a:spcPct val="100000"/>
-              </a:lnSpc>
-              <a:spcBef>
-                <a:spcPts val="0"/>
-              </a:spcBef>
-              <a:spcAft>
-                <a:spcPts val="0"/>
-              </a:spcAft>
-              <a:buClr>
-                <a:schemeClr val="dk1"/>
-              </a:buClr>
-              <a:buSzPts val="1100"/>
-              <a:buFont typeface="Arial"/>
-              <a:buNone/>
-            </a:pPr>
-            <a:endParaRPr sz="1200" b="1">
-              <a:solidFill>
-                <a:schemeClr val="dk1"/>
-              </a:solidFill>
-              <a:latin typeface="Montserrat"/>
-              <a:ea typeface="Montserrat"/>
-              <a:cs typeface="Montserrat"/>
-              <a:sym typeface="Montserrat"/>
-            </a:endParaRPr>
+            <a:endParaRPr/>
           </a:p>
         </p:txBody>
       </p:sp>
@@ -2072,7 +2001,7 @@
   <p:cSld>
     <p:spTree>
       <p:nvGrpSpPr>
-        <p:cNvPr id="1" name="Shape 150"/>
+        <p:cNvPr id="1" name="Shape 218"/>
         <p:cNvGrpSpPr/>
         <p:nvPr/>
       </p:nvGrpSpPr>
@@ -2086,7 +2015,7 @@
       </p:grpSpPr>
       <p:sp>
         <p:nvSpPr>
-          <p:cNvPr id="151" name="Google Shape;151;g98072d2428_1_46:notes"/>
+          <p:cNvPr id="219" name="Google Shape;219;g7ed7eb645d_0_695:notes"/>
           <p:cNvSpPr>
             <a:spLocks noGrp="1" noRot="1" noChangeAspect="1"/>
           </p:cNvSpPr>
@@ -2137,7 +2066,7 @@
       </p:sp>
       <p:sp>
         <p:nvSpPr>
-          <p:cNvPr id="152" name="Google Shape;152;g98072d2428_1_46:notes"/>
+          <p:cNvPr id="220" name="Google Shape;220;g7ed7eb645d_0_695:notes"/>
           <p:cNvSpPr txBox="1">
             <a:spLocks noGrp="1"/>
           </p:cNvSpPr>
@@ -2177,7 +2106,78 @@
               <a:buSzPts val="1400"/>
               <a:buNone/>
             </a:pPr>
-            <a:endParaRPr/>
+            <a:r>
+              <a:rPr lang="es-MX" sz="1200" b="1">
+                <a:solidFill>
+                  <a:schemeClr val="dk1"/>
+                </a:solidFill>
+                <a:latin typeface="Montserrat"/>
+                <a:ea typeface="Montserrat"/>
+                <a:cs typeface="Montserrat"/>
+                <a:sym typeface="Montserrat"/>
+              </a:rPr>
+              <a:t>Separador #1 con ícono</a:t>
+            </a:r>
+            <a:br>
+              <a:rPr lang="es-MX" sz="1200" b="1">
+                <a:solidFill>
+                  <a:schemeClr val="dk1"/>
+                </a:solidFill>
+                <a:latin typeface="Montserrat"/>
+                <a:ea typeface="Montserrat"/>
+                <a:cs typeface="Montserrat"/>
+                <a:sym typeface="Montserrat"/>
+              </a:rPr>
+            </a:br>
+            <a:r>
+              <a:rPr lang="es-MX" sz="1200" b="1">
+                <a:solidFill>
+                  <a:schemeClr val="dk1"/>
+                </a:solidFill>
+                <a:latin typeface="Montserrat"/>
+                <a:ea typeface="Montserrat"/>
+                <a:cs typeface="Montserrat"/>
+                <a:sym typeface="Montserrat"/>
+              </a:rPr>
+              <a:t>(colocar ícono a la altura de la separación de las líneas)</a:t>
+            </a:r>
+            <a:endParaRPr sz="1200">
+              <a:solidFill>
+                <a:schemeClr val="dk1"/>
+              </a:solidFill>
+              <a:latin typeface="Montserrat"/>
+              <a:ea typeface="Montserrat"/>
+              <a:cs typeface="Montserrat"/>
+              <a:sym typeface="Montserrat"/>
+            </a:endParaRPr>
+          </a:p>
+          <a:p>
+            <a:pPr marL="0" lvl="0" indent="0" algn="l" rtl="0">
+              <a:lnSpc>
+                <a:spcPct val="100000"/>
+              </a:lnSpc>
+              <a:spcBef>
+                <a:spcPts val="0"/>
+              </a:spcBef>
+              <a:spcAft>
+                <a:spcPts val="0"/>
+              </a:spcAft>
+              <a:buClr>
+                <a:schemeClr val="dk1"/>
+              </a:buClr>
+              <a:buSzPts val="1100"/>
+              <a:buFont typeface="Arial"/>
+              <a:buNone/>
+            </a:pPr>
+            <a:endParaRPr sz="1200" b="1">
+              <a:solidFill>
+                <a:schemeClr val="dk1"/>
+              </a:solidFill>
+              <a:latin typeface="Montserrat"/>
+              <a:ea typeface="Montserrat"/>
+              <a:cs typeface="Montserrat"/>
+              <a:sym typeface="Montserrat"/>
+            </a:endParaRPr>
           </a:p>
         </p:txBody>
       </p:sp>
@@ -2194,7 +2194,7 @@
   <p:cSld>
     <p:spTree>
       <p:nvGrpSpPr>
-        <p:cNvPr id="1" name="Shape 188"/>
+        <p:cNvPr id="1" name="Shape 150"/>
         <p:cNvGrpSpPr/>
         <p:nvPr/>
       </p:nvGrpSpPr>
@@ -2208,7 +2208,7 @@
       </p:grpSpPr>
       <p:sp>
         <p:nvSpPr>
-          <p:cNvPr id="189" name="Google Shape;189;g8148f40e0d_1_0:notes"/>
+          <p:cNvPr id="151" name="Google Shape;151;g98072d2428_1_46:notes"/>
           <p:cNvSpPr>
             <a:spLocks noGrp="1" noRot="1" noChangeAspect="1"/>
           </p:cNvSpPr>
@@ -2259,7 +2259,7 @@
       </p:sp>
       <p:sp>
         <p:nvSpPr>
-          <p:cNvPr id="190" name="Google Shape;190;g8148f40e0d_1_0:notes"/>
+          <p:cNvPr id="152" name="Google Shape;152;g98072d2428_1_46:notes"/>
           <p:cNvSpPr txBox="1">
             <a:spLocks noGrp="1"/>
           </p:cNvSpPr>
@@ -2304,11 +2304,6 @@
         </p:txBody>
       </p:sp>
     </p:spTree>
-    <p:extLst>
-      <p:ext uri="{BB962C8B-B14F-4D97-AF65-F5344CB8AC3E}">
-        <p14:creationId xmlns:p14="http://schemas.microsoft.com/office/powerpoint/2010/main" val="2453190376"/>
-      </p:ext>
-    </p:extLst>
   </p:cSld>
   <p:clrMapOvr>
     <a:masterClrMapping/>
@@ -2321,7 +2316,7 @@
   <p:cSld>
     <p:spTree>
       <p:nvGrpSpPr>
-        <p:cNvPr id="1" name="Shape 218"/>
+        <p:cNvPr id="1" name="Shape 188"/>
         <p:cNvGrpSpPr/>
         <p:nvPr/>
       </p:nvGrpSpPr>
@@ -2335,7 +2330,7 @@
       </p:grpSpPr>
       <p:sp>
         <p:nvSpPr>
-          <p:cNvPr id="219" name="Google Shape;219;g7ed7eb645d_0_695:notes"/>
+          <p:cNvPr id="189" name="Google Shape;189;g8148f40e0d_1_0:notes"/>
           <p:cNvSpPr>
             <a:spLocks noGrp="1" noRot="1" noChangeAspect="1"/>
           </p:cNvSpPr>
@@ -2386,7 +2381,7 @@
       </p:sp>
       <p:sp>
         <p:nvSpPr>
-          <p:cNvPr id="220" name="Google Shape;220;g7ed7eb645d_0_695:notes"/>
+          <p:cNvPr id="190" name="Google Shape;190;g8148f40e0d_1_0:notes"/>
           <p:cNvSpPr txBox="1">
             <a:spLocks noGrp="1"/>
           </p:cNvSpPr>
@@ -2426,85 +2421,14 @@
               <a:buSzPts val="1400"/>
               <a:buNone/>
             </a:pPr>
-            <a:r>
-              <a:rPr lang="es-MX" sz="1200" b="1">
-                <a:solidFill>
-                  <a:schemeClr val="dk1"/>
-                </a:solidFill>
-                <a:latin typeface="Montserrat"/>
-                <a:ea typeface="Montserrat"/>
-                <a:cs typeface="Montserrat"/>
-                <a:sym typeface="Montserrat"/>
-              </a:rPr>
-              <a:t>Separador #1 con ícono</a:t>
-            </a:r>
-            <a:br>
-              <a:rPr lang="es-MX" sz="1200" b="1">
-                <a:solidFill>
-                  <a:schemeClr val="dk1"/>
-                </a:solidFill>
-                <a:latin typeface="Montserrat"/>
-                <a:ea typeface="Montserrat"/>
-                <a:cs typeface="Montserrat"/>
-                <a:sym typeface="Montserrat"/>
-              </a:rPr>
-            </a:br>
-            <a:r>
-              <a:rPr lang="es-MX" sz="1200" b="1">
-                <a:solidFill>
-                  <a:schemeClr val="dk1"/>
-                </a:solidFill>
-                <a:latin typeface="Montserrat"/>
-                <a:ea typeface="Montserrat"/>
-                <a:cs typeface="Montserrat"/>
-                <a:sym typeface="Montserrat"/>
-              </a:rPr>
-              <a:t>(colocar ícono a la altura de la separación de las líneas)</a:t>
-            </a:r>
-            <a:endParaRPr sz="1200">
-              <a:solidFill>
-                <a:schemeClr val="dk1"/>
-              </a:solidFill>
-              <a:latin typeface="Montserrat"/>
-              <a:ea typeface="Montserrat"/>
-              <a:cs typeface="Montserrat"/>
-              <a:sym typeface="Montserrat"/>
-            </a:endParaRPr>
-          </a:p>
-          <a:p>
-            <a:pPr marL="0" lvl="0" indent="0" algn="l" rtl="0">
-              <a:lnSpc>
-                <a:spcPct val="100000"/>
-              </a:lnSpc>
-              <a:spcBef>
-                <a:spcPts val="0"/>
-              </a:spcBef>
-              <a:spcAft>
-                <a:spcPts val="0"/>
-              </a:spcAft>
-              <a:buClr>
-                <a:schemeClr val="dk1"/>
-              </a:buClr>
-              <a:buSzPts val="1100"/>
-              <a:buFont typeface="Arial"/>
-              <a:buNone/>
-            </a:pPr>
-            <a:endParaRPr sz="1200" b="1">
-              <a:solidFill>
-                <a:schemeClr val="dk1"/>
-              </a:solidFill>
-              <a:latin typeface="Montserrat"/>
-              <a:ea typeface="Montserrat"/>
-              <a:cs typeface="Montserrat"/>
-              <a:sym typeface="Montserrat"/>
-            </a:endParaRPr>
+            <a:endParaRPr/>
           </a:p>
         </p:txBody>
       </p:sp>
     </p:spTree>
     <p:extLst>
       <p:ext uri="{BB962C8B-B14F-4D97-AF65-F5344CB8AC3E}">
-        <p14:creationId xmlns:p14="http://schemas.microsoft.com/office/powerpoint/2010/main" val="4037419904"/>
+        <p14:creationId xmlns:p14="http://schemas.microsoft.com/office/powerpoint/2010/main" val="2453190376"/>
       </p:ext>
     </p:extLst>
   </p:cSld>
@@ -2519,7 +2443,7 @@
   <p:cSld>
     <p:spTree>
       <p:nvGrpSpPr>
-        <p:cNvPr id="1" name="Shape 163"/>
+        <p:cNvPr id="1" name="Shape 218"/>
         <p:cNvGrpSpPr/>
         <p:nvPr/>
       </p:nvGrpSpPr>
@@ -2533,7 +2457,7 @@
       </p:grpSpPr>
       <p:sp>
         <p:nvSpPr>
-          <p:cNvPr id="164" name="Google Shape;164;g98072d2428_1_58:notes"/>
+          <p:cNvPr id="219" name="Google Shape;219;g7ed7eb645d_0_695:notes"/>
           <p:cNvSpPr>
             <a:spLocks noGrp="1" noRot="1" noChangeAspect="1"/>
           </p:cNvSpPr>
@@ -2584,7 +2508,7 @@
       </p:sp>
       <p:sp>
         <p:nvSpPr>
-          <p:cNvPr id="165" name="Google Shape;165;g98072d2428_1_58:notes"/>
+          <p:cNvPr id="220" name="Google Shape;220;g7ed7eb645d_0_695:notes"/>
           <p:cNvSpPr txBox="1">
             <a:spLocks noGrp="1"/>
           </p:cNvSpPr>
@@ -2624,11 +2548,87 @@
               <a:buSzPts val="1400"/>
               <a:buNone/>
             </a:pPr>
-            <a:endParaRPr/>
+            <a:r>
+              <a:rPr lang="es-MX" sz="1200" b="1">
+                <a:solidFill>
+                  <a:schemeClr val="dk1"/>
+                </a:solidFill>
+                <a:latin typeface="Montserrat"/>
+                <a:ea typeface="Montserrat"/>
+                <a:cs typeface="Montserrat"/>
+                <a:sym typeface="Montserrat"/>
+              </a:rPr>
+              <a:t>Separador #1 con ícono</a:t>
+            </a:r>
+            <a:br>
+              <a:rPr lang="es-MX" sz="1200" b="1">
+                <a:solidFill>
+                  <a:schemeClr val="dk1"/>
+                </a:solidFill>
+                <a:latin typeface="Montserrat"/>
+                <a:ea typeface="Montserrat"/>
+                <a:cs typeface="Montserrat"/>
+                <a:sym typeface="Montserrat"/>
+              </a:rPr>
+            </a:br>
+            <a:r>
+              <a:rPr lang="es-MX" sz="1200" b="1">
+                <a:solidFill>
+                  <a:schemeClr val="dk1"/>
+                </a:solidFill>
+                <a:latin typeface="Montserrat"/>
+                <a:ea typeface="Montserrat"/>
+                <a:cs typeface="Montserrat"/>
+                <a:sym typeface="Montserrat"/>
+              </a:rPr>
+              <a:t>(colocar ícono a la altura de la separación de las líneas)</a:t>
+            </a:r>
+            <a:endParaRPr sz="1200">
+              <a:solidFill>
+                <a:schemeClr val="dk1"/>
+              </a:solidFill>
+              <a:latin typeface="Montserrat"/>
+              <a:ea typeface="Montserrat"/>
+              <a:cs typeface="Montserrat"/>
+              <a:sym typeface="Montserrat"/>
+            </a:endParaRPr>
+          </a:p>
+          <a:p>
+            <a:pPr marL="0" lvl="0" indent="0" algn="l" rtl="0">
+              <a:lnSpc>
+                <a:spcPct val="100000"/>
+              </a:lnSpc>
+              <a:spcBef>
+                <a:spcPts val="0"/>
+              </a:spcBef>
+              <a:spcAft>
+                <a:spcPts val="0"/>
+              </a:spcAft>
+              <a:buClr>
+                <a:schemeClr val="dk1"/>
+              </a:buClr>
+              <a:buSzPts val="1100"/>
+              <a:buFont typeface="Arial"/>
+              <a:buNone/>
+            </a:pPr>
+            <a:endParaRPr sz="1200" b="1">
+              <a:solidFill>
+                <a:schemeClr val="dk1"/>
+              </a:solidFill>
+              <a:latin typeface="Montserrat"/>
+              <a:ea typeface="Montserrat"/>
+              <a:cs typeface="Montserrat"/>
+              <a:sym typeface="Montserrat"/>
+            </a:endParaRPr>
           </a:p>
         </p:txBody>
       </p:sp>
     </p:spTree>
+    <p:extLst>
+      <p:ext uri="{BB962C8B-B14F-4D97-AF65-F5344CB8AC3E}">
+        <p14:creationId xmlns:p14="http://schemas.microsoft.com/office/powerpoint/2010/main" val="4037419904"/>
+      </p:ext>
+    </p:extLst>
   </p:cSld>
   <p:clrMapOvr>
     <a:masterClrMapping/>
@@ -2751,11 +2751,6 @@
         </p:txBody>
       </p:sp>
     </p:spTree>
-    <p:extLst>
-      <p:ext uri="{BB962C8B-B14F-4D97-AF65-F5344CB8AC3E}">
-        <p14:creationId xmlns:p14="http://schemas.microsoft.com/office/powerpoint/2010/main" val="964423422"/>
-      </p:ext>
-    </p:extLst>
   </p:cSld>
   <p:clrMapOvr>
     <a:masterClrMapping/>
@@ -2768,7 +2763,7 @@
   <p:cSld>
     <p:spTree>
       <p:nvGrpSpPr>
-        <p:cNvPr id="1" name="Shape 188"/>
+        <p:cNvPr id="1" name="Shape 163"/>
         <p:cNvGrpSpPr/>
         <p:nvPr/>
       </p:nvGrpSpPr>
@@ -2782,7 +2777,7 @@
       </p:grpSpPr>
       <p:sp>
         <p:nvSpPr>
-          <p:cNvPr id="189" name="Google Shape;189;g8148f40e0d_1_0:notes"/>
+          <p:cNvPr id="164" name="Google Shape;164;g98072d2428_1_58:notes"/>
           <p:cNvSpPr>
             <a:spLocks noGrp="1" noRot="1" noChangeAspect="1"/>
           </p:cNvSpPr>
@@ -2833,7 +2828,7 @@
       </p:sp>
       <p:sp>
         <p:nvSpPr>
-          <p:cNvPr id="190" name="Google Shape;190;g8148f40e0d_1_0:notes"/>
+          <p:cNvPr id="165" name="Google Shape;165;g98072d2428_1_58:notes"/>
           <p:cNvSpPr txBox="1">
             <a:spLocks noGrp="1"/>
           </p:cNvSpPr>
@@ -2878,6 +2873,11 @@
         </p:txBody>
       </p:sp>
     </p:spTree>
+    <p:extLst>
+      <p:ext uri="{BB962C8B-B14F-4D97-AF65-F5344CB8AC3E}">
+        <p14:creationId xmlns:p14="http://schemas.microsoft.com/office/powerpoint/2010/main" val="964423422"/>
+      </p:ext>
+    </p:extLst>
   </p:cSld>
   <p:clrMapOvr>
     <a:masterClrMapping/>
@@ -3789,7 +3789,7 @@
   <p:cSld>
     <p:spTree>
       <p:nvGrpSpPr>
-        <p:cNvPr id="1" name="Shape 111"/>
+        <p:cNvPr id="1" name="Shape 188"/>
         <p:cNvGrpSpPr/>
         <p:nvPr/>
       </p:nvGrpSpPr>
@@ -3803,7 +3803,7 @@
       </p:grpSpPr>
       <p:sp>
         <p:nvSpPr>
-          <p:cNvPr id="112" name="Google Shape;112;g98072d2428_1_10:notes"/>
+          <p:cNvPr id="189" name="Google Shape;189;g8148f40e0d_1_0:notes"/>
           <p:cNvSpPr>
             <a:spLocks noGrp="1" noRot="1" noChangeAspect="1"/>
           </p:cNvSpPr>
@@ -3854,7 +3854,7 @@
       </p:sp>
       <p:sp>
         <p:nvSpPr>
-          <p:cNvPr id="113" name="Google Shape;113;g98072d2428_1_10:notes"/>
+          <p:cNvPr id="190" name="Google Shape;190;g8148f40e0d_1_0:notes"/>
           <p:cNvSpPr txBox="1">
             <a:spLocks noGrp="1"/>
           </p:cNvSpPr>
@@ -3911,7 +3911,7 @@
   <p:cSld>
     <p:spTree>
       <p:nvGrpSpPr>
-        <p:cNvPr id="1" name="Shape 124"/>
+        <p:cNvPr id="1" name="Shape 111"/>
         <p:cNvGrpSpPr/>
         <p:nvPr/>
       </p:nvGrpSpPr>
@@ -3925,7 +3925,7 @@
       </p:grpSpPr>
       <p:sp>
         <p:nvSpPr>
-          <p:cNvPr id="125" name="Google Shape;125;g98072d2428_1_22:notes"/>
+          <p:cNvPr id="112" name="Google Shape;112;g98072d2428_1_10:notes"/>
           <p:cNvSpPr>
             <a:spLocks noGrp="1" noRot="1" noChangeAspect="1"/>
           </p:cNvSpPr>
@@ -3976,7 +3976,7 @@
       </p:sp>
       <p:sp>
         <p:nvSpPr>
-          <p:cNvPr id="126" name="Google Shape;126;g98072d2428_1_22:notes"/>
+          <p:cNvPr id="113" name="Google Shape;113;g98072d2428_1_10:notes"/>
           <p:cNvSpPr txBox="1">
             <a:spLocks noGrp="1"/>
           </p:cNvSpPr>
@@ -4033,7 +4033,7 @@
   <p:cSld>
     <p:spTree>
       <p:nvGrpSpPr>
-        <p:cNvPr id="1" name="Shape 137"/>
+        <p:cNvPr id="1" name="Shape 124"/>
         <p:cNvGrpSpPr/>
         <p:nvPr/>
       </p:nvGrpSpPr>
@@ -4047,7 +4047,7 @@
       </p:grpSpPr>
       <p:sp>
         <p:nvSpPr>
-          <p:cNvPr id="138" name="Google Shape;138;g98072d2428_1_34:notes"/>
+          <p:cNvPr id="125" name="Google Shape;125;g98072d2428_1_22:notes"/>
           <p:cNvSpPr>
             <a:spLocks noGrp="1" noRot="1" noChangeAspect="1"/>
           </p:cNvSpPr>
@@ -4098,7 +4098,7 @@
       </p:sp>
       <p:sp>
         <p:nvSpPr>
-          <p:cNvPr id="139" name="Google Shape;139;g98072d2428_1_34:notes"/>
+          <p:cNvPr id="126" name="Google Shape;126;g98072d2428_1_22:notes"/>
           <p:cNvSpPr txBox="1">
             <a:spLocks noGrp="1"/>
           </p:cNvSpPr>
@@ -12296,6 +12296,655 @@
 <file path=ppt/slides/slide10.xml><?xml version="1.0" encoding="utf-8"?>
 <p:sld xmlns:a="http://schemas.openxmlformats.org/drawingml/2006/main" xmlns:r="http://schemas.openxmlformats.org/officeDocument/2006/relationships" xmlns:p="http://schemas.openxmlformats.org/presentationml/2006/main">
   <p:cSld>
+    <p:spTree>
+      <p:nvGrpSpPr>
+        <p:cNvPr id="1" name="Shape 140"/>
+        <p:cNvGrpSpPr/>
+        <p:nvPr/>
+      </p:nvGrpSpPr>
+      <p:grpSpPr>
+        <a:xfrm>
+          <a:off x="0" y="0"/>
+          <a:ext cx="0" cy="0"/>
+          <a:chOff x="0" y="0"/>
+          <a:chExt cx="0" cy="0"/>
+        </a:xfrm>
+      </p:grpSpPr>
+      <p:cxnSp>
+        <p:nvCxnSpPr>
+          <p:cNvPr id="141" name="Google Shape;141;p20"/>
+          <p:cNvCxnSpPr/>
+          <p:nvPr/>
+        </p:nvCxnSpPr>
+        <p:spPr>
+          <a:xfrm>
+            <a:off x="14475844" y="-11"/>
+            <a:ext cx="0" cy="3877500"/>
+          </a:xfrm>
+          <a:prstGeom prst="straightConnector1">
+            <a:avLst/>
+          </a:prstGeom>
+          <a:noFill/>
+          <a:ln w="19050" cap="flat" cmpd="sng">
+            <a:solidFill>
+              <a:srgbClr val="FF6A39"/>
+            </a:solidFill>
+            <a:prstDash val="solid"/>
+            <a:round/>
+            <a:headEnd type="none" w="sm" len="sm"/>
+            <a:tailEnd type="none" w="sm" len="sm"/>
+          </a:ln>
+        </p:spPr>
+      </p:cxnSp>
+      <p:cxnSp>
+        <p:nvCxnSpPr>
+          <p:cNvPr id="142" name="Google Shape;142;p20"/>
+          <p:cNvCxnSpPr/>
+          <p:nvPr/>
+        </p:nvCxnSpPr>
+        <p:spPr>
+          <a:xfrm>
+            <a:off x="14475850" y="6859925"/>
+            <a:ext cx="0" cy="1061700"/>
+          </a:xfrm>
+          <a:prstGeom prst="straightConnector1">
+            <a:avLst/>
+          </a:prstGeom>
+          <a:noFill/>
+          <a:ln w="19050" cap="flat" cmpd="sng">
+            <a:solidFill>
+              <a:srgbClr val="FF6A39"/>
+            </a:solidFill>
+            <a:prstDash val="solid"/>
+            <a:round/>
+            <a:headEnd type="none" w="sm" len="sm"/>
+            <a:tailEnd type="none" w="sm" len="sm"/>
+          </a:ln>
+        </p:spPr>
+      </p:cxnSp>
+      <p:pic>
+        <p:nvPicPr>
+          <p:cNvPr id="143" name="Google Shape;143;p20"/>
+          <p:cNvPicPr preferRelativeResize="0"/>
+          <p:nvPr/>
+        </p:nvPicPr>
+        <p:blipFill rotWithShape="1">
+          <a:blip r:embed="rId3">
+            <a:alphaModFix/>
+          </a:blip>
+          <a:srcRect/>
+          <a:stretch/>
+        </p:blipFill>
+        <p:spPr>
+          <a:xfrm>
+            <a:off x="498500" y="709642"/>
+            <a:ext cx="1430575" cy="126308"/>
+          </a:xfrm>
+          <a:prstGeom prst="rect">
+            <a:avLst/>
+          </a:prstGeom>
+          <a:noFill/>
+          <a:ln>
+            <a:noFill/>
+          </a:ln>
+        </p:spPr>
+      </p:pic>
+      <p:sp>
+        <p:nvSpPr>
+          <p:cNvPr id="144" name="Google Shape;144;p20"/>
+          <p:cNvSpPr txBox="1"/>
+          <p:nvPr/>
+        </p:nvSpPr>
+        <p:spPr>
+          <a:xfrm rot="-5400000">
+            <a:off x="12971200" y="5038125"/>
+            <a:ext cx="3009300" cy="657900"/>
+          </a:xfrm>
+          <a:prstGeom prst="rect">
+            <a:avLst/>
+          </a:prstGeom>
+          <a:noFill/>
+          <a:ln>
+            <a:noFill/>
+          </a:ln>
+        </p:spPr>
+        <p:txBody>
+          <a:bodyPr spcFirstLastPara="1" wrap="square" lIns="147725" tIns="147725" rIns="147725" bIns="147725" anchor="t" anchorCtr="0">
+            <a:noAutofit/>
+          </a:bodyPr>
+          <a:lstStyle/>
+          <a:p>
+            <a:pPr marL="0" marR="0" lvl="0" indent="0" algn="ctr" rtl="0">
+              <a:lnSpc>
+                <a:spcPct val="100000"/>
+              </a:lnSpc>
+              <a:spcBef>
+                <a:spcPts val="0"/>
+              </a:spcBef>
+              <a:spcAft>
+                <a:spcPts val="0"/>
+              </a:spcAft>
+              <a:buClr>
+                <a:srgbClr val="000000"/>
+              </a:buClr>
+              <a:buSzPts val="2300"/>
+              <a:buFont typeface="Arial"/>
+              <a:buNone/>
+            </a:pPr>
+            <a:r>
+              <a:rPr lang="es-MX" sz="2300" dirty="0">
+                <a:solidFill>
+                  <a:srgbClr val="D8D8D8"/>
+                </a:solidFill>
+                <a:latin typeface="Montserrat"/>
+                <a:ea typeface="Montserrat"/>
+                <a:cs typeface="Montserrat"/>
+                <a:sym typeface="Montserrat"/>
+              </a:rPr>
+              <a:t>Diccionario de datos</a:t>
+            </a:r>
+            <a:endParaRPr sz="2300" b="0" i="0" u="none" strike="noStrike" cap="none" dirty="0">
+              <a:solidFill>
+                <a:srgbClr val="D8D8D8"/>
+              </a:solidFill>
+              <a:latin typeface="Montserrat"/>
+              <a:ea typeface="Montserrat"/>
+              <a:cs typeface="Montserrat"/>
+              <a:sym typeface="Montserrat"/>
+            </a:endParaRPr>
+          </a:p>
+        </p:txBody>
+      </p:sp>
+      <p:sp>
+        <p:nvSpPr>
+          <p:cNvPr id="145" name="Google Shape;145;p20"/>
+          <p:cNvSpPr txBox="1"/>
+          <p:nvPr/>
+        </p:nvSpPr>
+        <p:spPr>
+          <a:xfrm>
+            <a:off x="5872601" y="2311235"/>
+            <a:ext cx="6695081" cy="2228867"/>
+          </a:xfrm>
+          <a:prstGeom prst="rect">
+            <a:avLst/>
+          </a:prstGeom>
+          <a:noFill/>
+          <a:ln>
+            <a:noFill/>
+          </a:ln>
+        </p:spPr>
+        <p:txBody>
+          <a:bodyPr spcFirstLastPara="1" wrap="square" lIns="147725" tIns="147725" rIns="147725" bIns="147725" anchor="t" anchorCtr="0">
+            <a:noAutofit/>
+          </a:bodyPr>
+          <a:lstStyle/>
+          <a:p>
+            <a:pPr marL="0" marR="0" lvl="0" indent="0" algn="l" rtl="0">
+              <a:lnSpc>
+                <a:spcPct val="100000"/>
+              </a:lnSpc>
+              <a:spcBef>
+                <a:spcPts val="0"/>
+              </a:spcBef>
+              <a:spcAft>
+                <a:spcPts val="0"/>
+              </a:spcAft>
+              <a:buClr>
+                <a:srgbClr val="000000"/>
+              </a:buClr>
+              <a:buSzPts val="2600"/>
+              <a:buFont typeface="Arial"/>
+              <a:buNone/>
+            </a:pPr>
+            <a:r>
+              <a:rPr lang="es-MX" sz="2600" dirty="0">
+                <a:solidFill>
+                  <a:srgbClr val="2B303C"/>
+                </a:solidFill>
+                <a:latin typeface="Montserrat"/>
+                <a:ea typeface="Montserrat"/>
+                <a:cs typeface="Montserrat"/>
+                <a:sym typeface="Montserrat"/>
+              </a:rPr>
+              <a:t>Necesitamos primero saber si nuestra fuente de datos </a:t>
+            </a:r>
+            <a:r>
+              <a:rPr lang="es-MX" sz="2600" dirty="0">
+                <a:solidFill>
+                  <a:srgbClr val="FF6A39"/>
+                </a:solidFill>
+                <a:latin typeface="Montserrat"/>
+                <a:ea typeface="Montserrat"/>
+                <a:cs typeface="Montserrat"/>
+                <a:sym typeface="Montserrat"/>
+              </a:rPr>
+              <a:t>cumple con lo que necesitamos</a:t>
+            </a:r>
+            <a:r>
+              <a:rPr lang="es-MX" sz="2600" dirty="0">
+                <a:solidFill>
+                  <a:srgbClr val="2B303C"/>
+                </a:solidFill>
+                <a:latin typeface="Montserrat"/>
+                <a:ea typeface="Montserrat"/>
+                <a:cs typeface="Montserrat"/>
+                <a:sym typeface="Montserrat"/>
+              </a:rPr>
+              <a:t>, qué contiene y </a:t>
+            </a:r>
+            <a:r>
+              <a:rPr lang="es-MX" sz="2600" dirty="0">
+                <a:solidFill>
+                  <a:srgbClr val="FF6A39"/>
+                </a:solidFill>
+                <a:latin typeface="Montserrat"/>
+                <a:ea typeface="Montserrat"/>
+                <a:cs typeface="Montserrat"/>
+                <a:sym typeface="Montserrat"/>
+              </a:rPr>
+              <a:t>qué significa</a:t>
+            </a:r>
+            <a:r>
+              <a:rPr lang="es-MX" sz="2600" dirty="0">
+                <a:solidFill>
+                  <a:srgbClr val="2B303C"/>
+                </a:solidFill>
+                <a:latin typeface="Montserrat"/>
+                <a:ea typeface="Montserrat"/>
+                <a:cs typeface="Montserrat"/>
+                <a:sym typeface="Montserrat"/>
+              </a:rPr>
+              <a:t> cada uno de los datos que nos brinda.</a:t>
+            </a:r>
+            <a:endParaRPr sz="2600" i="0" u="none" strike="noStrike" cap="none" dirty="0">
+              <a:solidFill>
+                <a:srgbClr val="2B303C"/>
+              </a:solidFill>
+              <a:latin typeface="Montserrat SemiBold"/>
+              <a:ea typeface="Montserrat SemiBold"/>
+              <a:cs typeface="Montserrat SemiBold"/>
+              <a:sym typeface="Montserrat SemiBold"/>
+            </a:endParaRPr>
+          </a:p>
+        </p:txBody>
+      </p:sp>
+      <p:sp>
+        <p:nvSpPr>
+          <p:cNvPr id="146" name="Google Shape;146;p20"/>
+          <p:cNvSpPr txBox="1"/>
+          <p:nvPr/>
+        </p:nvSpPr>
+        <p:spPr>
+          <a:xfrm>
+            <a:off x="2295842" y="414450"/>
+            <a:ext cx="9218400" cy="716700"/>
+          </a:xfrm>
+          <a:prstGeom prst="rect">
+            <a:avLst/>
+          </a:prstGeom>
+          <a:noFill/>
+          <a:ln>
+            <a:noFill/>
+          </a:ln>
+        </p:spPr>
+        <p:txBody>
+          <a:bodyPr spcFirstLastPara="1" wrap="square" lIns="147725" tIns="147725" rIns="147725" bIns="147725" anchor="ctr" anchorCtr="0">
+            <a:noAutofit/>
+          </a:bodyPr>
+          <a:lstStyle/>
+          <a:p>
+            <a:pPr marL="0" marR="0" lvl="0" indent="0" algn="l" rtl="0">
+              <a:lnSpc>
+                <a:spcPct val="100000"/>
+              </a:lnSpc>
+              <a:spcBef>
+                <a:spcPts val="0"/>
+              </a:spcBef>
+              <a:spcAft>
+                <a:spcPts val="0"/>
+              </a:spcAft>
+              <a:buClr>
+                <a:srgbClr val="000000"/>
+              </a:buClr>
+              <a:buSzPts val="4000"/>
+              <a:buFont typeface="Arial"/>
+              <a:buNone/>
+            </a:pPr>
+            <a:r>
+              <a:rPr lang="es-MX" sz="4000" b="1" dirty="0">
+                <a:solidFill>
+                  <a:srgbClr val="16181C"/>
+                </a:solidFill>
+                <a:latin typeface="Montserrat"/>
+                <a:ea typeface="Montserrat"/>
+                <a:cs typeface="Montserrat"/>
+                <a:sym typeface="Montserrat"/>
+              </a:rPr>
+              <a:t>Diccionario de datos</a:t>
+            </a:r>
+            <a:endParaRPr sz="4000" b="0" i="0" u="none" strike="noStrike" cap="none" dirty="0">
+              <a:solidFill>
+                <a:srgbClr val="16181C"/>
+              </a:solidFill>
+              <a:latin typeface="Montserrat"/>
+              <a:ea typeface="Montserrat"/>
+              <a:cs typeface="Montserrat"/>
+              <a:sym typeface="Montserrat"/>
+            </a:endParaRPr>
+          </a:p>
+        </p:txBody>
+      </p:sp>
+      <p:pic>
+        <p:nvPicPr>
+          <p:cNvPr id="148" name="Google Shape;148;p20"/>
+          <p:cNvPicPr preferRelativeResize="0"/>
+          <p:nvPr/>
+        </p:nvPicPr>
+        <p:blipFill rotWithShape="1">
+          <a:blip r:embed="rId4">
+            <a:alphaModFix/>
+          </a:blip>
+          <a:srcRect/>
+          <a:stretch/>
+        </p:blipFill>
+        <p:spPr>
+          <a:xfrm>
+            <a:off x="575050" y="6725850"/>
+            <a:ext cx="3996201" cy="994075"/>
+          </a:xfrm>
+          <a:prstGeom prst="rect">
+            <a:avLst/>
+          </a:prstGeom>
+          <a:noFill/>
+          <a:ln>
+            <a:noFill/>
+          </a:ln>
+        </p:spPr>
+      </p:pic>
+      <p:pic>
+        <p:nvPicPr>
+          <p:cNvPr id="149" name="Google Shape;149;p20"/>
+          <p:cNvPicPr preferRelativeResize="0"/>
+          <p:nvPr/>
+        </p:nvPicPr>
+        <p:blipFill rotWithShape="1">
+          <a:blip r:embed="rId5">
+            <a:alphaModFix/>
+          </a:blip>
+          <a:srcRect/>
+          <a:stretch/>
+        </p:blipFill>
+        <p:spPr>
+          <a:xfrm>
+            <a:off x="10878384" y="531488"/>
+            <a:ext cx="2165348" cy="482600"/>
+          </a:xfrm>
+          <a:prstGeom prst="rect">
+            <a:avLst/>
+          </a:prstGeom>
+          <a:noFill/>
+          <a:ln>
+            <a:noFill/>
+          </a:ln>
+        </p:spPr>
+      </p:pic>
+      <p:graphicFrame>
+        <p:nvGraphicFramePr>
+          <p:cNvPr id="2" name="Tabla 1">
+            <a:extLst>
+              <a:ext uri="{FF2B5EF4-FFF2-40B4-BE49-F238E27FC236}">
+                <a16:creationId xmlns:a16="http://schemas.microsoft.com/office/drawing/2014/main" id="{112492C5-10EB-49EE-95E7-4A9E4FBB862A}"/>
+              </a:ext>
+            </a:extLst>
+          </p:cNvPr>
+          <p:cNvGraphicFramePr>
+            <a:graphicFrameLocks noGrp="1"/>
+          </p:cNvGraphicFramePr>
+          <p:nvPr>
+            <p:extLst>
+              <p:ext uri="{D42A27DB-BD31-4B8C-83A1-F6EECF244321}">
+                <p14:modId xmlns:p14="http://schemas.microsoft.com/office/powerpoint/2010/main" val="3840821163"/>
+              </p:ext>
+            </p:extLst>
+          </p:nvPr>
+        </p:nvGraphicFramePr>
+        <p:xfrm>
+          <a:off x="1110436" y="2218173"/>
+          <a:ext cx="4433210" cy="4309119"/>
+        </p:xfrm>
+        <a:graphic>
+          <a:graphicData uri="http://schemas.openxmlformats.org/drawingml/2006/table">
+            <a:tbl>
+              <a:tblPr firstRow="1" bandRow="1">
+                <a:tableStyleId>{5C22544A-7EE6-4342-B048-85BDC9FD1C3A}</a:tableStyleId>
+              </a:tblPr>
+              <a:tblGrid>
+                <a:gridCol w="4433210">
+                  <a:extLst>
+                    <a:ext uri="{9D8B030D-6E8A-4147-A177-3AD203B41FA5}">
+                      <a16:colId xmlns:a16="http://schemas.microsoft.com/office/drawing/2014/main" val="367317310"/>
+                    </a:ext>
+                  </a:extLst>
+                </a:gridCol>
+              </a:tblGrid>
+              <a:tr h="478791">
+                <a:tc>
+                  <a:txBody>
+                    <a:bodyPr/>
+                    <a:lstStyle/>
+                    <a:p>
+                      <a:r>
+                        <a:rPr lang="es-MX" sz="2000" dirty="0">
+                          <a:latin typeface="Montserrat" panose="020B0604020202020204" charset="0"/>
+                        </a:rPr>
+                        <a:t>Campos</a:t>
+                      </a:r>
+                    </a:p>
+                  </a:txBody>
+                  <a:tcPr>
+                    <a:solidFill>
+                      <a:srgbClr val="FF6A39"/>
+                    </a:solidFill>
+                  </a:tcPr>
+                </a:tc>
+                <a:extLst>
+                  <a:ext uri="{0D108BD9-81ED-4DB2-BD59-A6C34878D82A}">
+                    <a16:rowId xmlns:a16="http://schemas.microsoft.com/office/drawing/2014/main" val="2280715875"/>
+                  </a:ext>
+                </a:extLst>
+              </a:tr>
+              <a:tr h="478791">
+                <a:tc>
+                  <a:txBody>
+                    <a:bodyPr/>
+                    <a:lstStyle/>
+                    <a:p>
+                      <a:r>
+                        <a:rPr lang="es-MX" sz="2000" dirty="0">
+                          <a:latin typeface="Montserrat" panose="020B0604020202020204" charset="0"/>
+                        </a:rPr>
+                        <a:t>SEXO</a:t>
+                      </a:r>
+                    </a:p>
+                  </a:txBody>
+                  <a:tcPr/>
+                </a:tc>
+                <a:extLst>
+                  <a:ext uri="{0D108BD9-81ED-4DB2-BD59-A6C34878D82A}">
+                    <a16:rowId xmlns:a16="http://schemas.microsoft.com/office/drawing/2014/main" val="2144267495"/>
+                  </a:ext>
+                </a:extLst>
+              </a:tr>
+              <a:tr h="478791">
+                <a:tc>
+                  <a:txBody>
+                    <a:bodyPr/>
+                    <a:lstStyle/>
+                    <a:p>
+                      <a:r>
+                        <a:rPr lang="es-MX" sz="2000" dirty="0">
+                          <a:latin typeface="Montserrat" panose="020B0604020202020204" charset="0"/>
+                        </a:rPr>
+                        <a:t>ENTIDAD</a:t>
+                      </a:r>
+                    </a:p>
+                  </a:txBody>
+                  <a:tcPr/>
+                </a:tc>
+                <a:extLst>
+                  <a:ext uri="{0D108BD9-81ED-4DB2-BD59-A6C34878D82A}">
+                    <a16:rowId xmlns:a16="http://schemas.microsoft.com/office/drawing/2014/main" val="1269997081"/>
+                  </a:ext>
+                </a:extLst>
+              </a:tr>
+              <a:tr h="478791">
+                <a:tc>
+                  <a:txBody>
+                    <a:bodyPr/>
+                    <a:lstStyle/>
+                    <a:p>
+                      <a:r>
+                        <a:rPr lang="es-MX" sz="2000" dirty="0">
+                          <a:latin typeface="Montserrat" panose="020B0604020202020204" charset="0"/>
+                        </a:rPr>
+                        <a:t>EDAD</a:t>
+                      </a:r>
+                    </a:p>
+                  </a:txBody>
+                  <a:tcPr/>
+                </a:tc>
+                <a:extLst>
+                  <a:ext uri="{0D108BD9-81ED-4DB2-BD59-A6C34878D82A}">
+                    <a16:rowId xmlns:a16="http://schemas.microsoft.com/office/drawing/2014/main" val="494606700"/>
+                  </a:ext>
+                </a:extLst>
+              </a:tr>
+              <a:tr h="478791">
+                <a:tc>
+                  <a:txBody>
+                    <a:bodyPr/>
+                    <a:lstStyle/>
+                    <a:p>
+                      <a:r>
+                        <a:rPr lang="es-MX" sz="2000" dirty="0">
+                          <a:latin typeface="Montserrat" panose="020B0604020202020204" charset="0"/>
+                        </a:rPr>
+                        <a:t>INTUBADO</a:t>
+                      </a:r>
+                    </a:p>
+                  </a:txBody>
+                  <a:tcPr/>
+                </a:tc>
+                <a:extLst>
+                  <a:ext uri="{0D108BD9-81ED-4DB2-BD59-A6C34878D82A}">
+                    <a16:rowId xmlns:a16="http://schemas.microsoft.com/office/drawing/2014/main" val="1584789268"/>
+                  </a:ext>
+                </a:extLst>
+              </a:tr>
+              <a:tr h="478791">
+                <a:tc>
+                  <a:txBody>
+                    <a:bodyPr/>
+                    <a:lstStyle/>
+                    <a:p>
+                      <a:r>
+                        <a:rPr lang="es-MX" sz="2000" dirty="0">
+                          <a:latin typeface="Montserrat" panose="020B0604020202020204" charset="0"/>
+                        </a:rPr>
+                        <a:t>NEUMONÍA</a:t>
+                      </a:r>
+                    </a:p>
+                  </a:txBody>
+                  <a:tcPr/>
+                </a:tc>
+                <a:extLst>
+                  <a:ext uri="{0D108BD9-81ED-4DB2-BD59-A6C34878D82A}">
+                    <a16:rowId xmlns:a16="http://schemas.microsoft.com/office/drawing/2014/main" val="2892190359"/>
+                  </a:ext>
+                </a:extLst>
+              </a:tr>
+              <a:tr h="478791">
+                <a:tc>
+                  <a:txBody>
+                    <a:bodyPr/>
+                    <a:lstStyle/>
+                    <a:p>
+                      <a:r>
+                        <a:rPr lang="es-MX" sz="2000" dirty="0">
+                          <a:latin typeface="Montserrat" panose="020B0604020202020204" charset="0"/>
+                        </a:rPr>
+                        <a:t>DIABETES</a:t>
+                      </a:r>
+                    </a:p>
+                  </a:txBody>
+                  <a:tcPr/>
+                </a:tc>
+                <a:extLst>
+                  <a:ext uri="{0D108BD9-81ED-4DB2-BD59-A6C34878D82A}">
+                    <a16:rowId xmlns:a16="http://schemas.microsoft.com/office/drawing/2014/main" val="4287293136"/>
+                  </a:ext>
+                </a:extLst>
+              </a:tr>
+              <a:tr h="478791">
+                <a:tc>
+                  <a:txBody>
+                    <a:bodyPr/>
+                    <a:lstStyle/>
+                    <a:p>
+                      <a:r>
+                        <a:rPr lang="es-MX" sz="2000" dirty="0">
+                          <a:latin typeface="Montserrat" panose="020B0604020202020204" charset="0"/>
+                        </a:rPr>
+                        <a:t>HIPERTENSIÓN</a:t>
+                      </a:r>
+                    </a:p>
+                  </a:txBody>
+                  <a:tcPr/>
+                </a:tc>
+                <a:extLst>
+                  <a:ext uri="{0D108BD9-81ED-4DB2-BD59-A6C34878D82A}">
+                    <a16:rowId xmlns:a16="http://schemas.microsoft.com/office/drawing/2014/main" val="1947089366"/>
+                  </a:ext>
+                </a:extLst>
+              </a:tr>
+              <a:tr h="478791">
+                <a:tc>
+                  <a:txBody>
+                    <a:bodyPr/>
+                    <a:lstStyle/>
+                    <a:p>
+                      <a:r>
+                        <a:rPr lang="es-MX" sz="2000" dirty="0">
+                          <a:latin typeface="Montserrat" panose="020B0604020202020204" charset="0"/>
+                        </a:rPr>
+                        <a:t>…</a:t>
+                      </a:r>
+                    </a:p>
+                  </a:txBody>
+                  <a:tcPr/>
+                </a:tc>
+                <a:extLst>
+                  <a:ext uri="{0D108BD9-81ED-4DB2-BD59-A6C34878D82A}">
+                    <a16:rowId xmlns:a16="http://schemas.microsoft.com/office/drawing/2014/main" val="3008191804"/>
+                  </a:ext>
+                </a:extLst>
+              </a:tr>
+            </a:tbl>
+          </a:graphicData>
+        </a:graphic>
+      </p:graphicFrame>
+    </p:spTree>
+  </p:cSld>
+  <p:clrMapOvr>
+    <a:masterClrMapping/>
+  </p:clrMapOvr>
+</p:sld>
+</file>
+
+<file path=ppt/slides/slide11.xml><?xml version="1.0" encoding="utf-8"?>
+<p:sld xmlns:a="http://schemas.openxmlformats.org/drawingml/2006/main" xmlns:r="http://schemas.openxmlformats.org/officeDocument/2006/relationships" xmlns:p="http://schemas.openxmlformats.org/presentationml/2006/main">
+  <p:cSld>
     <p:bg>
       <p:bgPr>
         <a:solidFill>
@@ -12624,7 +13273,7 @@
 </p:sld>
 </file>
 
-<file path=ppt/slides/slide11.xml><?xml version="1.0" encoding="utf-8"?>
+<file path=ppt/slides/slide12.xml><?xml version="1.0" encoding="utf-8"?>
 <p:sld xmlns:a="http://schemas.openxmlformats.org/drawingml/2006/main" xmlns:r="http://schemas.openxmlformats.org/officeDocument/2006/relationships" xmlns:p="http://schemas.openxmlformats.org/presentationml/2006/main">
   <p:cSld>
     <p:spTree>
@@ -13126,7 +13775,7 @@
 </p:sld>
 </file>
 
-<file path=ppt/slides/slide12.xml><?xml version="1.0" encoding="utf-8"?>
+<file path=ppt/slides/slide13.xml><?xml version="1.0" encoding="utf-8"?>
 <p:sld xmlns:a="http://schemas.openxmlformats.org/drawingml/2006/main" xmlns:r="http://schemas.openxmlformats.org/officeDocument/2006/relationships" xmlns:p="http://schemas.openxmlformats.org/presentationml/2006/main">
   <p:cSld>
     <p:spTree>
@@ -13362,7 +14011,7 @@
 </p:sld>
 </file>
 
-<file path=ppt/slides/slide13.xml><?xml version="1.0" encoding="utf-8"?>
+<file path=ppt/slides/slide14.xml><?xml version="1.0" encoding="utf-8"?>
 <p:sld xmlns:a="http://schemas.openxmlformats.org/drawingml/2006/main" xmlns:r="http://schemas.openxmlformats.org/officeDocument/2006/relationships" xmlns:p="http://schemas.openxmlformats.org/presentationml/2006/main">
   <p:cSld>
     <p:bg>
@@ -13655,7 +14304,7 @@
 </p:sld>
 </file>
 
-<file path=ppt/slides/slide14.xml><?xml version="1.0" encoding="utf-8"?>
+<file path=ppt/slides/slide15.xml><?xml version="1.0" encoding="utf-8"?>
 <p:sld xmlns:a="http://schemas.openxmlformats.org/drawingml/2006/main" xmlns:r="http://schemas.openxmlformats.org/officeDocument/2006/relationships" xmlns:p="http://schemas.openxmlformats.org/presentationml/2006/main">
   <p:cSld>
     <p:spTree>
@@ -14153,7 +14802,7 @@
 </p:sld>
 </file>
 
-<file path=ppt/slides/slide15.xml><?xml version="1.0" encoding="utf-8"?>
+<file path=ppt/slides/slide16.xml><?xml version="1.0" encoding="utf-8"?>
 <p:sld xmlns:a="http://schemas.openxmlformats.org/drawingml/2006/main" xmlns:r="http://schemas.openxmlformats.org/officeDocument/2006/relationships" xmlns:p="http://schemas.openxmlformats.org/presentationml/2006/main">
   <p:cSld>
     <p:spTree>
@@ -14588,254 +15237,6 @@
         <p14:creationId xmlns:p14="http://schemas.microsoft.com/office/powerpoint/2010/main" val="469295777"/>
       </p:ext>
     </p:extLst>
-  </p:cSld>
-  <p:clrMapOvr>
-    <a:masterClrMapping/>
-  </p:clrMapOvr>
-</p:sld>
-</file>
-
-<file path=ppt/slides/slide16.xml><?xml version="1.0" encoding="utf-8"?>
-<p:sld xmlns:a="http://schemas.openxmlformats.org/drawingml/2006/main" xmlns:r="http://schemas.openxmlformats.org/officeDocument/2006/relationships" xmlns:p="http://schemas.openxmlformats.org/presentationml/2006/main">
-  <p:cSld>
-    <p:spTree>
-      <p:nvGrpSpPr>
-        <p:cNvPr id="1" name="Shape 191"/>
-        <p:cNvGrpSpPr/>
-        <p:nvPr/>
-      </p:nvGrpSpPr>
-      <p:grpSpPr>
-        <a:xfrm>
-          <a:off x="0" y="0"/>
-          <a:ext cx="0" cy="0"/>
-          <a:chOff x="0" y="0"/>
-          <a:chExt cx="0" cy="0"/>
-        </a:xfrm>
-      </p:grpSpPr>
-      <p:sp>
-        <p:nvSpPr>
-          <p:cNvPr id="192" name="Google Shape;192;p24"/>
-          <p:cNvSpPr/>
-          <p:nvPr/>
-        </p:nvSpPr>
-        <p:spPr>
-          <a:xfrm>
-            <a:off x="-25" y="7002150"/>
-            <a:ext cx="15122400" cy="932700"/>
-          </a:xfrm>
-          <a:prstGeom prst="rect">
-            <a:avLst/>
-          </a:prstGeom>
-          <a:solidFill>
-            <a:srgbClr val="FF6A39"/>
-          </a:solidFill>
-          <a:ln>
-            <a:noFill/>
-          </a:ln>
-        </p:spPr>
-        <p:txBody>
-          <a:bodyPr spcFirstLastPara="1" wrap="square" lIns="147725" tIns="147725" rIns="147725" bIns="147725" anchor="ctr" anchorCtr="0">
-            <a:noAutofit/>
-          </a:bodyPr>
-          <a:lstStyle/>
-          <a:p>
-            <a:pPr marL="0" marR="0" lvl="0" indent="0" algn="l" rtl="0">
-              <a:lnSpc>
-                <a:spcPct val="100000"/>
-              </a:lnSpc>
-              <a:spcBef>
-                <a:spcPts val="0"/>
-              </a:spcBef>
-              <a:spcAft>
-                <a:spcPts val="0"/>
-              </a:spcAft>
-              <a:buClr>
-                <a:srgbClr val="000000"/>
-              </a:buClr>
-              <a:buSzPts val="2300"/>
-              <a:buFont typeface="Arial"/>
-              <a:buNone/>
-            </a:pPr>
-            <a:endParaRPr sz="2300" b="0" i="0" u="none" strike="noStrike" cap="none">
-              <a:solidFill>
-                <a:srgbClr val="000000"/>
-              </a:solidFill>
-              <a:latin typeface="Arial"/>
-              <a:ea typeface="Arial"/>
-              <a:cs typeface="Arial"/>
-              <a:sym typeface="Arial"/>
-            </a:endParaRPr>
-          </a:p>
-        </p:txBody>
-      </p:sp>
-      <p:pic>
-        <p:nvPicPr>
-          <p:cNvPr id="193" name="Google Shape;193;p24"/>
-          <p:cNvPicPr preferRelativeResize="0"/>
-          <p:nvPr/>
-        </p:nvPicPr>
-        <p:blipFill rotWithShape="1">
-          <a:blip r:embed="rId3">
-            <a:alphaModFix/>
-          </a:blip>
-          <a:srcRect/>
-          <a:stretch/>
-        </p:blipFill>
-        <p:spPr>
-          <a:xfrm rot="-5400000" flipH="1">
-            <a:off x="1569468" y="6187608"/>
-            <a:ext cx="182144" cy="2553201"/>
-          </a:xfrm>
-          <a:prstGeom prst="rect">
-            <a:avLst/>
-          </a:prstGeom>
-          <a:noFill/>
-          <a:ln>
-            <a:noFill/>
-          </a:ln>
-        </p:spPr>
-      </p:pic>
-      <p:pic>
-        <p:nvPicPr>
-          <p:cNvPr id="194" name="Google Shape;194;p24"/>
-          <p:cNvPicPr preferRelativeResize="0"/>
-          <p:nvPr/>
-        </p:nvPicPr>
-        <p:blipFill rotWithShape="1">
-          <a:blip r:embed="rId4">
-            <a:alphaModFix/>
-          </a:blip>
-          <a:srcRect/>
-          <a:stretch/>
-        </p:blipFill>
-        <p:spPr>
-          <a:xfrm>
-            <a:off x="13599952" y="7183473"/>
-            <a:ext cx="970174" cy="516076"/>
-          </a:xfrm>
-          <a:prstGeom prst="rect">
-            <a:avLst/>
-          </a:prstGeom>
-          <a:noFill/>
-          <a:ln>
-            <a:noFill/>
-          </a:ln>
-        </p:spPr>
-      </p:pic>
-      <p:sp>
-        <p:nvSpPr>
-          <p:cNvPr id="196" name="Google Shape;196;p24"/>
-          <p:cNvSpPr txBox="1"/>
-          <p:nvPr/>
-        </p:nvSpPr>
-        <p:spPr>
-          <a:xfrm>
-            <a:off x="3238737" y="2871407"/>
-            <a:ext cx="8645100" cy="1300200"/>
-          </a:xfrm>
-          <a:prstGeom prst="rect">
-            <a:avLst/>
-          </a:prstGeom>
-          <a:noFill/>
-          <a:ln>
-            <a:noFill/>
-          </a:ln>
-        </p:spPr>
-        <p:txBody>
-          <a:bodyPr spcFirstLastPara="1" wrap="square" lIns="147725" tIns="147725" rIns="147725" bIns="147725" anchor="ctr" anchorCtr="0">
-            <a:noAutofit/>
-          </a:bodyPr>
-          <a:lstStyle/>
-          <a:p>
-            <a:pPr marL="0" marR="0" lvl="0" indent="0" algn="ctr" rtl="0">
-              <a:lnSpc>
-                <a:spcPct val="100000"/>
-              </a:lnSpc>
-              <a:spcBef>
-                <a:spcPts val="0"/>
-              </a:spcBef>
-              <a:spcAft>
-                <a:spcPts val="0"/>
-              </a:spcAft>
-              <a:buClr>
-                <a:srgbClr val="000000"/>
-              </a:buClr>
-              <a:buSzPts val="7800"/>
-              <a:buFont typeface="Arial"/>
-              <a:buNone/>
-            </a:pPr>
-            <a:r>
-              <a:rPr lang="es-MX" sz="7800" b="1" i="0" u="none" strike="noStrike" cap="none">
-                <a:solidFill>
-                  <a:schemeClr val="lt1"/>
-                </a:solidFill>
-                <a:latin typeface="Montserrat"/>
-                <a:ea typeface="Montserrat"/>
-                <a:cs typeface="Montserrat"/>
-                <a:sym typeface="Montserrat"/>
-              </a:rPr>
-              <a:t>Imagen</a:t>
-            </a:r>
-            <a:endParaRPr sz="7800" b="1" i="0" u="none" strike="noStrike" cap="none">
-              <a:solidFill>
-                <a:schemeClr val="lt1"/>
-              </a:solidFill>
-              <a:latin typeface="Montserrat"/>
-              <a:ea typeface="Montserrat"/>
-              <a:cs typeface="Montserrat"/>
-              <a:sym typeface="Montserrat"/>
-            </a:endParaRPr>
-          </a:p>
-        </p:txBody>
-      </p:sp>
-      <p:pic>
-        <p:nvPicPr>
-          <p:cNvPr id="2050" name="Picture 2" descr="Electronic Design Automation data science model">
-            <a:extLst>
-              <a:ext uri="{FF2B5EF4-FFF2-40B4-BE49-F238E27FC236}">
-                <a16:creationId xmlns:a16="http://schemas.microsoft.com/office/drawing/2014/main" id="{C638A394-E7BD-4EE7-8408-776F61A90D56}"/>
-              </a:ext>
-            </a:extLst>
-          </p:cNvPr>
-          <p:cNvPicPr>
-            <a:picLocks noChangeAspect="1" noChangeArrowheads="1"/>
-          </p:cNvPicPr>
-          <p:nvPr/>
-        </p:nvPicPr>
-        <p:blipFill>
-          <a:blip r:embed="rId5">
-            <a:extLst>
-              <a:ext uri="{28A0092B-C50C-407E-A947-70E740481C1C}">
-                <a14:useLocalDpi xmlns:a14="http://schemas.microsoft.com/office/drawing/2010/main" val="0"/>
-              </a:ext>
-            </a:extLst>
-          </a:blip>
-          <a:srcRect/>
-          <a:stretch>
-            <a:fillRect/>
-          </a:stretch>
-        </p:blipFill>
-        <p:spPr bwMode="auto">
-          <a:xfrm>
-            <a:off x="1115013" y="153387"/>
-            <a:ext cx="12892324" cy="6736239"/>
-          </a:xfrm>
-          <a:prstGeom prst="rect">
-            <a:avLst/>
-          </a:prstGeom>
-          <a:noFill/>
-          <a:extLst>
-            <a:ext uri="{909E8E84-426E-40DD-AFC4-6F175D3DCCD1}">
-              <a14:hiddenFill xmlns:a14="http://schemas.microsoft.com/office/drawing/2010/main">
-                <a:solidFill>
-                  <a:srgbClr val="FFFFFF"/>
-                </a:solidFill>
-              </a14:hiddenFill>
-            </a:ext>
-          </a:extLst>
-        </p:spPr>
-      </p:pic>
-    </p:spTree>
   </p:cSld>
   <p:clrMapOvr>
     <a:masterClrMapping/>
@@ -17702,6 +18103,254 @@
   <p:cSld>
     <p:spTree>
       <p:nvGrpSpPr>
+        <p:cNvPr id="1" name="Shape 191"/>
+        <p:cNvGrpSpPr/>
+        <p:nvPr/>
+      </p:nvGrpSpPr>
+      <p:grpSpPr>
+        <a:xfrm>
+          <a:off x="0" y="0"/>
+          <a:ext cx="0" cy="0"/>
+          <a:chOff x="0" y="0"/>
+          <a:chExt cx="0" cy="0"/>
+        </a:xfrm>
+      </p:grpSpPr>
+      <p:sp>
+        <p:nvSpPr>
+          <p:cNvPr id="192" name="Google Shape;192;p24"/>
+          <p:cNvSpPr/>
+          <p:nvPr/>
+        </p:nvSpPr>
+        <p:spPr>
+          <a:xfrm>
+            <a:off x="-25" y="7002150"/>
+            <a:ext cx="15122400" cy="932700"/>
+          </a:xfrm>
+          <a:prstGeom prst="rect">
+            <a:avLst/>
+          </a:prstGeom>
+          <a:solidFill>
+            <a:srgbClr val="FF6A39"/>
+          </a:solidFill>
+          <a:ln>
+            <a:noFill/>
+          </a:ln>
+        </p:spPr>
+        <p:txBody>
+          <a:bodyPr spcFirstLastPara="1" wrap="square" lIns="147725" tIns="147725" rIns="147725" bIns="147725" anchor="ctr" anchorCtr="0">
+            <a:noAutofit/>
+          </a:bodyPr>
+          <a:lstStyle/>
+          <a:p>
+            <a:pPr marL="0" marR="0" lvl="0" indent="0" algn="l" rtl="0">
+              <a:lnSpc>
+                <a:spcPct val="100000"/>
+              </a:lnSpc>
+              <a:spcBef>
+                <a:spcPts val="0"/>
+              </a:spcBef>
+              <a:spcAft>
+                <a:spcPts val="0"/>
+              </a:spcAft>
+              <a:buClr>
+                <a:srgbClr val="000000"/>
+              </a:buClr>
+              <a:buSzPts val="2300"/>
+              <a:buFont typeface="Arial"/>
+              <a:buNone/>
+            </a:pPr>
+            <a:endParaRPr sz="2300" b="0" i="0" u="none" strike="noStrike" cap="none">
+              <a:solidFill>
+                <a:srgbClr val="000000"/>
+              </a:solidFill>
+              <a:latin typeface="Arial"/>
+              <a:ea typeface="Arial"/>
+              <a:cs typeface="Arial"/>
+              <a:sym typeface="Arial"/>
+            </a:endParaRPr>
+          </a:p>
+        </p:txBody>
+      </p:sp>
+      <p:pic>
+        <p:nvPicPr>
+          <p:cNvPr id="193" name="Google Shape;193;p24"/>
+          <p:cNvPicPr preferRelativeResize="0"/>
+          <p:nvPr/>
+        </p:nvPicPr>
+        <p:blipFill rotWithShape="1">
+          <a:blip r:embed="rId3">
+            <a:alphaModFix/>
+          </a:blip>
+          <a:srcRect/>
+          <a:stretch/>
+        </p:blipFill>
+        <p:spPr>
+          <a:xfrm rot="-5400000" flipH="1">
+            <a:off x="1569468" y="6187608"/>
+            <a:ext cx="182144" cy="2553201"/>
+          </a:xfrm>
+          <a:prstGeom prst="rect">
+            <a:avLst/>
+          </a:prstGeom>
+          <a:noFill/>
+          <a:ln>
+            <a:noFill/>
+          </a:ln>
+        </p:spPr>
+      </p:pic>
+      <p:pic>
+        <p:nvPicPr>
+          <p:cNvPr id="194" name="Google Shape;194;p24"/>
+          <p:cNvPicPr preferRelativeResize="0"/>
+          <p:nvPr/>
+        </p:nvPicPr>
+        <p:blipFill rotWithShape="1">
+          <a:blip r:embed="rId4">
+            <a:alphaModFix/>
+          </a:blip>
+          <a:srcRect/>
+          <a:stretch/>
+        </p:blipFill>
+        <p:spPr>
+          <a:xfrm>
+            <a:off x="13599952" y="7183473"/>
+            <a:ext cx="970174" cy="516076"/>
+          </a:xfrm>
+          <a:prstGeom prst="rect">
+            <a:avLst/>
+          </a:prstGeom>
+          <a:noFill/>
+          <a:ln>
+            <a:noFill/>
+          </a:ln>
+        </p:spPr>
+      </p:pic>
+      <p:sp>
+        <p:nvSpPr>
+          <p:cNvPr id="196" name="Google Shape;196;p24"/>
+          <p:cNvSpPr txBox="1"/>
+          <p:nvPr/>
+        </p:nvSpPr>
+        <p:spPr>
+          <a:xfrm>
+            <a:off x="3238737" y="2871407"/>
+            <a:ext cx="8645100" cy="1300200"/>
+          </a:xfrm>
+          <a:prstGeom prst="rect">
+            <a:avLst/>
+          </a:prstGeom>
+          <a:noFill/>
+          <a:ln>
+            <a:noFill/>
+          </a:ln>
+        </p:spPr>
+        <p:txBody>
+          <a:bodyPr spcFirstLastPara="1" wrap="square" lIns="147725" tIns="147725" rIns="147725" bIns="147725" anchor="ctr" anchorCtr="0">
+            <a:noAutofit/>
+          </a:bodyPr>
+          <a:lstStyle/>
+          <a:p>
+            <a:pPr marL="0" marR="0" lvl="0" indent="0" algn="ctr" rtl="0">
+              <a:lnSpc>
+                <a:spcPct val="100000"/>
+              </a:lnSpc>
+              <a:spcBef>
+                <a:spcPts val="0"/>
+              </a:spcBef>
+              <a:spcAft>
+                <a:spcPts val="0"/>
+              </a:spcAft>
+              <a:buClr>
+                <a:srgbClr val="000000"/>
+              </a:buClr>
+              <a:buSzPts val="7800"/>
+              <a:buFont typeface="Arial"/>
+              <a:buNone/>
+            </a:pPr>
+            <a:r>
+              <a:rPr lang="es-MX" sz="7800" b="1" i="0" u="none" strike="noStrike" cap="none">
+                <a:solidFill>
+                  <a:schemeClr val="lt1"/>
+                </a:solidFill>
+                <a:latin typeface="Montserrat"/>
+                <a:ea typeface="Montserrat"/>
+                <a:cs typeface="Montserrat"/>
+                <a:sym typeface="Montserrat"/>
+              </a:rPr>
+              <a:t>Imagen</a:t>
+            </a:r>
+            <a:endParaRPr sz="7800" b="1" i="0" u="none" strike="noStrike" cap="none">
+              <a:solidFill>
+                <a:schemeClr val="lt1"/>
+              </a:solidFill>
+              <a:latin typeface="Montserrat"/>
+              <a:ea typeface="Montserrat"/>
+              <a:cs typeface="Montserrat"/>
+              <a:sym typeface="Montserrat"/>
+            </a:endParaRPr>
+          </a:p>
+        </p:txBody>
+      </p:sp>
+      <p:pic>
+        <p:nvPicPr>
+          <p:cNvPr id="2050" name="Picture 2" descr="Electronic Design Automation data science model">
+            <a:extLst>
+              <a:ext uri="{FF2B5EF4-FFF2-40B4-BE49-F238E27FC236}">
+                <a16:creationId xmlns:a16="http://schemas.microsoft.com/office/drawing/2014/main" id="{C638A394-E7BD-4EE7-8408-776F61A90D56}"/>
+              </a:ext>
+            </a:extLst>
+          </p:cNvPr>
+          <p:cNvPicPr>
+            <a:picLocks noChangeAspect="1" noChangeArrowheads="1"/>
+          </p:cNvPicPr>
+          <p:nvPr/>
+        </p:nvPicPr>
+        <p:blipFill>
+          <a:blip r:embed="rId5">
+            <a:extLst>
+              <a:ext uri="{28A0092B-C50C-407E-A947-70E740481C1C}">
+                <a14:useLocalDpi xmlns:a14="http://schemas.microsoft.com/office/drawing/2010/main" val="0"/>
+              </a:ext>
+            </a:extLst>
+          </a:blip>
+          <a:srcRect/>
+          <a:stretch>
+            <a:fillRect/>
+          </a:stretch>
+        </p:blipFill>
+        <p:spPr bwMode="auto">
+          <a:xfrm>
+            <a:off x="1115013" y="153387"/>
+            <a:ext cx="12892324" cy="6736239"/>
+          </a:xfrm>
+          <a:prstGeom prst="rect">
+            <a:avLst/>
+          </a:prstGeom>
+          <a:noFill/>
+          <a:extLst>
+            <a:ext uri="{909E8E84-426E-40DD-AFC4-6F175D3DCCD1}">
+              <a14:hiddenFill xmlns:a14="http://schemas.microsoft.com/office/drawing/2010/main">
+                <a:solidFill>
+                  <a:srgbClr val="FFFFFF"/>
+                </a:solidFill>
+              </a14:hiddenFill>
+            </a:ext>
+          </a:extLst>
+        </p:spPr>
+      </p:pic>
+    </p:spTree>
+  </p:cSld>
+  <p:clrMapOvr>
+    <a:masterClrMapping/>
+  </p:clrMapOvr>
+</p:sld>
+</file>
+
+<file path=ppt/slides/slide8.xml><?xml version="1.0" encoding="utf-8"?>
+<p:sld xmlns:a="http://schemas.openxmlformats.org/drawingml/2006/main" xmlns:r="http://schemas.openxmlformats.org/officeDocument/2006/relationships" xmlns:p="http://schemas.openxmlformats.org/presentationml/2006/main">
+  <p:cSld>
+    <p:spTree>
+      <p:nvGrpSpPr>
         <p:cNvPr id="1" name="Shape 114"/>
         <p:cNvGrpSpPr/>
         <p:nvPr/>
@@ -18123,7 +18772,7 @@
 </p:sld>
 </file>
 
-<file path=ppt/slides/slide8.xml><?xml version="1.0" encoding="utf-8"?>
+<file path=ppt/slides/slide9.xml><?xml version="1.0" encoding="utf-8"?>
 <p:sld xmlns:a="http://schemas.openxmlformats.org/drawingml/2006/main" xmlns:r="http://schemas.openxmlformats.org/officeDocument/2006/relationships" xmlns:p="http://schemas.openxmlformats.org/presentationml/2006/main">
   <p:cSld>
     <p:spTree>
@@ -18527,655 +19176,6 @@
           </a:ln>
         </p:spPr>
       </p:pic>
-    </p:spTree>
-  </p:cSld>
-  <p:clrMapOvr>
-    <a:masterClrMapping/>
-  </p:clrMapOvr>
-</p:sld>
-</file>
-
-<file path=ppt/slides/slide9.xml><?xml version="1.0" encoding="utf-8"?>
-<p:sld xmlns:a="http://schemas.openxmlformats.org/drawingml/2006/main" xmlns:r="http://schemas.openxmlformats.org/officeDocument/2006/relationships" xmlns:p="http://schemas.openxmlformats.org/presentationml/2006/main">
-  <p:cSld>
-    <p:spTree>
-      <p:nvGrpSpPr>
-        <p:cNvPr id="1" name="Shape 140"/>
-        <p:cNvGrpSpPr/>
-        <p:nvPr/>
-      </p:nvGrpSpPr>
-      <p:grpSpPr>
-        <a:xfrm>
-          <a:off x="0" y="0"/>
-          <a:ext cx="0" cy="0"/>
-          <a:chOff x="0" y="0"/>
-          <a:chExt cx="0" cy="0"/>
-        </a:xfrm>
-      </p:grpSpPr>
-      <p:cxnSp>
-        <p:nvCxnSpPr>
-          <p:cNvPr id="141" name="Google Shape;141;p20"/>
-          <p:cNvCxnSpPr/>
-          <p:nvPr/>
-        </p:nvCxnSpPr>
-        <p:spPr>
-          <a:xfrm>
-            <a:off x="14475844" y="-11"/>
-            <a:ext cx="0" cy="3877500"/>
-          </a:xfrm>
-          <a:prstGeom prst="straightConnector1">
-            <a:avLst/>
-          </a:prstGeom>
-          <a:noFill/>
-          <a:ln w="19050" cap="flat" cmpd="sng">
-            <a:solidFill>
-              <a:srgbClr val="FF6A39"/>
-            </a:solidFill>
-            <a:prstDash val="solid"/>
-            <a:round/>
-            <a:headEnd type="none" w="sm" len="sm"/>
-            <a:tailEnd type="none" w="sm" len="sm"/>
-          </a:ln>
-        </p:spPr>
-      </p:cxnSp>
-      <p:cxnSp>
-        <p:nvCxnSpPr>
-          <p:cNvPr id="142" name="Google Shape;142;p20"/>
-          <p:cNvCxnSpPr/>
-          <p:nvPr/>
-        </p:nvCxnSpPr>
-        <p:spPr>
-          <a:xfrm>
-            <a:off x="14475850" y="6859925"/>
-            <a:ext cx="0" cy="1061700"/>
-          </a:xfrm>
-          <a:prstGeom prst="straightConnector1">
-            <a:avLst/>
-          </a:prstGeom>
-          <a:noFill/>
-          <a:ln w="19050" cap="flat" cmpd="sng">
-            <a:solidFill>
-              <a:srgbClr val="FF6A39"/>
-            </a:solidFill>
-            <a:prstDash val="solid"/>
-            <a:round/>
-            <a:headEnd type="none" w="sm" len="sm"/>
-            <a:tailEnd type="none" w="sm" len="sm"/>
-          </a:ln>
-        </p:spPr>
-      </p:cxnSp>
-      <p:pic>
-        <p:nvPicPr>
-          <p:cNvPr id="143" name="Google Shape;143;p20"/>
-          <p:cNvPicPr preferRelativeResize="0"/>
-          <p:nvPr/>
-        </p:nvPicPr>
-        <p:blipFill rotWithShape="1">
-          <a:blip r:embed="rId3">
-            <a:alphaModFix/>
-          </a:blip>
-          <a:srcRect/>
-          <a:stretch/>
-        </p:blipFill>
-        <p:spPr>
-          <a:xfrm>
-            <a:off x="498500" y="709642"/>
-            <a:ext cx="1430575" cy="126308"/>
-          </a:xfrm>
-          <a:prstGeom prst="rect">
-            <a:avLst/>
-          </a:prstGeom>
-          <a:noFill/>
-          <a:ln>
-            <a:noFill/>
-          </a:ln>
-        </p:spPr>
-      </p:pic>
-      <p:sp>
-        <p:nvSpPr>
-          <p:cNvPr id="144" name="Google Shape;144;p20"/>
-          <p:cNvSpPr txBox="1"/>
-          <p:nvPr/>
-        </p:nvSpPr>
-        <p:spPr>
-          <a:xfrm rot="-5400000">
-            <a:off x="12971200" y="5038125"/>
-            <a:ext cx="3009300" cy="657900"/>
-          </a:xfrm>
-          <a:prstGeom prst="rect">
-            <a:avLst/>
-          </a:prstGeom>
-          <a:noFill/>
-          <a:ln>
-            <a:noFill/>
-          </a:ln>
-        </p:spPr>
-        <p:txBody>
-          <a:bodyPr spcFirstLastPara="1" wrap="square" lIns="147725" tIns="147725" rIns="147725" bIns="147725" anchor="t" anchorCtr="0">
-            <a:noAutofit/>
-          </a:bodyPr>
-          <a:lstStyle/>
-          <a:p>
-            <a:pPr marL="0" marR="0" lvl="0" indent="0" algn="ctr" rtl="0">
-              <a:lnSpc>
-                <a:spcPct val="100000"/>
-              </a:lnSpc>
-              <a:spcBef>
-                <a:spcPts val="0"/>
-              </a:spcBef>
-              <a:spcAft>
-                <a:spcPts val="0"/>
-              </a:spcAft>
-              <a:buClr>
-                <a:srgbClr val="000000"/>
-              </a:buClr>
-              <a:buSzPts val="2300"/>
-              <a:buFont typeface="Arial"/>
-              <a:buNone/>
-            </a:pPr>
-            <a:r>
-              <a:rPr lang="es-MX" sz="2300" dirty="0">
-                <a:solidFill>
-                  <a:srgbClr val="D8D8D8"/>
-                </a:solidFill>
-                <a:latin typeface="Montserrat"/>
-                <a:ea typeface="Montserrat"/>
-                <a:cs typeface="Montserrat"/>
-                <a:sym typeface="Montserrat"/>
-              </a:rPr>
-              <a:t>Diccionario de datos</a:t>
-            </a:r>
-            <a:endParaRPr sz="2300" b="0" i="0" u="none" strike="noStrike" cap="none" dirty="0">
-              <a:solidFill>
-                <a:srgbClr val="D8D8D8"/>
-              </a:solidFill>
-              <a:latin typeface="Montserrat"/>
-              <a:ea typeface="Montserrat"/>
-              <a:cs typeface="Montserrat"/>
-              <a:sym typeface="Montserrat"/>
-            </a:endParaRPr>
-          </a:p>
-        </p:txBody>
-      </p:sp>
-      <p:sp>
-        <p:nvSpPr>
-          <p:cNvPr id="145" name="Google Shape;145;p20"/>
-          <p:cNvSpPr txBox="1"/>
-          <p:nvPr/>
-        </p:nvSpPr>
-        <p:spPr>
-          <a:xfrm>
-            <a:off x="5872601" y="2311235"/>
-            <a:ext cx="6695081" cy="2228867"/>
-          </a:xfrm>
-          <a:prstGeom prst="rect">
-            <a:avLst/>
-          </a:prstGeom>
-          <a:noFill/>
-          <a:ln>
-            <a:noFill/>
-          </a:ln>
-        </p:spPr>
-        <p:txBody>
-          <a:bodyPr spcFirstLastPara="1" wrap="square" lIns="147725" tIns="147725" rIns="147725" bIns="147725" anchor="t" anchorCtr="0">
-            <a:noAutofit/>
-          </a:bodyPr>
-          <a:lstStyle/>
-          <a:p>
-            <a:pPr marL="0" marR="0" lvl="0" indent="0" algn="l" rtl="0">
-              <a:lnSpc>
-                <a:spcPct val="100000"/>
-              </a:lnSpc>
-              <a:spcBef>
-                <a:spcPts val="0"/>
-              </a:spcBef>
-              <a:spcAft>
-                <a:spcPts val="0"/>
-              </a:spcAft>
-              <a:buClr>
-                <a:srgbClr val="000000"/>
-              </a:buClr>
-              <a:buSzPts val="2600"/>
-              <a:buFont typeface="Arial"/>
-              <a:buNone/>
-            </a:pPr>
-            <a:r>
-              <a:rPr lang="es-MX" sz="2600" dirty="0">
-                <a:solidFill>
-                  <a:srgbClr val="2B303C"/>
-                </a:solidFill>
-                <a:latin typeface="Montserrat"/>
-                <a:ea typeface="Montserrat"/>
-                <a:cs typeface="Montserrat"/>
-                <a:sym typeface="Montserrat"/>
-              </a:rPr>
-              <a:t>Necesitamos primero saber si nuestra fuente de datos </a:t>
-            </a:r>
-            <a:r>
-              <a:rPr lang="es-MX" sz="2600" dirty="0">
-                <a:solidFill>
-                  <a:srgbClr val="FF6A39"/>
-                </a:solidFill>
-                <a:latin typeface="Montserrat"/>
-                <a:ea typeface="Montserrat"/>
-                <a:cs typeface="Montserrat"/>
-                <a:sym typeface="Montserrat"/>
-              </a:rPr>
-              <a:t>cumple con lo que necesitamos</a:t>
-            </a:r>
-            <a:r>
-              <a:rPr lang="es-MX" sz="2600" dirty="0">
-                <a:solidFill>
-                  <a:srgbClr val="2B303C"/>
-                </a:solidFill>
-                <a:latin typeface="Montserrat"/>
-                <a:ea typeface="Montserrat"/>
-                <a:cs typeface="Montserrat"/>
-                <a:sym typeface="Montserrat"/>
-              </a:rPr>
-              <a:t>, qué contiene y </a:t>
-            </a:r>
-            <a:r>
-              <a:rPr lang="es-MX" sz="2600" dirty="0">
-                <a:solidFill>
-                  <a:srgbClr val="FF6A39"/>
-                </a:solidFill>
-                <a:latin typeface="Montserrat"/>
-                <a:ea typeface="Montserrat"/>
-                <a:cs typeface="Montserrat"/>
-                <a:sym typeface="Montserrat"/>
-              </a:rPr>
-              <a:t>qué significa</a:t>
-            </a:r>
-            <a:r>
-              <a:rPr lang="es-MX" sz="2600" dirty="0">
-                <a:solidFill>
-                  <a:srgbClr val="2B303C"/>
-                </a:solidFill>
-                <a:latin typeface="Montserrat"/>
-                <a:ea typeface="Montserrat"/>
-                <a:cs typeface="Montserrat"/>
-                <a:sym typeface="Montserrat"/>
-              </a:rPr>
-              <a:t> cada uno de los datos que nos brinda.</a:t>
-            </a:r>
-            <a:endParaRPr sz="2600" i="0" u="none" strike="noStrike" cap="none" dirty="0">
-              <a:solidFill>
-                <a:srgbClr val="2B303C"/>
-              </a:solidFill>
-              <a:latin typeface="Montserrat SemiBold"/>
-              <a:ea typeface="Montserrat SemiBold"/>
-              <a:cs typeface="Montserrat SemiBold"/>
-              <a:sym typeface="Montserrat SemiBold"/>
-            </a:endParaRPr>
-          </a:p>
-        </p:txBody>
-      </p:sp>
-      <p:sp>
-        <p:nvSpPr>
-          <p:cNvPr id="146" name="Google Shape;146;p20"/>
-          <p:cNvSpPr txBox="1"/>
-          <p:nvPr/>
-        </p:nvSpPr>
-        <p:spPr>
-          <a:xfrm>
-            <a:off x="2295842" y="414450"/>
-            <a:ext cx="9218400" cy="716700"/>
-          </a:xfrm>
-          <a:prstGeom prst="rect">
-            <a:avLst/>
-          </a:prstGeom>
-          <a:noFill/>
-          <a:ln>
-            <a:noFill/>
-          </a:ln>
-        </p:spPr>
-        <p:txBody>
-          <a:bodyPr spcFirstLastPara="1" wrap="square" lIns="147725" tIns="147725" rIns="147725" bIns="147725" anchor="ctr" anchorCtr="0">
-            <a:noAutofit/>
-          </a:bodyPr>
-          <a:lstStyle/>
-          <a:p>
-            <a:pPr marL="0" marR="0" lvl="0" indent="0" algn="l" rtl="0">
-              <a:lnSpc>
-                <a:spcPct val="100000"/>
-              </a:lnSpc>
-              <a:spcBef>
-                <a:spcPts val="0"/>
-              </a:spcBef>
-              <a:spcAft>
-                <a:spcPts val="0"/>
-              </a:spcAft>
-              <a:buClr>
-                <a:srgbClr val="000000"/>
-              </a:buClr>
-              <a:buSzPts val="4000"/>
-              <a:buFont typeface="Arial"/>
-              <a:buNone/>
-            </a:pPr>
-            <a:r>
-              <a:rPr lang="es-MX" sz="4000" b="1" dirty="0">
-                <a:solidFill>
-                  <a:srgbClr val="16181C"/>
-                </a:solidFill>
-                <a:latin typeface="Montserrat"/>
-                <a:ea typeface="Montserrat"/>
-                <a:cs typeface="Montserrat"/>
-                <a:sym typeface="Montserrat"/>
-              </a:rPr>
-              <a:t>Diccionario de datos</a:t>
-            </a:r>
-            <a:endParaRPr sz="4000" b="0" i="0" u="none" strike="noStrike" cap="none" dirty="0">
-              <a:solidFill>
-                <a:srgbClr val="16181C"/>
-              </a:solidFill>
-              <a:latin typeface="Montserrat"/>
-              <a:ea typeface="Montserrat"/>
-              <a:cs typeface="Montserrat"/>
-              <a:sym typeface="Montserrat"/>
-            </a:endParaRPr>
-          </a:p>
-        </p:txBody>
-      </p:sp>
-      <p:pic>
-        <p:nvPicPr>
-          <p:cNvPr id="148" name="Google Shape;148;p20"/>
-          <p:cNvPicPr preferRelativeResize="0"/>
-          <p:nvPr/>
-        </p:nvPicPr>
-        <p:blipFill rotWithShape="1">
-          <a:blip r:embed="rId4">
-            <a:alphaModFix/>
-          </a:blip>
-          <a:srcRect/>
-          <a:stretch/>
-        </p:blipFill>
-        <p:spPr>
-          <a:xfrm>
-            <a:off x="575050" y="6725850"/>
-            <a:ext cx="3996201" cy="994075"/>
-          </a:xfrm>
-          <a:prstGeom prst="rect">
-            <a:avLst/>
-          </a:prstGeom>
-          <a:noFill/>
-          <a:ln>
-            <a:noFill/>
-          </a:ln>
-        </p:spPr>
-      </p:pic>
-      <p:pic>
-        <p:nvPicPr>
-          <p:cNvPr id="149" name="Google Shape;149;p20"/>
-          <p:cNvPicPr preferRelativeResize="0"/>
-          <p:nvPr/>
-        </p:nvPicPr>
-        <p:blipFill rotWithShape="1">
-          <a:blip r:embed="rId5">
-            <a:alphaModFix/>
-          </a:blip>
-          <a:srcRect/>
-          <a:stretch/>
-        </p:blipFill>
-        <p:spPr>
-          <a:xfrm>
-            <a:off x="10878384" y="531488"/>
-            <a:ext cx="2165348" cy="482600"/>
-          </a:xfrm>
-          <a:prstGeom prst="rect">
-            <a:avLst/>
-          </a:prstGeom>
-          <a:noFill/>
-          <a:ln>
-            <a:noFill/>
-          </a:ln>
-        </p:spPr>
-      </p:pic>
-      <p:graphicFrame>
-        <p:nvGraphicFramePr>
-          <p:cNvPr id="2" name="Tabla 1">
-            <a:extLst>
-              <a:ext uri="{FF2B5EF4-FFF2-40B4-BE49-F238E27FC236}">
-                <a16:creationId xmlns:a16="http://schemas.microsoft.com/office/drawing/2014/main" id="{112492C5-10EB-49EE-95E7-4A9E4FBB862A}"/>
-              </a:ext>
-            </a:extLst>
-          </p:cNvPr>
-          <p:cNvGraphicFramePr>
-            <a:graphicFrameLocks noGrp="1"/>
-          </p:cNvGraphicFramePr>
-          <p:nvPr>
-            <p:extLst>
-              <p:ext uri="{D42A27DB-BD31-4B8C-83A1-F6EECF244321}">
-                <p14:modId xmlns:p14="http://schemas.microsoft.com/office/powerpoint/2010/main" val="3840821163"/>
-              </p:ext>
-            </p:extLst>
-          </p:nvPr>
-        </p:nvGraphicFramePr>
-        <p:xfrm>
-          <a:off x="1110436" y="2218173"/>
-          <a:ext cx="4433210" cy="4309119"/>
-        </p:xfrm>
-        <a:graphic>
-          <a:graphicData uri="http://schemas.openxmlformats.org/drawingml/2006/table">
-            <a:tbl>
-              <a:tblPr firstRow="1" bandRow="1">
-                <a:tableStyleId>{5C22544A-7EE6-4342-B048-85BDC9FD1C3A}</a:tableStyleId>
-              </a:tblPr>
-              <a:tblGrid>
-                <a:gridCol w="4433210">
-                  <a:extLst>
-                    <a:ext uri="{9D8B030D-6E8A-4147-A177-3AD203B41FA5}">
-                      <a16:colId xmlns:a16="http://schemas.microsoft.com/office/drawing/2014/main" val="367317310"/>
-                    </a:ext>
-                  </a:extLst>
-                </a:gridCol>
-              </a:tblGrid>
-              <a:tr h="478791">
-                <a:tc>
-                  <a:txBody>
-                    <a:bodyPr/>
-                    <a:lstStyle/>
-                    <a:p>
-                      <a:r>
-                        <a:rPr lang="es-MX" sz="2000" dirty="0">
-                          <a:latin typeface="Montserrat" panose="020B0604020202020204" charset="0"/>
-                        </a:rPr>
-                        <a:t>Campos</a:t>
-                      </a:r>
-                    </a:p>
-                  </a:txBody>
-                  <a:tcPr>
-                    <a:solidFill>
-                      <a:srgbClr val="FF6A39"/>
-                    </a:solidFill>
-                  </a:tcPr>
-                </a:tc>
-                <a:extLst>
-                  <a:ext uri="{0D108BD9-81ED-4DB2-BD59-A6C34878D82A}">
-                    <a16:rowId xmlns:a16="http://schemas.microsoft.com/office/drawing/2014/main" val="2280715875"/>
-                  </a:ext>
-                </a:extLst>
-              </a:tr>
-              <a:tr h="478791">
-                <a:tc>
-                  <a:txBody>
-                    <a:bodyPr/>
-                    <a:lstStyle/>
-                    <a:p>
-                      <a:r>
-                        <a:rPr lang="es-MX" sz="2000" dirty="0">
-                          <a:latin typeface="Montserrat" panose="020B0604020202020204" charset="0"/>
-                        </a:rPr>
-                        <a:t>SEXO</a:t>
-                      </a:r>
-                    </a:p>
-                  </a:txBody>
-                  <a:tcPr/>
-                </a:tc>
-                <a:extLst>
-                  <a:ext uri="{0D108BD9-81ED-4DB2-BD59-A6C34878D82A}">
-                    <a16:rowId xmlns:a16="http://schemas.microsoft.com/office/drawing/2014/main" val="2144267495"/>
-                  </a:ext>
-                </a:extLst>
-              </a:tr>
-              <a:tr h="478791">
-                <a:tc>
-                  <a:txBody>
-                    <a:bodyPr/>
-                    <a:lstStyle/>
-                    <a:p>
-                      <a:r>
-                        <a:rPr lang="es-MX" sz="2000" dirty="0">
-                          <a:latin typeface="Montserrat" panose="020B0604020202020204" charset="0"/>
-                        </a:rPr>
-                        <a:t>ENTIDAD</a:t>
-                      </a:r>
-                    </a:p>
-                  </a:txBody>
-                  <a:tcPr/>
-                </a:tc>
-                <a:extLst>
-                  <a:ext uri="{0D108BD9-81ED-4DB2-BD59-A6C34878D82A}">
-                    <a16:rowId xmlns:a16="http://schemas.microsoft.com/office/drawing/2014/main" val="1269997081"/>
-                  </a:ext>
-                </a:extLst>
-              </a:tr>
-              <a:tr h="478791">
-                <a:tc>
-                  <a:txBody>
-                    <a:bodyPr/>
-                    <a:lstStyle/>
-                    <a:p>
-                      <a:r>
-                        <a:rPr lang="es-MX" sz="2000" dirty="0">
-                          <a:latin typeface="Montserrat" panose="020B0604020202020204" charset="0"/>
-                        </a:rPr>
-                        <a:t>EDAD</a:t>
-                      </a:r>
-                    </a:p>
-                  </a:txBody>
-                  <a:tcPr/>
-                </a:tc>
-                <a:extLst>
-                  <a:ext uri="{0D108BD9-81ED-4DB2-BD59-A6C34878D82A}">
-                    <a16:rowId xmlns:a16="http://schemas.microsoft.com/office/drawing/2014/main" val="494606700"/>
-                  </a:ext>
-                </a:extLst>
-              </a:tr>
-              <a:tr h="478791">
-                <a:tc>
-                  <a:txBody>
-                    <a:bodyPr/>
-                    <a:lstStyle/>
-                    <a:p>
-                      <a:r>
-                        <a:rPr lang="es-MX" sz="2000" dirty="0">
-                          <a:latin typeface="Montserrat" panose="020B0604020202020204" charset="0"/>
-                        </a:rPr>
-                        <a:t>INTUBADO</a:t>
-                      </a:r>
-                    </a:p>
-                  </a:txBody>
-                  <a:tcPr/>
-                </a:tc>
-                <a:extLst>
-                  <a:ext uri="{0D108BD9-81ED-4DB2-BD59-A6C34878D82A}">
-                    <a16:rowId xmlns:a16="http://schemas.microsoft.com/office/drawing/2014/main" val="1584789268"/>
-                  </a:ext>
-                </a:extLst>
-              </a:tr>
-              <a:tr h="478791">
-                <a:tc>
-                  <a:txBody>
-                    <a:bodyPr/>
-                    <a:lstStyle/>
-                    <a:p>
-                      <a:r>
-                        <a:rPr lang="es-MX" sz="2000" dirty="0">
-                          <a:latin typeface="Montserrat" panose="020B0604020202020204" charset="0"/>
-                        </a:rPr>
-                        <a:t>NEUMONÍA</a:t>
-                      </a:r>
-                    </a:p>
-                  </a:txBody>
-                  <a:tcPr/>
-                </a:tc>
-                <a:extLst>
-                  <a:ext uri="{0D108BD9-81ED-4DB2-BD59-A6C34878D82A}">
-                    <a16:rowId xmlns:a16="http://schemas.microsoft.com/office/drawing/2014/main" val="2892190359"/>
-                  </a:ext>
-                </a:extLst>
-              </a:tr>
-              <a:tr h="478791">
-                <a:tc>
-                  <a:txBody>
-                    <a:bodyPr/>
-                    <a:lstStyle/>
-                    <a:p>
-                      <a:r>
-                        <a:rPr lang="es-MX" sz="2000" dirty="0">
-                          <a:latin typeface="Montserrat" panose="020B0604020202020204" charset="0"/>
-                        </a:rPr>
-                        <a:t>DIABETES</a:t>
-                      </a:r>
-                    </a:p>
-                  </a:txBody>
-                  <a:tcPr/>
-                </a:tc>
-                <a:extLst>
-                  <a:ext uri="{0D108BD9-81ED-4DB2-BD59-A6C34878D82A}">
-                    <a16:rowId xmlns:a16="http://schemas.microsoft.com/office/drawing/2014/main" val="4287293136"/>
-                  </a:ext>
-                </a:extLst>
-              </a:tr>
-              <a:tr h="478791">
-                <a:tc>
-                  <a:txBody>
-                    <a:bodyPr/>
-                    <a:lstStyle/>
-                    <a:p>
-                      <a:r>
-                        <a:rPr lang="es-MX" sz="2000" dirty="0">
-                          <a:latin typeface="Montserrat" panose="020B0604020202020204" charset="0"/>
-                        </a:rPr>
-                        <a:t>HIPERTENSIÓN</a:t>
-                      </a:r>
-                    </a:p>
-                  </a:txBody>
-                  <a:tcPr/>
-                </a:tc>
-                <a:extLst>
-                  <a:ext uri="{0D108BD9-81ED-4DB2-BD59-A6C34878D82A}">
-                    <a16:rowId xmlns:a16="http://schemas.microsoft.com/office/drawing/2014/main" val="1947089366"/>
-                  </a:ext>
-                </a:extLst>
-              </a:tr>
-              <a:tr h="478791">
-                <a:tc>
-                  <a:txBody>
-                    <a:bodyPr/>
-                    <a:lstStyle/>
-                    <a:p>
-                      <a:r>
-                        <a:rPr lang="es-MX" sz="2000" dirty="0">
-                          <a:latin typeface="Montserrat" panose="020B0604020202020204" charset="0"/>
-                        </a:rPr>
-                        <a:t>…</a:t>
-                      </a:r>
-                    </a:p>
-                  </a:txBody>
-                  <a:tcPr/>
-                </a:tc>
-                <a:extLst>
-                  <a:ext uri="{0D108BD9-81ED-4DB2-BD59-A6C34878D82A}">
-                    <a16:rowId xmlns:a16="http://schemas.microsoft.com/office/drawing/2014/main" val="3008191804"/>
-                  </a:ext>
-                </a:extLst>
-              </a:tr>
-            </a:tbl>
-          </a:graphicData>
-        </a:graphic>
-      </p:graphicFrame>
     </p:spTree>
   </p:cSld>
   <p:clrMapOvr>
